--- a/slides.pptx
+++ b/slides.pptx
@@ -5,20 +5,38 @@
     <p:sldMasterId id="2147483767" r:id="rId1"/>
   </p:sldMasterIdLst>
   <p:notesMasterIdLst>
-    <p:notesMasterId r:id="rId13"/>
+    <p:notesMasterId r:id="rId31"/>
   </p:notesMasterIdLst>
   <p:sldIdLst>
     <p:sldId id="256" r:id="rId2"/>
-    <p:sldId id="257" r:id="rId3"/>
-    <p:sldId id="261" r:id="rId4"/>
-    <p:sldId id="264" r:id="rId5"/>
-    <p:sldId id="258" r:id="rId6"/>
-    <p:sldId id="265" r:id="rId7"/>
-    <p:sldId id="259" r:id="rId8"/>
-    <p:sldId id="263" r:id="rId9"/>
-    <p:sldId id="266" r:id="rId10"/>
-    <p:sldId id="262" r:id="rId11"/>
-    <p:sldId id="267" r:id="rId12"/>
+    <p:sldId id="261" r:id="rId3"/>
+    <p:sldId id="268" r:id="rId4"/>
+    <p:sldId id="269" r:id="rId5"/>
+    <p:sldId id="270" r:id="rId6"/>
+    <p:sldId id="276" r:id="rId7"/>
+    <p:sldId id="278" r:id="rId8"/>
+    <p:sldId id="271" r:id="rId9"/>
+    <p:sldId id="258" r:id="rId10"/>
+    <p:sldId id="272" r:id="rId11"/>
+    <p:sldId id="273" r:id="rId12"/>
+    <p:sldId id="274" r:id="rId13"/>
+    <p:sldId id="265" r:id="rId14"/>
+    <p:sldId id="275" r:id="rId15"/>
+    <p:sldId id="277" r:id="rId16"/>
+    <p:sldId id="279" r:id="rId17"/>
+    <p:sldId id="259" r:id="rId18"/>
+    <p:sldId id="280" r:id="rId19"/>
+    <p:sldId id="281" r:id="rId20"/>
+    <p:sldId id="282" r:id="rId21"/>
+    <p:sldId id="284" r:id="rId22"/>
+    <p:sldId id="283" r:id="rId23"/>
+    <p:sldId id="285" r:id="rId24"/>
+    <p:sldId id="286" r:id="rId25"/>
+    <p:sldId id="287" r:id="rId26"/>
+    <p:sldId id="288" r:id="rId27"/>
+    <p:sldId id="289" r:id="rId28"/>
+    <p:sldId id="262" r:id="rId29"/>
+    <p:sldId id="267" r:id="rId30"/>
   </p:sldIdLst>
   <p:sldSz cx="12192000" cy="6858000"/>
   <p:notesSz cx="6858000" cy="9144000"/>
@@ -127,27 +145,48 @@
         </p14:section>
         <p14:section name="Bases" id="{45F03C1E-6A10-438B-9B3C-74779A4C8E6C}">
           <p14:sldIdLst>
-            <p14:sldId id="257"/>
             <p14:sldId id="261"/>
-            <p14:sldId id="264"/>
+            <p14:sldId id="268"/>
+            <p14:sldId id="269"/>
+            <p14:sldId id="270"/>
+            <p14:sldId id="276"/>
+            <p14:sldId id="278"/>
+            <p14:sldId id="271"/>
           </p14:sldIdLst>
         </p14:section>
         <p14:section name="Structures de contrôle" id="{9081EC34-BEB7-4018-8AFB-6ED096943967}">
           <p14:sldIdLst>
             <p14:sldId id="258"/>
+            <p14:sldId id="272"/>
+            <p14:sldId id="273"/>
+            <p14:sldId id="274"/>
             <p14:sldId id="265"/>
+            <p14:sldId id="275"/>
+            <p14:sldId id="277"/>
+            <p14:sldId id="279"/>
             <p14:sldId id="259"/>
-            <p14:sldId id="263"/>
+            <p14:sldId id="280"/>
+            <p14:sldId id="281"/>
+            <p14:sldId id="282"/>
+            <p14:sldId id="284"/>
+            <p14:sldId id="283"/>
+            <p14:sldId id="285"/>
+            <p14:sldId id="286"/>
+            <p14:sldId id="287"/>
+            <p14:sldId id="288"/>
+            <p14:sldId id="289"/>
           </p14:sldIdLst>
         </p14:section>
         <p14:section name="Orienté objet" id="{1156A34A-95D4-45F6-BE97-3E57B477A2EF}">
           <p14:sldIdLst>
-            <p14:sldId id="266"/>
             <p14:sldId id="262"/>
             <p14:sldId id="267"/>
           </p14:sldIdLst>
         </p14:section>
       </p14:sectionLst>
+    </p:ext>
+    <p:ext uri="{EFAFB233-063F-42B5-8137-9DF3F51BA10A}">
+      <p15:sldGuideLst xmlns:p15="http://schemas.microsoft.com/office/powerpoint/2012/main"/>
     </p:ext>
   </p:extLst>
 </p:presentation>
@@ -235,7 +274,7 @@
           <a:p>
             <a:fld id="{06BD50BE-C1D3-4556-8E05-1D2D98AA7606}" type="datetimeFigureOut">
               <a:rPr lang="fr-BE" smtClean="0"/>
-              <a:t>28-10-19</a:t>
+              <a:t>02-11-19</a:t>
             </a:fld>
             <a:endParaRPr lang="fr-BE"/>
           </a:p>
@@ -549,21 +588,80 @@
           <a:p>
             <a:r>
               <a:rPr lang="en-US" dirty="0"/>
-              <a:t>Exceptions et </a:t>
+              <a:t>"None" </a:t>
             </a:r>
             <a:r>
               <a:rPr lang="en-US" dirty="0" err="1"/>
-              <a:t>gestionnaires</a:t>
+              <a:t>joue</a:t>
             </a:r>
             <a:r>
               <a:rPr lang="en-US" dirty="0"/>
-              <a:t> de </a:t>
-            </a:r>
-            <a:r>
-              <a:rPr lang="en-US" dirty="0" err="1"/>
-              <a:t>contexte</a:t>
-            </a:r>
-            <a:endParaRPr lang="fr-BE" dirty="0"/>
+              <a:t> le role de "null"</a:t>
+            </a:r>
+            <a:r>
+              <a:rPr lang="fr-BE" dirty="0"/>
+              <a:t> dans les autres langages, mais aussi de "</a:t>
+            </a:r>
+            <a:r>
+              <a:rPr lang="fr-BE" dirty="0" err="1"/>
+              <a:t>Void</a:t>
+            </a:r>
+            <a:r>
+              <a:rPr lang="fr-BE" dirty="0"/>
+              <a:t>".</a:t>
+            </a:r>
+          </a:p>
+          <a:p>
+            <a:r>
+              <a:rPr lang="fr-BE" dirty="0"/>
+              <a:t>Tout est objet.</a:t>
+            </a:r>
+          </a:p>
+          <a:p>
+            <a:r>
+              <a:rPr lang="fr-BE" dirty="0"/>
+              <a:t>Les entiers ne sont pas limités en taille.</a:t>
+            </a:r>
+          </a:p>
+          <a:p>
+            <a:r>
+              <a:rPr lang="fr-BE" dirty="0"/>
+              <a:t>Les </a:t>
+            </a:r>
+            <a:r>
+              <a:rPr lang="fr-BE" dirty="0" err="1"/>
+              <a:t>float</a:t>
+            </a:r>
+            <a:r>
+              <a:rPr lang="fr-BE" dirty="0"/>
+              <a:t> sont des nombres à virgule flottante double-précision.</a:t>
+            </a:r>
+          </a:p>
+          <a:p>
+            <a:r>
+              <a:rPr lang="fr-BE" dirty="0"/>
+              <a:t>Il n'existe pas de nombre simple précision.</a:t>
+            </a:r>
+          </a:p>
+          <a:p>
+            <a:r>
+              <a:rPr lang="fr-BE" dirty="0"/>
+              <a:t>Il existe aussi des nombres complexes avec une partie réelle et une partie imaginaire.</a:t>
+            </a:r>
+          </a:p>
+          <a:p>
+            <a:r>
+              <a:rPr lang="fr-BE" dirty="0"/>
+              <a:t>Pas de type pour les caractères, seulement </a:t>
+            </a:r>
+            <a:r>
+              <a:rPr lang="fr-BE" dirty="0" err="1"/>
+              <a:t>str</a:t>
+            </a:r>
+            <a:r>
+              <a:rPr lang="fr-BE" dirty="0"/>
+              <a:t>.</a:t>
+            </a:r>
           </a:p>
         </p:txBody>
       </p:sp>
@@ -584,7 +682,7 @@
           <a:p>
             <a:fld id="{D514CAC8-E575-4AA6-990F-2A2D5B2618F3}" type="slidenum">
               <a:rPr lang="fr-BE" smtClean="0"/>
-              <a:t>8</a:t>
+              <a:t>3</a:t>
             </a:fld>
             <a:endParaRPr lang="fr-BE"/>
           </a:p>
@@ -593,7 +691,517 @@
     </p:spTree>
     <p:extLst>
       <p:ext uri="{BB962C8B-B14F-4D97-AF65-F5344CB8AC3E}">
-        <p14:creationId xmlns:p14="http://schemas.microsoft.com/office/powerpoint/2010/main" val="1159142176"/>
+        <p14:creationId xmlns:p14="http://schemas.microsoft.com/office/powerpoint/2010/main" val="1001318719"/>
+      </p:ext>
+    </p:extLst>
+  </p:cSld>
+  <p:clrMapOvr>
+    <a:masterClrMapping/>
+  </p:clrMapOvr>
+</p:notes>
+</file>
+
+<file path=ppt/notesSlides/notesSlide2.xml><?xml version="1.0" encoding="utf-8"?>
+<p:notes xmlns:a="http://schemas.openxmlformats.org/drawingml/2006/main" xmlns:r="http://schemas.openxmlformats.org/officeDocument/2006/relationships" xmlns:p="http://schemas.openxmlformats.org/presentationml/2006/main">
+  <p:cSld>
+    <p:spTree>
+      <p:nvGrpSpPr>
+        <p:cNvPr id="1" name=""/>
+        <p:cNvGrpSpPr/>
+        <p:nvPr/>
+      </p:nvGrpSpPr>
+      <p:grpSpPr>
+        <a:xfrm>
+          <a:off x="0" y="0"/>
+          <a:ext cx="0" cy="0"/>
+          <a:chOff x="0" y="0"/>
+          <a:chExt cx="0" cy="0"/>
+        </a:xfrm>
+      </p:grpSpPr>
+      <p:sp>
+        <p:nvSpPr>
+          <p:cNvPr id="2" name="Espace réservé de l'image des diapositives 1"/>
+          <p:cNvSpPr>
+            <a:spLocks noGrp="1" noRot="1" noChangeAspect="1"/>
+          </p:cNvSpPr>
+          <p:nvPr>
+            <p:ph type="sldImg"/>
+          </p:nvPr>
+        </p:nvSpPr>
+        <p:spPr/>
+      </p:sp>
+      <p:sp>
+        <p:nvSpPr>
+          <p:cNvPr id="3" name="Espace réservé des notes 2"/>
+          <p:cNvSpPr>
+            <a:spLocks noGrp="1"/>
+          </p:cNvSpPr>
+          <p:nvPr>
+            <p:ph type="body" idx="1"/>
+          </p:nvPr>
+        </p:nvSpPr>
+        <p:spPr/>
+        <p:txBody>
+          <a:bodyPr/>
+          <a:lstStyle/>
+          <a:p>
+            <a:r>
+              <a:rPr lang="en-US" dirty="0"/>
+              <a:t>Pas de </a:t>
+            </a:r>
+            <a:r>
+              <a:rPr lang="en-US" dirty="0" err="1"/>
+              <a:t>déclaration</a:t>
+            </a:r>
+            <a:r>
+              <a:rPr lang="en-US" dirty="0"/>
+              <a:t> de variables.</a:t>
+            </a:r>
+          </a:p>
+          <a:p>
+            <a:r>
+              <a:rPr lang="fr-BE" dirty="0"/>
+              <a:t>Pas de déclaration de type non plus, ni même de type associé à une variable de manière fixe.</a:t>
+            </a:r>
+          </a:p>
+        </p:txBody>
+      </p:sp>
+      <p:sp>
+        <p:nvSpPr>
+          <p:cNvPr id="4" name="Espace réservé du numéro de diapositive 3"/>
+          <p:cNvSpPr>
+            <a:spLocks noGrp="1"/>
+          </p:cNvSpPr>
+          <p:nvPr>
+            <p:ph type="sldNum" sz="quarter" idx="5"/>
+          </p:nvPr>
+        </p:nvSpPr>
+        <p:spPr/>
+        <p:txBody>
+          <a:bodyPr/>
+          <a:lstStyle/>
+          <a:p>
+            <a:fld id="{D514CAC8-E575-4AA6-990F-2A2D5B2618F3}" type="slidenum">
+              <a:rPr lang="fr-BE" smtClean="0"/>
+              <a:t>4</a:t>
+            </a:fld>
+            <a:endParaRPr lang="fr-BE"/>
+          </a:p>
+        </p:txBody>
+      </p:sp>
+    </p:spTree>
+    <p:extLst>
+      <p:ext uri="{BB962C8B-B14F-4D97-AF65-F5344CB8AC3E}">
+        <p14:creationId xmlns:p14="http://schemas.microsoft.com/office/powerpoint/2010/main" val="1526314640"/>
+      </p:ext>
+    </p:extLst>
+  </p:cSld>
+  <p:clrMapOvr>
+    <a:masterClrMapping/>
+  </p:clrMapOvr>
+</p:notes>
+</file>
+
+<file path=ppt/notesSlides/notesSlide3.xml><?xml version="1.0" encoding="utf-8"?>
+<p:notes xmlns:a="http://schemas.openxmlformats.org/drawingml/2006/main" xmlns:r="http://schemas.openxmlformats.org/officeDocument/2006/relationships" xmlns:p="http://schemas.openxmlformats.org/presentationml/2006/main">
+  <p:cSld>
+    <p:spTree>
+      <p:nvGrpSpPr>
+        <p:cNvPr id="1" name=""/>
+        <p:cNvGrpSpPr/>
+        <p:nvPr/>
+      </p:nvGrpSpPr>
+      <p:grpSpPr>
+        <a:xfrm>
+          <a:off x="0" y="0"/>
+          <a:ext cx="0" cy="0"/>
+          <a:chOff x="0" y="0"/>
+          <a:chExt cx="0" cy="0"/>
+        </a:xfrm>
+      </p:grpSpPr>
+      <p:sp>
+        <p:nvSpPr>
+          <p:cNvPr id="2" name="Espace réservé de l'image des diapositives 1"/>
+          <p:cNvSpPr>
+            <a:spLocks noGrp="1" noRot="1" noChangeAspect="1"/>
+          </p:cNvSpPr>
+          <p:nvPr>
+            <p:ph type="sldImg"/>
+          </p:nvPr>
+        </p:nvSpPr>
+        <p:spPr/>
+      </p:sp>
+      <p:sp>
+        <p:nvSpPr>
+          <p:cNvPr id="3" name="Espace réservé des notes 2"/>
+          <p:cNvSpPr>
+            <a:spLocks noGrp="1"/>
+          </p:cNvSpPr>
+          <p:nvPr>
+            <p:ph type="body" idx="1"/>
+          </p:nvPr>
+        </p:nvSpPr>
+        <p:spPr/>
+        <p:txBody>
+          <a:bodyPr/>
+          <a:lstStyle/>
+          <a:p>
+            <a:r>
+              <a:rPr lang="en-US" dirty="0"/>
+              <a:t>print() et input() </a:t>
+            </a:r>
+            <a:r>
+              <a:rPr lang="en-US" dirty="0" err="1"/>
+              <a:t>permettent</a:t>
+            </a:r>
+            <a:r>
+              <a:rPr lang="en-US" dirty="0"/>
+              <a:t> </a:t>
+            </a:r>
+            <a:r>
+              <a:rPr lang="en-US" dirty="0" err="1"/>
+              <a:t>d'interagir</a:t>
+            </a:r>
+            <a:r>
+              <a:rPr lang="en-US" dirty="0"/>
+              <a:t> avec la console</a:t>
+            </a:r>
+          </a:p>
+          <a:p>
+            <a:r>
+              <a:rPr lang="en-US" dirty="0"/>
+              <a:t>Les f-string </a:t>
+            </a:r>
+            <a:r>
+              <a:rPr lang="en-US" dirty="0" err="1"/>
+              <a:t>permettent</a:t>
+            </a:r>
+            <a:r>
+              <a:rPr lang="en-US" dirty="0"/>
+              <a:t> </a:t>
+            </a:r>
+            <a:r>
+              <a:rPr lang="en-US" dirty="0" err="1"/>
+              <a:t>d'utiliser</a:t>
+            </a:r>
+            <a:r>
+              <a:rPr lang="en-US" dirty="0"/>
+              <a:t> des </a:t>
+            </a:r>
+            <a:r>
+              <a:rPr lang="en-US" dirty="0" err="1"/>
+              <a:t>noms</a:t>
+            </a:r>
+            <a:r>
+              <a:rPr lang="en-US" dirty="0"/>
+              <a:t> de variable à </a:t>
+            </a:r>
+            <a:r>
+              <a:rPr lang="en-US" dirty="0" err="1"/>
+              <a:t>l'intérieur</a:t>
+            </a:r>
+            <a:r>
+              <a:rPr lang="en-US" dirty="0"/>
+              <a:t> </a:t>
+            </a:r>
+            <a:r>
+              <a:rPr lang="en-US" dirty="0" err="1"/>
+              <a:t>d'une</a:t>
+            </a:r>
+            <a:r>
+              <a:rPr lang="en-US" dirty="0"/>
+              <a:t> </a:t>
+            </a:r>
+            <a:r>
+              <a:rPr lang="en-US" dirty="0" err="1"/>
+              <a:t>chaîne</a:t>
+            </a:r>
+            <a:r>
+              <a:rPr lang="en-US" dirty="0"/>
+              <a:t> de </a:t>
+            </a:r>
+            <a:r>
+              <a:rPr lang="en-US" dirty="0" err="1"/>
+              <a:t>caractères</a:t>
+            </a:r>
+            <a:r>
+              <a:rPr lang="en-US" dirty="0"/>
+              <a:t>.</a:t>
+            </a:r>
+          </a:p>
+          <a:p>
+            <a:r>
+              <a:rPr lang="en-US" dirty="0" err="1"/>
+              <a:t>Notez</a:t>
+            </a:r>
+            <a:r>
+              <a:rPr lang="en-US" dirty="0"/>
+              <a:t> </a:t>
+            </a:r>
+            <a:r>
+              <a:rPr lang="en-US" dirty="0" err="1"/>
+              <a:t>qu'il</a:t>
+            </a:r>
+            <a:r>
+              <a:rPr lang="en-US" dirty="0"/>
+              <a:t> </a:t>
+            </a:r>
+            <a:r>
+              <a:rPr lang="en-US" dirty="0" err="1"/>
+              <a:t>n'y</a:t>
+            </a:r>
+            <a:r>
+              <a:rPr lang="en-US" dirty="0"/>
+              <a:t> a pas non plus de </a:t>
+            </a:r>
+            <a:r>
+              <a:rPr lang="en-US" dirty="0" err="1"/>
+              <a:t>caractère</a:t>
+            </a:r>
+            <a:r>
+              <a:rPr lang="en-US" dirty="0"/>
+              <a:t> de fin de </a:t>
+            </a:r>
+            <a:r>
+              <a:rPr lang="en-US" dirty="0" err="1"/>
+              <a:t>ligne</a:t>
+            </a:r>
+            <a:r>
+              <a:rPr lang="en-US" dirty="0"/>
+              <a:t> comment </a:t>
+            </a:r>
+            <a:r>
+              <a:rPr lang="en-US" dirty="0" err="1"/>
+              <a:t>en</a:t>
+            </a:r>
+            <a:r>
+              <a:rPr lang="en-US" dirty="0"/>
+              <a:t> C </a:t>
+            </a:r>
+            <a:r>
+              <a:rPr lang="en-US" dirty="0" err="1"/>
+              <a:t>ou</a:t>
+            </a:r>
+            <a:r>
+              <a:rPr lang="en-US" dirty="0"/>
+              <a:t> </a:t>
+            </a:r>
+            <a:r>
+              <a:rPr lang="en-US" dirty="0" err="1"/>
+              <a:t>en</a:t>
+            </a:r>
+            <a:r>
+              <a:rPr lang="en-US" dirty="0"/>
+              <a:t> Java.</a:t>
+            </a:r>
+            <a:endParaRPr lang="fr-BE" dirty="0"/>
+          </a:p>
+        </p:txBody>
+      </p:sp>
+      <p:sp>
+        <p:nvSpPr>
+          <p:cNvPr id="4" name="Espace réservé du numéro de diapositive 3"/>
+          <p:cNvSpPr>
+            <a:spLocks noGrp="1"/>
+          </p:cNvSpPr>
+          <p:nvPr>
+            <p:ph type="sldNum" sz="quarter" idx="5"/>
+          </p:nvPr>
+        </p:nvSpPr>
+        <p:spPr/>
+        <p:txBody>
+          <a:bodyPr/>
+          <a:lstStyle/>
+          <a:p>
+            <a:fld id="{D514CAC8-E575-4AA6-990F-2A2D5B2618F3}" type="slidenum">
+              <a:rPr lang="fr-BE" smtClean="0"/>
+              <a:t>5</a:t>
+            </a:fld>
+            <a:endParaRPr lang="fr-BE"/>
+          </a:p>
+        </p:txBody>
+      </p:sp>
+    </p:spTree>
+    <p:extLst>
+      <p:ext uri="{BB962C8B-B14F-4D97-AF65-F5344CB8AC3E}">
+        <p14:creationId xmlns:p14="http://schemas.microsoft.com/office/powerpoint/2010/main" val="1339374652"/>
+      </p:ext>
+    </p:extLst>
+  </p:cSld>
+  <p:clrMapOvr>
+    <a:masterClrMapping/>
+  </p:clrMapOvr>
+</p:notes>
+</file>
+
+<file path=ppt/notesSlides/notesSlide4.xml><?xml version="1.0" encoding="utf-8"?>
+<p:notes xmlns:a="http://schemas.openxmlformats.org/drawingml/2006/main" xmlns:r="http://schemas.openxmlformats.org/officeDocument/2006/relationships" xmlns:p="http://schemas.openxmlformats.org/presentationml/2006/main">
+  <p:cSld>
+    <p:spTree>
+      <p:nvGrpSpPr>
+        <p:cNvPr id="1" name=""/>
+        <p:cNvGrpSpPr/>
+        <p:nvPr/>
+      </p:nvGrpSpPr>
+      <p:grpSpPr>
+        <a:xfrm>
+          <a:off x="0" y="0"/>
+          <a:ext cx="0" cy="0"/>
+          <a:chOff x="0" y="0"/>
+          <a:chExt cx="0" cy="0"/>
+        </a:xfrm>
+      </p:grpSpPr>
+      <p:sp>
+        <p:nvSpPr>
+          <p:cNvPr id="2" name="Espace réservé de l'image des diapositives 1"/>
+          <p:cNvSpPr>
+            <a:spLocks noGrp="1" noRot="1" noChangeAspect="1"/>
+          </p:cNvSpPr>
+          <p:nvPr>
+            <p:ph type="sldImg"/>
+          </p:nvPr>
+        </p:nvSpPr>
+        <p:spPr/>
+      </p:sp>
+      <p:sp>
+        <p:nvSpPr>
+          <p:cNvPr id="3" name="Espace réservé des notes 2"/>
+          <p:cNvSpPr>
+            <a:spLocks noGrp="1"/>
+          </p:cNvSpPr>
+          <p:nvPr>
+            <p:ph type="body" idx="1"/>
+          </p:nvPr>
+        </p:nvSpPr>
+        <p:spPr/>
+        <p:txBody>
+          <a:bodyPr/>
+          <a:lstStyle/>
+          <a:p>
+            <a:r>
+              <a:rPr lang="en-150" dirty="0"/>
+              <a:t>R</a:t>
+            </a:r>
+            <a:r>
+              <a:rPr lang="fr-BE" dirty="0"/>
+              <a:t>ô</a:t>
+            </a:r>
+            <a:r>
+              <a:rPr lang="en-150" dirty="0"/>
+              <a:t>l</a:t>
+            </a:r>
+            <a:r>
+              <a:rPr lang="fr-BE" dirty="0"/>
+              <a:t>e</a:t>
+            </a:r>
+            <a:r>
+              <a:rPr lang="en-150" dirty="0"/>
+              <a:t> </a:t>
+            </a:r>
+            <a:r>
+              <a:rPr lang="fr-BE" dirty="0"/>
+              <a:t>d</a:t>
+            </a:r>
+            <a:r>
+              <a:rPr lang="en-150" dirty="0"/>
+              <a:t>e </a:t>
+            </a:r>
+            <a:r>
+              <a:rPr lang="fr-BE" dirty="0"/>
+              <a:t>l</a:t>
+            </a:r>
+            <a:r>
+              <a:rPr lang="en-150" dirty="0"/>
+              <a:t>'</a:t>
+            </a:r>
+            <a:r>
+              <a:rPr lang="fr-BE" dirty="0"/>
+              <a:t>i</a:t>
+            </a:r>
+            <a:r>
+              <a:rPr lang="en-150" dirty="0"/>
+              <a:t>n</a:t>
+            </a:r>
+            <a:r>
+              <a:rPr lang="fr-BE" dirty="0"/>
+              <a:t>d</a:t>
+            </a:r>
+            <a:r>
+              <a:rPr lang="en-150" dirty="0"/>
+              <a:t>e</a:t>
+            </a:r>
+            <a:r>
+              <a:rPr lang="fr-BE" dirty="0"/>
+              <a:t>n</a:t>
+            </a:r>
+            <a:r>
+              <a:rPr lang="en-150" dirty="0"/>
+              <a:t>t</a:t>
+            </a:r>
+            <a:r>
+              <a:rPr lang="fr-BE" dirty="0"/>
+              <a:t>a</a:t>
+            </a:r>
+            <a:r>
+              <a:rPr lang="en-150" dirty="0"/>
+              <a:t>t</a:t>
+            </a:r>
+            <a:r>
+              <a:rPr lang="fr-BE" dirty="0"/>
+              <a:t>i</a:t>
+            </a:r>
+            <a:r>
+              <a:rPr lang="en-150" dirty="0"/>
+              <a:t>o</a:t>
+            </a:r>
+            <a:r>
+              <a:rPr lang="fr-BE" dirty="0"/>
+              <a:t>n</a:t>
+            </a:r>
+            <a:endParaRPr lang="en-150" dirty="0"/>
+          </a:p>
+          <a:p>
+            <a:r>
+              <a:rPr lang="en-150" dirty="0"/>
+              <a:t>Default params</a:t>
+            </a:r>
+          </a:p>
+          <a:p>
+            <a:r>
+              <a:rPr lang="en-150" dirty="0"/>
+              <a:t>Packing and unpacking</a:t>
+            </a:r>
+            <a:endParaRPr lang="fr-BE" dirty="0"/>
+          </a:p>
+        </p:txBody>
+      </p:sp>
+      <p:sp>
+        <p:nvSpPr>
+          <p:cNvPr id="4" name="Espace réservé du numéro de diapositive 3"/>
+          <p:cNvSpPr>
+            <a:spLocks noGrp="1"/>
+          </p:cNvSpPr>
+          <p:nvPr>
+            <p:ph type="sldNum" sz="quarter" idx="5"/>
+          </p:nvPr>
+        </p:nvSpPr>
+        <p:spPr/>
+        <p:txBody>
+          <a:bodyPr/>
+          <a:lstStyle/>
+          <a:p>
+            <a:fld id="{D514CAC8-E575-4AA6-990F-2A2D5B2618F3}" type="slidenum">
+              <a:rPr lang="fr-BE" smtClean="0"/>
+              <a:t>19</a:t>
+            </a:fld>
+            <a:endParaRPr lang="fr-BE"/>
+          </a:p>
+        </p:txBody>
+      </p:sp>
+    </p:spTree>
+    <p:extLst>
+      <p:ext uri="{BB962C8B-B14F-4D97-AF65-F5344CB8AC3E}">
+        <p14:creationId xmlns:p14="http://schemas.microsoft.com/office/powerpoint/2010/main" val="225942996"/>
       </p:ext>
     </p:extLst>
   </p:cSld>
@@ -830,9 +1438,9 @@
             <a:fld id="{87DE6118-2437-4B30-8E3C-4D2BE6020583}" type="datetimeFigureOut">
               <a:rPr lang="en-US" smtClean="0"/>
               <a:pPr/>
-              <a:t>10/28/2019</a:t>
+              <a:t>11/2/2019</a:t>
             </a:fld>
-            <a:endParaRPr lang="en-US" dirty="0"/>
+            <a:endParaRPr lang="en-US"/>
           </a:p>
         </p:txBody>
       </p:sp>
@@ -851,7 +1459,7 @@
           <a:bodyPr/>
           <a:lstStyle/>
           <a:p>
-            <a:endParaRPr lang="en-US" dirty="0"/>
+            <a:endParaRPr lang="en-US"/>
           </a:p>
         </p:txBody>
       </p:sp>
@@ -875,7 +1483,7 @@
               <a:pPr/>
               <a:t>‹N°›</a:t>
             </a:fld>
-            <a:endParaRPr lang="en-US" dirty="0"/>
+            <a:endParaRPr lang="en-US"/>
           </a:p>
         </p:txBody>
       </p:sp>
@@ -1039,9 +1647,9 @@
           <a:p>
             <a:fld id="{87DE6118-2437-4B30-8E3C-4D2BE6020583}" type="datetimeFigureOut">
               <a:rPr lang="en-US" smtClean="0"/>
-              <a:t>10/28/2019</a:t>
+              <a:t>11/2/2019</a:t>
             </a:fld>
-            <a:endParaRPr lang="en-US" dirty="0"/>
+            <a:endParaRPr lang="en-US"/>
           </a:p>
         </p:txBody>
       </p:sp>
@@ -1060,7 +1668,7 @@
           <a:bodyPr/>
           <a:lstStyle/>
           <a:p>
-            <a:endParaRPr lang="en-US" dirty="0"/>
+            <a:endParaRPr lang="en-US"/>
           </a:p>
         </p:txBody>
       </p:sp>
@@ -1083,7 +1691,7 @@
               <a:rPr lang="en-US" smtClean="0"/>
               <a:t>‹N°›</a:t>
             </a:fld>
-            <a:endParaRPr lang="en-US" dirty="0"/>
+            <a:endParaRPr lang="en-US"/>
           </a:p>
         </p:txBody>
       </p:sp>
@@ -1295,9 +1903,9 @@
           <a:p>
             <a:fld id="{87DE6118-2437-4B30-8E3C-4D2BE6020583}" type="datetimeFigureOut">
               <a:rPr lang="en-US" smtClean="0"/>
-              <a:t>10/28/2019</a:t>
+              <a:t>11/2/2019</a:t>
             </a:fld>
-            <a:endParaRPr lang="en-US" dirty="0"/>
+            <a:endParaRPr lang="en-US"/>
           </a:p>
         </p:txBody>
       </p:sp>
@@ -1316,7 +1924,7 @@
           <a:bodyPr/>
           <a:lstStyle/>
           <a:p>
-            <a:endParaRPr lang="en-US" dirty="0"/>
+            <a:endParaRPr lang="en-US"/>
           </a:p>
         </p:txBody>
       </p:sp>
@@ -1339,7 +1947,7 @@
               <a:rPr lang="en-US" smtClean="0"/>
               <a:t>‹N°›</a:t>
             </a:fld>
-            <a:endParaRPr lang="en-US" dirty="0"/>
+            <a:endParaRPr lang="en-US"/>
           </a:p>
         </p:txBody>
       </p:sp>
@@ -1465,9 +2073,9 @@
           <a:p>
             <a:fld id="{87DE6118-2437-4B30-8E3C-4D2BE6020583}" type="datetimeFigureOut">
               <a:rPr lang="en-US" smtClean="0"/>
-              <a:t>10/28/2019</a:t>
+              <a:t>11/2/2019</a:t>
             </a:fld>
-            <a:endParaRPr lang="en-US" dirty="0"/>
+            <a:endParaRPr lang="en-US"/>
           </a:p>
         </p:txBody>
       </p:sp>
@@ -1486,7 +2094,7 @@
           <a:bodyPr/>
           <a:lstStyle/>
           <a:p>
-            <a:endParaRPr lang="en-US" dirty="0"/>
+            <a:endParaRPr lang="en-US"/>
           </a:p>
         </p:txBody>
       </p:sp>
@@ -1509,7 +2117,7 @@
               <a:rPr lang="en-US" smtClean="0"/>
               <a:t>‹N°›</a:t>
             </a:fld>
-            <a:endParaRPr lang="en-US" dirty="0"/>
+            <a:endParaRPr lang="en-US"/>
           </a:p>
         </p:txBody>
       </p:sp>
@@ -1809,9 +2417,9 @@
             <a:fld id="{87DE6118-2437-4B30-8E3C-4D2BE6020583}" type="datetimeFigureOut">
               <a:rPr lang="en-US" smtClean="0"/>
               <a:pPr/>
-              <a:t>10/28/2019</a:t>
+              <a:t>11/2/2019</a:t>
             </a:fld>
-            <a:endParaRPr lang="en-US" dirty="0"/>
+            <a:endParaRPr lang="en-US"/>
           </a:p>
         </p:txBody>
       </p:sp>
@@ -1830,7 +2438,7 @@
           <a:bodyPr/>
           <a:lstStyle/>
           <a:p>
-            <a:endParaRPr lang="en-US" dirty="0"/>
+            <a:endParaRPr lang="en-US"/>
           </a:p>
         </p:txBody>
       </p:sp>
@@ -1854,7 +2462,7 @@
               <a:pPr/>
               <a:t>‹N°›</a:t>
             </a:fld>
-            <a:endParaRPr lang="en-US" dirty="0"/>
+            <a:endParaRPr lang="en-US"/>
           </a:p>
         </p:txBody>
       </p:sp>
@@ -2085,9 +2693,9 @@
           <a:p>
             <a:fld id="{87DE6118-2437-4B30-8E3C-4D2BE6020583}" type="datetimeFigureOut">
               <a:rPr lang="en-US" smtClean="0"/>
-              <a:t>10/28/2019</a:t>
+              <a:t>11/2/2019</a:t>
             </a:fld>
-            <a:endParaRPr lang="en-US" dirty="0"/>
+            <a:endParaRPr lang="en-US"/>
           </a:p>
         </p:txBody>
       </p:sp>
@@ -2106,7 +2714,7 @@
           <a:bodyPr/>
           <a:lstStyle/>
           <a:p>
-            <a:endParaRPr lang="en-US" dirty="0"/>
+            <a:endParaRPr lang="en-US"/>
           </a:p>
         </p:txBody>
       </p:sp>
@@ -2129,7 +2737,7 @@
               <a:rPr lang="en-US" smtClean="0"/>
               <a:t>‹N°›</a:t>
             </a:fld>
-            <a:endParaRPr lang="en-US" dirty="0"/>
+            <a:endParaRPr lang="en-US"/>
           </a:p>
         </p:txBody>
       </p:sp>
@@ -2464,9 +3072,9 @@
           <a:p>
             <a:fld id="{87DE6118-2437-4B30-8E3C-4D2BE6020583}" type="datetimeFigureOut">
               <a:rPr lang="en-US" smtClean="0"/>
-              <a:t>10/28/2019</a:t>
+              <a:t>11/2/2019</a:t>
             </a:fld>
-            <a:endParaRPr lang="en-US" dirty="0"/>
+            <a:endParaRPr lang="en-US"/>
           </a:p>
         </p:txBody>
       </p:sp>
@@ -2485,7 +3093,7 @@
           <a:bodyPr/>
           <a:lstStyle/>
           <a:p>
-            <a:endParaRPr lang="en-US" dirty="0"/>
+            <a:endParaRPr lang="en-US"/>
           </a:p>
         </p:txBody>
       </p:sp>
@@ -2508,7 +3116,7 @@
               <a:rPr lang="en-US" smtClean="0"/>
               <a:t>‹N°›</a:t>
             </a:fld>
-            <a:endParaRPr lang="en-US" dirty="0"/>
+            <a:endParaRPr lang="en-US"/>
           </a:p>
         </p:txBody>
       </p:sp>
@@ -2582,9 +3190,9 @@
           <a:p>
             <a:fld id="{87DE6118-2437-4B30-8E3C-4D2BE6020583}" type="datetimeFigureOut">
               <a:rPr lang="en-US" smtClean="0"/>
-              <a:t>10/28/2019</a:t>
+              <a:t>11/2/2019</a:t>
             </a:fld>
-            <a:endParaRPr lang="en-US" dirty="0"/>
+            <a:endParaRPr lang="en-US"/>
           </a:p>
         </p:txBody>
       </p:sp>
@@ -2603,7 +3211,7 @@
           <a:bodyPr/>
           <a:lstStyle/>
           <a:p>
-            <a:endParaRPr lang="en-US" dirty="0"/>
+            <a:endParaRPr lang="en-US"/>
           </a:p>
         </p:txBody>
       </p:sp>
@@ -2626,7 +3234,7 @@
               <a:rPr lang="en-US" smtClean="0"/>
               <a:t>‹N°›</a:t>
             </a:fld>
-            <a:endParaRPr lang="en-US" dirty="0"/>
+            <a:endParaRPr lang="en-US"/>
           </a:p>
         </p:txBody>
       </p:sp>
@@ -2753,9 +3361,9 @@
           <a:p>
             <a:fld id="{87DE6118-2437-4B30-8E3C-4D2BE6020583}" type="datetimeFigureOut">
               <a:rPr lang="en-US" smtClean="0"/>
-              <a:t>10/28/2019</a:t>
+              <a:t>11/2/2019</a:t>
             </a:fld>
-            <a:endParaRPr lang="en-US" dirty="0"/>
+            <a:endParaRPr lang="en-US"/>
           </a:p>
         </p:txBody>
       </p:sp>
@@ -2782,7 +3390,7 @@
             </a:lvl1pPr>
           </a:lstStyle>
           <a:p>
-            <a:endParaRPr lang="en-US" dirty="0"/>
+            <a:endParaRPr lang="en-US"/>
           </a:p>
         </p:txBody>
       </p:sp>
@@ -2805,7 +3413,7 @@
               <a:rPr lang="en-US" smtClean="0"/>
               <a:t>‹N°›</a:t>
             </a:fld>
-            <a:endParaRPr lang="en-US" dirty="0"/>
+            <a:endParaRPr lang="en-US"/>
           </a:p>
         </p:txBody>
       </p:sp>
@@ -3108,9 +3716,9 @@
             <a:fld id="{87DE6118-2437-4B30-8E3C-4D2BE6020583}" type="datetimeFigureOut">
               <a:rPr lang="en-US" smtClean="0"/>
               <a:pPr/>
-              <a:t>10/28/2019</a:t>
+              <a:t>11/2/2019</a:t>
             </a:fld>
-            <a:endParaRPr lang="en-US" dirty="0"/>
+            <a:endParaRPr lang="en-US"/>
           </a:p>
         </p:txBody>
       </p:sp>
@@ -3142,7 +3750,7 @@
             </a:lvl1pPr>
           </a:lstStyle>
           <a:p>
-            <a:endParaRPr lang="en-US" dirty="0"/>
+            <a:endParaRPr lang="en-US"/>
           </a:p>
         </p:txBody>
       </p:sp>
@@ -3174,7 +3782,7 @@
               <a:pPr/>
               <a:t>‹N°›</a:t>
             </a:fld>
-            <a:endParaRPr lang="en-US" dirty="0"/>
+            <a:endParaRPr lang="en-US"/>
           </a:p>
         </p:txBody>
       </p:sp>
@@ -3388,7 +3996,7 @@
               <a:rPr lang="fr-FR"/>
               <a:t>Cliquez sur l'icône pour ajouter une image</a:t>
             </a:r>
-            <a:endParaRPr lang="en-US" dirty="0"/>
+            <a:endParaRPr lang="en-US"/>
           </a:p>
         </p:txBody>
       </p:sp>
@@ -3487,9 +4095,9 @@
             <a:fld id="{87DE6118-2437-4B30-8E3C-4D2BE6020583}" type="datetimeFigureOut">
               <a:rPr lang="en-US" smtClean="0"/>
               <a:pPr/>
-              <a:t>10/28/2019</a:t>
+              <a:t>11/2/2019</a:t>
             </a:fld>
-            <a:endParaRPr lang="en-US" dirty="0"/>
+            <a:endParaRPr lang="en-US"/>
           </a:p>
         </p:txBody>
       </p:sp>
@@ -3508,7 +4116,7 @@
           <a:bodyPr/>
           <a:lstStyle/>
           <a:p>
-            <a:endParaRPr lang="en-US" dirty="0"/>
+            <a:endParaRPr lang="en-US"/>
           </a:p>
         </p:txBody>
       </p:sp>
@@ -3532,7 +4140,7 @@
               <a:pPr/>
               <a:t>‹N°›</a:t>
             </a:fld>
-            <a:endParaRPr lang="en-US" dirty="0"/>
+            <a:endParaRPr lang="en-US"/>
           </a:p>
         </p:txBody>
       </p:sp>
@@ -3776,9 +4384,9 @@
             <a:fld id="{87DE6118-2437-4B30-8E3C-4D2BE6020583}" type="datetimeFigureOut">
               <a:rPr lang="en-US" smtClean="0"/>
               <a:pPr/>
-              <a:t>10/28/2019</a:t>
+              <a:t>11/2/2019</a:t>
             </a:fld>
-            <a:endParaRPr lang="en-US" dirty="0"/>
+            <a:endParaRPr lang="en-US"/>
           </a:p>
         </p:txBody>
       </p:sp>
@@ -3813,7 +4421,7 @@
             </a:lvl1pPr>
           </a:lstStyle>
           <a:p>
-            <a:endParaRPr lang="en-US" dirty="0"/>
+            <a:endParaRPr lang="en-US"/>
           </a:p>
         </p:txBody>
       </p:sp>
@@ -3853,7 +4461,7 @@
               <a:pPr/>
               <a:t>‹N°›</a:t>
             </a:fld>
-            <a:endParaRPr lang="en-US" dirty="0"/>
+            <a:endParaRPr lang="en-US"/>
           </a:p>
         </p:txBody>
       </p:sp>
@@ -4328,14 +4936,14 @@
           <a:lstStyle/>
           <a:p>
             <a:r>
-              <a:rPr lang="en-US" dirty="0"/>
+              <a:rPr lang="en-US"/>
               <a:t>Python pour </a:t>
             </a:r>
             <a:r>
-              <a:rPr lang="en-US" dirty="0" err="1"/>
+              <a:rPr lang="en-US" err="1"/>
               <a:t>pogrammeurs</a:t>
             </a:r>
-            <a:endParaRPr lang="fr-BE" dirty="0"/>
+            <a:endParaRPr lang="fr-BE"/>
           </a:p>
         </p:txBody>
       </p:sp>
@@ -4399,7 +5007,7 @@
           <p:cNvPr id="4" name="Titre 3">
             <a:extLst>
               <a:ext uri="{FF2B5EF4-FFF2-40B4-BE49-F238E27FC236}">
-                <a16:creationId xmlns:a16="http://schemas.microsoft.com/office/drawing/2014/main" id="{7C12A1B3-30A1-44D3-964B-8F4B3150E160}"/>
+                <a16:creationId xmlns:a16="http://schemas.microsoft.com/office/drawing/2014/main" id="{FC6A34AE-992C-491B-9F21-8FC2BF76A1F5}"/>
               </a:ext>
             </a:extLst>
           </p:cNvPr>
@@ -4417,11 +5025,7 @@
           <a:p>
             <a:r>
               <a:rPr lang="en-US" dirty="0"/>
-              <a:t>Classes et </a:t>
-            </a:r>
-            <a:r>
-              <a:rPr lang="en-US" dirty="0" err="1"/>
-              <a:t>objets</a:t>
+              <a:t>if … else …</a:t>
             </a:r>
             <a:endParaRPr lang="fr-BE" dirty="0"/>
           </a:p>
@@ -4429,10 +5033,10 @@
       </p:sp>
       <p:sp>
         <p:nvSpPr>
-          <p:cNvPr id="5" name="Espace réservé du texte 4">
+          <p:cNvPr id="5" name="Espace réservé du contenu 4">
             <a:extLst>
               <a:ext uri="{FF2B5EF4-FFF2-40B4-BE49-F238E27FC236}">
-                <a16:creationId xmlns:a16="http://schemas.microsoft.com/office/drawing/2014/main" id="{5CB98627-E081-4135-900C-B01051FF44F0}"/>
+                <a16:creationId xmlns:a16="http://schemas.microsoft.com/office/drawing/2014/main" id="{EF3ECDF3-60C1-4A4B-8BF7-CF272D3E29EC}"/>
               </a:ext>
             </a:extLst>
           </p:cNvPr>
@@ -4440,7 +5044,7 @@
             <a:spLocks noGrp="1"/>
           </p:cNvSpPr>
           <p:nvPr>
-            <p:ph type="body" idx="1"/>
+            <p:ph idx="1"/>
           </p:nvPr>
         </p:nvSpPr>
         <p:spPr/>
@@ -4448,14 +5052,73 @@
           <a:bodyPr/>
           <a:lstStyle/>
           <a:p>
-            <a:endParaRPr lang="fr-BE"/>
+            <a:r>
+              <a:rPr lang="en-US" dirty="0">
+                <a:latin typeface="Consolas" panose="020B0609020204030204" pitchFamily="49" charset="0"/>
+              </a:rPr>
+              <a:t>if gender == "M" and age &gt; 35:</a:t>
+            </a:r>
+          </a:p>
+          <a:p>
+            <a:r>
+              <a:rPr lang="en-US" dirty="0">
+                <a:latin typeface="Consolas" panose="020B0609020204030204" pitchFamily="49" charset="0"/>
+              </a:rPr>
+              <a:t>    print("Adult male")</a:t>
+            </a:r>
+          </a:p>
+          <a:p>
+            <a:r>
+              <a:rPr lang="en-US" dirty="0">
+                <a:latin typeface="Consolas" panose="020B0609020204030204" pitchFamily="49" charset="0"/>
+              </a:rPr>
+              <a:t>else:</a:t>
+            </a:r>
+            <a:endParaRPr lang="fr-BE" dirty="0">
+              <a:latin typeface="Consolas" panose="020B0609020204030204" pitchFamily="49" charset="0"/>
+            </a:endParaRPr>
+          </a:p>
+          <a:p>
+            <a:r>
+              <a:rPr lang="fr-BE" dirty="0">
+                <a:latin typeface="Consolas" panose="020B0609020204030204" pitchFamily="49" charset="0"/>
+              </a:rPr>
+              <a:t>    </a:t>
+            </a:r>
+            <a:r>
+              <a:rPr lang="fr-BE" dirty="0" err="1">
+                <a:latin typeface="Consolas" panose="020B0609020204030204" pitchFamily="49" charset="0"/>
+              </a:rPr>
+              <a:t>print</a:t>
+            </a:r>
+            <a:r>
+              <a:rPr lang="fr-BE" dirty="0">
+                <a:latin typeface="Consolas" panose="020B0609020204030204" pitchFamily="49" charset="0"/>
+              </a:rPr>
+              <a:t>("Something </a:t>
+            </a:r>
+            <a:r>
+              <a:rPr lang="fr-BE" dirty="0" err="1">
+                <a:latin typeface="Consolas" panose="020B0609020204030204" pitchFamily="49" charset="0"/>
+              </a:rPr>
+              <a:t>else</a:t>
+            </a:r>
+            <a:r>
+              <a:rPr lang="fr-BE" dirty="0">
+                <a:latin typeface="Consolas" panose="020B0609020204030204" pitchFamily="49" charset="0"/>
+              </a:rPr>
+              <a:t>")</a:t>
+            </a:r>
+            <a:endParaRPr lang="en-US" dirty="0">
+              <a:latin typeface="Consolas" panose="020B0609020204030204" pitchFamily="49" charset="0"/>
+            </a:endParaRPr>
           </a:p>
         </p:txBody>
       </p:sp>
     </p:spTree>
     <p:extLst>
       <p:ext uri="{BB962C8B-B14F-4D97-AF65-F5344CB8AC3E}">
-        <p14:creationId xmlns:p14="http://schemas.microsoft.com/office/powerpoint/2010/main" val="2278141950"/>
+        <p14:creationId xmlns:p14="http://schemas.microsoft.com/office/powerpoint/2010/main" val="1508203439"/>
       </p:ext>
     </p:extLst>
   </p:cSld>
@@ -4484,10 +5147,205 @@
       </p:grpSpPr>
       <p:sp>
         <p:nvSpPr>
+          <p:cNvPr id="4" name="Titre 3">
+            <a:extLst>
+              <a:ext uri="{FF2B5EF4-FFF2-40B4-BE49-F238E27FC236}">
+                <a16:creationId xmlns:a16="http://schemas.microsoft.com/office/drawing/2014/main" id="{FC6A34AE-992C-491B-9F21-8FC2BF76A1F5}"/>
+              </a:ext>
+            </a:extLst>
+          </p:cNvPr>
+          <p:cNvSpPr>
+            <a:spLocks noGrp="1"/>
+          </p:cNvSpPr>
+          <p:nvPr>
+            <p:ph type="title"/>
+          </p:nvPr>
+        </p:nvSpPr>
+        <p:spPr/>
+        <p:txBody>
+          <a:bodyPr/>
+          <a:lstStyle/>
+          <a:p>
+            <a:r>
+              <a:rPr lang="en-US" dirty="0"/>
+              <a:t>if … </a:t>
+            </a:r>
+            <a:r>
+              <a:rPr lang="en-US" dirty="0" err="1"/>
+              <a:t>elif</a:t>
+            </a:r>
+            <a:r>
+              <a:rPr lang="en-US" dirty="0"/>
+              <a:t> … else …</a:t>
+            </a:r>
+            <a:endParaRPr lang="fr-BE" dirty="0"/>
+          </a:p>
+        </p:txBody>
+      </p:sp>
+      <p:sp>
+        <p:nvSpPr>
+          <p:cNvPr id="5" name="Espace réservé du contenu 4">
+            <a:extLst>
+              <a:ext uri="{FF2B5EF4-FFF2-40B4-BE49-F238E27FC236}">
+                <a16:creationId xmlns:a16="http://schemas.microsoft.com/office/drawing/2014/main" id="{EF3ECDF3-60C1-4A4B-8BF7-CF272D3E29EC}"/>
+              </a:ext>
+            </a:extLst>
+          </p:cNvPr>
+          <p:cNvSpPr>
+            <a:spLocks noGrp="1"/>
+          </p:cNvSpPr>
+          <p:nvPr>
+            <p:ph idx="1"/>
+          </p:nvPr>
+        </p:nvSpPr>
+        <p:spPr/>
+        <p:txBody>
+          <a:bodyPr/>
+          <a:lstStyle/>
+          <a:p>
+            <a:r>
+              <a:rPr lang="en-US" dirty="0">
+                <a:latin typeface="Consolas" panose="020B0609020204030204" pitchFamily="49" charset="0"/>
+              </a:rPr>
+              <a:t>if gender == "M" and age &gt; 35:</a:t>
+            </a:r>
+          </a:p>
+          <a:p>
+            <a:r>
+              <a:rPr lang="en-US" dirty="0">
+                <a:latin typeface="Consolas" panose="020B0609020204030204" pitchFamily="49" charset="0"/>
+              </a:rPr>
+              <a:t>    print("Adult male")</a:t>
+            </a:r>
+          </a:p>
+          <a:p>
+            <a:r>
+              <a:rPr lang="en-US" dirty="0" err="1">
+                <a:latin typeface="Consolas" panose="020B0609020204030204" pitchFamily="49" charset="0"/>
+              </a:rPr>
+              <a:t>elif</a:t>
+            </a:r>
+            <a:r>
+              <a:rPr lang="en-US" dirty="0">
+                <a:latin typeface="Consolas" panose="020B0609020204030204" pitchFamily="49" charset="0"/>
+              </a:rPr>
+              <a:t> gender == "M" and age &lt; 35:</a:t>
+            </a:r>
+          </a:p>
+          <a:p>
+            <a:r>
+              <a:rPr lang="en-US" dirty="0">
+                <a:latin typeface="Consolas" panose="020B0609020204030204" pitchFamily="49" charset="0"/>
+              </a:rPr>
+              <a:t>    print("Young male")</a:t>
+            </a:r>
+          </a:p>
+          <a:p>
+            <a:r>
+              <a:rPr lang="en-US" dirty="0" err="1">
+                <a:latin typeface="Consolas" panose="020B0609020204030204" pitchFamily="49" charset="0"/>
+              </a:rPr>
+              <a:t>elif</a:t>
+            </a:r>
+            <a:r>
+              <a:rPr lang="en-US" dirty="0">
+                <a:latin typeface="Consolas" panose="020B0609020204030204" pitchFamily="49" charset="0"/>
+              </a:rPr>
+              <a:t> gender == "F" and age &gt; 35:</a:t>
+            </a:r>
+          </a:p>
+          <a:p>
+            <a:r>
+              <a:rPr lang="en-US" dirty="0">
+                <a:latin typeface="Consolas" panose="020B0609020204030204" pitchFamily="49" charset="0"/>
+              </a:rPr>
+              <a:t>    print("Adult female")</a:t>
+            </a:r>
+          </a:p>
+          <a:p>
+            <a:r>
+              <a:rPr lang="en-US" dirty="0">
+                <a:latin typeface="Consolas" panose="020B0609020204030204" pitchFamily="49" charset="0"/>
+              </a:rPr>
+              <a:t>else:</a:t>
+            </a:r>
+            <a:endParaRPr lang="fr-BE" dirty="0">
+              <a:latin typeface="Consolas" panose="020B0609020204030204" pitchFamily="49" charset="0"/>
+            </a:endParaRPr>
+          </a:p>
+          <a:p>
+            <a:r>
+              <a:rPr lang="fr-BE" dirty="0">
+                <a:latin typeface="Consolas" panose="020B0609020204030204" pitchFamily="49" charset="0"/>
+              </a:rPr>
+              <a:t>    </a:t>
+            </a:r>
+            <a:r>
+              <a:rPr lang="fr-BE" dirty="0" err="1">
+                <a:latin typeface="Consolas" panose="020B0609020204030204" pitchFamily="49" charset="0"/>
+              </a:rPr>
+              <a:t>print</a:t>
+            </a:r>
+            <a:r>
+              <a:rPr lang="fr-BE" dirty="0">
+                <a:latin typeface="Consolas" panose="020B0609020204030204" pitchFamily="49" charset="0"/>
+              </a:rPr>
+              <a:t>("Young </a:t>
+            </a:r>
+            <a:r>
+              <a:rPr lang="fr-BE" dirty="0" err="1">
+                <a:latin typeface="Consolas" panose="020B0609020204030204" pitchFamily="49" charset="0"/>
+              </a:rPr>
+              <a:t>female</a:t>
+            </a:r>
+            <a:r>
+              <a:rPr lang="fr-BE" dirty="0">
+                <a:latin typeface="Consolas" panose="020B0609020204030204" pitchFamily="49" charset="0"/>
+              </a:rPr>
+              <a:t>")</a:t>
+            </a:r>
+            <a:endParaRPr lang="en-US" dirty="0">
+              <a:latin typeface="Consolas" panose="020B0609020204030204" pitchFamily="49" charset="0"/>
+            </a:endParaRPr>
+          </a:p>
+        </p:txBody>
+      </p:sp>
+    </p:spTree>
+    <p:extLst>
+      <p:ext uri="{BB962C8B-B14F-4D97-AF65-F5344CB8AC3E}">
+        <p14:creationId xmlns:p14="http://schemas.microsoft.com/office/powerpoint/2010/main" val="1123623963"/>
+      </p:ext>
+    </p:extLst>
+  </p:cSld>
+  <p:clrMapOvr>
+    <a:masterClrMapping/>
+  </p:clrMapOvr>
+</p:sld>
+</file>
+
+<file path=ppt/slides/slide12.xml><?xml version="1.0" encoding="utf-8"?>
+<p:sld xmlns:a="http://schemas.openxmlformats.org/drawingml/2006/main" xmlns:r="http://schemas.openxmlformats.org/officeDocument/2006/relationships" xmlns:p="http://schemas.openxmlformats.org/presentationml/2006/main">
+  <p:cSld>
+    <p:spTree>
+      <p:nvGrpSpPr>
+        <p:cNvPr id="1" name=""/>
+        <p:cNvGrpSpPr/>
+        <p:nvPr/>
+      </p:nvGrpSpPr>
+      <p:grpSpPr>
+        <a:xfrm>
+          <a:off x="0" y="0"/>
+          <a:ext cx="0" cy="0"/>
+          <a:chOff x="0" y="0"/>
+          <a:chExt cx="0" cy="0"/>
+        </a:xfrm>
+      </p:grpSpPr>
+      <p:sp>
+        <p:nvSpPr>
           <p:cNvPr id="2" name="Titre 1">
             <a:extLst>
               <a:ext uri="{FF2B5EF4-FFF2-40B4-BE49-F238E27FC236}">
-                <a16:creationId xmlns:a16="http://schemas.microsoft.com/office/drawing/2014/main" id="{BEDBDA12-EB8E-428F-B7B1-D8B47CACE37A}"/>
+                <a16:creationId xmlns:a16="http://schemas.microsoft.com/office/drawing/2014/main" id="{9BB91B86-F0C4-45FD-9AC0-E0561C3DBB3E}"/>
               </a:ext>
             </a:extLst>
           </p:cNvPr>
@@ -4505,45 +5363,1773 @@
           <a:p>
             <a:r>
               <a:rPr lang="en-US" dirty="0"/>
-              <a:t>Conventions de </a:t>
-            </a:r>
-            <a:r>
-              <a:rPr lang="en-US" dirty="0" err="1"/>
-              <a:t>codage</a:t>
+              <a:t>Tests</a:t>
             </a:r>
             <a:endParaRPr lang="fr-BE" dirty="0"/>
           </a:p>
         </p:txBody>
       </p:sp>
-      <p:sp>
-        <p:nvSpPr>
-          <p:cNvPr id="3" name="Espace réservé du texte 2">
+      <p:graphicFrame>
+        <p:nvGraphicFramePr>
+          <p:cNvPr id="4" name="Tableau 4">
             <a:extLst>
               <a:ext uri="{FF2B5EF4-FFF2-40B4-BE49-F238E27FC236}">
-                <a16:creationId xmlns:a16="http://schemas.microsoft.com/office/drawing/2014/main" id="{B3CA63D6-C4B6-4FAB-A811-FBBC5D7185B5}"/>
+                <a16:creationId xmlns:a16="http://schemas.microsoft.com/office/drawing/2014/main" id="{101B678C-6830-419F-B401-7775A84E091A}"/>
               </a:ext>
             </a:extLst>
           </p:cNvPr>
-          <p:cNvSpPr>
-            <a:spLocks noGrp="1"/>
-          </p:cNvSpPr>
-          <p:nvPr>
-            <p:ph type="body" idx="1"/>
-          </p:nvPr>
-        </p:nvSpPr>
-        <p:spPr/>
-        <p:txBody>
-          <a:bodyPr/>
-          <a:lstStyle/>
-          <a:p>
-            <a:endParaRPr lang="fr-BE"/>
-          </a:p>
-        </p:txBody>
-      </p:sp>
+          <p:cNvGraphicFramePr>
+            <a:graphicFrameLocks noGrp="1"/>
+          </p:cNvGraphicFramePr>
+          <p:nvPr>
+            <p:ph idx="1"/>
+            <p:extLst>
+              <p:ext uri="{D42A27DB-BD31-4B8C-83A1-F6EECF244321}">
+                <p14:modId xmlns:p14="http://schemas.microsoft.com/office/powerpoint/2010/main" val="2417244449"/>
+              </p:ext>
+            </p:extLst>
+          </p:nvPr>
+        </p:nvGraphicFramePr>
+        <p:xfrm>
+          <a:off x="1096963" y="1846263"/>
+          <a:ext cx="10058400" cy="1112520"/>
+        </p:xfrm>
+        <a:graphic>
+          <a:graphicData uri="http://schemas.openxmlformats.org/drawingml/2006/table">
+            <a:tbl>
+              <a:tblPr bandRow="1">
+                <a:tableStyleId>{5C22544A-7EE6-4342-B048-85BDC9FD1C3A}</a:tableStyleId>
+              </a:tblPr>
+              <a:tblGrid>
+                <a:gridCol w="5029200">
+                  <a:extLst>
+                    <a:ext uri="{9D8B030D-6E8A-4147-A177-3AD203B41FA5}">
+                      <a16:colId xmlns:a16="http://schemas.microsoft.com/office/drawing/2014/main" val="3969633407"/>
+                    </a:ext>
+                  </a:extLst>
+                </a:gridCol>
+                <a:gridCol w="5029200">
+                  <a:extLst>
+                    <a:ext uri="{9D8B030D-6E8A-4147-A177-3AD203B41FA5}">
+                      <a16:colId xmlns:a16="http://schemas.microsoft.com/office/drawing/2014/main" val="2117545178"/>
+                    </a:ext>
+                  </a:extLst>
+                </a:gridCol>
+              </a:tblGrid>
+              <a:tr h="370840">
+                <a:tc>
+                  <a:txBody>
+                    <a:bodyPr/>
+                    <a:lstStyle/>
+                    <a:p>
+                      <a:r>
+                        <a:rPr lang="en-US" dirty="0"/>
+                        <a:t>Égalité</a:t>
+                      </a:r>
+                      <a:endParaRPr lang="fr-BE" dirty="0"/>
+                    </a:p>
+                  </a:txBody>
+                  <a:tcPr/>
+                </a:tc>
+                <a:tc>
+                  <a:txBody>
+                    <a:bodyPr/>
+                    <a:lstStyle/>
+                    <a:p>
+                      <a:r>
+                        <a:rPr lang="en-US" dirty="0">
+                          <a:latin typeface="Consolas" panose="020B0609020204030204" pitchFamily="49" charset="0"/>
+                        </a:rPr>
+                        <a:t>a == b</a:t>
+                      </a:r>
+                      <a:endParaRPr lang="fr-BE" dirty="0">
+                        <a:latin typeface="Consolas" panose="020B0609020204030204" pitchFamily="49" charset="0"/>
+                      </a:endParaRPr>
+                    </a:p>
+                  </a:txBody>
+                  <a:tcPr/>
+                </a:tc>
+                <a:extLst>
+                  <a:ext uri="{0D108BD9-81ED-4DB2-BD59-A6C34878D82A}">
+                    <a16:rowId xmlns:a16="http://schemas.microsoft.com/office/drawing/2014/main" val="2437160945"/>
+                  </a:ext>
+                </a:extLst>
+              </a:tr>
+              <a:tr h="370840">
+                <a:tc>
+                  <a:txBody>
+                    <a:bodyPr/>
+                    <a:lstStyle/>
+                    <a:p>
+                      <a:r>
+                        <a:rPr lang="en-US" dirty="0" err="1"/>
+                        <a:t>Identité</a:t>
+                      </a:r>
+                      <a:endParaRPr lang="fr-BE" dirty="0"/>
+                    </a:p>
+                  </a:txBody>
+                  <a:tcPr/>
+                </a:tc>
+                <a:tc>
+                  <a:txBody>
+                    <a:bodyPr/>
+                    <a:lstStyle/>
+                    <a:p>
+                      <a:r>
+                        <a:rPr lang="en-US" dirty="0">
+                          <a:latin typeface="Consolas" panose="020B0609020204030204" pitchFamily="49" charset="0"/>
+                        </a:rPr>
+                        <a:t>a is b, a is None</a:t>
+                      </a:r>
+                      <a:endParaRPr lang="fr-BE" dirty="0">
+                        <a:latin typeface="Consolas" panose="020B0609020204030204" pitchFamily="49" charset="0"/>
+                      </a:endParaRPr>
+                    </a:p>
+                  </a:txBody>
+                  <a:tcPr/>
+                </a:tc>
+                <a:extLst>
+                  <a:ext uri="{0D108BD9-81ED-4DB2-BD59-A6C34878D82A}">
+                    <a16:rowId xmlns:a16="http://schemas.microsoft.com/office/drawing/2014/main" val="2742795326"/>
+                  </a:ext>
+                </a:extLst>
+              </a:tr>
+              <a:tr h="370840">
+                <a:tc>
+                  <a:txBody>
+                    <a:bodyPr/>
+                    <a:lstStyle/>
+                    <a:p>
+                      <a:r>
+                        <a:rPr lang="en-US" dirty="0" err="1"/>
+                        <a:t>Inégalité</a:t>
+                      </a:r>
+                      <a:endParaRPr lang="fr-BE" dirty="0"/>
+                    </a:p>
+                  </a:txBody>
+                  <a:tcPr/>
+                </a:tc>
+                <a:tc>
+                  <a:txBody>
+                    <a:bodyPr/>
+                    <a:lstStyle/>
+                    <a:p>
+                      <a:r>
+                        <a:rPr lang="en-US" dirty="0">
+                          <a:latin typeface="Consolas" panose="020B0609020204030204" pitchFamily="49" charset="0"/>
+                        </a:rPr>
+                        <a:t>a &gt; b, a &lt; b, a != b, a &lt; x &lt; b</a:t>
+                      </a:r>
+                      <a:endParaRPr lang="fr-BE" dirty="0">
+                        <a:latin typeface="Consolas" panose="020B0609020204030204" pitchFamily="49" charset="0"/>
+                      </a:endParaRPr>
+                    </a:p>
+                  </a:txBody>
+                  <a:tcPr/>
+                </a:tc>
+                <a:extLst>
+                  <a:ext uri="{0D108BD9-81ED-4DB2-BD59-A6C34878D82A}">
+                    <a16:rowId xmlns:a16="http://schemas.microsoft.com/office/drawing/2014/main" val="1454526919"/>
+                  </a:ext>
+                </a:extLst>
+              </a:tr>
+            </a:tbl>
+          </a:graphicData>
+        </a:graphic>
+      </p:graphicFrame>
     </p:spTree>
     <p:extLst>
       <p:ext uri="{BB962C8B-B14F-4D97-AF65-F5344CB8AC3E}">
-        <p14:creationId xmlns:p14="http://schemas.microsoft.com/office/powerpoint/2010/main" val="3429561253"/>
+        <p14:creationId xmlns:p14="http://schemas.microsoft.com/office/powerpoint/2010/main" val="273144474"/>
+      </p:ext>
+    </p:extLst>
+  </p:cSld>
+  <p:clrMapOvr>
+    <a:masterClrMapping/>
+  </p:clrMapOvr>
+</p:sld>
+</file>
+
+<file path=ppt/slides/slide13.xml><?xml version="1.0" encoding="utf-8"?>
+<p:sld xmlns:a="http://schemas.openxmlformats.org/drawingml/2006/main" xmlns:r="http://schemas.openxmlformats.org/officeDocument/2006/relationships" xmlns:p="http://schemas.openxmlformats.org/presentationml/2006/main">
+  <p:cSld>
+    <p:spTree>
+      <p:nvGrpSpPr>
+        <p:cNvPr id="1" name=""/>
+        <p:cNvGrpSpPr/>
+        <p:nvPr/>
+      </p:nvGrpSpPr>
+      <p:grpSpPr>
+        <a:xfrm>
+          <a:off x="0" y="0"/>
+          <a:ext cx="0" cy="0"/>
+          <a:chOff x="0" y="0"/>
+          <a:chExt cx="0" cy="0"/>
+        </a:xfrm>
+      </p:grpSpPr>
+      <p:sp>
+        <p:nvSpPr>
+          <p:cNvPr id="4" name="Titre 3">
+            <a:extLst>
+              <a:ext uri="{FF2B5EF4-FFF2-40B4-BE49-F238E27FC236}">
+                <a16:creationId xmlns:a16="http://schemas.microsoft.com/office/drawing/2014/main" id="{7C12A1B3-30A1-44D3-964B-8F4B3150E160}"/>
+              </a:ext>
+            </a:extLst>
+          </p:cNvPr>
+          <p:cNvSpPr>
+            <a:spLocks noGrp="1"/>
+          </p:cNvSpPr>
+          <p:nvPr>
+            <p:ph type="title"/>
+          </p:nvPr>
+        </p:nvSpPr>
+        <p:spPr/>
+        <p:txBody>
+          <a:bodyPr/>
+          <a:lstStyle/>
+          <a:p>
+            <a:r>
+              <a:rPr lang="en-US" err="1"/>
+              <a:t>Boucles</a:t>
+            </a:r>
+            <a:endParaRPr lang="fr-BE"/>
+          </a:p>
+        </p:txBody>
+      </p:sp>
+      <p:sp>
+        <p:nvSpPr>
+          <p:cNvPr id="5" name="Espace réservé du texte 4">
+            <a:extLst>
+              <a:ext uri="{FF2B5EF4-FFF2-40B4-BE49-F238E27FC236}">
+                <a16:creationId xmlns:a16="http://schemas.microsoft.com/office/drawing/2014/main" id="{5CB98627-E081-4135-900C-B01051FF44F0}"/>
+              </a:ext>
+            </a:extLst>
+          </p:cNvPr>
+          <p:cNvSpPr>
+            <a:spLocks noGrp="1"/>
+          </p:cNvSpPr>
+          <p:nvPr>
+            <p:ph type="body" idx="1"/>
+          </p:nvPr>
+        </p:nvSpPr>
+        <p:spPr/>
+        <p:txBody>
+          <a:bodyPr/>
+          <a:lstStyle/>
+          <a:p>
+            <a:endParaRPr lang="fr-BE"/>
+          </a:p>
+        </p:txBody>
+      </p:sp>
+    </p:spTree>
+    <p:extLst>
+      <p:ext uri="{BB962C8B-B14F-4D97-AF65-F5344CB8AC3E}">
+        <p14:creationId xmlns:p14="http://schemas.microsoft.com/office/powerpoint/2010/main" val="1608122028"/>
+      </p:ext>
+    </p:extLst>
+  </p:cSld>
+  <p:clrMapOvr>
+    <a:masterClrMapping/>
+  </p:clrMapOvr>
+</p:sld>
+</file>
+
+<file path=ppt/slides/slide14.xml><?xml version="1.0" encoding="utf-8"?>
+<p:sld xmlns:a="http://schemas.openxmlformats.org/drawingml/2006/main" xmlns:r="http://schemas.openxmlformats.org/officeDocument/2006/relationships" xmlns:p="http://schemas.openxmlformats.org/presentationml/2006/main">
+  <p:cSld>
+    <p:spTree>
+      <p:nvGrpSpPr>
+        <p:cNvPr id="1" name=""/>
+        <p:cNvGrpSpPr/>
+        <p:nvPr/>
+      </p:nvGrpSpPr>
+      <p:grpSpPr>
+        <a:xfrm>
+          <a:off x="0" y="0"/>
+          <a:ext cx="0" cy="0"/>
+          <a:chOff x="0" y="0"/>
+          <a:chExt cx="0" cy="0"/>
+        </a:xfrm>
+      </p:grpSpPr>
+      <p:sp>
+        <p:nvSpPr>
+          <p:cNvPr id="4" name="Titre 3">
+            <a:extLst>
+              <a:ext uri="{FF2B5EF4-FFF2-40B4-BE49-F238E27FC236}">
+                <a16:creationId xmlns:a16="http://schemas.microsoft.com/office/drawing/2014/main" id="{CC7D6C47-C941-4BF1-B8BD-0F8754F7CB5E}"/>
+              </a:ext>
+            </a:extLst>
+          </p:cNvPr>
+          <p:cNvSpPr>
+            <a:spLocks noGrp="1"/>
+          </p:cNvSpPr>
+          <p:nvPr>
+            <p:ph type="title"/>
+          </p:nvPr>
+        </p:nvSpPr>
+        <p:spPr/>
+        <p:txBody>
+          <a:bodyPr/>
+          <a:lstStyle/>
+          <a:p>
+            <a:r>
+              <a:rPr lang="en-US" dirty="0" err="1"/>
+              <a:t>Boucles</a:t>
+            </a:r>
+            <a:endParaRPr lang="fr-BE" dirty="0"/>
+          </a:p>
+        </p:txBody>
+      </p:sp>
+      <p:sp>
+        <p:nvSpPr>
+          <p:cNvPr id="6" name="Espace réservé du contenu 5">
+            <a:extLst>
+              <a:ext uri="{FF2B5EF4-FFF2-40B4-BE49-F238E27FC236}">
+                <a16:creationId xmlns:a16="http://schemas.microsoft.com/office/drawing/2014/main" id="{8AEA6129-64C7-451F-9C30-318312B19F4C}"/>
+              </a:ext>
+            </a:extLst>
+          </p:cNvPr>
+          <p:cNvSpPr>
+            <a:spLocks noGrp="1"/>
+          </p:cNvSpPr>
+          <p:nvPr>
+            <p:ph sz="half" idx="1"/>
+          </p:nvPr>
+        </p:nvSpPr>
+        <p:spPr/>
+        <p:txBody>
+          <a:bodyPr/>
+          <a:lstStyle/>
+          <a:p>
+            <a:r>
+              <a:rPr lang="en-US" dirty="0">
+                <a:latin typeface="Consolas" panose="020B0609020204030204" pitchFamily="49" charset="0"/>
+              </a:rPr>
+              <a:t>for </a:t>
+            </a:r>
+            <a:r>
+              <a:rPr lang="en-US" dirty="0" err="1">
+                <a:latin typeface="Consolas" panose="020B0609020204030204" pitchFamily="49" charset="0"/>
+              </a:rPr>
+              <a:t>i</a:t>
+            </a:r>
+            <a:r>
+              <a:rPr lang="en-US" dirty="0">
+                <a:latin typeface="Consolas" panose="020B0609020204030204" pitchFamily="49" charset="0"/>
+              </a:rPr>
+              <a:t> in range(10):</a:t>
+            </a:r>
+          </a:p>
+          <a:p>
+            <a:r>
+              <a:rPr lang="en-US" dirty="0">
+                <a:latin typeface="Consolas" panose="020B0609020204030204" pitchFamily="49" charset="0"/>
+              </a:rPr>
+              <a:t>    print(</a:t>
+            </a:r>
+            <a:r>
+              <a:rPr lang="en-US" dirty="0" err="1">
+                <a:latin typeface="Consolas" panose="020B0609020204030204" pitchFamily="49" charset="0"/>
+              </a:rPr>
+              <a:t>i</a:t>
+            </a:r>
+            <a:r>
+              <a:rPr lang="en-US" dirty="0">
+                <a:latin typeface="Consolas" panose="020B0609020204030204" pitchFamily="49" charset="0"/>
+              </a:rPr>
+              <a:t>)</a:t>
+            </a:r>
+            <a:endParaRPr lang="fr-BE" dirty="0">
+              <a:latin typeface="Consolas" panose="020B0609020204030204" pitchFamily="49" charset="0"/>
+            </a:endParaRPr>
+          </a:p>
+          <a:p>
+            <a:endParaRPr lang="fr-BE" dirty="0"/>
+          </a:p>
+        </p:txBody>
+      </p:sp>
+      <p:sp>
+        <p:nvSpPr>
+          <p:cNvPr id="7" name="Espace réservé du contenu 6">
+            <a:extLst>
+              <a:ext uri="{FF2B5EF4-FFF2-40B4-BE49-F238E27FC236}">
+                <a16:creationId xmlns:a16="http://schemas.microsoft.com/office/drawing/2014/main" id="{9A399003-757E-4B0E-A0D7-02E3A008E17B}"/>
+              </a:ext>
+            </a:extLst>
+          </p:cNvPr>
+          <p:cNvSpPr>
+            <a:spLocks noGrp="1"/>
+          </p:cNvSpPr>
+          <p:nvPr>
+            <p:ph sz="half" idx="2"/>
+          </p:nvPr>
+        </p:nvSpPr>
+        <p:spPr/>
+        <p:txBody>
+          <a:bodyPr/>
+          <a:lstStyle/>
+          <a:p>
+            <a:r>
+              <a:rPr lang="en-US" dirty="0" err="1"/>
+              <a:t>Imprime</a:t>
+            </a:r>
+            <a:r>
+              <a:rPr lang="en-US" dirty="0"/>
+              <a:t> les </a:t>
+            </a:r>
+            <a:r>
+              <a:rPr lang="en-US" dirty="0" err="1"/>
+              <a:t>nombres</a:t>
+            </a:r>
+            <a:r>
+              <a:rPr lang="en-US" dirty="0"/>
+              <a:t> de 0 à 9</a:t>
+            </a:r>
+            <a:endParaRPr lang="fr-BE" dirty="0"/>
+          </a:p>
+        </p:txBody>
+      </p:sp>
+    </p:spTree>
+    <p:extLst>
+      <p:ext uri="{BB962C8B-B14F-4D97-AF65-F5344CB8AC3E}">
+        <p14:creationId xmlns:p14="http://schemas.microsoft.com/office/powerpoint/2010/main" val="2427414854"/>
+      </p:ext>
+    </p:extLst>
+  </p:cSld>
+  <p:clrMapOvr>
+    <a:masterClrMapping/>
+  </p:clrMapOvr>
+</p:sld>
+</file>
+
+<file path=ppt/slides/slide15.xml><?xml version="1.0" encoding="utf-8"?>
+<p:sld xmlns:a="http://schemas.openxmlformats.org/drawingml/2006/main" xmlns:r="http://schemas.openxmlformats.org/officeDocument/2006/relationships" xmlns:p="http://schemas.openxmlformats.org/presentationml/2006/main">
+  <p:cSld>
+    <p:spTree>
+      <p:nvGrpSpPr>
+        <p:cNvPr id="1" name=""/>
+        <p:cNvGrpSpPr/>
+        <p:nvPr/>
+      </p:nvGrpSpPr>
+      <p:grpSpPr>
+        <a:xfrm>
+          <a:off x="0" y="0"/>
+          <a:ext cx="0" cy="0"/>
+          <a:chOff x="0" y="0"/>
+          <a:chExt cx="0" cy="0"/>
+        </a:xfrm>
+      </p:grpSpPr>
+      <p:sp>
+        <p:nvSpPr>
+          <p:cNvPr id="2" name="Titre 1">
+            <a:extLst>
+              <a:ext uri="{FF2B5EF4-FFF2-40B4-BE49-F238E27FC236}">
+                <a16:creationId xmlns:a16="http://schemas.microsoft.com/office/drawing/2014/main" id="{511E839B-5EE9-40B9-A504-B9403BE7D320}"/>
+              </a:ext>
+            </a:extLst>
+          </p:cNvPr>
+          <p:cNvSpPr>
+            <a:spLocks noGrp="1"/>
+          </p:cNvSpPr>
+          <p:nvPr>
+            <p:ph type="title"/>
+          </p:nvPr>
+        </p:nvSpPr>
+        <p:spPr/>
+        <p:txBody>
+          <a:bodyPr/>
+          <a:lstStyle/>
+          <a:p>
+            <a:r>
+              <a:rPr lang="en-US" dirty="0"/>
+              <a:t>while</a:t>
+            </a:r>
+            <a:endParaRPr lang="fr-BE" dirty="0"/>
+          </a:p>
+        </p:txBody>
+      </p:sp>
+      <p:sp>
+        <p:nvSpPr>
+          <p:cNvPr id="3" name="Espace réservé du contenu 2">
+            <a:extLst>
+              <a:ext uri="{FF2B5EF4-FFF2-40B4-BE49-F238E27FC236}">
+                <a16:creationId xmlns:a16="http://schemas.microsoft.com/office/drawing/2014/main" id="{96538AF6-C2B6-49D1-A46F-015168D6115D}"/>
+              </a:ext>
+            </a:extLst>
+          </p:cNvPr>
+          <p:cNvSpPr>
+            <a:spLocks noGrp="1"/>
+          </p:cNvSpPr>
+          <p:nvPr>
+            <p:ph sz="half" idx="1"/>
+          </p:nvPr>
+        </p:nvSpPr>
+        <p:spPr/>
+        <p:txBody>
+          <a:bodyPr/>
+          <a:lstStyle/>
+          <a:p>
+            <a:r>
+              <a:rPr lang="en-US" dirty="0">
+                <a:latin typeface="Consolas" panose="020B0609020204030204" pitchFamily="49" charset="0"/>
+              </a:rPr>
+              <a:t>counter = 100</a:t>
+            </a:r>
+          </a:p>
+          <a:p>
+            <a:r>
+              <a:rPr lang="en-US" dirty="0">
+                <a:latin typeface="Consolas" panose="020B0609020204030204" pitchFamily="49" charset="0"/>
+              </a:rPr>
+              <a:t>while counter &gt; 50:</a:t>
+            </a:r>
+          </a:p>
+          <a:p>
+            <a:r>
+              <a:rPr lang="en-US" dirty="0">
+                <a:latin typeface="Consolas" panose="020B0609020204030204" pitchFamily="49" charset="0"/>
+              </a:rPr>
+              <a:t>    print(counter)</a:t>
+            </a:r>
+          </a:p>
+          <a:p>
+            <a:r>
+              <a:rPr lang="en-US" dirty="0">
+                <a:latin typeface="Consolas" panose="020B0609020204030204" pitchFamily="49" charset="0"/>
+              </a:rPr>
+              <a:t>    counter = counter - 2</a:t>
+            </a:r>
+            <a:endParaRPr lang="fr-BE" dirty="0">
+              <a:latin typeface="Consolas" panose="020B0609020204030204" pitchFamily="49" charset="0"/>
+            </a:endParaRPr>
+          </a:p>
+        </p:txBody>
+      </p:sp>
+      <p:sp>
+        <p:nvSpPr>
+          <p:cNvPr id="4" name="Espace réservé du contenu 3">
+            <a:extLst>
+              <a:ext uri="{FF2B5EF4-FFF2-40B4-BE49-F238E27FC236}">
+                <a16:creationId xmlns:a16="http://schemas.microsoft.com/office/drawing/2014/main" id="{46CA7B7D-5DED-492E-A862-80EA5460CD59}"/>
+              </a:ext>
+            </a:extLst>
+          </p:cNvPr>
+          <p:cNvSpPr>
+            <a:spLocks noGrp="1"/>
+          </p:cNvSpPr>
+          <p:nvPr>
+            <p:ph sz="half" idx="2"/>
+          </p:nvPr>
+        </p:nvSpPr>
+        <p:spPr/>
+        <p:txBody>
+          <a:bodyPr/>
+          <a:lstStyle/>
+          <a:p>
+            <a:r>
+              <a:rPr lang="en-US" dirty="0" err="1"/>
+              <a:t>Imprime</a:t>
+            </a:r>
+            <a:r>
+              <a:rPr lang="en-US" dirty="0"/>
+              <a:t> les </a:t>
+            </a:r>
+            <a:r>
+              <a:rPr lang="en-US" dirty="0" err="1"/>
+              <a:t>nombres</a:t>
+            </a:r>
+            <a:r>
+              <a:rPr lang="en-US" dirty="0"/>
+              <a:t> de 100 à 52.</a:t>
+            </a:r>
+            <a:endParaRPr lang="fr-BE" dirty="0"/>
+          </a:p>
+        </p:txBody>
+      </p:sp>
+    </p:spTree>
+    <p:extLst>
+      <p:ext uri="{BB962C8B-B14F-4D97-AF65-F5344CB8AC3E}">
+        <p14:creationId xmlns:p14="http://schemas.microsoft.com/office/powerpoint/2010/main" val="3931810561"/>
+      </p:ext>
+    </p:extLst>
+  </p:cSld>
+  <p:clrMapOvr>
+    <a:masterClrMapping/>
+  </p:clrMapOvr>
+</p:sld>
+</file>
+
+<file path=ppt/slides/slide16.xml><?xml version="1.0" encoding="utf-8"?>
+<p:sld xmlns:a="http://schemas.openxmlformats.org/drawingml/2006/main" xmlns:r="http://schemas.openxmlformats.org/officeDocument/2006/relationships" xmlns:p="http://schemas.openxmlformats.org/presentationml/2006/main">
+  <p:cSld>
+    <p:spTree>
+      <p:nvGrpSpPr>
+        <p:cNvPr id="1" name=""/>
+        <p:cNvGrpSpPr/>
+        <p:nvPr/>
+      </p:nvGrpSpPr>
+      <p:grpSpPr>
+        <a:xfrm>
+          <a:off x="0" y="0"/>
+          <a:ext cx="0" cy="0"/>
+          <a:chOff x="0" y="0"/>
+          <a:chExt cx="0" cy="0"/>
+        </a:xfrm>
+      </p:grpSpPr>
+      <p:sp>
+        <p:nvSpPr>
+          <p:cNvPr id="5" name="Titre 4">
+            <a:extLst>
+              <a:ext uri="{FF2B5EF4-FFF2-40B4-BE49-F238E27FC236}">
+                <a16:creationId xmlns:a16="http://schemas.microsoft.com/office/drawing/2014/main" id="{30441B67-7371-4B86-8557-53C70C73D98D}"/>
+              </a:ext>
+            </a:extLst>
+          </p:cNvPr>
+          <p:cNvSpPr>
+            <a:spLocks noGrp="1"/>
+          </p:cNvSpPr>
+          <p:nvPr>
+            <p:ph type="title"/>
+          </p:nvPr>
+        </p:nvSpPr>
+        <p:spPr/>
+        <p:txBody>
+          <a:bodyPr/>
+          <a:lstStyle/>
+          <a:p>
+            <a:r>
+              <a:rPr lang="en-US" dirty="0" err="1"/>
+              <a:t>Exercice</a:t>
+            </a:r>
+            <a:r>
+              <a:rPr lang="en-US" dirty="0"/>
+              <a:t> 2</a:t>
+            </a:r>
+            <a:endParaRPr lang="fr-BE" dirty="0"/>
+          </a:p>
+        </p:txBody>
+      </p:sp>
+      <p:sp>
+        <p:nvSpPr>
+          <p:cNvPr id="6" name="Espace réservé du contenu 5">
+            <a:extLst>
+              <a:ext uri="{FF2B5EF4-FFF2-40B4-BE49-F238E27FC236}">
+                <a16:creationId xmlns:a16="http://schemas.microsoft.com/office/drawing/2014/main" id="{BC2A837C-76A0-49EC-9EB3-A7EE50BB1F92}"/>
+              </a:ext>
+            </a:extLst>
+          </p:cNvPr>
+          <p:cNvSpPr>
+            <a:spLocks noGrp="1"/>
+          </p:cNvSpPr>
+          <p:nvPr>
+            <p:ph idx="1"/>
+          </p:nvPr>
+        </p:nvSpPr>
+        <p:spPr/>
+        <p:txBody>
+          <a:bodyPr/>
+          <a:lstStyle/>
+          <a:p>
+            <a:r>
+              <a:rPr lang="en-US" dirty="0"/>
+              <a:t>Structures de </a:t>
+            </a:r>
+            <a:r>
+              <a:rPr lang="en-US" dirty="0" err="1"/>
+              <a:t>contrôle</a:t>
+            </a:r>
+            <a:endParaRPr lang="fr-BE" dirty="0"/>
+          </a:p>
+        </p:txBody>
+      </p:sp>
+    </p:spTree>
+    <p:extLst>
+      <p:ext uri="{BB962C8B-B14F-4D97-AF65-F5344CB8AC3E}">
+        <p14:creationId xmlns:p14="http://schemas.microsoft.com/office/powerpoint/2010/main" val="3242946024"/>
+      </p:ext>
+    </p:extLst>
+  </p:cSld>
+  <p:clrMapOvr>
+    <a:masterClrMapping/>
+  </p:clrMapOvr>
+</p:sld>
+</file>
+
+<file path=ppt/slides/slide17.xml><?xml version="1.0" encoding="utf-8"?>
+<p:sld xmlns:a="http://schemas.openxmlformats.org/drawingml/2006/main" xmlns:r="http://schemas.openxmlformats.org/officeDocument/2006/relationships" xmlns:p="http://schemas.openxmlformats.org/presentationml/2006/main">
+  <p:cSld>
+    <p:spTree>
+      <p:nvGrpSpPr>
+        <p:cNvPr id="1" name=""/>
+        <p:cNvGrpSpPr/>
+        <p:nvPr/>
+      </p:nvGrpSpPr>
+      <p:grpSpPr>
+        <a:xfrm>
+          <a:off x="0" y="0"/>
+          <a:ext cx="0" cy="0"/>
+          <a:chOff x="0" y="0"/>
+          <a:chExt cx="0" cy="0"/>
+        </a:xfrm>
+      </p:grpSpPr>
+      <p:sp>
+        <p:nvSpPr>
+          <p:cNvPr id="4" name="Titre 3">
+            <a:extLst>
+              <a:ext uri="{FF2B5EF4-FFF2-40B4-BE49-F238E27FC236}">
+                <a16:creationId xmlns:a16="http://schemas.microsoft.com/office/drawing/2014/main" id="{7C12A1B3-30A1-44D3-964B-8F4B3150E160}"/>
+              </a:ext>
+            </a:extLst>
+          </p:cNvPr>
+          <p:cNvSpPr>
+            <a:spLocks noGrp="1"/>
+          </p:cNvSpPr>
+          <p:nvPr>
+            <p:ph type="title"/>
+          </p:nvPr>
+        </p:nvSpPr>
+        <p:spPr/>
+        <p:txBody>
+          <a:bodyPr/>
+          <a:lstStyle/>
+          <a:p>
+            <a:r>
+              <a:rPr lang="en-US" err="1"/>
+              <a:t>Fonctions</a:t>
+            </a:r>
+            <a:endParaRPr lang="fr-BE"/>
+          </a:p>
+        </p:txBody>
+      </p:sp>
+      <p:sp>
+        <p:nvSpPr>
+          <p:cNvPr id="5" name="Espace réservé du texte 4">
+            <a:extLst>
+              <a:ext uri="{FF2B5EF4-FFF2-40B4-BE49-F238E27FC236}">
+                <a16:creationId xmlns:a16="http://schemas.microsoft.com/office/drawing/2014/main" id="{5CB98627-E081-4135-900C-B01051FF44F0}"/>
+              </a:ext>
+            </a:extLst>
+          </p:cNvPr>
+          <p:cNvSpPr>
+            <a:spLocks noGrp="1"/>
+          </p:cNvSpPr>
+          <p:nvPr>
+            <p:ph type="body" idx="1"/>
+          </p:nvPr>
+        </p:nvSpPr>
+        <p:spPr/>
+        <p:txBody>
+          <a:bodyPr/>
+          <a:lstStyle/>
+          <a:p>
+            <a:endParaRPr lang="fr-BE"/>
+          </a:p>
+        </p:txBody>
+      </p:sp>
+    </p:spTree>
+    <p:extLst>
+      <p:ext uri="{BB962C8B-B14F-4D97-AF65-F5344CB8AC3E}">
+        <p14:creationId xmlns:p14="http://schemas.microsoft.com/office/powerpoint/2010/main" val="2474404813"/>
+      </p:ext>
+    </p:extLst>
+  </p:cSld>
+  <p:clrMapOvr>
+    <a:masterClrMapping/>
+  </p:clrMapOvr>
+</p:sld>
+</file>
+
+<file path=ppt/slides/slide18.xml><?xml version="1.0" encoding="utf-8"?>
+<p:sld xmlns:a="http://schemas.openxmlformats.org/drawingml/2006/main" xmlns:r="http://schemas.openxmlformats.org/officeDocument/2006/relationships" xmlns:p="http://schemas.openxmlformats.org/presentationml/2006/main">
+  <p:cSld>
+    <p:spTree>
+      <p:nvGrpSpPr>
+        <p:cNvPr id="1" name=""/>
+        <p:cNvGrpSpPr/>
+        <p:nvPr/>
+      </p:nvGrpSpPr>
+      <p:grpSpPr>
+        <a:xfrm>
+          <a:off x="0" y="0"/>
+          <a:ext cx="0" cy="0"/>
+          <a:chOff x="0" y="0"/>
+          <a:chExt cx="0" cy="0"/>
+        </a:xfrm>
+      </p:grpSpPr>
+      <p:sp>
+        <p:nvSpPr>
+          <p:cNvPr id="2" name="Titre 1">
+            <a:extLst>
+              <a:ext uri="{FF2B5EF4-FFF2-40B4-BE49-F238E27FC236}">
+                <a16:creationId xmlns:a16="http://schemas.microsoft.com/office/drawing/2014/main" id="{D3464D84-E0B1-46C1-9D31-3DFF68012E96}"/>
+              </a:ext>
+            </a:extLst>
+          </p:cNvPr>
+          <p:cNvSpPr>
+            <a:spLocks noGrp="1"/>
+          </p:cNvSpPr>
+          <p:nvPr>
+            <p:ph type="title"/>
+          </p:nvPr>
+        </p:nvSpPr>
+        <p:spPr/>
+        <p:txBody>
+          <a:bodyPr/>
+          <a:lstStyle/>
+          <a:p>
+            <a:r>
+              <a:rPr lang="en-150" dirty="0"/>
+              <a:t>I</a:t>
+            </a:r>
+            <a:r>
+              <a:rPr lang="fr-BE" dirty="0"/>
+              <a:t>m</a:t>
+            </a:r>
+            <a:r>
+              <a:rPr lang="en-150" dirty="0"/>
+              <a:t>p</a:t>
+            </a:r>
+            <a:r>
+              <a:rPr lang="fr-BE" dirty="0"/>
+              <a:t>o</a:t>
+            </a:r>
+            <a:r>
+              <a:rPr lang="en-150" dirty="0"/>
+              <a:t>r</a:t>
+            </a:r>
+            <a:r>
+              <a:rPr lang="fr-BE" dirty="0"/>
+              <a:t>t</a:t>
+            </a:r>
+          </a:p>
+        </p:txBody>
+      </p:sp>
+      <p:sp>
+        <p:nvSpPr>
+          <p:cNvPr id="4" name="Espace réservé du contenu 3">
+            <a:extLst>
+              <a:ext uri="{FF2B5EF4-FFF2-40B4-BE49-F238E27FC236}">
+                <a16:creationId xmlns:a16="http://schemas.microsoft.com/office/drawing/2014/main" id="{A53CC068-0B5E-4809-81C3-912C3ADE9FC2}"/>
+              </a:ext>
+            </a:extLst>
+          </p:cNvPr>
+          <p:cNvSpPr>
+            <a:spLocks noGrp="1"/>
+          </p:cNvSpPr>
+          <p:nvPr>
+            <p:ph sz="half" idx="1"/>
+          </p:nvPr>
+        </p:nvSpPr>
+        <p:spPr/>
+        <p:txBody>
+          <a:bodyPr/>
+          <a:lstStyle/>
+          <a:p>
+            <a:r>
+              <a:rPr lang="en-150" dirty="0" err="1">
+                <a:latin typeface="Consolas" panose="020B0609020204030204" pitchFamily="49" charset="0"/>
+              </a:rPr>
+              <a:t>i</a:t>
+            </a:r>
+            <a:r>
+              <a:rPr lang="fr-BE" dirty="0">
+                <a:latin typeface="Consolas" panose="020B0609020204030204" pitchFamily="49" charset="0"/>
+              </a:rPr>
+              <a:t>m</a:t>
+            </a:r>
+            <a:r>
+              <a:rPr lang="en-150" dirty="0">
+                <a:latin typeface="Consolas" panose="020B0609020204030204" pitchFamily="49" charset="0"/>
+              </a:rPr>
+              <a:t>p</a:t>
+            </a:r>
+            <a:r>
+              <a:rPr lang="fr-BE" dirty="0">
+                <a:latin typeface="Consolas" panose="020B0609020204030204" pitchFamily="49" charset="0"/>
+              </a:rPr>
+              <a:t>o</a:t>
+            </a:r>
+            <a:r>
+              <a:rPr lang="en-150" dirty="0">
+                <a:latin typeface="Consolas" panose="020B0609020204030204" pitchFamily="49" charset="0"/>
+              </a:rPr>
+              <a:t>r</a:t>
+            </a:r>
+            <a:r>
+              <a:rPr lang="fr-BE" dirty="0">
+                <a:latin typeface="Consolas" panose="020B0609020204030204" pitchFamily="49" charset="0"/>
+              </a:rPr>
+              <a:t>t</a:t>
+            </a:r>
+            <a:r>
+              <a:rPr lang="en-150" dirty="0">
+                <a:latin typeface="Consolas" panose="020B0609020204030204" pitchFamily="49" charset="0"/>
+              </a:rPr>
+              <a:t> </a:t>
+            </a:r>
+            <a:r>
+              <a:rPr lang="fr-BE" dirty="0">
+                <a:latin typeface="Consolas" panose="020B0609020204030204" pitchFamily="49" charset="0"/>
+              </a:rPr>
+              <a:t>m</a:t>
+            </a:r>
+            <a:r>
+              <a:rPr lang="en-150" dirty="0">
+                <a:latin typeface="Consolas" panose="020B0609020204030204" pitchFamily="49" charset="0"/>
+              </a:rPr>
+              <a:t>a</a:t>
+            </a:r>
+            <a:r>
+              <a:rPr lang="fr-BE" dirty="0">
+                <a:latin typeface="Consolas" panose="020B0609020204030204" pitchFamily="49" charset="0"/>
+              </a:rPr>
+              <a:t>t</a:t>
+            </a:r>
+            <a:r>
+              <a:rPr lang="en-150" dirty="0">
+                <a:latin typeface="Consolas" panose="020B0609020204030204" pitchFamily="49" charset="0"/>
+              </a:rPr>
+              <a:t>h</a:t>
+            </a:r>
+          </a:p>
+          <a:p>
+            <a:endParaRPr lang="en-150" dirty="0">
+              <a:latin typeface="Consolas" panose="020B0609020204030204" pitchFamily="49" charset="0"/>
+            </a:endParaRPr>
+          </a:p>
+          <a:p>
+            <a:r>
+              <a:rPr lang="en-150" dirty="0">
+                <a:latin typeface="Consolas" panose="020B0609020204030204" pitchFamily="49" charset="0"/>
+              </a:rPr>
+              <a:t>y = </a:t>
+            </a:r>
+            <a:r>
+              <a:rPr lang="fr-BE" dirty="0">
+                <a:latin typeface="Consolas" panose="020B0609020204030204" pitchFamily="49" charset="0"/>
+              </a:rPr>
+              <a:t>m</a:t>
+            </a:r>
+            <a:r>
+              <a:rPr lang="en-150" dirty="0">
+                <a:latin typeface="Consolas" panose="020B0609020204030204" pitchFamily="49" charset="0"/>
+              </a:rPr>
+              <a:t>a</a:t>
+            </a:r>
+            <a:r>
+              <a:rPr lang="fr-BE" dirty="0">
+                <a:latin typeface="Consolas" panose="020B0609020204030204" pitchFamily="49" charset="0"/>
+              </a:rPr>
+              <a:t>t</a:t>
+            </a:r>
+            <a:r>
+              <a:rPr lang="en-150" dirty="0" err="1">
+                <a:latin typeface="Consolas" panose="020B0609020204030204" pitchFamily="49" charset="0"/>
+              </a:rPr>
+              <a:t>h.sin</a:t>
+            </a:r>
+            <a:r>
+              <a:rPr lang="en-150" dirty="0">
+                <a:latin typeface="Consolas" panose="020B0609020204030204" pitchFamily="49" charset="0"/>
+              </a:rPr>
+              <a:t>(x)</a:t>
+            </a:r>
+          </a:p>
+          <a:p>
+            <a:r>
+              <a:rPr lang="en-150" dirty="0">
+                <a:latin typeface="Consolas" panose="020B0609020204030204" pitchFamily="49" charset="0"/>
+              </a:rPr>
+              <a:t>b = </a:t>
+            </a:r>
+            <a:r>
+              <a:rPr lang="en-150" dirty="0" err="1">
+                <a:latin typeface="Consolas" panose="020B0609020204030204" pitchFamily="49" charset="0"/>
+              </a:rPr>
+              <a:t>math.sqrt</a:t>
+            </a:r>
+            <a:r>
+              <a:rPr lang="en-150" dirty="0">
+                <a:latin typeface="Consolas" panose="020B0609020204030204" pitchFamily="49" charset="0"/>
+              </a:rPr>
+              <a:t>(a)</a:t>
+            </a:r>
+            <a:endParaRPr lang="fr-BE" dirty="0">
+              <a:latin typeface="Consolas" panose="020B0609020204030204" pitchFamily="49" charset="0"/>
+            </a:endParaRPr>
+          </a:p>
+        </p:txBody>
+      </p:sp>
+      <p:sp>
+        <p:nvSpPr>
+          <p:cNvPr id="5" name="Espace réservé du contenu 4">
+            <a:extLst>
+              <a:ext uri="{FF2B5EF4-FFF2-40B4-BE49-F238E27FC236}">
+                <a16:creationId xmlns:a16="http://schemas.microsoft.com/office/drawing/2014/main" id="{E173BDA8-B268-482C-AC7B-732F345E7389}"/>
+              </a:ext>
+            </a:extLst>
+          </p:cNvPr>
+          <p:cNvSpPr>
+            <a:spLocks noGrp="1"/>
+          </p:cNvSpPr>
+          <p:nvPr>
+            <p:ph sz="half" idx="2"/>
+          </p:nvPr>
+        </p:nvSpPr>
+        <p:spPr/>
+        <p:txBody>
+          <a:bodyPr/>
+          <a:lstStyle/>
+          <a:p>
+            <a:r>
+              <a:rPr lang="en-150" dirty="0">
+                <a:latin typeface="Consolas" panose="020B0609020204030204" pitchFamily="49" charset="0"/>
+              </a:rPr>
+              <a:t>f</a:t>
+            </a:r>
+            <a:r>
+              <a:rPr lang="fr-BE" dirty="0">
+                <a:latin typeface="Consolas" panose="020B0609020204030204" pitchFamily="49" charset="0"/>
+              </a:rPr>
+              <a:t>r</a:t>
+            </a:r>
+            <a:r>
+              <a:rPr lang="en-150" dirty="0">
+                <a:latin typeface="Consolas" panose="020B0609020204030204" pitchFamily="49" charset="0"/>
+              </a:rPr>
+              <a:t>o</a:t>
+            </a:r>
+            <a:r>
+              <a:rPr lang="fr-BE" dirty="0">
+                <a:latin typeface="Consolas" panose="020B0609020204030204" pitchFamily="49" charset="0"/>
+              </a:rPr>
+              <a:t>m</a:t>
+            </a:r>
+            <a:r>
+              <a:rPr lang="en-150" dirty="0">
+                <a:latin typeface="Consolas" panose="020B0609020204030204" pitchFamily="49" charset="0"/>
+              </a:rPr>
+              <a:t> </a:t>
+            </a:r>
+            <a:r>
+              <a:rPr lang="fr-BE" dirty="0">
+                <a:latin typeface="Consolas" panose="020B0609020204030204" pitchFamily="49" charset="0"/>
+              </a:rPr>
+              <a:t>m</a:t>
+            </a:r>
+            <a:r>
+              <a:rPr lang="en-150" dirty="0">
+                <a:latin typeface="Consolas" panose="020B0609020204030204" pitchFamily="49" charset="0"/>
+              </a:rPr>
+              <a:t>a</a:t>
+            </a:r>
+            <a:r>
+              <a:rPr lang="fr-BE" dirty="0">
+                <a:latin typeface="Consolas" panose="020B0609020204030204" pitchFamily="49" charset="0"/>
+              </a:rPr>
+              <a:t>t</a:t>
+            </a:r>
+            <a:r>
+              <a:rPr lang="en-150" dirty="0">
+                <a:latin typeface="Consolas" panose="020B0609020204030204" pitchFamily="49" charset="0"/>
+              </a:rPr>
+              <a:t>h </a:t>
+            </a:r>
+            <a:r>
+              <a:rPr lang="fr-BE" dirty="0">
+                <a:latin typeface="Consolas" panose="020B0609020204030204" pitchFamily="49" charset="0"/>
+              </a:rPr>
+              <a:t>i</a:t>
+            </a:r>
+            <a:r>
+              <a:rPr lang="en-150" dirty="0">
+                <a:latin typeface="Consolas" panose="020B0609020204030204" pitchFamily="49" charset="0"/>
+              </a:rPr>
+              <a:t>m</a:t>
+            </a:r>
+            <a:r>
+              <a:rPr lang="fr-BE" dirty="0">
+                <a:latin typeface="Consolas" panose="020B0609020204030204" pitchFamily="49" charset="0"/>
+              </a:rPr>
+              <a:t>p</a:t>
+            </a:r>
+            <a:r>
+              <a:rPr lang="en-150" dirty="0">
+                <a:latin typeface="Consolas" panose="020B0609020204030204" pitchFamily="49" charset="0"/>
+              </a:rPr>
+              <a:t>o</a:t>
+            </a:r>
+            <a:r>
+              <a:rPr lang="fr-BE" dirty="0">
+                <a:latin typeface="Consolas" panose="020B0609020204030204" pitchFamily="49" charset="0"/>
+              </a:rPr>
+              <a:t>r</a:t>
+            </a:r>
+            <a:r>
+              <a:rPr lang="en-150" dirty="0">
+                <a:latin typeface="Consolas" panose="020B0609020204030204" pitchFamily="49" charset="0"/>
+              </a:rPr>
+              <a:t>t </a:t>
+            </a:r>
+            <a:r>
+              <a:rPr lang="fr-BE" dirty="0">
+                <a:latin typeface="Consolas" panose="020B0609020204030204" pitchFamily="49" charset="0"/>
+              </a:rPr>
+              <a:t>s</a:t>
+            </a:r>
+            <a:r>
+              <a:rPr lang="en-150" dirty="0" err="1">
+                <a:latin typeface="Consolas" panose="020B0609020204030204" pitchFamily="49" charset="0"/>
+              </a:rPr>
+              <a:t>i</a:t>
+            </a:r>
+            <a:r>
+              <a:rPr lang="fr-BE" dirty="0">
+                <a:latin typeface="Consolas" panose="020B0609020204030204" pitchFamily="49" charset="0"/>
+              </a:rPr>
+              <a:t>n</a:t>
+            </a:r>
+            <a:r>
+              <a:rPr lang="en-150" dirty="0">
+                <a:latin typeface="Consolas" panose="020B0609020204030204" pitchFamily="49" charset="0"/>
+              </a:rPr>
+              <a:t>, </a:t>
+            </a:r>
+            <a:r>
+              <a:rPr lang="fr-BE" dirty="0">
+                <a:latin typeface="Consolas" panose="020B0609020204030204" pitchFamily="49" charset="0"/>
+              </a:rPr>
+              <a:t>s</a:t>
+            </a:r>
+            <a:r>
+              <a:rPr lang="en-150" dirty="0">
+                <a:latin typeface="Consolas" panose="020B0609020204030204" pitchFamily="49" charset="0"/>
+              </a:rPr>
+              <a:t>q</a:t>
+            </a:r>
+            <a:r>
+              <a:rPr lang="fr-BE" dirty="0">
+                <a:latin typeface="Consolas" panose="020B0609020204030204" pitchFamily="49" charset="0"/>
+              </a:rPr>
+              <a:t>r</a:t>
+            </a:r>
+            <a:r>
+              <a:rPr lang="en-150" dirty="0">
+                <a:latin typeface="Consolas" panose="020B0609020204030204" pitchFamily="49" charset="0"/>
+              </a:rPr>
+              <a:t>t</a:t>
+            </a:r>
+          </a:p>
+          <a:p>
+            <a:endParaRPr lang="en-150" dirty="0">
+              <a:latin typeface="Consolas" panose="020B0609020204030204" pitchFamily="49" charset="0"/>
+            </a:endParaRPr>
+          </a:p>
+          <a:p>
+            <a:r>
+              <a:rPr lang="en-150" dirty="0">
+                <a:latin typeface="Consolas" panose="020B0609020204030204" pitchFamily="49" charset="0"/>
+              </a:rPr>
+              <a:t>y = sin(x)</a:t>
+            </a:r>
+          </a:p>
+          <a:p>
+            <a:r>
+              <a:rPr lang="en-150" dirty="0">
+                <a:latin typeface="Consolas" panose="020B0609020204030204" pitchFamily="49" charset="0"/>
+              </a:rPr>
+              <a:t>b = sqrt(</a:t>
+            </a:r>
+            <a:r>
+              <a:rPr lang="fr-BE" dirty="0">
+                <a:latin typeface="Consolas" panose="020B0609020204030204" pitchFamily="49" charset="0"/>
+              </a:rPr>
+              <a:t>a</a:t>
+            </a:r>
+            <a:r>
+              <a:rPr lang="en-150" dirty="0">
+                <a:latin typeface="Consolas" panose="020B0609020204030204" pitchFamily="49" charset="0"/>
+              </a:rPr>
+              <a:t>)</a:t>
+            </a:r>
+          </a:p>
+        </p:txBody>
+      </p:sp>
+    </p:spTree>
+    <p:extLst>
+      <p:ext uri="{BB962C8B-B14F-4D97-AF65-F5344CB8AC3E}">
+        <p14:creationId xmlns:p14="http://schemas.microsoft.com/office/powerpoint/2010/main" val="3484013264"/>
+      </p:ext>
+    </p:extLst>
+  </p:cSld>
+  <p:clrMapOvr>
+    <a:masterClrMapping/>
+  </p:clrMapOvr>
+</p:sld>
+</file>
+
+<file path=ppt/slides/slide19.xml><?xml version="1.0" encoding="utf-8"?>
+<p:sld xmlns:a="http://schemas.openxmlformats.org/drawingml/2006/main" xmlns:r="http://schemas.openxmlformats.org/officeDocument/2006/relationships" xmlns:p="http://schemas.openxmlformats.org/presentationml/2006/main">
+  <p:cSld>
+    <p:spTree>
+      <p:nvGrpSpPr>
+        <p:cNvPr id="1" name=""/>
+        <p:cNvGrpSpPr/>
+        <p:nvPr/>
+      </p:nvGrpSpPr>
+      <p:grpSpPr>
+        <a:xfrm>
+          <a:off x="0" y="0"/>
+          <a:ext cx="0" cy="0"/>
+          <a:chOff x="0" y="0"/>
+          <a:chExt cx="0" cy="0"/>
+        </a:xfrm>
+      </p:grpSpPr>
+      <p:sp>
+        <p:nvSpPr>
+          <p:cNvPr id="5" name="Titre 4">
+            <a:extLst>
+              <a:ext uri="{FF2B5EF4-FFF2-40B4-BE49-F238E27FC236}">
+                <a16:creationId xmlns:a16="http://schemas.microsoft.com/office/drawing/2014/main" id="{678DDB9A-CC74-4008-B60E-537AD60C1A99}"/>
+              </a:ext>
+            </a:extLst>
+          </p:cNvPr>
+          <p:cNvSpPr>
+            <a:spLocks noGrp="1"/>
+          </p:cNvSpPr>
+          <p:nvPr>
+            <p:ph type="title"/>
+          </p:nvPr>
+        </p:nvSpPr>
+        <p:spPr/>
+        <p:txBody>
+          <a:bodyPr/>
+          <a:lstStyle/>
+          <a:p>
+            <a:r>
+              <a:rPr lang="en-150" dirty="0" err="1"/>
+              <a:t>Fonctions</a:t>
+            </a:r>
+            <a:endParaRPr lang="fr-BE" dirty="0"/>
+          </a:p>
+        </p:txBody>
+      </p:sp>
+      <p:sp>
+        <p:nvSpPr>
+          <p:cNvPr id="6" name="Espace réservé du contenu 5">
+            <a:extLst>
+              <a:ext uri="{FF2B5EF4-FFF2-40B4-BE49-F238E27FC236}">
+                <a16:creationId xmlns:a16="http://schemas.microsoft.com/office/drawing/2014/main" id="{77F6AE34-D2D4-49AD-B75D-4116B8FCF824}"/>
+              </a:ext>
+            </a:extLst>
+          </p:cNvPr>
+          <p:cNvSpPr>
+            <a:spLocks noGrp="1"/>
+          </p:cNvSpPr>
+          <p:nvPr>
+            <p:ph idx="1"/>
+          </p:nvPr>
+        </p:nvSpPr>
+        <p:spPr/>
+        <p:txBody>
+          <a:bodyPr>
+            <a:normAutofit fontScale="92500" lnSpcReduction="20000"/>
+          </a:bodyPr>
+          <a:lstStyle/>
+          <a:p>
+            <a:pPr marL="0" indent="0">
+              <a:buNone/>
+            </a:pPr>
+            <a:r>
+              <a:rPr lang="en-150" sz="1600" dirty="0">
+                <a:latin typeface="Consolas" panose="020B0609020204030204" pitchFamily="49" charset="0"/>
+              </a:rPr>
+              <a:t>d</a:t>
+            </a:r>
+            <a:r>
+              <a:rPr lang="fr-BE" sz="1600" dirty="0">
+                <a:latin typeface="Consolas" panose="020B0609020204030204" pitchFamily="49" charset="0"/>
+              </a:rPr>
+              <a:t>e</a:t>
+            </a:r>
+            <a:r>
+              <a:rPr lang="en-150" sz="1600" dirty="0">
+                <a:latin typeface="Consolas" panose="020B0609020204030204" pitchFamily="49" charset="0"/>
+              </a:rPr>
+              <a:t>f </a:t>
+            </a:r>
+            <a:r>
+              <a:rPr lang="fr-BE" sz="1600" dirty="0">
+                <a:latin typeface="Consolas" panose="020B0609020204030204" pitchFamily="49" charset="0"/>
+              </a:rPr>
+              <a:t>s</a:t>
+            </a:r>
+            <a:r>
+              <a:rPr lang="en-150" sz="1600" dirty="0">
+                <a:latin typeface="Consolas" panose="020B0609020204030204" pitchFamily="49" charset="0"/>
+              </a:rPr>
+              <a:t>o</a:t>
+            </a:r>
+            <a:r>
+              <a:rPr lang="fr-BE" sz="1600" dirty="0">
+                <a:latin typeface="Consolas" panose="020B0609020204030204" pitchFamily="49" charset="0"/>
+              </a:rPr>
+              <a:t>l</a:t>
+            </a:r>
+            <a:r>
+              <a:rPr lang="en-150" sz="1600" dirty="0">
+                <a:latin typeface="Consolas" panose="020B0609020204030204" pitchFamily="49" charset="0"/>
+              </a:rPr>
+              <a:t>ve_2nd_degree(</a:t>
+            </a:r>
+            <a:r>
+              <a:rPr lang="fr-BE" sz="1600" dirty="0">
+                <a:latin typeface="Consolas" panose="020B0609020204030204" pitchFamily="49" charset="0"/>
+              </a:rPr>
+              <a:t>a</a:t>
+            </a:r>
+            <a:r>
+              <a:rPr lang="en-150" sz="1600" dirty="0">
+                <a:latin typeface="Consolas" panose="020B0609020204030204" pitchFamily="49" charset="0"/>
+              </a:rPr>
+              <a:t>, </a:t>
+            </a:r>
+            <a:r>
+              <a:rPr lang="fr-BE" sz="1600" dirty="0">
+                <a:latin typeface="Consolas" panose="020B0609020204030204" pitchFamily="49" charset="0"/>
+              </a:rPr>
+              <a:t>b</a:t>
+            </a:r>
+            <a:r>
+              <a:rPr lang="en-150" sz="1600" dirty="0">
+                <a:latin typeface="Consolas" panose="020B0609020204030204" pitchFamily="49" charset="0"/>
+              </a:rPr>
+              <a:t>, </a:t>
+            </a:r>
+            <a:r>
+              <a:rPr lang="fr-BE" sz="1600" dirty="0">
+                <a:latin typeface="Consolas" panose="020B0609020204030204" pitchFamily="49" charset="0"/>
+              </a:rPr>
+              <a:t>c</a:t>
+            </a:r>
+            <a:r>
+              <a:rPr lang="en-150" sz="1600" dirty="0">
+                <a:latin typeface="Consolas" panose="020B0609020204030204" pitchFamily="49" charset="0"/>
+              </a:rPr>
+              <a:t> = 0):</a:t>
+            </a:r>
+          </a:p>
+          <a:p>
+            <a:pPr marL="0" indent="0">
+              <a:buNone/>
+            </a:pPr>
+            <a:r>
+              <a:rPr lang="en-150" sz="1600" dirty="0">
+                <a:latin typeface="Consolas" panose="020B0609020204030204" pitchFamily="49" charset="0"/>
+              </a:rPr>
+              <a:t>    disc = b ** 2 – 4 * a * </a:t>
+            </a:r>
+            <a:r>
+              <a:rPr lang="fr-BE" sz="1600" dirty="0">
+                <a:latin typeface="Consolas" panose="020B0609020204030204" pitchFamily="49" charset="0"/>
+              </a:rPr>
+              <a:t>c</a:t>
+            </a:r>
+            <a:endParaRPr lang="en-150" sz="1600" dirty="0">
+              <a:latin typeface="Consolas" panose="020B0609020204030204" pitchFamily="49" charset="0"/>
+            </a:endParaRPr>
+          </a:p>
+          <a:p>
+            <a:pPr marL="0" indent="0">
+              <a:buNone/>
+            </a:pPr>
+            <a:r>
+              <a:rPr lang="en-150" sz="1600" dirty="0">
+                <a:latin typeface="Consolas" panose="020B0609020204030204" pitchFamily="49" charset="0"/>
+              </a:rPr>
+              <a:t>    if disc &gt; 0:</a:t>
+            </a:r>
+          </a:p>
+          <a:p>
+            <a:pPr marL="0" indent="0">
+              <a:buNone/>
+            </a:pPr>
+            <a:r>
+              <a:rPr lang="en-150" sz="1600" dirty="0">
+                <a:latin typeface="Consolas" panose="020B0609020204030204" pitchFamily="49" charset="0"/>
+              </a:rPr>
+              <a:t>        return (–b - sqrt(disc)) / (2 * </a:t>
+            </a:r>
+            <a:r>
+              <a:rPr lang="fr-BE" sz="1600" dirty="0">
+                <a:latin typeface="Consolas" panose="020B0609020204030204" pitchFamily="49" charset="0"/>
+              </a:rPr>
+              <a:t>a</a:t>
+            </a:r>
+            <a:r>
+              <a:rPr lang="en-150" sz="1600" dirty="0">
+                <a:latin typeface="Consolas" panose="020B0609020204030204" pitchFamily="49" charset="0"/>
+              </a:rPr>
+              <a:t>), (–b + sqrt(disc)) / (2 * </a:t>
+            </a:r>
+            <a:r>
+              <a:rPr lang="fr-BE" sz="1600" dirty="0">
+                <a:latin typeface="Consolas" panose="020B0609020204030204" pitchFamily="49" charset="0"/>
+              </a:rPr>
+              <a:t>a</a:t>
+            </a:r>
+            <a:r>
+              <a:rPr lang="en-150" sz="1600" dirty="0">
+                <a:latin typeface="Consolas" panose="020B0609020204030204" pitchFamily="49" charset="0"/>
+              </a:rPr>
+              <a:t>)</a:t>
+            </a:r>
+          </a:p>
+          <a:p>
+            <a:pPr marL="0" indent="0">
+              <a:buNone/>
+            </a:pPr>
+            <a:r>
+              <a:rPr lang="en-150" sz="1600" dirty="0">
+                <a:latin typeface="Consolas" panose="020B0609020204030204" pitchFamily="49" charset="0"/>
+              </a:rPr>
+              <a:t>    </a:t>
+            </a:r>
+            <a:r>
+              <a:rPr lang="en-150" sz="1600" dirty="0" err="1">
+                <a:latin typeface="Consolas" panose="020B0609020204030204" pitchFamily="49" charset="0"/>
+              </a:rPr>
+              <a:t>elif</a:t>
+            </a:r>
+            <a:r>
+              <a:rPr lang="en-150" sz="1600" dirty="0">
+                <a:latin typeface="Consolas" panose="020B0609020204030204" pitchFamily="49" charset="0"/>
+              </a:rPr>
+              <a:t> disc == 0:</a:t>
+            </a:r>
+          </a:p>
+          <a:p>
+            <a:pPr marL="0" indent="0">
+              <a:buNone/>
+            </a:pPr>
+            <a:r>
+              <a:rPr lang="en-150" sz="1600" dirty="0">
+                <a:latin typeface="Consolas" panose="020B0609020204030204" pitchFamily="49" charset="0"/>
+              </a:rPr>
+              <a:t>        return –</a:t>
+            </a:r>
+            <a:r>
+              <a:rPr lang="fr-BE" sz="1600" dirty="0">
+                <a:latin typeface="Consolas" panose="020B0609020204030204" pitchFamily="49" charset="0"/>
+              </a:rPr>
+              <a:t>b</a:t>
+            </a:r>
+            <a:r>
+              <a:rPr lang="en-150" sz="1600" dirty="0">
+                <a:latin typeface="Consolas" panose="020B0609020204030204" pitchFamily="49" charset="0"/>
+              </a:rPr>
+              <a:t> / (2 * </a:t>
+            </a:r>
+            <a:r>
+              <a:rPr lang="fr-BE" sz="1600" dirty="0">
+                <a:latin typeface="Consolas" panose="020B0609020204030204" pitchFamily="49" charset="0"/>
+              </a:rPr>
+              <a:t>a</a:t>
+            </a:r>
+            <a:r>
+              <a:rPr lang="en-150" sz="1600" dirty="0">
+                <a:latin typeface="Consolas" panose="020B0609020204030204" pitchFamily="49" charset="0"/>
+              </a:rPr>
+              <a:t>)</a:t>
+            </a:r>
+          </a:p>
+          <a:p>
+            <a:pPr marL="0" indent="0">
+              <a:buNone/>
+            </a:pPr>
+            <a:r>
+              <a:rPr lang="en-150" sz="1600" dirty="0">
+                <a:latin typeface="Consolas" panose="020B0609020204030204" pitchFamily="49" charset="0"/>
+              </a:rPr>
+              <a:t>    else:</a:t>
+            </a:r>
+          </a:p>
+          <a:p>
+            <a:pPr marL="0" indent="0">
+              <a:buNone/>
+            </a:pPr>
+            <a:r>
+              <a:rPr lang="en-150" sz="1600" dirty="0">
+                <a:latin typeface="Consolas" panose="020B0609020204030204" pitchFamily="49" charset="0"/>
+              </a:rPr>
+              <a:t>        return None</a:t>
+            </a:r>
+          </a:p>
+          <a:p>
+            <a:pPr marL="0" indent="0">
+              <a:buNone/>
+            </a:pPr>
+            <a:endParaRPr lang="en-150" sz="1600" dirty="0">
+              <a:latin typeface="Consolas" panose="020B0609020204030204" pitchFamily="49" charset="0"/>
+            </a:endParaRPr>
+          </a:p>
+          <a:p>
+            <a:pPr marL="0" indent="0">
+              <a:buNone/>
+            </a:pPr>
+            <a:r>
+              <a:rPr lang="en-150" sz="1600" dirty="0">
+                <a:latin typeface="Consolas" panose="020B0609020204030204" pitchFamily="49" charset="0"/>
+              </a:rPr>
+              <a:t>x0 = solve_2nd_degree(-2, 4, -2)                // -2</a:t>
+            </a:r>
+            <a:r>
+              <a:rPr lang="fr-BE" sz="1600" dirty="0">
+                <a:latin typeface="Consolas" panose="020B0609020204030204" pitchFamily="49" charset="0"/>
+              </a:rPr>
+              <a:t>x</a:t>
+            </a:r>
+            <a:r>
+              <a:rPr lang="en-150" sz="1600" dirty="0">
+                <a:latin typeface="Consolas" panose="020B0609020204030204" pitchFamily="49" charset="0"/>
+              </a:rPr>
+              <a:t>² + 4</a:t>
+            </a:r>
+            <a:r>
+              <a:rPr lang="fr-BE" sz="1600" dirty="0">
+                <a:latin typeface="Consolas" panose="020B0609020204030204" pitchFamily="49" charset="0"/>
+              </a:rPr>
+              <a:t>x</a:t>
+            </a:r>
+            <a:r>
+              <a:rPr lang="en-150" sz="1600" dirty="0">
+                <a:latin typeface="Consolas" panose="020B0609020204030204" pitchFamily="49" charset="0"/>
+              </a:rPr>
+              <a:t> – 2 = 0; </a:t>
+            </a:r>
+            <a:r>
+              <a:rPr lang="fr-BE" sz="1600" dirty="0">
+                <a:latin typeface="Consolas" panose="020B0609020204030204" pitchFamily="49" charset="0"/>
+              </a:rPr>
+              <a:t>x</a:t>
+            </a:r>
+            <a:r>
+              <a:rPr lang="en-150" sz="1600" dirty="0">
+                <a:latin typeface="Consolas" panose="020B0609020204030204" pitchFamily="49" charset="0"/>
+              </a:rPr>
+              <a:t>0 = 1</a:t>
+            </a:r>
+          </a:p>
+          <a:p>
+            <a:pPr marL="0" indent="0">
+              <a:buNone/>
+            </a:pPr>
+            <a:r>
+              <a:rPr lang="fr-BE" sz="1600" dirty="0">
+                <a:latin typeface="Consolas" panose="020B0609020204030204" pitchFamily="49" charset="0"/>
+              </a:rPr>
+              <a:t>x</a:t>
+            </a:r>
+            <a:r>
+              <a:rPr lang="en-150" sz="1600" dirty="0">
+                <a:latin typeface="Consolas" panose="020B0609020204030204" pitchFamily="49" charset="0"/>
+              </a:rPr>
+              <a:t>0 = </a:t>
+            </a:r>
+            <a:r>
+              <a:rPr lang="fr-BE" sz="1600" dirty="0">
+                <a:latin typeface="Consolas" panose="020B0609020204030204" pitchFamily="49" charset="0"/>
+              </a:rPr>
+              <a:t>s</a:t>
+            </a:r>
+            <a:r>
+              <a:rPr lang="en-150" sz="1600" dirty="0">
+                <a:latin typeface="Consolas" panose="020B0609020204030204" pitchFamily="49" charset="0"/>
+              </a:rPr>
+              <a:t>o</a:t>
+            </a:r>
+            <a:r>
+              <a:rPr lang="fr-BE" sz="1600" dirty="0">
+                <a:latin typeface="Consolas" panose="020B0609020204030204" pitchFamily="49" charset="0"/>
+              </a:rPr>
+              <a:t>l</a:t>
+            </a:r>
+            <a:r>
+              <a:rPr lang="en-150" sz="1600" dirty="0">
+                <a:latin typeface="Consolas" panose="020B0609020204030204" pitchFamily="49" charset="0"/>
+              </a:rPr>
+              <a:t>v</a:t>
+            </a:r>
+            <a:r>
+              <a:rPr lang="fr-BE" sz="1600" dirty="0">
+                <a:latin typeface="Consolas" panose="020B0609020204030204" pitchFamily="49" charset="0"/>
+              </a:rPr>
+              <a:t>e</a:t>
+            </a:r>
+            <a:r>
+              <a:rPr lang="en-150" sz="1600" dirty="0">
+                <a:latin typeface="Consolas" panose="020B0609020204030204" pitchFamily="49" charset="0"/>
+              </a:rPr>
+              <a:t>_2</a:t>
+            </a:r>
+            <a:r>
+              <a:rPr lang="fr-BE" sz="1600" dirty="0">
+                <a:latin typeface="Consolas" panose="020B0609020204030204" pitchFamily="49" charset="0"/>
+              </a:rPr>
+              <a:t>n</a:t>
+            </a:r>
+            <a:r>
+              <a:rPr lang="en-150" sz="1600" dirty="0">
+                <a:latin typeface="Consolas" panose="020B0609020204030204" pitchFamily="49" charset="0"/>
+              </a:rPr>
+              <a:t>d_</a:t>
+            </a:r>
+            <a:r>
+              <a:rPr lang="fr-BE" sz="1600" dirty="0">
+                <a:latin typeface="Consolas" panose="020B0609020204030204" pitchFamily="49" charset="0"/>
+              </a:rPr>
+              <a:t>d</a:t>
+            </a:r>
+            <a:r>
+              <a:rPr lang="en-150" sz="1600" dirty="0">
+                <a:latin typeface="Consolas" panose="020B0609020204030204" pitchFamily="49" charset="0"/>
+              </a:rPr>
+              <a:t>e</a:t>
+            </a:r>
+            <a:r>
+              <a:rPr lang="fr-BE" sz="1600" dirty="0">
+                <a:latin typeface="Consolas" panose="020B0609020204030204" pitchFamily="49" charset="0"/>
+              </a:rPr>
+              <a:t>g</a:t>
+            </a:r>
+            <a:r>
+              <a:rPr lang="en-150" sz="1600" dirty="0">
+                <a:latin typeface="Consolas" panose="020B0609020204030204" pitchFamily="49" charset="0"/>
+              </a:rPr>
+              <a:t>r</a:t>
+            </a:r>
+            <a:r>
+              <a:rPr lang="fr-BE" sz="1600" dirty="0">
+                <a:latin typeface="Consolas" panose="020B0609020204030204" pitchFamily="49" charset="0"/>
+              </a:rPr>
+              <a:t>e</a:t>
+            </a:r>
+            <a:r>
+              <a:rPr lang="en-150" sz="1600" dirty="0">
+                <a:latin typeface="Consolas" panose="020B0609020204030204" pitchFamily="49" charset="0"/>
+              </a:rPr>
+              <a:t>e(3, 2, 5)                  // 3</a:t>
+            </a:r>
+            <a:r>
+              <a:rPr lang="fr-BE" sz="1600" dirty="0">
+                <a:latin typeface="Consolas" panose="020B0609020204030204" pitchFamily="49" charset="0"/>
+              </a:rPr>
+              <a:t>x</a:t>
+            </a:r>
+            <a:r>
+              <a:rPr lang="en-150" sz="1600" dirty="0">
+                <a:latin typeface="Consolas" panose="020B0609020204030204" pitchFamily="49" charset="0"/>
+              </a:rPr>
+              <a:t>² + 2</a:t>
+            </a:r>
+            <a:r>
+              <a:rPr lang="fr-BE" sz="1600" dirty="0">
+                <a:latin typeface="Consolas" panose="020B0609020204030204" pitchFamily="49" charset="0"/>
+              </a:rPr>
+              <a:t>x</a:t>
+            </a:r>
+            <a:r>
+              <a:rPr lang="en-150" sz="1600" dirty="0">
+                <a:latin typeface="Consolas" panose="020B0609020204030204" pitchFamily="49" charset="0"/>
+              </a:rPr>
+              <a:t> + 5 = 0; </a:t>
+            </a:r>
+            <a:r>
+              <a:rPr lang="fr-BE" sz="1600" dirty="0">
+                <a:latin typeface="Consolas" panose="020B0609020204030204" pitchFamily="49" charset="0"/>
+              </a:rPr>
+              <a:t>x</a:t>
+            </a:r>
+            <a:r>
+              <a:rPr lang="en-150" sz="1600" dirty="0">
+                <a:latin typeface="Consolas" panose="020B0609020204030204" pitchFamily="49" charset="0"/>
+              </a:rPr>
+              <a:t>0 = </a:t>
+            </a:r>
+            <a:r>
+              <a:rPr lang="fr-BE" sz="1600" dirty="0">
+                <a:latin typeface="Consolas" panose="020B0609020204030204" pitchFamily="49" charset="0"/>
+              </a:rPr>
+              <a:t>N</a:t>
+            </a:r>
+            <a:r>
+              <a:rPr lang="en-150" sz="1600" dirty="0">
+                <a:latin typeface="Consolas" panose="020B0609020204030204" pitchFamily="49" charset="0"/>
+              </a:rPr>
+              <a:t>o</a:t>
+            </a:r>
+            <a:r>
+              <a:rPr lang="fr-BE" sz="1600" dirty="0">
+                <a:latin typeface="Consolas" panose="020B0609020204030204" pitchFamily="49" charset="0"/>
+              </a:rPr>
+              <a:t>n</a:t>
+            </a:r>
+            <a:r>
+              <a:rPr lang="en-150" sz="1600" dirty="0">
+                <a:latin typeface="Consolas" panose="020B0609020204030204" pitchFamily="49" charset="0"/>
+              </a:rPr>
+              <a:t>e</a:t>
+            </a:r>
+          </a:p>
+          <a:p>
+            <a:pPr marL="0" indent="0">
+              <a:buNone/>
+            </a:pPr>
+            <a:r>
+              <a:rPr lang="en-150" sz="1600" dirty="0">
+                <a:latin typeface="Consolas" panose="020B0609020204030204" pitchFamily="49" charset="0"/>
+              </a:rPr>
+              <a:t>x1, x2 = solve_2nd_degree(1, 2)                 // </a:t>
+            </a:r>
+            <a:r>
+              <a:rPr lang="fr-BE" sz="1600" dirty="0">
+                <a:latin typeface="Consolas" panose="020B0609020204030204" pitchFamily="49" charset="0"/>
+              </a:rPr>
+              <a:t>x</a:t>
+            </a:r>
+            <a:r>
+              <a:rPr lang="en-150" sz="1600" dirty="0">
+                <a:latin typeface="Consolas" panose="020B0609020204030204" pitchFamily="49" charset="0"/>
+              </a:rPr>
+              <a:t>² + x = 0; x1 = -2, </a:t>
+            </a:r>
+            <a:r>
+              <a:rPr lang="fr-BE" sz="1600" dirty="0">
+                <a:latin typeface="Consolas" panose="020B0609020204030204" pitchFamily="49" charset="0"/>
+              </a:rPr>
+              <a:t>x</a:t>
+            </a:r>
+            <a:r>
+              <a:rPr lang="en-150" sz="1600" dirty="0">
+                <a:latin typeface="Consolas" panose="020B0609020204030204" pitchFamily="49" charset="0"/>
+              </a:rPr>
+              <a:t>2 = 0</a:t>
+            </a:r>
+          </a:p>
+          <a:p>
+            <a:pPr marL="0" indent="0">
+              <a:buNone/>
+            </a:pPr>
+            <a:endParaRPr lang="en-150" sz="1600" dirty="0">
+              <a:latin typeface="Consolas" panose="020B0609020204030204" pitchFamily="49" charset="0"/>
+            </a:endParaRPr>
+          </a:p>
+        </p:txBody>
+      </p:sp>
+    </p:spTree>
+    <p:extLst>
+      <p:ext uri="{BB962C8B-B14F-4D97-AF65-F5344CB8AC3E}">
+        <p14:creationId xmlns:p14="http://schemas.microsoft.com/office/powerpoint/2010/main" val="2502424697"/>
       </p:ext>
     </p:extLst>
   </p:cSld>
@@ -4592,10 +7178,18 @@
           <a:lstStyle/>
           <a:p>
             <a:r>
-              <a:rPr lang="en-US" dirty="0"/>
-              <a:t>Scripts et console</a:t>
-            </a:r>
-            <a:endParaRPr lang="fr-BE" dirty="0"/>
+              <a:rPr lang="en-US"/>
+              <a:t>Types, </a:t>
+            </a:r>
+            <a:r>
+              <a:rPr lang="en-US" err="1"/>
+              <a:t>valeurs</a:t>
+            </a:r>
+            <a:r>
+              <a:rPr lang="en-US"/>
+              <a:t> et variables</a:t>
+            </a:r>
+            <a:endParaRPr lang="fr-BE"/>
           </a:p>
         </p:txBody>
       </p:sp>
@@ -4627,7 +7221,3106 @@
     </p:spTree>
     <p:extLst>
       <p:ext uri="{BB962C8B-B14F-4D97-AF65-F5344CB8AC3E}">
-        <p14:creationId xmlns:p14="http://schemas.microsoft.com/office/powerpoint/2010/main" val="1068034723"/>
+        <p14:creationId xmlns:p14="http://schemas.microsoft.com/office/powerpoint/2010/main" val="304541482"/>
+      </p:ext>
+    </p:extLst>
+  </p:cSld>
+  <p:clrMapOvr>
+    <a:masterClrMapping/>
+  </p:clrMapOvr>
+</p:sld>
+</file>
+
+<file path=ppt/slides/slide20.xml><?xml version="1.0" encoding="utf-8"?>
+<p:sld xmlns:a="http://schemas.openxmlformats.org/drawingml/2006/main" xmlns:r="http://schemas.openxmlformats.org/officeDocument/2006/relationships" xmlns:p="http://schemas.openxmlformats.org/presentationml/2006/main">
+  <p:cSld>
+    <p:spTree>
+      <p:nvGrpSpPr>
+        <p:cNvPr id="1" name=""/>
+        <p:cNvGrpSpPr/>
+        <p:nvPr/>
+      </p:nvGrpSpPr>
+      <p:grpSpPr>
+        <a:xfrm>
+          <a:off x="0" y="0"/>
+          <a:ext cx="0" cy="0"/>
+          <a:chOff x="0" y="0"/>
+          <a:chExt cx="0" cy="0"/>
+        </a:xfrm>
+      </p:grpSpPr>
+      <p:sp>
+        <p:nvSpPr>
+          <p:cNvPr id="2" name="Titre 1">
+            <a:extLst>
+              <a:ext uri="{FF2B5EF4-FFF2-40B4-BE49-F238E27FC236}">
+                <a16:creationId xmlns:a16="http://schemas.microsoft.com/office/drawing/2014/main" id="{EC23D5C9-626A-4E44-BAC0-FD8936F3F147}"/>
+              </a:ext>
+            </a:extLst>
+          </p:cNvPr>
+          <p:cNvSpPr>
+            <a:spLocks noGrp="1"/>
+          </p:cNvSpPr>
+          <p:nvPr>
+            <p:ph type="title"/>
+          </p:nvPr>
+        </p:nvSpPr>
+        <p:spPr/>
+        <p:txBody>
+          <a:bodyPr/>
+          <a:lstStyle/>
+          <a:p>
+            <a:r>
+              <a:rPr lang="en-150" dirty="0"/>
+              <a:t>E</a:t>
+            </a:r>
+            <a:r>
+              <a:rPr lang="fr-BE" dirty="0"/>
+              <a:t>x</a:t>
+            </a:r>
+            <a:r>
+              <a:rPr lang="en-150" dirty="0"/>
+              <a:t>e</a:t>
+            </a:r>
+            <a:r>
+              <a:rPr lang="fr-BE" dirty="0"/>
+              <a:t>r</a:t>
+            </a:r>
+            <a:r>
+              <a:rPr lang="en-150" dirty="0"/>
+              <a:t>c</a:t>
+            </a:r>
+            <a:r>
+              <a:rPr lang="fr-BE" dirty="0"/>
+              <a:t>i</a:t>
+            </a:r>
+            <a:r>
+              <a:rPr lang="en-150" dirty="0"/>
+              <a:t>c</a:t>
+            </a:r>
+            <a:r>
+              <a:rPr lang="fr-BE" dirty="0"/>
+              <a:t>e</a:t>
+            </a:r>
+            <a:r>
+              <a:rPr lang="en-150" dirty="0"/>
+              <a:t> 3</a:t>
+            </a:r>
+            <a:endParaRPr lang="fr-BE" dirty="0"/>
+          </a:p>
+        </p:txBody>
+      </p:sp>
+      <p:sp>
+        <p:nvSpPr>
+          <p:cNvPr id="3" name="Espace réservé du contenu 2">
+            <a:extLst>
+              <a:ext uri="{FF2B5EF4-FFF2-40B4-BE49-F238E27FC236}">
+                <a16:creationId xmlns:a16="http://schemas.microsoft.com/office/drawing/2014/main" id="{2809FA2C-7F1C-4D9B-83FA-DC1D0EF82BE8}"/>
+              </a:ext>
+            </a:extLst>
+          </p:cNvPr>
+          <p:cNvSpPr>
+            <a:spLocks noGrp="1"/>
+          </p:cNvSpPr>
+          <p:nvPr>
+            <p:ph idx="1"/>
+          </p:nvPr>
+        </p:nvSpPr>
+        <p:spPr/>
+        <p:txBody>
+          <a:bodyPr/>
+          <a:lstStyle/>
+          <a:p>
+            <a:r>
+              <a:rPr lang="en-150" dirty="0"/>
+              <a:t>F</a:t>
+            </a:r>
+            <a:r>
+              <a:rPr lang="fr-BE" dirty="0"/>
+              <a:t>o</a:t>
+            </a:r>
+            <a:r>
+              <a:rPr lang="en-150" dirty="0"/>
+              <a:t>n</a:t>
+            </a:r>
+            <a:r>
+              <a:rPr lang="fr-BE" dirty="0"/>
+              <a:t>c</a:t>
+            </a:r>
+            <a:r>
+              <a:rPr lang="en-150" dirty="0"/>
+              <a:t>t</a:t>
+            </a:r>
+            <a:r>
+              <a:rPr lang="fr-BE" dirty="0"/>
+              <a:t>i</a:t>
+            </a:r>
+            <a:r>
+              <a:rPr lang="en-150" dirty="0"/>
+              <a:t>o</a:t>
+            </a:r>
+            <a:r>
+              <a:rPr lang="fr-BE" dirty="0"/>
+              <a:t>n</a:t>
+            </a:r>
+            <a:r>
+              <a:rPr lang="en-150" dirty="0"/>
+              <a:t>s</a:t>
+            </a:r>
+            <a:endParaRPr lang="fr-BE" dirty="0"/>
+          </a:p>
+        </p:txBody>
+      </p:sp>
+    </p:spTree>
+    <p:extLst>
+      <p:ext uri="{BB962C8B-B14F-4D97-AF65-F5344CB8AC3E}">
+        <p14:creationId xmlns:p14="http://schemas.microsoft.com/office/powerpoint/2010/main" val="36872158"/>
+      </p:ext>
+    </p:extLst>
+  </p:cSld>
+  <p:clrMapOvr>
+    <a:masterClrMapping/>
+  </p:clrMapOvr>
+</p:sld>
+</file>
+
+<file path=ppt/slides/slide21.xml><?xml version="1.0" encoding="utf-8"?>
+<p:sld xmlns:a="http://schemas.openxmlformats.org/drawingml/2006/main" xmlns:r="http://schemas.openxmlformats.org/officeDocument/2006/relationships" xmlns:p="http://schemas.openxmlformats.org/presentationml/2006/main">
+  <p:cSld>
+    <p:spTree>
+      <p:nvGrpSpPr>
+        <p:cNvPr id="1" name=""/>
+        <p:cNvGrpSpPr/>
+        <p:nvPr/>
+      </p:nvGrpSpPr>
+      <p:grpSpPr>
+        <a:xfrm>
+          <a:off x="0" y="0"/>
+          <a:ext cx="0" cy="0"/>
+          <a:chOff x="0" y="0"/>
+          <a:chExt cx="0" cy="0"/>
+        </a:xfrm>
+      </p:grpSpPr>
+      <p:sp>
+        <p:nvSpPr>
+          <p:cNvPr id="4" name="Titre 3">
+            <a:extLst>
+              <a:ext uri="{FF2B5EF4-FFF2-40B4-BE49-F238E27FC236}">
+                <a16:creationId xmlns:a16="http://schemas.microsoft.com/office/drawing/2014/main" id="{ADE2CDE8-FB35-4FAA-8D48-00C392C65C3D}"/>
+              </a:ext>
+            </a:extLst>
+          </p:cNvPr>
+          <p:cNvSpPr>
+            <a:spLocks noGrp="1"/>
+          </p:cNvSpPr>
+          <p:nvPr>
+            <p:ph type="title"/>
+          </p:nvPr>
+        </p:nvSpPr>
+        <p:spPr/>
+        <p:txBody>
+          <a:bodyPr/>
+          <a:lstStyle/>
+          <a:p>
+            <a:r>
+              <a:rPr lang="en-150" dirty="0"/>
+              <a:t>S</a:t>
+            </a:r>
+            <a:r>
+              <a:rPr lang="fr-BE" dirty="0"/>
+              <a:t>t</a:t>
+            </a:r>
+            <a:r>
+              <a:rPr lang="en-150" dirty="0"/>
+              <a:t>r</a:t>
+            </a:r>
+            <a:r>
+              <a:rPr lang="fr-BE" dirty="0"/>
+              <a:t>u</a:t>
+            </a:r>
+            <a:r>
+              <a:rPr lang="en-150" dirty="0"/>
+              <a:t>c</a:t>
+            </a:r>
+            <a:r>
+              <a:rPr lang="fr-BE" dirty="0"/>
+              <a:t>t</a:t>
+            </a:r>
+            <a:r>
+              <a:rPr lang="en-150" dirty="0"/>
+              <a:t>u</a:t>
+            </a:r>
+            <a:r>
+              <a:rPr lang="fr-BE" dirty="0"/>
+              <a:t>r</a:t>
+            </a:r>
+            <a:r>
+              <a:rPr lang="en-150" dirty="0"/>
+              <a:t>e</a:t>
+            </a:r>
+            <a:r>
+              <a:rPr lang="fr-BE" dirty="0"/>
+              <a:t>s</a:t>
+            </a:r>
+            <a:r>
+              <a:rPr lang="en-150" dirty="0"/>
+              <a:t> </a:t>
+            </a:r>
+            <a:r>
+              <a:rPr lang="fr-BE" dirty="0"/>
+              <a:t>d</a:t>
+            </a:r>
+            <a:r>
+              <a:rPr lang="en-150" dirty="0"/>
+              <a:t>e </a:t>
+            </a:r>
+            <a:r>
+              <a:rPr lang="fr-BE" dirty="0"/>
+              <a:t>d</a:t>
+            </a:r>
+            <a:r>
+              <a:rPr lang="en-150" dirty="0"/>
+              <a:t>o</a:t>
+            </a:r>
+            <a:r>
+              <a:rPr lang="fr-BE" dirty="0"/>
+              <a:t>n</a:t>
+            </a:r>
+            <a:r>
+              <a:rPr lang="en-150" dirty="0"/>
+              <a:t>n</a:t>
+            </a:r>
+            <a:r>
+              <a:rPr lang="fr-BE" dirty="0"/>
+              <a:t>é</a:t>
+            </a:r>
+            <a:r>
+              <a:rPr lang="en-150" dirty="0"/>
+              <a:t>e</a:t>
+            </a:r>
+            <a:r>
+              <a:rPr lang="fr-BE" dirty="0"/>
+              <a:t>s</a:t>
+            </a:r>
+          </a:p>
+        </p:txBody>
+      </p:sp>
+      <p:sp>
+        <p:nvSpPr>
+          <p:cNvPr id="5" name="Espace réservé du texte 4">
+            <a:extLst>
+              <a:ext uri="{FF2B5EF4-FFF2-40B4-BE49-F238E27FC236}">
+                <a16:creationId xmlns:a16="http://schemas.microsoft.com/office/drawing/2014/main" id="{D74DF7E5-B979-47FB-BB11-B56F6A33D7C8}"/>
+              </a:ext>
+            </a:extLst>
+          </p:cNvPr>
+          <p:cNvSpPr>
+            <a:spLocks noGrp="1"/>
+          </p:cNvSpPr>
+          <p:nvPr>
+            <p:ph type="body" idx="1"/>
+          </p:nvPr>
+        </p:nvSpPr>
+        <p:spPr/>
+        <p:txBody>
+          <a:bodyPr/>
+          <a:lstStyle/>
+          <a:p>
+            <a:endParaRPr lang="fr-BE"/>
+          </a:p>
+        </p:txBody>
+      </p:sp>
+    </p:spTree>
+    <p:extLst>
+      <p:ext uri="{BB962C8B-B14F-4D97-AF65-F5344CB8AC3E}">
+        <p14:creationId xmlns:p14="http://schemas.microsoft.com/office/powerpoint/2010/main" val="3246235238"/>
+      </p:ext>
+    </p:extLst>
+  </p:cSld>
+  <p:clrMapOvr>
+    <a:masterClrMapping/>
+  </p:clrMapOvr>
+</p:sld>
+</file>
+
+<file path=ppt/slides/slide22.xml><?xml version="1.0" encoding="utf-8"?>
+<p:sld xmlns:a="http://schemas.openxmlformats.org/drawingml/2006/main" xmlns:r="http://schemas.openxmlformats.org/officeDocument/2006/relationships" xmlns:p="http://schemas.openxmlformats.org/presentationml/2006/main">
+  <p:cSld>
+    <p:spTree>
+      <p:nvGrpSpPr>
+        <p:cNvPr id="1" name=""/>
+        <p:cNvGrpSpPr/>
+        <p:nvPr/>
+      </p:nvGrpSpPr>
+      <p:grpSpPr>
+        <a:xfrm>
+          <a:off x="0" y="0"/>
+          <a:ext cx="0" cy="0"/>
+          <a:chOff x="0" y="0"/>
+          <a:chExt cx="0" cy="0"/>
+        </a:xfrm>
+      </p:grpSpPr>
+      <p:sp>
+        <p:nvSpPr>
+          <p:cNvPr id="2" name="Titre 1">
+            <a:extLst>
+              <a:ext uri="{FF2B5EF4-FFF2-40B4-BE49-F238E27FC236}">
+                <a16:creationId xmlns:a16="http://schemas.microsoft.com/office/drawing/2014/main" id="{E35D31CF-2B00-4909-8491-1D93DFAA3B85}"/>
+              </a:ext>
+            </a:extLst>
+          </p:cNvPr>
+          <p:cNvSpPr>
+            <a:spLocks noGrp="1"/>
+          </p:cNvSpPr>
+          <p:nvPr>
+            <p:ph type="title"/>
+          </p:nvPr>
+        </p:nvSpPr>
+        <p:spPr/>
+        <p:txBody>
+          <a:bodyPr/>
+          <a:lstStyle/>
+          <a:p>
+            <a:r>
+              <a:rPr lang="en-150" dirty="0"/>
+              <a:t>S</a:t>
+            </a:r>
+            <a:r>
+              <a:rPr lang="fr-BE" dirty="0"/>
+              <a:t>t</a:t>
+            </a:r>
+            <a:r>
+              <a:rPr lang="en-150" dirty="0"/>
+              <a:t>r</a:t>
+            </a:r>
+            <a:r>
+              <a:rPr lang="fr-BE" dirty="0"/>
+              <a:t>u</a:t>
+            </a:r>
+            <a:r>
+              <a:rPr lang="en-150" dirty="0"/>
+              <a:t>c</a:t>
+            </a:r>
+            <a:r>
+              <a:rPr lang="fr-BE" dirty="0"/>
+              <a:t>t</a:t>
+            </a:r>
+            <a:r>
+              <a:rPr lang="en-150" dirty="0"/>
+              <a:t>u</a:t>
+            </a:r>
+            <a:r>
+              <a:rPr lang="fr-BE" dirty="0"/>
+              <a:t>r</a:t>
+            </a:r>
+            <a:r>
+              <a:rPr lang="en-150" dirty="0"/>
+              <a:t>e</a:t>
+            </a:r>
+            <a:r>
+              <a:rPr lang="fr-BE" dirty="0"/>
+              <a:t>s</a:t>
+            </a:r>
+            <a:r>
+              <a:rPr lang="en-150" dirty="0"/>
+              <a:t> </a:t>
+            </a:r>
+            <a:r>
+              <a:rPr lang="fr-BE" dirty="0"/>
+              <a:t>d</a:t>
+            </a:r>
+            <a:r>
+              <a:rPr lang="en-150" dirty="0"/>
+              <a:t>e </a:t>
+            </a:r>
+            <a:r>
+              <a:rPr lang="fr-BE" dirty="0"/>
+              <a:t>d</a:t>
+            </a:r>
+            <a:r>
+              <a:rPr lang="en-150" dirty="0"/>
+              <a:t>o</a:t>
+            </a:r>
+            <a:r>
+              <a:rPr lang="fr-BE" dirty="0"/>
+              <a:t>n</a:t>
+            </a:r>
+            <a:r>
+              <a:rPr lang="en-150" dirty="0"/>
+              <a:t>n</a:t>
+            </a:r>
+            <a:r>
+              <a:rPr lang="fr-BE" dirty="0"/>
+              <a:t>é</a:t>
+            </a:r>
+            <a:r>
+              <a:rPr lang="en-150" dirty="0"/>
+              <a:t>e</a:t>
+            </a:r>
+            <a:r>
+              <a:rPr lang="fr-BE" dirty="0"/>
+              <a:t>s</a:t>
+            </a:r>
+          </a:p>
+        </p:txBody>
+      </p:sp>
+      <p:sp>
+        <p:nvSpPr>
+          <p:cNvPr id="4" name="Espace réservé du texte 3">
+            <a:extLst>
+              <a:ext uri="{FF2B5EF4-FFF2-40B4-BE49-F238E27FC236}">
+                <a16:creationId xmlns:a16="http://schemas.microsoft.com/office/drawing/2014/main" id="{FE267367-DDB8-4FFA-929C-1DAB1427C424}"/>
+              </a:ext>
+            </a:extLst>
+          </p:cNvPr>
+          <p:cNvSpPr>
+            <a:spLocks noGrp="1"/>
+          </p:cNvSpPr>
+          <p:nvPr>
+            <p:ph type="body" idx="1"/>
+          </p:nvPr>
+        </p:nvSpPr>
+        <p:spPr/>
+        <p:txBody>
+          <a:bodyPr/>
+          <a:lstStyle/>
+          <a:p>
+            <a:r>
+              <a:rPr lang="en-150" dirty="0" err="1"/>
+              <a:t>i</a:t>
+            </a:r>
+            <a:r>
+              <a:rPr lang="fr-BE" dirty="0"/>
+              <a:t>m</a:t>
+            </a:r>
+            <a:r>
+              <a:rPr lang="en-150" dirty="0"/>
+              <a:t>m</a:t>
+            </a:r>
+            <a:r>
+              <a:rPr lang="fr-BE" dirty="0"/>
+              <a:t>u</a:t>
+            </a:r>
+            <a:r>
+              <a:rPr lang="en-150" dirty="0"/>
+              <a:t>a</a:t>
+            </a:r>
+            <a:r>
+              <a:rPr lang="fr-BE" dirty="0"/>
+              <a:t>b</a:t>
+            </a:r>
+            <a:r>
+              <a:rPr lang="en-150" dirty="0"/>
+              <a:t>l</a:t>
+            </a:r>
+            <a:r>
+              <a:rPr lang="fr-BE" dirty="0"/>
+              <a:t>e</a:t>
+            </a:r>
+            <a:r>
+              <a:rPr lang="en-150" dirty="0"/>
+              <a:t>s</a:t>
+            </a:r>
+            <a:endParaRPr lang="fr-BE" dirty="0"/>
+          </a:p>
+        </p:txBody>
+      </p:sp>
+      <p:graphicFrame>
+        <p:nvGraphicFramePr>
+          <p:cNvPr id="8" name="Tableau 8">
+            <a:extLst>
+              <a:ext uri="{FF2B5EF4-FFF2-40B4-BE49-F238E27FC236}">
+                <a16:creationId xmlns:a16="http://schemas.microsoft.com/office/drawing/2014/main" id="{26B6DAF0-DD8E-47D0-B81A-A016EC9BB4F1}"/>
+              </a:ext>
+            </a:extLst>
+          </p:cNvPr>
+          <p:cNvGraphicFramePr>
+            <a:graphicFrameLocks noGrp="1"/>
+          </p:cNvGraphicFramePr>
+          <p:nvPr>
+            <p:ph sz="half" idx="2"/>
+            <p:extLst>
+              <p:ext uri="{D42A27DB-BD31-4B8C-83A1-F6EECF244321}">
+                <p14:modId xmlns:p14="http://schemas.microsoft.com/office/powerpoint/2010/main" val="2955692681"/>
+              </p:ext>
+            </p:extLst>
+          </p:nvPr>
+        </p:nvGraphicFramePr>
+        <p:xfrm>
+          <a:off x="1096963" y="2582863"/>
+          <a:ext cx="4938712" cy="1483360"/>
+        </p:xfrm>
+        <a:graphic>
+          <a:graphicData uri="http://schemas.openxmlformats.org/drawingml/2006/table">
+            <a:tbl>
+              <a:tblPr bandRow="1">
+                <a:tableStyleId>{5C22544A-7EE6-4342-B048-85BDC9FD1C3A}</a:tableStyleId>
+              </a:tblPr>
+              <a:tblGrid>
+                <a:gridCol w="2469356">
+                  <a:extLst>
+                    <a:ext uri="{9D8B030D-6E8A-4147-A177-3AD203B41FA5}">
+                      <a16:colId xmlns:a16="http://schemas.microsoft.com/office/drawing/2014/main" val="712658461"/>
+                    </a:ext>
+                  </a:extLst>
+                </a:gridCol>
+                <a:gridCol w="2469356">
+                  <a:extLst>
+                    <a:ext uri="{9D8B030D-6E8A-4147-A177-3AD203B41FA5}">
+                      <a16:colId xmlns:a16="http://schemas.microsoft.com/office/drawing/2014/main" val="914664231"/>
+                    </a:ext>
+                  </a:extLst>
+                </a:gridCol>
+              </a:tblGrid>
+              <a:tr h="370840">
+                <a:tc>
+                  <a:txBody>
+                    <a:bodyPr/>
+                    <a:lstStyle/>
+                    <a:p>
+                      <a:r>
+                        <a:rPr lang="en-150" dirty="0"/>
+                        <a:t>(</a:t>
+                      </a:r>
+                      <a:r>
+                        <a:rPr lang="fr-BE" dirty="0"/>
+                        <a:t>a</a:t>
+                      </a:r>
+                      <a:r>
+                        <a:rPr lang="en-150" dirty="0"/>
+                        <a:t>, </a:t>
+                      </a:r>
+                      <a:r>
+                        <a:rPr lang="fr-BE" dirty="0"/>
+                        <a:t>b</a:t>
+                      </a:r>
+                      <a:r>
+                        <a:rPr lang="en-150" dirty="0"/>
+                        <a:t>, </a:t>
+                      </a:r>
+                      <a:r>
+                        <a:rPr lang="fr-BE" dirty="0"/>
+                        <a:t>c</a:t>
+                      </a:r>
+                      <a:r>
+                        <a:rPr lang="en-150" dirty="0"/>
+                        <a:t>)</a:t>
+                      </a:r>
+                      <a:endParaRPr lang="fr-BE" dirty="0"/>
+                    </a:p>
+                  </a:txBody>
+                  <a:tcPr/>
+                </a:tc>
+                <a:tc>
+                  <a:txBody>
+                    <a:bodyPr/>
+                    <a:lstStyle/>
+                    <a:p>
+                      <a:r>
+                        <a:rPr lang="en-150" dirty="0"/>
+                        <a:t>t</a:t>
+                      </a:r>
+                      <a:r>
+                        <a:rPr lang="fr-BE" dirty="0"/>
+                        <a:t>u</a:t>
+                      </a:r>
+                      <a:r>
+                        <a:rPr lang="en-150" dirty="0"/>
+                        <a:t>p</a:t>
+                      </a:r>
+                      <a:r>
+                        <a:rPr lang="fr-BE" dirty="0"/>
+                        <a:t>l</a:t>
+                      </a:r>
+                      <a:r>
+                        <a:rPr lang="en-150" dirty="0"/>
+                        <a:t>e</a:t>
+                      </a:r>
+                      <a:endParaRPr lang="fr-BE" dirty="0"/>
+                    </a:p>
+                  </a:txBody>
+                  <a:tcPr/>
+                </a:tc>
+                <a:extLst>
+                  <a:ext uri="{0D108BD9-81ED-4DB2-BD59-A6C34878D82A}">
+                    <a16:rowId xmlns:a16="http://schemas.microsoft.com/office/drawing/2014/main" val="3011390471"/>
+                  </a:ext>
+                </a:extLst>
+              </a:tr>
+              <a:tr h="370840">
+                <a:tc>
+                  <a:txBody>
+                    <a:bodyPr/>
+                    <a:lstStyle/>
+                    <a:p>
+                      <a:r>
+                        <a:rPr lang="en-150" dirty="0"/>
+                        <a:t>"Hello"</a:t>
+                      </a:r>
+                      <a:endParaRPr lang="fr-BE" dirty="0"/>
+                    </a:p>
+                  </a:txBody>
+                  <a:tcPr/>
+                </a:tc>
+                <a:tc>
+                  <a:txBody>
+                    <a:bodyPr/>
+                    <a:lstStyle/>
+                    <a:p>
+                      <a:r>
+                        <a:rPr lang="en-150" dirty="0"/>
+                        <a:t>s</a:t>
+                      </a:r>
+                      <a:r>
+                        <a:rPr lang="fr-BE" dirty="0"/>
+                        <a:t>t</a:t>
+                      </a:r>
+                      <a:r>
+                        <a:rPr lang="en-150" dirty="0"/>
+                        <a:t>r</a:t>
+                      </a:r>
+                      <a:r>
+                        <a:rPr lang="fr-BE" dirty="0"/>
+                        <a:t>i</a:t>
+                      </a:r>
+                      <a:r>
+                        <a:rPr lang="en-150" dirty="0"/>
+                        <a:t>n</a:t>
+                      </a:r>
+                      <a:r>
+                        <a:rPr lang="fr-BE" dirty="0"/>
+                        <a:t>g</a:t>
+                      </a:r>
+                    </a:p>
+                  </a:txBody>
+                  <a:tcPr/>
+                </a:tc>
+                <a:extLst>
+                  <a:ext uri="{0D108BD9-81ED-4DB2-BD59-A6C34878D82A}">
+                    <a16:rowId xmlns:a16="http://schemas.microsoft.com/office/drawing/2014/main" val="2395478632"/>
+                  </a:ext>
+                </a:extLst>
+              </a:tr>
+              <a:tr h="370840">
+                <a:tc>
+                  <a:txBody>
+                    <a:bodyPr/>
+                    <a:lstStyle/>
+                    <a:p>
+                      <a:r>
+                        <a:rPr lang="en-150" dirty="0"/>
+                        <a:t>b</a:t>
+                      </a:r>
+                      <a:r>
+                        <a:rPr lang="fr-BE" dirty="0"/>
+                        <a:t>y</a:t>
+                      </a:r>
+                      <a:r>
+                        <a:rPr lang="en-150" dirty="0"/>
+                        <a:t>t</a:t>
+                      </a:r>
+                      <a:r>
+                        <a:rPr lang="fr-BE" dirty="0"/>
+                        <a:t>e</a:t>
+                      </a:r>
+                      <a:r>
+                        <a:rPr lang="en-150" dirty="0"/>
+                        <a:t>s()</a:t>
+                      </a:r>
+                      <a:endParaRPr lang="fr-BE" dirty="0"/>
+                    </a:p>
+                  </a:txBody>
+                  <a:tcPr/>
+                </a:tc>
+                <a:tc>
+                  <a:txBody>
+                    <a:bodyPr/>
+                    <a:lstStyle/>
+                    <a:p>
+                      <a:r>
+                        <a:rPr lang="en-150" dirty="0"/>
+                        <a:t>t</a:t>
+                      </a:r>
+                      <a:r>
+                        <a:rPr lang="fr-BE" dirty="0"/>
+                        <a:t>a</a:t>
+                      </a:r>
+                      <a:r>
+                        <a:rPr lang="en-150" dirty="0"/>
+                        <a:t>b</a:t>
+                      </a:r>
+                      <a:r>
+                        <a:rPr lang="fr-BE" dirty="0"/>
+                        <a:t>l</a:t>
+                      </a:r>
+                      <a:r>
+                        <a:rPr lang="en-150" dirty="0"/>
+                        <a:t>e</a:t>
+                      </a:r>
+                      <a:r>
+                        <a:rPr lang="fr-BE" dirty="0"/>
+                        <a:t>a</a:t>
+                      </a:r>
+                      <a:r>
+                        <a:rPr lang="en-150" dirty="0"/>
+                        <a:t>u </a:t>
+                      </a:r>
+                      <a:r>
+                        <a:rPr lang="fr-BE" dirty="0"/>
+                        <a:t>d</a:t>
+                      </a:r>
+                      <a:r>
+                        <a:rPr lang="en-150" dirty="0"/>
+                        <a:t>'</a:t>
+                      </a:r>
+                      <a:r>
+                        <a:rPr lang="fr-BE" dirty="0"/>
+                        <a:t>o</a:t>
+                      </a:r>
+                      <a:r>
+                        <a:rPr lang="en-150" dirty="0"/>
+                        <a:t>c</a:t>
+                      </a:r>
+                      <a:r>
+                        <a:rPr lang="fr-BE" dirty="0"/>
+                        <a:t>t</a:t>
+                      </a:r>
+                      <a:r>
+                        <a:rPr lang="en-150" dirty="0"/>
+                        <a:t>e</a:t>
+                      </a:r>
+                      <a:r>
+                        <a:rPr lang="fr-BE" dirty="0"/>
+                        <a:t>t</a:t>
+                      </a:r>
+                      <a:r>
+                        <a:rPr lang="en-150" dirty="0"/>
+                        <a:t>s</a:t>
+                      </a:r>
+                      <a:endParaRPr lang="fr-BE" dirty="0"/>
+                    </a:p>
+                  </a:txBody>
+                  <a:tcPr/>
+                </a:tc>
+                <a:extLst>
+                  <a:ext uri="{0D108BD9-81ED-4DB2-BD59-A6C34878D82A}">
+                    <a16:rowId xmlns:a16="http://schemas.microsoft.com/office/drawing/2014/main" val="1480357301"/>
+                  </a:ext>
+                </a:extLst>
+              </a:tr>
+              <a:tr h="370840">
+                <a:tc>
+                  <a:txBody>
+                    <a:bodyPr/>
+                    <a:lstStyle/>
+                    <a:p>
+                      <a:r>
+                        <a:rPr lang="en-150" dirty="0"/>
+                        <a:t>f</a:t>
+                      </a:r>
+                      <a:r>
+                        <a:rPr lang="fr-BE" dirty="0"/>
+                        <a:t>r</a:t>
+                      </a:r>
+                      <a:r>
+                        <a:rPr lang="en-150" dirty="0" err="1"/>
+                        <a:t>ozenset</a:t>
+                      </a:r>
+                      <a:r>
+                        <a:rPr lang="en-150" dirty="0"/>
+                        <a:t>()</a:t>
+                      </a:r>
+                      <a:endParaRPr lang="fr-BE" dirty="0"/>
+                    </a:p>
+                  </a:txBody>
+                  <a:tcPr/>
+                </a:tc>
+                <a:tc>
+                  <a:txBody>
+                    <a:bodyPr/>
+                    <a:lstStyle/>
+                    <a:p>
+                      <a:r>
+                        <a:rPr lang="en-150" dirty="0"/>
+                        <a:t>e</a:t>
+                      </a:r>
+                      <a:r>
+                        <a:rPr lang="fr-BE" dirty="0"/>
+                        <a:t>n</a:t>
+                      </a:r>
+                      <a:r>
+                        <a:rPr lang="en-150" dirty="0"/>
+                        <a:t>s</a:t>
+                      </a:r>
+                      <a:r>
+                        <a:rPr lang="fr-BE" dirty="0"/>
+                        <a:t>e</a:t>
+                      </a:r>
+                      <a:r>
+                        <a:rPr lang="en-150" dirty="0"/>
+                        <a:t>m</a:t>
+                      </a:r>
+                      <a:r>
+                        <a:rPr lang="fr-BE" dirty="0"/>
+                        <a:t>b</a:t>
+                      </a:r>
+                      <a:r>
+                        <a:rPr lang="en-150" dirty="0"/>
+                        <a:t>l</a:t>
+                      </a:r>
+                      <a:r>
+                        <a:rPr lang="fr-BE" dirty="0"/>
+                        <a:t>e</a:t>
+                      </a:r>
+                      <a:r>
+                        <a:rPr lang="en-150" dirty="0"/>
+                        <a:t> </a:t>
+                      </a:r>
+                      <a:r>
+                        <a:rPr lang="fr-BE" dirty="0"/>
+                        <a:t>n</a:t>
+                      </a:r>
+                      <a:r>
+                        <a:rPr lang="en-150" dirty="0"/>
+                        <a:t>o</a:t>
+                      </a:r>
+                      <a:r>
+                        <a:rPr lang="fr-BE" dirty="0"/>
+                        <a:t>n</a:t>
+                      </a:r>
+                      <a:r>
+                        <a:rPr lang="en-150" dirty="0"/>
+                        <a:t>-</a:t>
+                      </a:r>
+                      <a:r>
+                        <a:rPr lang="fr-BE" dirty="0"/>
+                        <a:t>o</a:t>
+                      </a:r>
+                      <a:r>
+                        <a:rPr lang="en-150" dirty="0"/>
+                        <a:t>r</a:t>
+                      </a:r>
+                      <a:r>
+                        <a:rPr lang="fr-BE" dirty="0"/>
+                        <a:t>d</a:t>
+                      </a:r>
+                      <a:r>
+                        <a:rPr lang="en-150" dirty="0"/>
+                        <a:t>o</a:t>
+                      </a:r>
+                      <a:r>
+                        <a:rPr lang="fr-BE" dirty="0"/>
+                        <a:t>n</a:t>
+                      </a:r>
+                      <a:r>
+                        <a:rPr lang="en-150" dirty="0"/>
+                        <a:t>n</a:t>
+                      </a:r>
+                      <a:r>
+                        <a:rPr lang="fr-BE" dirty="0"/>
+                        <a:t>é</a:t>
+                      </a:r>
+                    </a:p>
+                  </a:txBody>
+                  <a:tcPr/>
+                </a:tc>
+                <a:extLst>
+                  <a:ext uri="{0D108BD9-81ED-4DB2-BD59-A6C34878D82A}">
+                    <a16:rowId xmlns:a16="http://schemas.microsoft.com/office/drawing/2014/main" val="3400927587"/>
+                  </a:ext>
+                </a:extLst>
+              </a:tr>
+            </a:tbl>
+          </a:graphicData>
+        </a:graphic>
+      </p:graphicFrame>
+      <p:sp>
+        <p:nvSpPr>
+          <p:cNvPr id="6" name="Espace réservé du texte 5">
+            <a:extLst>
+              <a:ext uri="{FF2B5EF4-FFF2-40B4-BE49-F238E27FC236}">
+                <a16:creationId xmlns:a16="http://schemas.microsoft.com/office/drawing/2014/main" id="{3FAEF0EC-5C7E-4BDF-A1F7-0C9DF96497E7}"/>
+              </a:ext>
+            </a:extLst>
+          </p:cNvPr>
+          <p:cNvSpPr>
+            <a:spLocks noGrp="1"/>
+          </p:cNvSpPr>
+          <p:nvPr>
+            <p:ph type="body" sz="quarter" idx="3"/>
+          </p:nvPr>
+        </p:nvSpPr>
+        <p:spPr/>
+        <p:txBody>
+          <a:bodyPr/>
+          <a:lstStyle/>
+          <a:p>
+            <a:r>
+              <a:rPr lang="en-150" dirty="0"/>
+              <a:t>M</a:t>
+            </a:r>
+            <a:r>
+              <a:rPr lang="fr-BE" dirty="0"/>
+              <a:t>o</a:t>
+            </a:r>
+            <a:r>
+              <a:rPr lang="en-150" dirty="0"/>
+              <a:t>d</a:t>
+            </a:r>
+            <a:r>
+              <a:rPr lang="fr-BE" dirty="0"/>
+              <a:t>i</a:t>
+            </a:r>
+            <a:r>
+              <a:rPr lang="en-150" dirty="0"/>
+              <a:t>f</a:t>
+            </a:r>
+            <a:r>
+              <a:rPr lang="fr-BE" dirty="0"/>
+              <a:t>i</a:t>
+            </a:r>
+            <a:r>
+              <a:rPr lang="en-150" dirty="0"/>
+              <a:t>a</a:t>
+            </a:r>
+            <a:r>
+              <a:rPr lang="fr-BE" dirty="0"/>
+              <a:t>b</a:t>
+            </a:r>
+            <a:r>
+              <a:rPr lang="en-150" dirty="0"/>
+              <a:t>l</a:t>
+            </a:r>
+            <a:r>
+              <a:rPr lang="fr-BE" dirty="0"/>
+              <a:t>e</a:t>
+            </a:r>
+            <a:r>
+              <a:rPr lang="en-150" dirty="0"/>
+              <a:t>s</a:t>
+            </a:r>
+            <a:endParaRPr lang="fr-BE" dirty="0"/>
+          </a:p>
+        </p:txBody>
+      </p:sp>
+      <p:graphicFrame>
+        <p:nvGraphicFramePr>
+          <p:cNvPr id="10" name="Tableau 10">
+            <a:extLst>
+              <a:ext uri="{FF2B5EF4-FFF2-40B4-BE49-F238E27FC236}">
+                <a16:creationId xmlns:a16="http://schemas.microsoft.com/office/drawing/2014/main" id="{29F15898-6733-4C6C-967C-45F7D868B3E1}"/>
+              </a:ext>
+            </a:extLst>
+          </p:cNvPr>
+          <p:cNvGraphicFramePr>
+            <a:graphicFrameLocks noGrp="1"/>
+          </p:cNvGraphicFramePr>
+          <p:nvPr>
+            <p:ph sz="quarter" idx="4"/>
+            <p:extLst>
+              <p:ext uri="{D42A27DB-BD31-4B8C-83A1-F6EECF244321}">
+                <p14:modId xmlns:p14="http://schemas.microsoft.com/office/powerpoint/2010/main" val="1626471398"/>
+              </p:ext>
+            </p:extLst>
+          </p:nvPr>
+        </p:nvGraphicFramePr>
+        <p:xfrm>
+          <a:off x="6218238" y="2582863"/>
+          <a:ext cx="4937124" cy="1854200"/>
+        </p:xfrm>
+        <a:graphic>
+          <a:graphicData uri="http://schemas.openxmlformats.org/drawingml/2006/table">
+            <a:tbl>
+              <a:tblPr bandRow="1">
+                <a:tableStyleId>{5C22544A-7EE6-4342-B048-85BDC9FD1C3A}</a:tableStyleId>
+              </a:tblPr>
+              <a:tblGrid>
+                <a:gridCol w="2468562">
+                  <a:extLst>
+                    <a:ext uri="{9D8B030D-6E8A-4147-A177-3AD203B41FA5}">
+                      <a16:colId xmlns:a16="http://schemas.microsoft.com/office/drawing/2014/main" val="1031392358"/>
+                    </a:ext>
+                  </a:extLst>
+                </a:gridCol>
+                <a:gridCol w="2468562">
+                  <a:extLst>
+                    <a:ext uri="{9D8B030D-6E8A-4147-A177-3AD203B41FA5}">
+                      <a16:colId xmlns:a16="http://schemas.microsoft.com/office/drawing/2014/main" val="1238695322"/>
+                    </a:ext>
+                  </a:extLst>
+                </a:gridCol>
+              </a:tblGrid>
+              <a:tr h="370840">
+                <a:tc>
+                  <a:txBody>
+                    <a:bodyPr/>
+                    <a:lstStyle/>
+                    <a:p>
+                      <a:r>
+                        <a:rPr lang="en-150" dirty="0"/>
+                        <a:t>[</a:t>
+                      </a:r>
+                      <a:r>
+                        <a:rPr lang="fr-BE" dirty="0"/>
+                        <a:t>a</a:t>
+                      </a:r>
+                      <a:r>
+                        <a:rPr lang="en-150" dirty="0"/>
+                        <a:t>, </a:t>
+                      </a:r>
+                      <a:r>
+                        <a:rPr lang="fr-BE" dirty="0"/>
+                        <a:t>b</a:t>
+                      </a:r>
+                      <a:r>
+                        <a:rPr lang="en-150" dirty="0"/>
+                        <a:t>, </a:t>
+                      </a:r>
+                      <a:r>
+                        <a:rPr lang="fr-BE" dirty="0"/>
+                        <a:t>c</a:t>
+                      </a:r>
+                      <a:r>
+                        <a:rPr lang="en-150" dirty="0"/>
+                        <a:t>]</a:t>
+                      </a:r>
+                      <a:endParaRPr lang="fr-BE" dirty="0"/>
+                    </a:p>
+                  </a:txBody>
+                  <a:tcPr/>
+                </a:tc>
+                <a:tc>
+                  <a:txBody>
+                    <a:bodyPr/>
+                    <a:lstStyle/>
+                    <a:p>
+                      <a:r>
+                        <a:rPr lang="en-150" dirty="0"/>
+                        <a:t>l</a:t>
+                      </a:r>
+                      <a:r>
+                        <a:rPr lang="fr-BE" dirty="0"/>
+                        <a:t>i</a:t>
+                      </a:r>
+                      <a:r>
+                        <a:rPr lang="en-150" dirty="0"/>
+                        <a:t>s</a:t>
+                      </a:r>
+                      <a:r>
+                        <a:rPr lang="fr-BE" dirty="0"/>
+                        <a:t>t</a:t>
+                      </a:r>
+                      <a:r>
+                        <a:rPr lang="en-150" dirty="0"/>
+                        <a:t>e</a:t>
+                      </a:r>
+                      <a:endParaRPr lang="fr-BE" dirty="0"/>
+                    </a:p>
+                  </a:txBody>
+                  <a:tcPr/>
+                </a:tc>
+                <a:extLst>
+                  <a:ext uri="{0D108BD9-81ED-4DB2-BD59-A6C34878D82A}">
+                    <a16:rowId xmlns:a16="http://schemas.microsoft.com/office/drawing/2014/main" val="2100627115"/>
+                  </a:ext>
+                </a:extLst>
+              </a:tr>
+              <a:tr h="370840">
+                <a:tc>
+                  <a:txBody>
+                    <a:bodyPr/>
+                    <a:lstStyle/>
+                    <a:p>
+                      <a:endParaRPr lang="fr-BE" dirty="0"/>
+                    </a:p>
+                  </a:txBody>
+                  <a:tcPr/>
+                </a:tc>
+                <a:tc>
+                  <a:txBody>
+                    <a:bodyPr/>
+                    <a:lstStyle/>
+                    <a:p>
+                      <a:endParaRPr lang="fr-BE" dirty="0"/>
+                    </a:p>
+                  </a:txBody>
+                  <a:tcPr/>
+                </a:tc>
+                <a:extLst>
+                  <a:ext uri="{0D108BD9-81ED-4DB2-BD59-A6C34878D82A}">
+                    <a16:rowId xmlns:a16="http://schemas.microsoft.com/office/drawing/2014/main" val="4209827900"/>
+                  </a:ext>
+                </a:extLst>
+              </a:tr>
+              <a:tr h="370840">
+                <a:tc>
+                  <a:txBody>
+                    <a:bodyPr/>
+                    <a:lstStyle/>
+                    <a:p>
+                      <a:r>
+                        <a:rPr lang="en-150" dirty="0"/>
+                        <a:t>b</a:t>
+                      </a:r>
+                      <a:r>
+                        <a:rPr lang="fr-BE" dirty="0"/>
+                        <a:t>y</a:t>
+                      </a:r>
+                      <a:r>
+                        <a:rPr lang="en-150" dirty="0"/>
+                        <a:t>t</a:t>
+                      </a:r>
+                      <a:r>
+                        <a:rPr lang="fr-BE" dirty="0"/>
+                        <a:t>e</a:t>
+                      </a:r>
+                      <a:r>
+                        <a:rPr lang="en-150" dirty="0"/>
+                        <a:t>a</a:t>
+                      </a:r>
+                      <a:r>
+                        <a:rPr lang="fr-BE" dirty="0"/>
+                        <a:t>r</a:t>
+                      </a:r>
+                      <a:r>
+                        <a:rPr lang="en-150" dirty="0"/>
+                        <a:t>r</a:t>
+                      </a:r>
+                      <a:r>
+                        <a:rPr lang="fr-BE" dirty="0"/>
+                        <a:t>a</a:t>
+                      </a:r>
+                      <a:r>
+                        <a:rPr lang="en-150" dirty="0"/>
+                        <a:t>y()</a:t>
+                      </a:r>
+                      <a:endParaRPr lang="fr-BE" dirty="0"/>
+                    </a:p>
+                  </a:txBody>
+                  <a:tcPr/>
+                </a:tc>
+                <a:tc>
+                  <a:txBody>
+                    <a:bodyPr/>
+                    <a:lstStyle/>
+                    <a:p>
+                      <a:pPr marL="0" marR="0" lvl="0" indent="0" algn="l" defTabSz="914400" rtl="0" eaLnBrk="1" fontAlgn="auto" latinLnBrk="0" hangingPunct="1">
+                        <a:lnSpc>
+                          <a:spcPct val="100000"/>
+                        </a:lnSpc>
+                        <a:spcBef>
+                          <a:spcPts val="0"/>
+                        </a:spcBef>
+                        <a:spcAft>
+                          <a:spcPts val="0"/>
+                        </a:spcAft>
+                        <a:buClrTx/>
+                        <a:buSzTx/>
+                        <a:buFontTx/>
+                        <a:buNone/>
+                        <a:tabLst/>
+                        <a:defRPr/>
+                      </a:pPr>
+                      <a:r>
+                        <a:rPr lang="en-150" dirty="0"/>
+                        <a:t>t</a:t>
+                      </a:r>
+                      <a:r>
+                        <a:rPr lang="fr-BE" dirty="0"/>
+                        <a:t>a</a:t>
+                      </a:r>
+                      <a:r>
+                        <a:rPr lang="en-150" dirty="0"/>
+                        <a:t>b</a:t>
+                      </a:r>
+                      <a:r>
+                        <a:rPr lang="fr-BE" dirty="0"/>
+                        <a:t>l</a:t>
+                      </a:r>
+                      <a:r>
+                        <a:rPr lang="en-150" dirty="0"/>
+                        <a:t>e</a:t>
+                      </a:r>
+                      <a:r>
+                        <a:rPr lang="fr-BE" dirty="0"/>
+                        <a:t>a</a:t>
+                      </a:r>
+                      <a:r>
+                        <a:rPr lang="en-150" dirty="0"/>
+                        <a:t>u </a:t>
+                      </a:r>
+                      <a:r>
+                        <a:rPr lang="fr-BE" dirty="0"/>
+                        <a:t>d</a:t>
+                      </a:r>
+                      <a:r>
+                        <a:rPr lang="en-150" dirty="0"/>
+                        <a:t>'</a:t>
+                      </a:r>
+                      <a:r>
+                        <a:rPr lang="fr-BE" dirty="0"/>
+                        <a:t>o</a:t>
+                      </a:r>
+                      <a:r>
+                        <a:rPr lang="en-150" dirty="0"/>
+                        <a:t>c</a:t>
+                      </a:r>
+                      <a:r>
+                        <a:rPr lang="fr-BE" dirty="0"/>
+                        <a:t>t</a:t>
+                      </a:r>
+                      <a:r>
+                        <a:rPr lang="en-150" dirty="0"/>
+                        <a:t>e</a:t>
+                      </a:r>
+                      <a:r>
+                        <a:rPr lang="fr-BE" dirty="0"/>
+                        <a:t>t</a:t>
+                      </a:r>
+                      <a:r>
+                        <a:rPr lang="en-150" dirty="0"/>
+                        <a:t>s</a:t>
+                      </a:r>
+                      <a:endParaRPr lang="fr-BE" dirty="0"/>
+                    </a:p>
+                  </a:txBody>
+                  <a:tcPr/>
+                </a:tc>
+                <a:extLst>
+                  <a:ext uri="{0D108BD9-81ED-4DB2-BD59-A6C34878D82A}">
+                    <a16:rowId xmlns:a16="http://schemas.microsoft.com/office/drawing/2014/main" val="101220238"/>
+                  </a:ext>
+                </a:extLst>
+              </a:tr>
+              <a:tr h="370840">
+                <a:tc>
+                  <a:txBody>
+                    <a:bodyPr/>
+                    <a:lstStyle/>
+                    <a:p>
+                      <a:r>
+                        <a:rPr lang="en-150" dirty="0"/>
+                        <a:t>set()</a:t>
+                      </a:r>
+                      <a:endParaRPr lang="fr-BE" dirty="0"/>
+                    </a:p>
+                  </a:txBody>
+                  <a:tcPr/>
+                </a:tc>
+                <a:tc>
+                  <a:txBody>
+                    <a:bodyPr/>
+                    <a:lstStyle/>
+                    <a:p>
+                      <a:pPr marL="0" marR="0" lvl="0" indent="0" algn="l" defTabSz="914400" rtl="0" eaLnBrk="1" fontAlgn="auto" latinLnBrk="0" hangingPunct="1">
+                        <a:lnSpc>
+                          <a:spcPct val="100000"/>
+                        </a:lnSpc>
+                        <a:spcBef>
+                          <a:spcPts val="0"/>
+                        </a:spcBef>
+                        <a:spcAft>
+                          <a:spcPts val="0"/>
+                        </a:spcAft>
+                        <a:buClrTx/>
+                        <a:buSzTx/>
+                        <a:buFontTx/>
+                        <a:buNone/>
+                        <a:tabLst/>
+                        <a:defRPr/>
+                      </a:pPr>
+                      <a:r>
+                        <a:rPr lang="en-150" dirty="0"/>
+                        <a:t>e</a:t>
+                      </a:r>
+                      <a:r>
+                        <a:rPr lang="fr-BE" dirty="0"/>
+                        <a:t>n</a:t>
+                      </a:r>
+                      <a:r>
+                        <a:rPr lang="en-150" dirty="0"/>
+                        <a:t>s</a:t>
+                      </a:r>
+                      <a:r>
+                        <a:rPr lang="fr-BE" dirty="0"/>
+                        <a:t>e</a:t>
+                      </a:r>
+                      <a:r>
+                        <a:rPr lang="en-150" dirty="0"/>
+                        <a:t>m</a:t>
+                      </a:r>
+                      <a:r>
+                        <a:rPr lang="fr-BE" dirty="0"/>
+                        <a:t>b</a:t>
+                      </a:r>
+                      <a:r>
+                        <a:rPr lang="en-150" dirty="0"/>
+                        <a:t>l</a:t>
+                      </a:r>
+                      <a:r>
+                        <a:rPr lang="fr-BE" dirty="0"/>
+                        <a:t>e</a:t>
+                      </a:r>
+                      <a:r>
+                        <a:rPr lang="en-150" dirty="0"/>
+                        <a:t> </a:t>
+                      </a:r>
+                      <a:r>
+                        <a:rPr lang="fr-BE" dirty="0"/>
+                        <a:t>n</a:t>
+                      </a:r>
+                      <a:r>
+                        <a:rPr lang="en-150" dirty="0"/>
+                        <a:t>o</a:t>
+                      </a:r>
+                      <a:r>
+                        <a:rPr lang="fr-BE" dirty="0"/>
+                        <a:t>n</a:t>
+                      </a:r>
+                      <a:r>
+                        <a:rPr lang="en-150" dirty="0"/>
+                        <a:t>-</a:t>
+                      </a:r>
+                      <a:r>
+                        <a:rPr lang="fr-BE" dirty="0"/>
+                        <a:t>o</a:t>
+                      </a:r>
+                      <a:r>
+                        <a:rPr lang="en-150" dirty="0"/>
+                        <a:t>r</a:t>
+                      </a:r>
+                      <a:r>
+                        <a:rPr lang="fr-BE" dirty="0"/>
+                        <a:t>d</a:t>
+                      </a:r>
+                      <a:r>
+                        <a:rPr lang="en-150" dirty="0"/>
+                        <a:t>o</a:t>
+                      </a:r>
+                      <a:r>
+                        <a:rPr lang="fr-BE" dirty="0"/>
+                        <a:t>n</a:t>
+                      </a:r>
+                      <a:r>
+                        <a:rPr lang="en-150" dirty="0"/>
+                        <a:t>n</a:t>
+                      </a:r>
+                      <a:r>
+                        <a:rPr lang="fr-BE" dirty="0"/>
+                        <a:t>é</a:t>
+                      </a:r>
+                    </a:p>
+                  </a:txBody>
+                  <a:tcPr/>
+                </a:tc>
+                <a:extLst>
+                  <a:ext uri="{0D108BD9-81ED-4DB2-BD59-A6C34878D82A}">
+                    <a16:rowId xmlns:a16="http://schemas.microsoft.com/office/drawing/2014/main" val="2948849863"/>
+                  </a:ext>
+                </a:extLst>
+              </a:tr>
+              <a:tr h="370840">
+                <a:tc>
+                  <a:txBody>
+                    <a:bodyPr/>
+                    <a:lstStyle/>
+                    <a:p>
+                      <a:r>
+                        <a:rPr lang="en-150" dirty="0"/>
+                        <a:t>{"</a:t>
+                      </a:r>
+                      <a:r>
+                        <a:rPr lang="fr-BE" dirty="0"/>
+                        <a:t>a</a:t>
+                      </a:r>
+                      <a:r>
+                        <a:rPr lang="en-150" dirty="0"/>
+                        <a:t>": "</a:t>
+                      </a:r>
+                      <a:r>
+                        <a:rPr lang="fr-BE" dirty="0"/>
+                        <a:t>x</a:t>
+                      </a:r>
+                      <a:r>
+                        <a:rPr lang="en-150" dirty="0"/>
+                        <a:t>", "</a:t>
+                      </a:r>
+                      <a:r>
+                        <a:rPr lang="fr-BE" dirty="0"/>
+                        <a:t>b</a:t>
+                      </a:r>
+                      <a:r>
+                        <a:rPr lang="en-150" dirty="0"/>
+                        <a:t>": "</a:t>
+                      </a:r>
+                      <a:r>
+                        <a:rPr lang="fr-BE" dirty="0"/>
+                        <a:t>y</a:t>
+                      </a:r>
+                      <a:r>
+                        <a:rPr lang="en-150" dirty="0"/>
+                        <a:t>"}</a:t>
+                      </a:r>
+                      <a:endParaRPr lang="fr-BE" dirty="0"/>
+                    </a:p>
+                  </a:txBody>
+                  <a:tcPr/>
+                </a:tc>
+                <a:tc>
+                  <a:txBody>
+                    <a:bodyPr/>
+                    <a:lstStyle/>
+                    <a:p>
+                      <a:pPr marL="0" marR="0" lvl="0" indent="0" algn="l" defTabSz="914400" rtl="0" eaLnBrk="1" fontAlgn="auto" latinLnBrk="0" hangingPunct="1">
+                        <a:lnSpc>
+                          <a:spcPct val="100000"/>
+                        </a:lnSpc>
+                        <a:spcBef>
+                          <a:spcPts val="0"/>
+                        </a:spcBef>
+                        <a:spcAft>
+                          <a:spcPts val="0"/>
+                        </a:spcAft>
+                        <a:buClrTx/>
+                        <a:buSzTx/>
+                        <a:buFontTx/>
+                        <a:buNone/>
+                        <a:tabLst/>
+                        <a:defRPr/>
+                      </a:pPr>
+                      <a:r>
+                        <a:rPr lang="en-150" dirty="0"/>
+                        <a:t>d</a:t>
+                      </a:r>
+                      <a:r>
+                        <a:rPr lang="fr-BE" dirty="0"/>
+                        <a:t>i</a:t>
+                      </a:r>
+                      <a:r>
+                        <a:rPr lang="en-150" dirty="0" err="1"/>
+                        <a:t>ctionnaire</a:t>
+                      </a:r>
+                      <a:endParaRPr lang="fr-BE" dirty="0"/>
+                    </a:p>
+                  </a:txBody>
+                  <a:tcPr/>
+                </a:tc>
+                <a:extLst>
+                  <a:ext uri="{0D108BD9-81ED-4DB2-BD59-A6C34878D82A}">
+                    <a16:rowId xmlns:a16="http://schemas.microsoft.com/office/drawing/2014/main" val="2653509771"/>
+                  </a:ext>
+                </a:extLst>
+              </a:tr>
+            </a:tbl>
+          </a:graphicData>
+        </a:graphic>
+      </p:graphicFrame>
+    </p:spTree>
+    <p:extLst>
+      <p:ext uri="{BB962C8B-B14F-4D97-AF65-F5344CB8AC3E}">
+        <p14:creationId xmlns:p14="http://schemas.microsoft.com/office/powerpoint/2010/main" val="1751411853"/>
+      </p:ext>
+    </p:extLst>
+  </p:cSld>
+  <p:clrMapOvr>
+    <a:masterClrMapping/>
+  </p:clrMapOvr>
+</p:sld>
+</file>
+
+<file path=ppt/slides/slide23.xml><?xml version="1.0" encoding="utf-8"?>
+<p:sld xmlns:a="http://schemas.openxmlformats.org/drawingml/2006/main" xmlns:r="http://schemas.openxmlformats.org/officeDocument/2006/relationships" xmlns:p="http://schemas.openxmlformats.org/presentationml/2006/main">
+  <p:cSld>
+    <p:spTree>
+      <p:nvGrpSpPr>
+        <p:cNvPr id="1" name=""/>
+        <p:cNvGrpSpPr/>
+        <p:nvPr/>
+      </p:nvGrpSpPr>
+      <p:grpSpPr>
+        <a:xfrm>
+          <a:off x="0" y="0"/>
+          <a:ext cx="0" cy="0"/>
+          <a:chOff x="0" y="0"/>
+          <a:chExt cx="0" cy="0"/>
+        </a:xfrm>
+      </p:grpSpPr>
+      <p:sp>
+        <p:nvSpPr>
+          <p:cNvPr id="2" name="Titre 1">
+            <a:extLst>
+              <a:ext uri="{FF2B5EF4-FFF2-40B4-BE49-F238E27FC236}">
+                <a16:creationId xmlns:a16="http://schemas.microsoft.com/office/drawing/2014/main" id="{834372B4-33DC-4F47-8E09-3C2879443338}"/>
+              </a:ext>
+            </a:extLst>
+          </p:cNvPr>
+          <p:cNvSpPr>
+            <a:spLocks noGrp="1"/>
+          </p:cNvSpPr>
+          <p:nvPr>
+            <p:ph type="title"/>
+          </p:nvPr>
+        </p:nvSpPr>
+        <p:spPr/>
+        <p:txBody>
+          <a:bodyPr/>
+          <a:lstStyle/>
+          <a:p>
+            <a:r>
+              <a:rPr lang="fr-BE" dirty="0"/>
+              <a:t>S</a:t>
+            </a:r>
+            <a:r>
+              <a:rPr lang="en-150" dirty="0" err="1"/>
+              <a:t>tring</a:t>
+            </a:r>
+            <a:endParaRPr lang="fr-BE" dirty="0"/>
+          </a:p>
+        </p:txBody>
+      </p:sp>
+      <p:sp>
+        <p:nvSpPr>
+          <p:cNvPr id="3" name="Espace réservé du contenu 2">
+            <a:extLst>
+              <a:ext uri="{FF2B5EF4-FFF2-40B4-BE49-F238E27FC236}">
+                <a16:creationId xmlns:a16="http://schemas.microsoft.com/office/drawing/2014/main" id="{42425188-2AE9-4651-AD75-7785ED01846B}"/>
+              </a:ext>
+            </a:extLst>
+          </p:cNvPr>
+          <p:cNvSpPr>
+            <a:spLocks noGrp="1"/>
+          </p:cNvSpPr>
+          <p:nvPr>
+            <p:ph idx="1"/>
+          </p:nvPr>
+        </p:nvSpPr>
+        <p:spPr/>
+        <p:txBody>
+          <a:bodyPr>
+            <a:normAutofit fontScale="92500" lnSpcReduction="10000"/>
+          </a:bodyPr>
+          <a:lstStyle/>
+          <a:p>
+            <a:r>
+              <a:rPr lang="en-150" dirty="0">
+                <a:latin typeface="Consolas" panose="020B0609020204030204" pitchFamily="49" charset="0"/>
+              </a:rPr>
+              <a:t>m</a:t>
+            </a:r>
+            <a:r>
+              <a:rPr lang="fr-BE" dirty="0">
+                <a:latin typeface="Consolas" panose="020B0609020204030204" pitchFamily="49" charset="0"/>
+              </a:rPr>
+              <a:t>y</a:t>
+            </a:r>
+            <a:r>
+              <a:rPr lang="en-150" dirty="0">
+                <a:latin typeface="Consolas" panose="020B0609020204030204" pitchFamily="49" charset="0"/>
+              </a:rPr>
+              <a:t>_</a:t>
+            </a:r>
+            <a:r>
+              <a:rPr lang="fr-BE" dirty="0">
+                <a:latin typeface="Consolas" panose="020B0609020204030204" pitchFamily="49" charset="0"/>
+              </a:rPr>
+              <a:t>s</a:t>
+            </a:r>
+            <a:r>
+              <a:rPr lang="en-150" dirty="0">
+                <a:latin typeface="Consolas" panose="020B0609020204030204" pitchFamily="49" charset="0"/>
+              </a:rPr>
+              <a:t>t</a:t>
+            </a:r>
+            <a:r>
+              <a:rPr lang="fr-BE" dirty="0">
+                <a:latin typeface="Consolas" panose="020B0609020204030204" pitchFamily="49" charset="0"/>
+              </a:rPr>
+              <a:t>r</a:t>
+            </a:r>
+            <a:r>
+              <a:rPr lang="en-150" dirty="0" err="1">
+                <a:latin typeface="Consolas" panose="020B0609020204030204" pitchFamily="49" charset="0"/>
+              </a:rPr>
+              <a:t>i</a:t>
+            </a:r>
+            <a:r>
+              <a:rPr lang="fr-BE" dirty="0">
+                <a:latin typeface="Consolas" panose="020B0609020204030204" pitchFamily="49" charset="0"/>
+              </a:rPr>
+              <a:t>n</a:t>
+            </a:r>
+            <a:r>
+              <a:rPr lang="en-150" dirty="0">
+                <a:latin typeface="Consolas" panose="020B0609020204030204" pitchFamily="49" charset="0"/>
+              </a:rPr>
+              <a:t>g = "</a:t>
+            </a:r>
+            <a:r>
+              <a:rPr lang="fr-BE" dirty="0">
+                <a:latin typeface="Consolas" panose="020B0609020204030204" pitchFamily="49" charset="0"/>
+              </a:rPr>
+              <a:t>H</a:t>
+            </a:r>
+            <a:r>
+              <a:rPr lang="en-150" dirty="0">
+                <a:latin typeface="Consolas" panose="020B0609020204030204" pitchFamily="49" charset="0"/>
+              </a:rPr>
+              <a:t>e</a:t>
+            </a:r>
+            <a:r>
+              <a:rPr lang="fr-BE" dirty="0">
+                <a:latin typeface="Consolas" panose="020B0609020204030204" pitchFamily="49" charset="0"/>
+              </a:rPr>
+              <a:t>l</a:t>
+            </a:r>
+            <a:r>
+              <a:rPr lang="en-150" dirty="0">
+                <a:latin typeface="Consolas" panose="020B0609020204030204" pitchFamily="49" charset="0"/>
+              </a:rPr>
+              <a:t>l</a:t>
+            </a:r>
+            <a:r>
+              <a:rPr lang="fr-BE" dirty="0">
+                <a:latin typeface="Consolas" panose="020B0609020204030204" pitchFamily="49" charset="0"/>
+              </a:rPr>
+              <a:t>o</a:t>
+            </a:r>
+            <a:r>
+              <a:rPr lang="en-150" dirty="0">
+                <a:latin typeface="Consolas" panose="020B0609020204030204" pitchFamily="49" charset="0"/>
+              </a:rPr>
+              <a:t> </a:t>
+            </a:r>
+            <a:r>
+              <a:rPr lang="fr-BE" dirty="0">
+                <a:latin typeface="Consolas" panose="020B0609020204030204" pitchFamily="49" charset="0"/>
+              </a:rPr>
+              <a:t>W</a:t>
+            </a:r>
+            <a:r>
+              <a:rPr lang="en-150" dirty="0">
+                <a:latin typeface="Consolas" panose="020B0609020204030204" pitchFamily="49" charset="0"/>
+              </a:rPr>
+              <a:t>o</a:t>
+            </a:r>
+            <a:r>
+              <a:rPr lang="fr-BE" dirty="0">
+                <a:latin typeface="Consolas" panose="020B0609020204030204" pitchFamily="49" charset="0"/>
+              </a:rPr>
+              <a:t>r</a:t>
+            </a:r>
+            <a:r>
+              <a:rPr lang="en-150" dirty="0" err="1">
+                <a:latin typeface="Consolas" panose="020B0609020204030204" pitchFamily="49" charset="0"/>
+              </a:rPr>
+              <a:t>ld</a:t>
+            </a:r>
+            <a:r>
+              <a:rPr lang="en-150" dirty="0">
+                <a:latin typeface="Consolas" panose="020B0609020204030204" pitchFamily="49" charset="0"/>
+              </a:rPr>
+              <a:t>!"</a:t>
+            </a:r>
+          </a:p>
+          <a:p>
+            <a:r>
+              <a:rPr lang="en-150" dirty="0" err="1">
+                <a:latin typeface="Consolas" panose="020B0609020204030204" pitchFamily="49" charset="0"/>
+              </a:rPr>
+              <a:t>len</a:t>
+            </a:r>
+            <a:r>
+              <a:rPr lang="en-150" dirty="0">
+                <a:latin typeface="Consolas" panose="020B0609020204030204" pitchFamily="49" charset="0"/>
+              </a:rPr>
+              <a:t>(</a:t>
+            </a:r>
+            <a:r>
+              <a:rPr lang="en-150" dirty="0" err="1">
+                <a:latin typeface="Consolas" panose="020B0609020204030204" pitchFamily="49" charset="0"/>
+              </a:rPr>
+              <a:t>my_string</a:t>
+            </a:r>
+            <a:r>
+              <a:rPr lang="en-150" dirty="0">
+                <a:latin typeface="Consolas" panose="020B0609020204030204" pitchFamily="49" charset="0"/>
+              </a:rPr>
+              <a:t>)</a:t>
+            </a:r>
+          </a:p>
+          <a:p>
+            <a:r>
+              <a:rPr lang="en-150" dirty="0" err="1">
+                <a:latin typeface="Consolas" panose="020B0609020204030204" pitchFamily="49" charset="0"/>
+              </a:rPr>
+              <a:t>my_long_string</a:t>
+            </a:r>
+            <a:r>
+              <a:rPr lang="en-150" dirty="0">
+                <a:latin typeface="Consolas" panose="020B0609020204030204" pitchFamily="49" charset="0"/>
+              </a:rPr>
+              <a:t> = """Today I've got many thing</a:t>
+            </a:r>
+            <a:r>
+              <a:rPr lang="fr-BE" dirty="0">
+                <a:latin typeface="Consolas" panose="020B0609020204030204" pitchFamily="49" charset="0"/>
+              </a:rPr>
+              <a:t>s</a:t>
+            </a:r>
+            <a:endParaRPr lang="en-150" dirty="0">
+              <a:latin typeface="Consolas" panose="020B0609020204030204" pitchFamily="49" charset="0"/>
+            </a:endParaRPr>
+          </a:p>
+          <a:p>
+            <a:r>
+              <a:rPr lang="en-150" dirty="0">
+                <a:latin typeface="Consolas" panose="020B0609020204030204" pitchFamily="49" charset="0"/>
+              </a:rPr>
+              <a:t>to say."""</a:t>
+            </a:r>
+          </a:p>
+          <a:p>
+            <a:r>
+              <a:rPr lang="en-150" dirty="0">
+                <a:latin typeface="Consolas" panose="020B0609020204030204" pitchFamily="49" charset="0"/>
+              </a:rPr>
+              <a:t>p</a:t>
+            </a:r>
+            <a:r>
+              <a:rPr lang="fr-BE" dirty="0">
+                <a:latin typeface="Consolas" panose="020B0609020204030204" pitchFamily="49" charset="0"/>
+              </a:rPr>
+              <a:t>r</a:t>
+            </a:r>
+            <a:r>
+              <a:rPr lang="en-150" dirty="0" err="1">
+                <a:latin typeface="Consolas" panose="020B0609020204030204" pitchFamily="49" charset="0"/>
+              </a:rPr>
+              <a:t>i</a:t>
+            </a:r>
+            <a:r>
+              <a:rPr lang="fr-BE" dirty="0">
+                <a:latin typeface="Consolas" panose="020B0609020204030204" pitchFamily="49" charset="0"/>
+              </a:rPr>
+              <a:t>n</a:t>
+            </a:r>
+            <a:r>
+              <a:rPr lang="en-150" dirty="0">
+                <a:latin typeface="Consolas" panose="020B0609020204030204" pitchFamily="49" charset="0"/>
+              </a:rPr>
+              <a:t>t(</a:t>
+            </a:r>
+            <a:r>
+              <a:rPr lang="fr-BE" dirty="0">
+                <a:latin typeface="Consolas" panose="020B0609020204030204" pitchFamily="49" charset="0"/>
+              </a:rPr>
+              <a:t>m</a:t>
+            </a:r>
+            <a:r>
+              <a:rPr lang="en-150" dirty="0">
+                <a:latin typeface="Consolas" panose="020B0609020204030204" pitchFamily="49" charset="0"/>
+              </a:rPr>
+              <a:t>y_</a:t>
+            </a:r>
+            <a:r>
+              <a:rPr lang="fr-BE" dirty="0">
+                <a:latin typeface="Consolas" panose="020B0609020204030204" pitchFamily="49" charset="0"/>
+              </a:rPr>
+              <a:t>s</a:t>
+            </a:r>
+            <a:r>
+              <a:rPr lang="en-150" dirty="0">
+                <a:latin typeface="Consolas" panose="020B0609020204030204" pitchFamily="49" charset="0"/>
+              </a:rPr>
+              <a:t>t</a:t>
+            </a:r>
+            <a:r>
+              <a:rPr lang="fr-BE" dirty="0">
+                <a:latin typeface="Consolas" panose="020B0609020204030204" pitchFamily="49" charset="0"/>
+              </a:rPr>
+              <a:t>r</a:t>
+            </a:r>
+            <a:r>
+              <a:rPr lang="en-150" dirty="0" err="1">
+                <a:latin typeface="Consolas" panose="020B0609020204030204" pitchFamily="49" charset="0"/>
+              </a:rPr>
+              <a:t>i</a:t>
+            </a:r>
+            <a:r>
+              <a:rPr lang="fr-BE" dirty="0">
+                <a:latin typeface="Consolas" panose="020B0609020204030204" pitchFamily="49" charset="0"/>
+              </a:rPr>
+              <a:t>n</a:t>
+            </a:r>
+            <a:r>
+              <a:rPr lang="en-150" dirty="0">
+                <a:latin typeface="Consolas" panose="020B0609020204030204" pitchFamily="49" charset="0"/>
+              </a:rPr>
+              <a:t>g + </a:t>
+            </a:r>
+            <a:r>
+              <a:rPr lang="fr-BE" dirty="0">
+                <a:latin typeface="Consolas" panose="020B0609020204030204" pitchFamily="49" charset="0"/>
+              </a:rPr>
+              <a:t>m</a:t>
+            </a:r>
+            <a:r>
+              <a:rPr lang="en-150" dirty="0">
+                <a:latin typeface="Consolas" panose="020B0609020204030204" pitchFamily="49" charset="0"/>
+              </a:rPr>
+              <a:t>y_</a:t>
+            </a:r>
+            <a:r>
+              <a:rPr lang="fr-BE" dirty="0">
+                <a:latin typeface="Consolas" panose="020B0609020204030204" pitchFamily="49" charset="0"/>
+              </a:rPr>
+              <a:t>l</a:t>
+            </a:r>
+            <a:r>
+              <a:rPr lang="en-150" dirty="0">
+                <a:latin typeface="Consolas" panose="020B0609020204030204" pitchFamily="49" charset="0"/>
+              </a:rPr>
+              <a:t>o</a:t>
+            </a:r>
+            <a:r>
+              <a:rPr lang="fr-BE" dirty="0">
+                <a:latin typeface="Consolas" panose="020B0609020204030204" pitchFamily="49" charset="0"/>
+              </a:rPr>
+              <a:t>n</a:t>
+            </a:r>
+            <a:r>
+              <a:rPr lang="en-150" dirty="0">
+                <a:latin typeface="Consolas" panose="020B0609020204030204" pitchFamily="49" charset="0"/>
+              </a:rPr>
+              <a:t>g_</a:t>
+            </a:r>
+            <a:r>
+              <a:rPr lang="fr-BE" dirty="0">
+                <a:latin typeface="Consolas" panose="020B0609020204030204" pitchFamily="49" charset="0"/>
+              </a:rPr>
+              <a:t>s</a:t>
+            </a:r>
+            <a:r>
+              <a:rPr lang="en-150" dirty="0">
+                <a:latin typeface="Consolas" panose="020B0609020204030204" pitchFamily="49" charset="0"/>
+              </a:rPr>
+              <a:t>t</a:t>
+            </a:r>
+            <a:r>
+              <a:rPr lang="fr-BE" dirty="0">
+                <a:latin typeface="Consolas" panose="020B0609020204030204" pitchFamily="49" charset="0"/>
+              </a:rPr>
+              <a:t>r</a:t>
+            </a:r>
+            <a:r>
+              <a:rPr lang="en-150" dirty="0" err="1">
+                <a:latin typeface="Consolas" panose="020B0609020204030204" pitchFamily="49" charset="0"/>
+              </a:rPr>
+              <a:t>i</a:t>
+            </a:r>
+            <a:r>
+              <a:rPr lang="fr-BE" dirty="0">
+                <a:latin typeface="Consolas" panose="020B0609020204030204" pitchFamily="49" charset="0"/>
+              </a:rPr>
+              <a:t>n</a:t>
+            </a:r>
+            <a:r>
+              <a:rPr lang="en-150" dirty="0">
+                <a:latin typeface="Consolas" panose="020B0609020204030204" pitchFamily="49" charset="0"/>
+              </a:rPr>
+              <a:t>g)</a:t>
+            </a:r>
+          </a:p>
+          <a:p>
+            <a:r>
+              <a:rPr lang="en-150" dirty="0" err="1">
+                <a:latin typeface="Consolas" panose="020B0609020204030204" pitchFamily="49" charset="0"/>
+              </a:rPr>
+              <a:t>my_string</a:t>
+            </a:r>
+            <a:r>
+              <a:rPr lang="en-150" dirty="0">
+                <a:latin typeface="Consolas" panose="020B0609020204030204" pitchFamily="49" charset="0"/>
+              </a:rPr>
+              <a:t>[0]</a:t>
+            </a:r>
+          </a:p>
+          <a:p>
+            <a:r>
+              <a:rPr lang="en-150" dirty="0" err="1">
+                <a:latin typeface="Consolas" panose="020B0609020204030204" pitchFamily="49" charset="0"/>
+              </a:rPr>
+              <a:t>my_string</a:t>
+            </a:r>
+            <a:r>
+              <a:rPr lang="en-150" dirty="0">
+                <a:latin typeface="Consolas" panose="020B0609020204030204" pitchFamily="49" charset="0"/>
+              </a:rPr>
+              <a:t>[0:5]</a:t>
+            </a:r>
+          </a:p>
+          <a:p>
+            <a:r>
+              <a:rPr lang="en-150" dirty="0" err="1">
+                <a:latin typeface="Consolas" panose="020B0609020204030204" pitchFamily="49" charset="0"/>
+              </a:rPr>
+              <a:t>my_string</a:t>
+            </a:r>
+            <a:r>
+              <a:rPr lang="en-150" dirty="0">
+                <a:latin typeface="Consolas" panose="020B0609020204030204" pitchFamily="49" charset="0"/>
+              </a:rPr>
+              <a:t>[-1]</a:t>
+            </a:r>
+          </a:p>
+          <a:p>
+            <a:r>
+              <a:rPr lang="en-150" dirty="0" err="1">
+                <a:latin typeface="Consolas" panose="020B0609020204030204" pitchFamily="49" charset="0"/>
+              </a:rPr>
+              <a:t>my_string</a:t>
+            </a:r>
+            <a:r>
+              <a:rPr lang="en-150" dirty="0">
+                <a:latin typeface="Consolas" panose="020B0609020204030204" pitchFamily="49" charset="0"/>
+              </a:rPr>
+              <a:t>[6:11] = "</a:t>
+            </a:r>
+            <a:r>
+              <a:rPr lang="fr-BE" dirty="0">
+                <a:latin typeface="Consolas" panose="020B0609020204030204" pitchFamily="49" charset="0"/>
+              </a:rPr>
+              <a:t>m</a:t>
+            </a:r>
+            <a:r>
+              <a:rPr lang="en-150" dirty="0">
+                <a:latin typeface="Consolas" panose="020B0609020204030204" pitchFamily="49" charset="0"/>
+              </a:rPr>
+              <a:t>e"</a:t>
+            </a:r>
+          </a:p>
+          <a:p>
+            <a:r>
+              <a:rPr lang="en-150" dirty="0">
+                <a:latin typeface="Consolas" panose="020B0609020204030204" pitchFamily="49" charset="0"/>
+              </a:rPr>
+              <a:t>m</a:t>
+            </a:r>
+            <a:r>
+              <a:rPr lang="fr-BE" dirty="0">
+                <a:latin typeface="Consolas" panose="020B0609020204030204" pitchFamily="49" charset="0"/>
+              </a:rPr>
+              <a:t>y</a:t>
+            </a:r>
+            <a:r>
+              <a:rPr lang="en-150" dirty="0">
+                <a:latin typeface="Consolas" panose="020B0609020204030204" pitchFamily="49" charset="0"/>
+              </a:rPr>
+              <a:t>_</a:t>
+            </a:r>
+            <a:r>
+              <a:rPr lang="fr-BE" dirty="0">
+                <a:latin typeface="Consolas" panose="020B0609020204030204" pitchFamily="49" charset="0"/>
+              </a:rPr>
+              <a:t>s</a:t>
+            </a:r>
+            <a:r>
+              <a:rPr lang="en-150" dirty="0">
+                <a:latin typeface="Consolas" panose="020B0609020204030204" pitchFamily="49" charset="0"/>
+              </a:rPr>
+              <a:t>t</a:t>
+            </a:r>
+            <a:r>
+              <a:rPr lang="fr-BE" dirty="0">
+                <a:latin typeface="Consolas" panose="020B0609020204030204" pitchFamily="49" charset="0"/>
+              </a:rPr>
+              <a:t>r</a:t>
+            </a:r>
+            <a:r>
+              <a:rPr lang="en-150" dirty="0" err="1">
+                <a:latin typeface="Consolas" panose="020B0609020204030204" pitchFamily="49" charset="0"/>
+              </a:rPr>
+              <a:t>i</a:t>
+            </a:r>
+            <a:r>
+              <a:rPr lang="fr-BE" dirty="0">
+                <a:latin typeface="Consolas" panose="020B0609020204030204" pitchFamily="49" charset="0"/>
+              </a:rPr>
+              <a:t>n</a:t>
+            </a:r>
+            <a:r>
+              <a:rPr lang="en-150" dirty="0">
+                <a:latin typeface="Consolas" panose="020B0609020204030204" pitchFamily="49" charset="0"/>
+              </a:rPr>
+              <a:t>g.</a:t>
+            </a:r>
+            <a:r>
+              <a:rPr lang="fr-BE" dirty="0">
+                <a:latin typeface="Consolas" panose="020B0609020204030204" pitchFamily="49" charset="0"/>
+              </a:rPr>
+              <a:t>l</a:t>
+            </a:r>
+            <a:r>
+              <a:rPr lang="en-150" dirty="0">
+                <a:latin typeface="Consolas" panose="020B0609020204030204" pitchFamily="49" charset="0"/>
+              </a:rPr>
+              <a:t>o</a:t>
+            </a:r>
+            <a:r>
+              <a:rPr lang="fr-BE" dirty="0">
+                <a:latin typeface="Consolas" panose="020B0609020204030204" pitchFamily="49" charset="0"/>
+              </a:rPr>
+              <a:t>w</a:t>
+            </a:r>
+            <a:r>
+              <a:rPr lang="en-150" dirty="0">
+                <a:latin typeface="Consolas" panose="020B0609020204030204" pitchFamily="49" charset="0"/>
+              </a:rPr>
+              <a:t>e</a:t>
+            </a:r>
+            <a:r>
+              <a:rPr lang="fr-BE" dirty="0">
+                <a:latin typeface="Consolas" panose="020B0609020204030204" pitchFamily="49" charset="0"/>
+              </a:rPr>
+              <a:t>r</a:t>
+            </a:r>
+            <a:r>
+              <a:rPr lang="en-150" dirty="0">
+                <a:latin typeface="Consolas" panose="020B0609020204030204" pitchFamily="49" charset="0"/>
+              </a:rPr>
+              <a:t>()</a:t>
+            </a:r>
+            <a:endParaRPr lang="fr-BE" dirty="0">
+              <a:latin typeface="Consolas" panose="020B0609020204030204" pitchFamily="49" charset="0"/>
+            </a:endParaRPr>
+          </a:p>
+        </p:txBody>
+      </p:sp>
+    </p:spTree>
+    <p:extLst>
+      <p:ext uri="{BB962C8B-B14F-4D97-AF65-F5344CB8AC3E}">
+        <p14:creationId xmlns:p14="http://schemas.microsoft.com/office/powerpoint/2010/main" val="1218455973"/>
+      </p:ext>
+    </p:extLst>
+  </p:cSld>
+  <p:clrMapOvr>
+    <a:masterClrMapping/>
+  </p:clrMapOvr>
+</p:sld>
+</file>
+
+<file path=ppt/slides/slide24.xml><?xml version="1.0" encoding="utf-8"?>
+<p:sld xmlns:a="http://schemas.openxmlformats.org/drawingml/2006/main" xmlns:r="http://schemas.openxmlformats.org/officeDocument/2006/relationships" xmlns:p="http://schemas.openxmlformats.org/presentationml/2006/main">
+  <p:cSld>
+    <p:spTree>
+      <p:nvGrpSpPr>
+        <p:cNvPr id="1" name=""/>
+        <p:cNvGrpSpPr/>
+        <p:nvPr/>
+      </p:nvGrpSpPr>
+      <p:grpSpPr>
+        <a:xfrm>
+          <a:off x="0" y="0"/>
+          <a:ext cx="0" cy="0"/>
+          <a:chOff x="0" y="0"/>
+          <a:chExt cx="0" cy="0"/>
+        </a:xfrm>
+      </p:grpSpPr>
+      <p:sp>
+        <p:nvSpPr>
+          <p:cNvPr id="2" name="Titre 1">
+            <a:extLst>
+              <a:ext uri="{FF2B5EF4-FFF2-40B4-BE49-F238E27FC236}">
+                <a16:creationId xmlns:a16="http://schemas.microsoft.com/office/drawing/2014/main" id="{834372B4-33DC-4F47-8E09-3C2879443338}"/>
+              </a:ext>
+            </a:extLst>
+          </p:cNvPr>
+          <p:cNvSpPr>
+            <a:spLocks noGrp="1"/>
+          </p:cNvSpPr>
+          <p:nvPr>
+            <p:ph type="title"/>
+          </p:nvPr>
+        </p:nvSpPr>
+        <p:spPr/>
+        <p:txBody>
+          <a:bodyPr/>
+          <a:lstStyle/>
+          <a:p>
+            <a:r>
+              <a:rPr lang="fr-BE" dirty="0"/>
+              <a:t>L</a:t>
+            </a:r>
+            <a:r>
+              <a:rPr lang="en-150" dirty="0" err="1"/>
+              <a:t>i</a:t>
+            </a:r>
+            <a:r>
+              <a:rPr lang="fr-BE" dirty="0"/>
+              <a:t>s</a:t>
+            </a:r>
+            <a:r>
+              <a:rPr lang="en-150" dirty="0"/>
+              <a:t>t</a:t>
+            </a:r>
+            <a:r>
+              <a:rPr lang="fr-BE" dirty="0"/>
+              <a:t>e</a:t>
+            </a:r>
+            <a:r>
+              <a:rPr lang="en-150" dirty="0"/>
+              <a:t>s </a:t>
+            </a:r>
+            <a:r>
+              <a:rPr lang="fr-BE" dirty="0"/>
+              <a:t>e</a:t>
+            </a:r>
+            <a:r>
+              <a:rPr lang="en-150" dirty="0"/>
+              <a:t>t </a:t>
+            </a:r>
+            <a:r>
+              <a:rPr lang="fr-BE" dirty="0"/>
+              <a:t>t</a:t>
+            </a:r>
+            <a:r>
+              <a:rPr lang="en-150" dirty="0"/>
+              <a:t>u</a:t>
+            </a:r>
+            <a:r>
+              <a:rPr lang="fr-BE" dirty="0"/>
+              <a:t>p</a:t>
+            </a:r>
+            <a:r>
+              <a:rPr lang="en-150" dirty="0"/>
+              <a:t>l</a:t>
+            </a:r>
+            <a:r>
+              <a:rPr lang="fr-BE" dirty="0"/>
+              <a:t>e</a:t>
+            </a:r>
+            <a:r>
+              <a:rPr lang="en-150" dirty="0"/>
+              <a:t>s</a:t>
+            </a:r>
+            <a:endParaRPr lang="fr-BE" dirty="0"/>
+          </a:p>
+        </p:txBody>
+      </p:sp>
+      <p:sp>
+        <p:nvSpPr>
+          <p:cNvPr id="3" name="Espace réservé du contenu 2">
+            <a:extLst>
+              <a:ext uri="{FF2B5EF4-FFF2-40B4-BE49-F238E27FC236}">
+                <a16:creationId xmlns:a16="http://schemas.microsoft.com/office/drawing/2014/main" id="{42425188-2AE9-4651-AD75-7785ED01846B}"/>
+              </a:ext>
+            </a:extLst>
+          </p:cNvPr>
+          <p:cNvSpPr>
+            <a:spLocks noGrp="1"/>
+          </p:cNvSpPr>
+          <p:nvPr>
+            <p:ph idx="1"/>
+          </p:nvPr>
+        </p:nvSpPr>
+        <p:spPr/>
+        <p:txBody>
+          <a:bodyPr/>
+          <a:lstStyle/>
+          <a:p>
+            <a:r>
+              <a:rPr lang="fr-BE" dirty="0" err="1">
+                <a:latin typeface="Consolas" panose="020B0609020204030204" pitchFamily="49" charset="0"/>
+              </a:rPr>
+              <a:t>my_tuple</a:t>
+            </a:r>
+            <a:r>
+              <a:rPr lang="en-150" dirty="0">
+                <a:latin typeface="Consolas" panose="020B0609020204030204" pitchFamily="49" charset="0"/>
+              </a:rPr>
+              <a:t> = (0, 1, 2, 3)</a:t>
+            </a:r>
+          </a:p>
+          <a:p>
+            <a:r>
+              <a:rPr lang="en-150" dirty="0" err="1">
+                <a:latin typeface="Consolas" panose="020B0609020204030204" pitchFamily="49" charset="0"/>
+              </a:rPr>
+              <a:t>len</a:t>
+            </a:r>
+            <a:r>
+              <a:rPr lang="en-150" dirty="0">
+                <a:latin typeface="Consolas" panose="020B0609020204030204" pitchFamily="49" charset="0"/>
+              </a:rPr>
+              <a:t>(</a:t>
+            </a:r>
+            <a:r>
+              <a:rPr lang="fr-BE" dirty="0" err="1">
+                <a:latin typeface="Consolas" panose="020B0609020204030204" pitchFamily="49" charset="0"/>
+              </a:rPr>
+              <a:t>my_tuple</a:t>
+            </a:r>
+            <a:r>
+              <a:rPr lang="en-150" dirty="0">
+                <a:latin typeface="Consolas" panose="020B0609020204030204" pitchFamily="49" charset="0"/>
+              </a:rPr>
+              <a:t>)</a:t>
+            </a:r>
+          </a:p>
+          <a:p>
+            <a:r>
+              <a:rPr lang="fr-BE" dirty="0" err="1">
+                <a:latin typeface="Consolas" panose="020B0609020204030204" pitchFamily="49" charset="0"/>
+              </a:rPr>
+              <a:t>my_tuple</a:t>
+            </a:r>
+            <a:r>
+              <a:rPr lang="en-150" dirty="0">
+                <a:latin typeface="Consolas" panose="020B0609020204030204" pitchFamily="49" charset="0"/>
+              </a:rPr>
+              <a:t>[2]</a:t>
+            </a:r>
+          </a:p>
+          <a:p>
+            <a:r>
+              <a:rPr lang="fr-BE" dirty="0" err="1">
+                <a:latin typeface="Consolas" panose="020B0609020204030204" pitchFamily="49" charset="0"/>
+              </a:rPr>
+              <a:t>my_tuple</a:t>
+            </a:r>
+            <a:r>
+              <a:rPr lang="en-150" dirty="0">
+                <a:latin typeface="Consolas" panose="020B0609020204030204" pitchFamily="49" charset="0"/>
+              </a:rPr>
+              <a:t>[0:2]</a:t>
+            </a:r>
+          </a:p>
+          <a:p>
+            <a:r>
+              <a:rPr lang="fr-BE" dirty="0" err="1">
+                <a:latin typeface="Consolas" panose="020B0609020204030204" pitchFamily="49" charset="0"/>
+              </a:rPr>
+              <a:t>my_tuple</a:t>
+            </a:r>
+            <a:r>
+              <a:rPr lang="en-150" dirty="0">
+                <a:latin typeface="Consolas" panose="020B0609020204030204" pitchFamily="49" charset="0"/>
+              </a:rPr>
+              <a:t>[-2]</a:t>
+            </a:r>
+          </a:p>
+          <a:p>
+            <a:r>
+              <a:rPr lang="en-150" dirty="0">
+                <a:latin typeface="Consolas" panose="020B0609020204030204" pitchFamily="49" charset="0"/>
+              </a:rPr>
+              <a:t>min(</a:t>
+            </a:r>
+            <a:r>
+              <a:rPr lang="fr-BE" dirty="0" err="1">
+                <a:latin typeface="Consolas" panose="020B0609020204030204" pitchFamily="49" charset="0"/>
+              </a:rPr>
+              <a:t>my_tuple</a:t>
+            </a:r>
+            <a:r>
+              <a:rPr lang="en-150" dirty="0">
+                <a:latin typeface="Consolas" panose="020B0609020204030204" pitchFamily="49" charset="0"/>
+              </a:rPr>
+              <a:t>)</a:t>
+            </a:r>
+            <a:endParaRPr lang="fr-BE" dirty="0">
+              <a:latin typeface="Consolas" panose="020B0609020204030204" pitchFamily="49" charset="0"/>
+            </a:endParaRPr>
+          </a:p>
+        </p:txBody>
+      </p:sp>
+    </p:spTree>
+    <p:extLst>
+      <p:ext uri="{BB962C8B-B14F-4D97-AF65-F5344CB8AC3E}">
+        <p14:creationId xmlns:p14="http://schemas.microsoft.com/office/powerpoint/2010/main" val="536532216"/>
+      </p:ext>
+    </p:extLst>
+  </p:cSld>
+  <p:clrMapOvr>
+    <a:masterClrMapping/>
+  </p:clrMapOvr>
+</p:sld>
+</file>
+
+<file path=ppt/slides/slide25.xml><?xml version="1.0" encoding="utf-8"?>
+<p:sld xmlns:a="http://schemas.openxmlformats.org/drawingml/2006/main" xmlns:r="http://schemas.openxmlformats.org/officeDocument/2006/relationships" xmlns:p="http://schemas.openxmlformats.org/presentationml/2006/main">
+  <p:cSld>
+    <p:spTree>
+      <p:nvGrpSpPr>
+        <p:cNvPr id="1" name=""/>
+        <p:cNvGrpSpPr/>
+        <p:nvPr/>
+      </p:nvGrpSpPr>
+      <p:grpSpPr>
+        <a:xfrm>
+          <a:off x="0" y="0"/>
+          <a:ext cx="0" cy="0"/>
+          <a:chOff x="0" y="0"/>
+          <a:chExt cx="0" cy="0"/>
+        </a:xfrm>
+      </p:grpSpPr>
+      <p:sp>
+        <p:nvSpPr>
+          <p:cNvPr id="2" name="Titre 1">
+            <a:extLst>
+              <a:ext uri="{FF2B5EF4-FFF2-40B4-BE49-F238E27FC236}">
+                <a16:creationId xmlns:a16="http://schemas.microsoft.com/office/drawing/2014/main" id="{834372B4-33DC-4F47-8E09-3C2879443338}"/>
+              </a:ext>
+            </a:extLst>
+          </p:cNvPr>
+          <p:cNvSpPr>
+            <a:spLocks noGrp="1"/>
+          </p:cNvSpPr>
+          <p:nvPr>
+            <p:ph type="title"/>
+          </p:nvPr>
+        </p:nvSpPr>
+        <p:spPr/>
+        <p:txBody>
+          <a:bodyPr/>
+          <a:lstStyle/>
+          <a:p>
+            <a:r>
+              <a:rPr lang="fr-BE" dirty="0"/>
+              <a:t>L</a:t>
+            </a:r>
+            <a:r>
+              <a:rPr lang="en-150" dirty="0" err="1"/>
+              <a:t>i</a:t>
+            </a:r>
+            <a:r>
+              <a:rPr lang="fr-BE" dirty="0"/>
+              <a:t>s</a:t>
+            </a:r>
+            <a:r>
+              <a:rPr lang="en-150" dirty="0"/>
+              <a:t>t</a:t>
+            </a:r>
+            <a:r>
+              <a:rPr lang="fr-BE" dirty="0"/>
+              <a:t>e</a:t>
+            </a:r>
+            <a:r>
+              <a:rPr lang="en-150" dirty="0"/>
+              <a:t>s</a:t>
+            </a:r>
+            <a:endParaRPr lang="fr-BE" dirty="0"/>
+          </a:p>
+        </p:txBody>
+      </p:sp>
+      <p:sp>
+        <p:nvSpPr>
+          <p:cNvPr id="3" name="Espace réservé du contenu 2">
+            <a:extLst>
+              <a:ext uri="{FF2B5EF4-FFF2-40B4-BE49-F238E27FC236}">
+                <a16:creationId xmlns:a16="http://schemas.microsoft.com/office/drawing/2014/main" id="{42425188-2AE9-4651-AD75-7785ED01846B}"/>
+              </a:ext>
+            </a:extLst>
+          </p:cNvPr>
+          <p:cNvSpPr>
+            <a:spLocks noGrp="1"/>
+          </p:cNvSpPr>
+          <p:nvPr>
+            <p:ph idx="1"/>
+          </p:nvPr>
+        </p:nvSpPr>
+        <p:spPr/>
+        <p:txBody>
+          <a:bodyPr/>
+          <a:lstStyle/>
+          <a:p>
+            <a:r>
+              <a:rPr lang="en-150" dirty="0" err="1">
+                <a:latin typeface="Consolas" panose="020B0609020204030204" pitchFamily="49" charset="0"/>
+              </a:rPr>
+              <a:t>my_list</a:t>
+            </a:r>
+            <a:r>
+              <a:rPr lang="en-150" dirty="0">
+                <a:latin typeface="Consolas" panose="020B0609020204030204" pitchFamily="49" charset="0"/>
+              </a:rPr>
+              <a:t>[2] = 5</a:t>
+            </a:r>
+          </a:p>
+          <a:p>
+            <a:r>
+              <a:rPr lang="en-150" dirty="0" err="1">
+                <a:latin typeface="Consolas" panose="020B0609020204030204" pitchFamily="49" charset="0"/>
+              </a:rPr>
+              <a:t>my_list.append</a:t>
+            </a:r>
+            <a:r>
+              <a:rPr lang="en-150" dirty="0">
+                <a:latin typeface="Consolas" panose="020B0609020204030204" pitchFamily="49" charset="0"/>
+              </a:rPr>
+              <a:t>(4)</a:t>
+            </a:r>
+          </a:p>
+          <a:p>
+            <a:r>
+              <a:rPr lang="en-150" dirty="0" err="1">
+                <a:latin typeface="Consolas" panose="020B0609020204030204" pitchFamily="49" charset="0"/>
+              </a:rPr>
+              <a:t>my_list.extend</a:t>
+            </a:r>
+            <a:r>
+              <a:rPr lang="en-150" dirty="0">
+                <a:latin typeface="Consolas" panose="020B0609020204030204" pitchFamily="49" charset="0"/>
+              </a:rPr>
+              <a:t>([4, 5, 6])</a:t>
+            </a:r>
+          </a:p>
+        </p:txBody>
+      </p:sp>
+    </p:spTree>
+    <p:extLst>
+      <p:ext uri="{BB962C8B-B14F-4D97-AF65-F5344CB8AC3E}">
+        <p14:creationId xmlns:p14="http://schemas.microsoft.com/office/powerpoint/2010/main" val="3382823401"/>
+      </p:ext>
+    </p:extLst>
+  </p:cSld>
+  <p:clrMapOvr>
+    <a:masterClrMapping/>
+  </p:clrMapOvr>
+</p:sld>
+</file>
+
+<file path=ppt/slides/slide26.xml><?xml version="1.0" encoding="utf-8"?>
+<p:sld xmlns:a="http://schemas.openxmlformats.org/drawingml/2006/main" xmlns:r="http://schemas.openxmlformats.org/officeDocument/2006/relationships" xmlns:p="http://schemas.openxmlformats.org/presentationml/2006/main">
+  <p:cSld>
+    <p:spTree>
+      <p:nvGrpSpPr>
+        <p:cNvPr id="1" name=""/>
+        <p:cNvGrpSpPr/>
+        <p:nvPr/>
+      </p:nvGrpSpPr>
+      <p:grpSpPr>
+        <a:xfrm>
+          <a:off x="0" y="0"/>
+          <a:ext cx="0" cy="0"/>
+          <a:chOff x="0" y="0"/>
+          <a:chExt cx="0" cy="0"/>
+        </a:xfrm>
+      </p:grpSpPr>
+      <p:sp>
+        <p:nvSpPr>
+          <p:cNvPr id="2" name="Titre 1">
+            <a:extLst>
+              <a:ext uri="{FF2B5EF4-FFF2-40B4-BE49-F238E27FC236}">
+                <a16:creationId xmlns:a16="http://schemas.microsoft.com/office/drawing/2014/main" id="{35BFE1B1-F62F-466E-B841-9F026843B1EE}"/>
+              </a:ext>
+            </a:extLst>
+          </p:cNvPr>
+          <p:cNvSpPr>
+            <a:spLocks noGrp="1"/>
+          </p:cNvSpPr>
+          <p:nvPr>
+            <p:ph type="title"/>
+          </p:nvPr>
+        </p:nvSpPr>
+        <p:spPr/>
+        <p:txBody>
+          <a:bodyPr/>
+          <a:lstStyle/>
+          <a:p>
+            <a:r>
+              <a:rPr lang="en-150" dirty="0"/>
+              <a:t>D</a:t>
+            </a:r>
+            <a:r>
+              <a:rPr lang="fr-BE" dirty="0"/>
+              <a:t>i</a:t>
+            </a:r>
+            <a:r>
+              <a:rPr lang="en-150" dirty="0"/>
+              <a:t>c</a:t>
+            </a:r>
+            <a:r>
+              <a:rPr lang="fr-BE" dirty="0"/>
+              <a:t>t</a:t>
+            </a:r>
+            <a:r>
+              <a:rPr lang="en-150" dirty="0" err="1"/>
+              <a:t>i</a:t>
+            </a:r>
+            <a:r>
+              <a:rPr lang="fr-BE" dirty="0"/>
+              <a:t>o</a:t>
+            </a:r>
+            <a:r>
+              <a:rPr lang="en-150" dirty="0"/>
+              <a:t>n</a:t>
+            </a:r>
+            <a:r>
+              <a:rPr lang="fr-BE" dirty="0"/>
+              <a:t>n</a:t>
+            </a:r>
+            <a:r>
+              <a:rPr lang="en-150" dirty="0"/>
+              <a:t>a</a:t>
+            </a:r>
+            <a:r>
+              <a:rPr lang="fr-BE" dirty="0"/>
+              <a:t>i</a:t>
+            </a:r>
+            <a:r>
+              <a:rPr lang="en-150" dirty="0"/>
+              <a:t>r</a:t>
+            </a:r>
+            <a:r>
+              <a:rPr lang="fr-BE" dirty="0"/>
+              <a:t>e</a:t>
+            </a:r>
+            <a:r>
+              <a:rPr lang="en-150" dirty="0"/>
+              <a:t>s</a:t>
+            </a:r>
+            <a:endParaRPr lang="fr-BE" dirty="0"/>
+          </a:p>
+        </p:txBody>
+      </p:sp>
+      <p:sp>
+        <p:nvSpPr>
+          <p:cNvPr id="3" name="Espace réservé du contenu 2">
+            <a:extLst>
+              <a:ext uri="{FF2B5EF4-FFF2-40B4-BE49-F238E27FC236}">
+                <a16:creationId xmlns:a16="http://schemas.microsoft.com/office/drawing/2014/main" id="{4199692A-F9D4-4D44-A0B0-F8D3DFD631FE}"/>
+              </a:ext>
+            </a:extLst>
+          </p:cNvPr>
+          <p:cNvSpPr>
+            <a:spLocks noGrp="1"/>
+          </p:cNvSpPr>
+          <p:nvPr>
+            <p:ph idx="1"/>
+          </p:nvPr>
+        </p:nvSpPr>
+        <p:spPr/>
+        <p:txBody>
+          <a:bodyPr/>
+          <a:lstStyle/>
+          <a:p>
+            <a:r>
+              <a:rPr lang="en-150" dirty="0"/>
+              <a:t>m</a:t>
+            </a:r>
+            <a:r>
+              <a:rPr lang="fr-BE" dirty="0"/>
+              <a:t>y</a:t>
+            </a:r>
+            <a:r>
+              <a:rPr lang="en-150" dirty="0"/>
+              <a:t>_</a:t>
+            </a:r>
+            <a:r>
+              <a:rPr lang="fr-BE" dirty="0"/>
+              <a:t>d</a:t>
+            </a:r>
+            <a:r>
+              <a:rPr lang="en-150" dirty="0" err="1"/>
+              <a:t>i</a:t>
+            </a:r>
+            <a:r>
+              <a:rPr lang="fr-BE" dirty="0"/>
+              <a:t>c</a:t>
+            </a:r>
+            <a:r>
+              <a:rPr lang="en-150" dirty="0"/>
+              <a:t>t = { "</a:t>
+            </a:r>
+            <a:r>
+              <a:rPr lang="fr-BE" dirty="0"/>
+              <a:t>o</a:t>
+            </a:r>
+            <a:r>
+              <a:rPr lang="en-150" dirty="0"/>
+              <a:t>n</a:t>
+            </a:r>
+            <a:r>
+              <a:rPr lang="fr-BE" dirty="0"/>
+              <a:t>e</a:t>
+            </a:r>
+            <a:r>
+              <a:rPr lang="en-150" dirty="0"/>
+              <a:t>": "</a:t>
+            </a:r>
+            <a:r>
+              <a:rPr lang="fr-BE" dirty="0"/>
+              <a:t>u</a:t>
+            </a:r>
+            <a:r>
+              <a:rPr lang="en-150" dirty="0"/>
+              <a:t>n", "</a:t>
+            </a:r>
+            <a:r>
+              <a:rPr lang="fr-BE" dirty="0"/>
+              <a:t>t</a:t>
+            </a:r>
+            <a:r>
+              <a:rPr lang="en-150" dirty="0"/>
+              <a:t>w</a:t>
+            </a:r>
+            <a:r>
+              <a:rPr lang="fr-BE" dirty="0"/>
+              <a:t>o</a:t>
+            </a:r>
+            <a:r>
+              <a:rPr lang="en-150" dirty="0"/>
+              <a:t>": "</a:t>
+            </a:r>
+            <a:r>
+              <a:rPr lang="fr-BE" dirty="0"/>
+              <a:t>d</a:t>
+            </a:r>
+            <a:r>
+              <a:rPr lang="en-150" dirty="0" err="1"/>
+              <a:t>eux</a:t>
+            </a:r>
+            <a:r>
+              <a:rPr lang="en-150" dirty="0"/>
+              <a:t>", "three": "trois" }</a:t>
+            </a:r>
+          </a:p>
+          <a:p>
+            <a:r>
+              <a:rPr lang="en-150" dirty="0" err="1"/>
+              <a:t>my_dict</a:t>
+            </a:r>
+            <a:r>
+              <a:rPr lang="en-150" dirty="0"/>
+              <a:t>["two"]</a:t>
+            </a:r>
+          </a:p>
+          <a:p>
+            <a:r>
+              <a:rPr lang="en-150" dirty="0" err="1"/>
+              <a:t>my_dict</a:t>
+            </a:r>
+            <a:r>
+              <a:rPr lang="en-150" dirty="0"/>
+              <a:t>["four"] = "</a:t>
+            </a:r>
+            <a:r>
+              <a:rPr lang="en-150" dirty="0" err="1"/>
+              <a:t>quatre</a:t>
+            </a:r>
+            <a:r>
+              <a:rPr lang="en-150" dirty="0"/>
+              <a:t>"</a:t>
+            </a:r>
+          </a:p>
+          <a:p>
+            <a:r>
+              <a:rPr lang="en-150" dirty="0" err="1"/>
+              <a:t>my_dict.items</a:t>
+            </a:r>
+            <a:r>
+              <a:rPr lang="en-150" dirty="0"/>
+              <a:t>()</a:t>
+            </a:r>
+          </a:p>
+          <a:p>
+            <a:r>
+              <a:rPr lang="en-150" dirty="0" err="1"/>
+              <a:t>my_dict.keys</a:t>
+            </a:r>
+            <a:r>
+              <a:rPr lang="en-150" dirty="0"/>
+              <a:t>()</a:t>
+            </a:r>
+          </a:p>
+          <a:p>
+            <a:r>
+              <a:rPr lang="en-150" dirty="0" err="1"/>
+              <a:t>my_dict.values</a:t>
+            </a:r>
+            <a:r>
+              <a:rPr lang="en-150" dirty="0"/>
+              <a:t>()</a:t>
+            </a:r>
+            <a:endParaRPr lang="fr-BE" dirty="0"/>
+          </a:p>
+        </p:txBody>
+      </p:sp>
+    </p:spTree>
+    <p:extLst>
+      <p:ext uri="{BB962C8B-B14F-4D97-AF65-F5344CB8AC3E}">
+        <p14:creationId xmlns:p14="http://schemas.microsoft.com/office/powerpoint/2010/main" val="3332601789"/>
+      </p:ext>
+    </p:extLst>
+  </p:cSld>
+  <p:clrMapOvr>
+    <a:masterClrMapping/>
+  </p:clrMapOvr>
+</p:sld>
+</file>
+
+<file path=ppt/slides/slide27.xml><?xml version="1.0" encoding="utf-8"?>
+<p:sld xmlns:a="http://schemas.openxmlformats.org/drawingml/2006/main" xmlns:r="http://schemas.openxmlformats.org/officeDocument/2006/relationships" xmlns:p="http://schemas.openxmlformats.org/presentationml/2006/main">
+  <p:cSld>
+    <p:spTree>
+      <p:nvGrpSpPr>
+        <p:cNvPr id="1" name=""/>
+        <p:cNvGrpSpPr/>
+        <p:nvPr/>
+      </p:nvGrpSpPr>
+      <p:grpSpPr>
+        <a:xfrm>
+          <a:off x="0" y="0"/>
+          <a:ext cx="0" cy="0"/>
+          <a:chOff x="0" y="0"/>
+          <a:chExt cx="0" cy="0"/>
+        </a:xfrm>
+      </p:grpSpPr>
+      <p:sp>
+        <p:nvSpPr>
+          <p:cNvPr id="2" name="Titre 1">
+            <a:extLst>
+              <a:ext uri="{FF2B5EF4-FFF2-40B4-BE49-F238E27FC236}">
+                <a16:creationId xmlns:a16="http://schemas.microsoft.com/office/drawing/2014/main" id="{CE1352C1-DE35-415E-8BF5-13103C5DC8BD}"/>
+              </a:ext>
+            </a:extLst>
+          </p:cNvPr>
+          <p:cNvSpPr>
+            <a:spLocks noGrp="1"/>
+          </p:cNvSpPr>
+          <p:nvPr>
+            <p:ph type="title"/>
+          </p:nvPr>
+        </p:nvSpPr>
+        <p:spPr/>
+        <p:txBody>
+          <a:bodyPr/>
+          <a:lstStyle/>
+          <a:p>
+            <a:r>
+              <a:rPr lang="en-150" dirty="0"/>
+              <a:t>E</a:t>
+            </a:r>
+            <a:r>
+              <a:rPr lang="fr-BE" dirty="0"/>
+              <a:t>x</a:t>
+            </a:r>
+            <a:r>
+              <a:rPr lang="en-150" dirty="0"/>
+              <a:t>e</a:t>
+            </a:r>
+            <a:r>
+              <a:rPr lang="fr-BE" dirty="0"/>
+              <a:t>r</a:t>
+            </a:r>
+            <a:r>
+              <a:rPr lang="en-150" dirty="0"/>
+              <a:t>c</a:t>
+            </a:r>
+            <a:r>
+              <a:rPr lang="fr-BE" dirty="0"/>
+              <a:t>i</a:t>
+            </a:r>
+            <a:r>
+              <a:rPr lang="en-150" dirty="0"/>
+              <a:t>c</a:t>
+            </a:r>
+            <a:r>
+              <a:rPr lang="fr-BE" dirty="0"/>
+              <a:t>e</a:t>
+            </a:r>
+            <a:r>
+              <a:rPr lang="en-150" dirty="0"/>
+              <a:t> 4</a:t>
+            </a:r>
+            <a:endParaRPr lang="fr-BE" dirty="0"/>
+          </a:p>
+        </p:txBody>
+      </p:sp>
+      <p:sp>
+        <p:nvSpPr>
+          <p:cNvPr id="3" name="Espace réservé du contenu 2">
+            <a:extLst>
+              <a:ext uri="{FF2B5EF4-FFF2-40B4-BE49-F238E27FC236}">
+                <a16:creationId xmlns:a16="http://schemas.microsoft.com/office/drawing/2014/main" id="{2529069E-B452-41D0-9697-D2E4AD3588D7}"/>
+              </a:ext>
+            </a:extLst>
+          </p:cNvPr>
+          <p:cNvSpPr>
+            <a:spLocks noGrp="1"/>
+          </p:cNvSpPr>
+          <p:nvPr>
+            <p:ph idx="1"/>
+          </p:nvPr>
+        </p:nvSpPr>
+        <p:spPr/>
+        <p:txBody>
+          <a:bodyPr/>
+          <a:lstStyle/>
+          <a:p>
+            <a:r>
+              <a:rPr lang="en-150" dirty="0"/>
+              <a:t>S</a:t>
+            </a:r>
+            <a:r>
+              <a:rPr lang="fr-BE" dirty="0"/>
+              <a:t>t</a:t>
+            </a:r>
+            <a:r>
+              <a:rPr lang="en-150" dirty="0"/>
+              <a:t>r</a:t>
+            </a:r>
+            <a:r>
+              <a:rPr lang="fr-BE" dirty="0"/>
+              <a:t>u</a:t>
+            </a:r>
+            <a:r>
+              <a:rPr lang="en-150" dirty="0"/>
+              <a:t>c</a:t>
+            </a:r>
+            <a:r>
+              <a:rPr lang="fr-BE" dirty="0"/>
+              <a:t>t</a:t>
+            </a:r>
+            <a:r>
+              <a:rPr lang="en-150" dirty="0"/>
+              <a:t>u</a:t>
+            </a:r>
+            <a:r>
+              <a:rPr lang="fr-BE" dirty="0"/>
+              <a:t>r</a:t>
+            </a:r>
+            <a:r>
+              <a:rPr lang="en-150" dirty="0"/>
+              <a:t>e</a:t>
+            </a:r>
+            <a:r>
+              <a:rPr lang="fr-BE" dirty="0"/>
+              <a:t>s</a:t>
+            </a:r>
+            <a:r>
+              <a:rPr lang="en-150" dirty="0"/>
+              <a:t> </a:t>
+            </a:r>
+            <a:r>
+              <a:rPr lang="fr-BE" dirty="0"/>
+              <a:t>d</a:t>
+            </a:r>
+            <a:r>
+              <a:rPr lang="en-150" dirty="0"/>
+              <a:t>e </a:t>
+            </a:r>
+            <a:r>
+              <a:rPr lang="fr-BE" dirty="0"/>
+              <a:t>d</a:t>
+            </a:r>
+            <a:r>
+              <a:rPr lang="en-150" dirty="0"/>
+              <a:t>o</a:t>
+            </a:r>
+            <a:r>
+              <a:rPr lang="fr-BE" dirty="0"/>
+              <a:t>n</a:t>
+            </a:r>
+            <a:r>
+              <a:rPr lang="en-150" dirty="0"/>
+              <a:t>n</a:t>
+            </a:r>
+            <a:r>
+              <a:rPr lang="fr-BE" dirty="0"/>
+              <a:t>é</a:t>
+            </a:r>
+            <a:r>
+              <a:rPr lang="en-150" dirty="0"/>
+              <a:t>e</a:t>
+            </a:r>
+            <a:r>
+              <a:rPr lang="fr-BE" dirty="0"/>
+              <a:t>s</a:t>
+            </a:r>
+          </a:p>
+        </p:txBody>
+      </p:sp>
+    </p:spTree>
+    <p:extLst>
+      <p:ext uri="{BB962C8B-B14F-4D97-AF65-F5344CB8AC3E}">
+        <p14:creationId xmlns:p14="http://schemas.microsoft.com/office/powerpoint/2010/main" val="1128532615"/>
+      </p:ext>
+    </p:extLst>
+  </p:cSld>
+  <p:clrMapOvr>
+    <a:masterClrMapping/>
+  </p:clrMapOvr>
+</p:sld>
+</file>
+
+<file path=ppt/slides/slide28.xml><?xml version="1.0" encoding="utf-8"?>
+<p:sld xmlns:a="http://schemas.openxmlformats.org/drawingml/2006/main" xmlns:r="http://schemas.openxmlformats.org/officeDocument/2006/relationships" xmlns:p="http://schemas.openxmlformats.org/presentationml/2006/main">
+  <p:cSld>
+    <p:spTree>
+      <p:nvGrpSpPr>
+        <p:cNvPr id="1" name=""/>
+        <p:cNvGrpSpPr/>
+        <p:nvPr/>
+      </p:nvGrpSpPr>
+      <p:grpSpPr>
+        <a:xfrm>
+          <a:off x="0" y="0"/>
+          <a:ext cx="0" cy="0"/>
+          <a:chOff x="0" y="0"/>
+          <a:chExt cx="0" cy="0"/>
+        </a:xfrm>
+      </p:grpSpPr>
+      <p:sp>
+        <p:nvSpPr>
+          <p:cNvPr id="4" name="Titre 3">
+            <a:extLst>
+              <a:ext uri="{FF2B5EF4-FFF2-40B4-BE49-F238E27FC236}">
+                <a16:creationId xmlns:a16="http://schemas.microsoft.com/office/drawing/2014/main" id="{7C12A1B3-30A1-44D3-964B-8F4B3150E160}"/>
+              </a:ext>
+            </a:extLst>
+          </p:cNvPr>
+          <p:cNvSpPr>
+            <a:spLocks noGrp="1"/>
+          </p:cNvSpPr>
+          <p:nvPr>
+            <p:ph type="title"/>
+          </p:nvPr>
+        </p:nvSpPr>
+        <p:spPr/>
+        <p:txBody>
+          <a:bodyPr/>
+          <a:lstStyle/>
+          <a:p>
+            <a:r>
+              <a:rPr lang="en-US"/>
+              <a:t>Classes et </a:t>
+            </a:r>
+            <a:r>
+              <a:rPr lang="en-US" err="1"/>
+              <a:t>objets</a:t>
+            </a:r>
+            <a:endParaRPr lang="fr-BE"/>
+          </a:p>
+        </p:txBody>
+      </p:sp>
+      <p:sp>
+        <p:nvSpPr>
+          <p:cNvPr id="5" name="Espace réservé du texte 4">
+            <a:extLst>
+              <a:ext uri="{FF2B5EF4-FFF2-40B4-BE49-F238E27FC236}">
+                <a16:creationId xmlns:a16="http://schemas.microsoft.com/office/drawing/2014/main" id="{5CB98627-E081-4135-900C-B01051FF44F0}"/>
+              </a:ext>
+            </a:extLst>
+          </p:cNvPr>
+          <p:cNvSpPr>
+            <a:spLocks noGrp="1"/>
+          </p:cNvSpPr>
+          <p:nvPr>
+            <p:ph type="body" idx="1"/>
+          </p:nvPr>
+        </p:nvSpPr>
+        <p:spPr/>
+        <p:txBody>
+          <a:bodyPr/>
+          <a:lstStyle/>
+          <a:p>
+            <a:endParaRPr lang="fr-BE"/>
+          </a:p>
+        </p:txBody>
+      </p:sp>
+    </p:spTree>
+    <p:extLst>
+      <p:ext uri="{BB962C8B-B14F-4D97-AF65-F5344CB8AC3E}">
+        <p14:creationId xmlns:p14="http://schemas.microsoft.com/office/powerpoint/2010/main" val="2278141950"/>
+      </p:ext>
+    </p:extLst>
+  </p:cSld>
+  <p:clrMapOvr>
+    <a:masterClrMapping/>
+  </p:clrMapOvr>
+</p:sld>
+</file>
+
+<file path=ppt/slides/slide29.xml><?xml version="1.0" encoding="utf-8"?>
+<p:sld xmlns:a="http://schemas.openxmlformats.org/drawingml/2006/main" xmlns:r="http://schemas.openxmlformats.org/officeDocument/2006/relationships" xmlns:p="http://schemas.openxmlformats.org/presentationml/2006/main">
+  <p:cSld>
+    <p:spTree>
+      <p:nvGrpSpPr>
+        <p:cNvPr id="1" name=""/>
+        <p:cNvGrpSpPr/>
+        <p:nvPr/>
+      </p:nvGrpSpPr>
+      <p:grpSpPr>
+        <a:xfrm>
+          <a:off x="0" y="0"/>
+          <a:ext cx="0" cy="0"/>
+          <a:chOff x="0" y="0"/>
+          <a:chExt cx="0" cy="0"/>
+        </a:xfrm>
+      </p:grpSpPr>
+      <p:sp>
+        <p:nvSpPr>
+          <p:cNvPr id="2" name="Titre 1">
+            <a:extLst>
+              <a:ext uri="{FF2B5EF4-FFF2-40B4-BE49-F238E27FC236}">
+                <a16:creationId xmlns:a16="http://schemas.microsoft.com/office/drawing/2014/main" id="{BEDBDA12-EB8E-428F-B7B1-D8B47CACE37A}"/>
+              </a:ext>
+            </a:extLst>
+          </p:cNvPr>
+          <p:cNvSpPr>
+            <a:spLocks noGrp="1"/>
+          </p:cNvSpPr>
+          <p:nvPr>
+            <p:ph type="title"/>
+          </p:nvPr>
+        </p:nvSpPr>
+        <p:spPr/>
+        <p:txBody>
+          <a:bodyPr/>
+          <a:lstStyle/>
+          <a:p>
+            <a:r>
+              <a:rPr lang="en-US"/>
+              <a:t>Conventions de </a:t>
+            </a:r>
+            <a:r>
+              <a:rPr lang="en-US" err="1"/>
+              <a:t>codage</a:t>
+            </a:r>
+            <a:endParaRPr lang="fr-BE"/>
+          </a:p>
+        </p:txBody>
+      </p:sp>
+      <p:sp>
+        <p:nvSpPr>
+          <p:cNvPr id="3" name="Espace réservé du texte 2">
+            <a:extLst>
+              <a:ext uri="{FF2B5EF4-FFF2-40B4-BE49-F238E27FC236}">
+                <a16:creationId xmlns:a16="http://schemas.microsoft.com/office/drawing/2014/main" id="{B3CA63D6-C4B6-4FAB-A811-FBBC5D7185B5}"/>
+              </a:ext>
+            </a:extLst>
+          </p:cNvPr>
+          <p:cNvSpPr>
+            <a:spLocks noGrp="1"/>
+          </p:cNvSpPr>
+          <p:nvPr>
+            <p:ph type="body" idx="1"/>
+          </p:nvPr>
+        </p:nvSpPr>
+        <p:spPr/>
+        <p:txBody>
+          <a:bodyPr/>
+          <a:lstStyle/>
+          <a:p>
+            <a:endParaRPr lang="fr-BE"/>
+          </a:p>
+        </p:txBody>
+      </p:sp>
+    </p:spTree>
+    <p:extLst>
+      <p:ext uri="{BB962C8B-B14F-4D97-AF65-F5344CB8AC3E}">
+        <p14:creationId xmlns:p14="http://schemas.microsoft.com/office/powerpoint/2010/main" val="3429561253"/>
       </p:ext>
     </p:extLst>
   </p:cSld>
@@ -4656,10 +10349,10 @@
       </p:grpSpPr>
       <p:sp>
         <p:nvSpPr>
-          <p:cNvPr id="4" name="Titre 3">
+          <p:cNvPr id="2" name="Titre 1">
             <a:extLst>
               <a:ext uri="{FF2B5EF4-FFF2-40B4-BE49-F238E27FC236}">
-                <a16:creationId xmlns:a16="http://schemas.microsoft.com/office/drawing/2014/main" id="{7C12A1B3-30A1-44D3-964B-8F4B3150E160}"/>
+                <a16:creationId xmlns:a16="http://schemas.microsoft.com/office/drawing/2014/main" id="{D6A3B27D-32E5-42B1-8704-BDD0C23582B6}"/>
               </a:ext>
             </a:extLst>
           </p:cNvPr>
@@ -4676,50 +10369,283 @@
           <a:lstStyle/>
           <a:p>
             <a:r>
-              <a:rPr lang="en-US" dirty="0"/>
-              <a:t>Types, </a:t>
-            </a:r>
-            <a:r>
-              <a:rPr lang="en-US" dirty="0" err="1"/>
-              <a:t>valeurs</a:t>
-            </a:r>
-            <a:r>
-              <a:rPr lang="en-US" dirty="0"/>
-              <a:t> et variables</a:t>
-            </a:r>
-            <a:endParaRPr lang="fr-BE" dirty="0"/>
-          </a:p>
-        </p:txBody>
-      </p:sp>
-      <p:sp>
-        <p:nvSpPr>
-          <p:cNvPr id="5" name="Espace réservé du texte 4">
+              <a:rPr lang="en-US"/>
+              <a:t>Built-in types</a:t>
+            </a:r>
+            <a:endParaRPr lang="fr-BE"/>
+          </a:p>
+        </p:txBody>
+      </p:sp>
+      <p:graphicFrame>
+        <p:nvGraphicFramePr>
+          <p:cNvPr id="9" name="Tableau 9">
             <a:extLst>
               <a:ext uri="{FF2B5EF4-FFF2-40B4-BE49-F238E27FC236}">
-                <a16:creationId xmlns:a16="http://schemas.microsoft.com/office/drawing/2014/main" id="{5CB98627-E081-4135-900C-B01051FF44F0}"/>
+                <a16:creationId xmlns:a16="http://schemas.microsoft.com/office/drawing/2014/main" id="{FE2E4286-6C52-446D-A1F7-22FFF72B53BF}"/>
               </a:ext>
             </a:extLst>
           </p:cNvPr>
-          <p:cNvSpPr>
-            <a:spLocks noGrp="1"/>
-          </p:cNvSpPr>
-          <p:nvPr>
-            <p:ph type="body" idx="1"/>
-          </p:nvPr>
-        </p:nvSpPr>
-        <p:spPr/>
-        <p:txBody>
-          <a:bodyPr/>
-          <a:lstStyle/>
-          <a:p>
-            <a:endParaRPr lang="fr-BE"/>
-          </a:p>
-        </p:txBody>
-      </p:sp>
+          <p:cNvGraphicFramePr>
+            <a:graphicFrameLocks noGrp="1"/>
+          </p:cNvGraphicFramePr>
+          <p:nvPr>
+            <p:ph idx="1"/>
+            <p:extLst>
+              <p:ext uri="{D42A27DB-BD31-4B8C-83A1-F6EECF244321}">
+                <p14:modId xmlns:p14="http://schemas.microsoft.com/office/powerpoint/2010/main" val="3825917232"/>
+              </p:ext>
+            </p:extLst>
+          </p:nvPr>
+        </p:nvGraphicFramePr>
+        <p:xfrm>
+          <a:off x="1096963" y="1846263"/>
+          <a:ext cx="10058400" cy="1854200"/>
+        </p:xfrm>
+        <a:graphic>
+          <a:graphicData uri="http://schemas.openxmlformats.org/drawingml/2006/table">
+            <a:tbl>
+              <a:tblPr bandRow="1">
+                <a:tableStyleId>{5C22544A-7EE6-4342-B048-85BDC9FD1C3A}</a:tableStyleId>
+              </a:tblPr>
+              <a:tblGrid>
+                <a:gridCol w="5029200">
+                  <a:extLst>
+                    <a:ext uri="{9D8B030D-6E8A-4147-A177-3AD203B41FA5}">
+                      <a16:colId xmlns:a16="http://schemas.microsoft.com/office/drawing/2014/main" val="2482192960"/>
+                    </a:ext>
+                  </a:extLst>
+                </a:gridCol>
+                <a:gridCol w="5029200">
+                  <a:extLst>
+                    <a:ext uri="{9D8B030D-6E8A-4147-A177-3AD203B41FA5}">
+                      <a16:colId xmlns:a16="http://schemas.microsoft.com/office/drawing/2014/main" val="3424267570"/>
+                    </a:ext>
+                  </a:extLst>
+                </a:gridCol>
+              </a:tblGrid>
+              <a:tr h="370840">
+                <a:tc>
+                  <a:txBody>
+                    <a:bodyPr/>
+                    <a:lstStyle/>
+                    <a:p>
+                      <a:r>
+                        <a:rPr lang="en-US" sz="1800" dirty="0">
+                          <a:latin typeface="Consolas" panose="020B0609020204030204" pitchFamily="49" charset="0"/>
+                        </a:rPr>
+                        <a:t>bool</a:t>
+                      </a:r>
+                      <a:endParaRPr lang="fr-BE" sz="1800" dirty="0">
+                        <a:latin typeface="Consolas" panose="020B0609020204030204" pitchFamily="49" charset="0"/>
+                      </a:endParaRPr>
+                    </a:p>
+                  </a:txBody>
+                  <a:tcPr/>
+                </a:tc>
+                <a:tc>
+                  <a:txBody>
+                    <a:bodyPr/>
+                    <a:lstStyle/>
+                    <a:p>
+                      <a:r>
+                        <a:rPr lang="en-US">
+                          <a:latin typeface="Consolas" panose="020B0609020204030204" pitchFamily="49" charset="0"/>
+                        </a:rPr>
+                        <a:t>True, False</a:t>
+                      </a:r>
+                      <a:endParaRPr lang="fr-BE">
+                        <a:latin typeface="Consolas" panose="020B0609020204030204" pitchFamily="49" charset="0"/>
+                      </a:endParaRPr>
+                    </a:p>
+                  </a:txBody>
+                  <a:tcPr/>
+                </a:tc>
+                <a:extLst>
+                  <a:ext uri="{0D108BD9-81ED-4DB2-BD59-A6C34878D82A}">
+                    <a16:rowId xmlns:a16="http://schemas.microsoft.com/office/drawing/2014/main" val="337297705"/>
+                  </a:ext>
+                </a:extLst>
+              </a:tr>
+              <a:tr h="370840">
+                <a:tc>
+                  <a:txBody>
+                    <a:bodyPr/>
+                    <a:lstStyle/>
+                    <a:p>
+                      <a:r>
+                        <a:rPr lang="en-US" sz="1800" dirty="0">
+                          <a:latin typeface="Consolas" panose="020B0609020204030204" pitchFamily="49" charset="0"/>
+                        </a:rPr>
+                        <a:t>int</a:t>
+                      </a:r>
+                      <a:endParaRPr lang="fr-BE" sz="1800" dirty="0">
+                        <a:latin typeface="Consolas" panose="020B0609020204030204" pitchFamily="49" charset="0"/>
+                      </a:endParaRPr>
+                    </a:p>
+                  </a:txBody>
+                  <a:tcPr/>
+                </a:tc>
+                <a:tc>
+                  <a:txBody>
+                    <a:bodyPr/>
+                    <a:lstStyle/>
+                    <a:p>
+                      <a:r>
+                        <a:rPr lang="en-US" dirty="0">
+                          <a:latin typeface="Consolas" panose="020B0609020204030204" pitchFamily="49" charset="0"/>
+                        </a:rPr>
+                        <a:t>1, -2, 3</a:t>
+                      </a:r>
+                      <a:endParaRPr lang="fr-BE" dirty="0">
+                        <a:latin typeface="Consolas" panose="020B0609020204030204" pitchFamily="49" charset="0"/>
+                      </a:endParaRPr>
+                    </a:p>
+                  </a:txBody>
+                  <a:tcPr/>
+                </a:tc>
+                <a:extLst>
+                  <a:ext uri="{0D108BD9-81ED-4DB2-BD59-A6C34878D82A}">
+                    <a16:rowId xmlns:a16="http://schemas.microsoft.com/office/drawing/2014/main" val="789392607"/>
+                  </a:ext>
+                </a:extLst>
+              </a:tr>
+              <a:tr h="370840">
+                <a:tc>
+                  <a:txBody>
+                    <a:bodyPr/>
+                    <a:lstStyle/>
+                    <a:p>
+                      <a:r>
+                        <a:rPr lang="en-US" sz="1800" dirty="0">
+                          <a:latin typeface="Consolas" panose="020B0609020204030204" pitchFamily="49" charset="0"/>
+                        </a:rPr>
+                        <a:t>float</a:t>
+                      </a:r>
+                      <a:endParaRPr lang="fr-BE" sz="1800" dirty="0">
+                        <a:latin typeface="Consolas" panose="020B0609020204030204" pitchFamily="49" charset="0"/>
+                      </a:endParaRPr>
+                    </a:p>
+                  </a:txBody>
+                  <a:tcPr/>
+                </a:tc>
+                <a:tc>
+                  <a:txBody>
+                    <a:bodyPr/>
+                    <a:lstStyle/>
+                    <a:p>
+                      <a:r>
+                        <a:rPr lang="en-US" dirty="0">
+                          <a:latin typeface="Consolas" panose="020B0609020204030204" pitchFamily="49" charset="0"/>
+                        </a:rPr>
+                        <a:t>1.0, -2.0, 3.0</a:t>
+                      </a:r>
+                      <a:endParaRPr lang="fr-BE" dirty="0">
+                        <a:latin typeface="Consolas" panose="020B0609020204030204" pitchFamily="49" charset="0"/>
+                      </a:endParaRPr>
+                    </a:p>
+                  </a:txBody>
+                  <a:tcPr/>
+                </a:tc>
+                <a:extLst>
+                  <a:ext uri="{0D108BD9-81ED-4DB2-BD59-A6C34878D82A}">
+                    <a16:rowId xmlns:a16="http://schemas.microsoft.com/office/drawing/2014/main" val="3090323856"/>
+                  </a:ext>
+                </a:extLst>
+              </a:tr>
+              <a:tr h="370840">
+                <a:tc>
+                  <a:txBody>
+                    <a:bodyPr/>
+                    <a:lstStyle/>
+                    <a:p>
+                      <a:r>
+                        <a:rPr lang="en-US" sz="1800" dirty="0">
+                          <a:latin typeface="Consolas" panose="020B0609020204030204" pitchFamily="49" charset="0"/>
+                        </a:rPr>
+                        <a:t>str</a:t>
+                      </a:r>
+                      <a:endParaRPr lang="fr-BE" sz="1800" dirty="0">
+                        <a:latin typeface="Consolas" panose="020B0609020204030204" pitchFamily="49" charset="0"/>
+                      </a:endParaRPr>
+                    </a:p>
+                  </a:txBody>
+                  <a:tcPr/>
+                </a:tc>
+                <a:tc>
+                  <a:txBody>
+                    <a:bodyPr/>
+                    <a:lstStyle/>
+                    <a:p>
+                      <a:r>
+                        <a:rPr lang="en-US" dirty="0">
+                          <a:latin typeface="Consolas" panose="020B0609020204030204" pitchFamily="49" charset="0"/>
+                        </a:rPr>
+                        <a:t>"Hello World", "a", "b"</a:t>
+                      </a:r>
+                      <a:endParaRPr lang="fr-BE" dirty="0">
+                        <a:latin typeface="Consolas" panose="020B0609020204030204" pitchFamily="49" charset="0"/>
+                      </a:endParaRPr>
+                    </a:p>
+                  </a:txBody>
+                  <a:tcPr/>
+                </a:tc>
+                <a:extLst>
+                  <a:ext uri="{0D108BD9-81ED-4DB2-BD59-A6C34878D82A}">
+                    <a16:rowId xmlns:a16="http://schemas.microsoft.com/office/drawing/2014/main" val="1433054808"/>
+                  </a:ext>
+                </a:extLst>
+              </a:tr>
+              <a:tr h="370840">
+                <a:tc>
+                  <a:txBody>
+                    <a:bodyPr/>
+                    <a:lstStyle/>
+                    <a:p>
+                      <a:r>
+                        <a:rPr lang="en-US" sz="1800" dirty="0">
+                          <a:latin typeface="Consolas" panose="020B0609020204030204" pitchFamily="49" charset="0"/>
+                        </a:rPr>
+                        <a:t>None</a:t>
+                      </a:r>
+                      <a:endParaRPr lang="fr-BE" sz="1800" dirty="0">
+                        <a:latin typeface="Consolas" panose="020B0609020204030204" pitchFamily="49" charset="0"/>
+                      </a:endParaRPr>
+                    </a:p>
+                  </a:txBody>
+                  <a:tcPr/>
+                </a:tc>
+                <a:tc>
+                  <a:txBody>
+                    <a:bodyPr/>
+                    <a:lstStyle/>
+                    <a:p>
+                      <a:r>
+                        <a:rPr lang="en-US" dirty="0">
+                          <a:latin typeface="Consolas" panose="020B0609020204030204" pitchFamily="49" charset="0"/>
+                        </a:rPr>
+                        <a:t>None</a:t>
+                      </a:r>
+                      <a:endParaRPr lang="fr-BE" dirty="0">
+                        <a:latin typeface="Consolas" panose="020B0609020204030204" pitchFamily="49" charset="0"/>
+                      </a:endParaRPr>
+                    </a:p>
+                  </a:txBody>
+                  <a:tcPr/>
+                </a:tc>
+                <a:extLst>
+                  <a:ext uri="{0D108BD9-81ED-4DB2-BD59-A6C34878D82A}">
+                    <a16:rowId xmlns:a16="http://schemas.microsoft.com/office/drawing/2014/main" val="747842831"/>
+                  </a:ext>
+                </a:extLst>
+              </a:tr>
+            </a:tbl>
+          </a:graphicData>
+        </a:graphic>
+      </p:graphicFrame>
     </p:spTree>
     <p:extLst>
       <p:ext uri="{BB962C8B-B14F-4D97-AF65-F5344CB8AC3E}">
-        <p14:creationId xmlns:p14="http://schemas.microsoft.com/office/powerpoint/2010/main" val="304541482"/>
+        <p14:creationId xmlns:p14="http://schemas.microsoft.com/office/powerpoint/2010/main" val="403942258"/>
       </p:ext>
     </p:extLst>
   </p:cSld>
@@ -4748,10 +10674,10 @@
       </p:grpSpPr>
       <p:sp>
         <p:nvSpPr>
-          <p:cNvPr id="4" name="Titre 3">
+          <p:cNvPr id="2" name="Titre 1">
             <a:extLst>
               <a:ext uri="{FF2B5EF4-FFF2-40B4-BE49-F238E27FC236}">
-                <a16:creationId xmlns:a16="http://schemas.microsoft.com/office/drawing/2014/main" id="{7C12A1B3-30A1-44D3-964B-8F4B3150E160}"/>
+                <a16:creationId xmlns:a16="http://schemas.microsoft.com/office/drawing/2014/main" id="{7A0E41FD-15C3-4CFB-B650-2440760AB8C8}"/>
               </a:ext>
             </a:extLst>
           </p:cNvPr>
@@ -4769,7 +10695,7 @@
           <a:p>
             <a:r>
               <a:rPr lang="en-US" dirty="0"/>
-              <a:t>String</a:t>
+              <a:t>Variables</a:t>
             </a:r>
             <a:endParaRPr lang="fr-BE" dirty="0"/>
           </a:p>
@@ -4777,10 +10703,10 @@
       </p:sp>
       <p:sp>
         <p:nvSpPr>
-          <p:cNvPr id="5" name="Espace réservé du texte 4">
+          <p:cNvPr id="3" name="Espace réservé du contenu 2">
             <a:extLst>
               <a:ext uri="{FF2B5EF4-FFF2-40B4-BE49-F238E27FC236}">
-                <a16:creationId xmlns:a16="http://schemas.microsoft.com/office/drawing/2014/main" id="{5CB98627-E081-4135-900C-B01051FF44F0}"/>
+                <a16:creationId xmlns:a16="http://schemas.microsoft.com/office/drawing/2014/main" id="{E842FD72-F5FD-4E51-8334-13A0F71CBB46}"/>
               </a:ext>
             </a:extLst>
           </p:cNvPr>
@@ -4788,7 +10714,7 @@
             <a:spLocks noGrp="1"/>
           </p:cNvSpPr>
           <p:nvPr>
-            <p:ph type="body" idx="1"/>
+            <p:ph idx="1"/>
           </p:nvPr>
         </p:nvSpPr>
         <p:spPr/>
@@ -4796,14 +10722,117 @@
           <a:bodyPr/>
           <a:lstStyle/>
           <a:p>
-            <a:endParaRPr lang="fr-BE"/>
+            <a:r>
+              <a:rPr lang="en-US" dirty="0">
+                <a:latin typeface="Consolas" panose="020B0609020204030204" pitchFamily="49" charset="0"/>
+              </a:rPr>
+              <a:t>x = 10</a:t>
+            </a:r>
+          </a:p>
+          <a:p>
+            <a:r>
+              <a:rPr lang="en-US" dirty="0">
+                <a:latin typeface="Consolas" panose="020B0609020204030204" pitchFamily="49" charset="0"/>
+              </a:rPr>
+              <a:t>y = 25</a:t>
+            </a:r>
+          </a:p>
+          <a:p>
+            <a:r>
+              <a:rPr lang="en-US" dirty="0">
+                <a:latin typeface="Consolas" panose="020B0609020204030204" pitchFamily="49" charset="0"/>
+              </a:rPr>
+              <a:t>z = x + y</a:t>
+            </a:r>
+          </a:p>
+          <a:p>
+            <a:r>
+              <a:rPr lang="en-US" dirty="0">
+                <a:latin typeface="Consolas" panose="020B0609020204030204" pitchFamily="49" charset="0"/>
+              </a:rPr>
+              <a:t>print(z)</a:t>
+            </a:r>
+          </a:p>
+          <a:p>
+            <a:r>
+              <a:rPr lang="en-US" dirty="0">
+                <a:latin typeface="Consolas" panose="020B0609020204030204" pitchFamily="49" charset="0"/>
+              </a:rPr>
+              <a:t>z = "</a:t>
+            </a:r>
+            <a:r>
+              <a:rPr lang="en-US" dirty="0" err="1">
+                <a:latin typeface="Consolas" panose="020B0609020204030204" pitchFamily="49" charset="0"/>
+              </a:rPr>
+              <a:t>une</a:t>
+            </a:r>
+            <a:r>
+              <a:rPr lang="en-US" dirty="0">
+                <a:latin typeface="Consolas" panose="020B0609020204030204" pitchFamily="49" charset="0"/>
+              </a:rPr>
+              <a:t> </a:t>
+            </a:r>
+            <a:r>
+              <a:rPr lang="en-US" dirty="0" err="1">
+                <a:latin typeface="Consolas" panose="020B0609020204030204" pitchFamily="49" charset="0"/>
+              </a:rPr>
+              <a:t>autre</a:t>
+            </a:r>
+            <a:r>
+              <a:rPr lang="en-US" dirty="0">
+                <a:latin typeface="Consolas" panose="020B0609020204030204" pitchFamily="49" charset="0"/>
+              </a:rPr>
+              <a:t> </a:t>
+            </a:r>
+            <a:r>
+              <a:rPr lang="en-US" dirty="0" err="1">
+                <a:latin typeface="Consolas" panose="020B0609020204030204" pitchFamily="49" charset="0"/>
+              </a:rPr>
+              <a:t>valeur</a:t>
+            </a:r>
+            <a:r>
+              <a:rPr lang="en-US" dirty="0">
+                <a:latin typeface="Consolas" panose="020B0609020204030204" pitchFamily="49" charset="0"/>
+              </a:rPr>
+              <a:t>"</a:t>
+            </a:r>
+          </a:p>
+          <a:p>
+            <a:r>
+              <a:rPr lang="en-US" dirty="0">
+                <a:latin typeface="Consolas" panose="020B0609020204030204" pitchFamily="49" charset="0"/>
+              </a:rPr>
+              <a:t>print(z)</a:t>
+            </a:r>
+          </a:p>
+          <a:p>
+            <a:endParaRPr lang="en-US" dirty="0">
+              <a:latin typeface="Consolas" panose="020B0609020204030204" pitchFamily="49" charset="0"/>
+            </a:endParaRPr>
+          </a:p>
+          <a:p>
+            <a:r>
+              <a:rPr lang="en-US" dirty="0" err="1">
+                <a:latin typeface="Consolas" panose="020B0609020204030204" pitchFamily="49" charset="0"/>
+              </a:rPr>
+              <a:t>variable_sans_valeur</a:t>
+            </a:r>
+            <a:r>
+              <a:rPr lang="en-US" dirty="0">
+                <a:latin typeface="Consolas" panose="020B0609020204030204" pitchFamily="49" charset="0"/>
+              </a:rPr>
+              <a:t> = None</a:t>
+            </a:r>
+            <a:endParaRPr lang="fr-BE" dirty="0">
+              <a:latin typeface="Consolas" panose="020B0609020204030204" pitchFamily="49" charset="0"/>
+            </a:endParaRPr>
           </a:p>
         </p:txBody>
       </p:sp>
     </p:spTree>
     <p:extLst>
       <p:ext uri="{BB962C8B-B14F-4D97-AF65-F5344CB8AC3E}">
-        <p14:creationId xmlns:p14="http://schemas.microsoft.com/office/powerpoint/2010/main" val="2779887580"/>
+        <p14:creationId xmlns:p14="http://schemas.microsoft.com/office/powerpoint/2010/main" val="807866888"/>
       </p:ext>
     </p:extLst>
   </p:cSld>
@@ -4832,10 +10861,10 @@
       </p:grpSpPr>
       <p:sp>
         <p:nvSpPr>
-          <p:cNvPr id="4" name="Titre 3">
+          <p:cNvPr id="2" name="Titre 1">
             <a:extLst>
               <a:ext uri="{FF2B5EF4-FFF2-40B4-BE49-F238E27FC236}">
-                <a16:creationId xmlns:a16="http://schemas.microsoft.com/office/drawing/2014/main" id="{7C12A1B3-30A1-44D3-964B-8F4B3150E160}"/>
+                <a16:creationId xmlns:a16="http://schemas.microsoft.com/office/drawing/2014/main" id="{8770D9CC-E2EF-427C-AB9E-FB053CCD98A5}"/>
               </a:ext>
             </a:extLst>
           </p:cNvPr>
@@ -4853,7 +10882,7 @@
           <a:p>
             <a:r>
               <a:rPr lang="en-US" dirty="0"/>
-              <a:t>Conditions</a:t>
+              <a:t>Console</a:t>
             </a:r>
             <a:endParaRPr lang="fr-BE" dirty="0"/>
           </a:p>
@@ -4861,10 +10890,10 @@
       </p:sp>
       <p:sp>
         <p:nvSpPr>
-          <p:cNvPr id="5" name="Espace réservé du texte 4">
+          <p:cNvPr id="3" name="Espace réservé du contenu 2">
             <a:extLst>
               <a:ext uri="{FF2B5EF4-FFF2-40B4-BE49-F238E27FC236}">
-                <a16:creationId xmlns:a16="http://schemas.microsoft.com/office/drawing/2014/main" id="{5CB98627-E081-4135-900C-B01051FF44F0}"/>
+                <a16:creationId xmlns:a16="http://schemas.microsoft.com/office/drawing/2014/main" id="{E5DE2076-823C-4400-BD5E-064174285E51}"/>
               </a:ext>
             </a:extLst>
           </p:cNvPr>
@@ -4872,7 +10901,7 @@
             <a:spLocks noGrp="1"/>
           </p:cNvSpPr>
           <p:nvPr>
-            <p:ph type="body" idx="1"/>
+            <p:ph idx="1"/>
           </p:nvPr>
         </p:nvSpPr>
         <p:spPr/>
@@ -4880,14 +10909,91 @@
           <a:bodyPr/>
           <a:lstStyle/>
           <a:p>
-            <a:endParaRPr lang="fr-BE"/>
+            <a:r>
+              <a:rPr lang="en-US" dirty="0">
+                <a:latin typeface="Consolas" panose="020B0609020204030204" pitchFamily="49" charset="0"/>
+              </a:rPr>
+              <a:t>print("Hello World!")</a:t>
+            </a:r>
+          </a:p>
+          <a:p>
+            <a:endParaRPr lang="en-US" dirty="0">
+              <a:latin typeface="Consolas" panose="020B0609020204030204" pitchFamily="49" charset="0"/>
+            </a:endParaRPr>
+          </a:p>
+          <a:p>
+            <a:r>
+              <a:rPr lang="en-US" dirty="0">
+                <a:latin typeface="Consolas" panose="020B0609020204030204" pitchFamily="49" charset="0"/>
+              </a:rPr>
+              <a:t>name = input()</a:t>
+            </a:r>
+          </a:p>
+          <a:p>
+            <a:r>
+              <a:rPr lang="en-US" dirty="0">
+                <a:latin typeface="Consolas" panose="020B0609020204030204" pitchFamily="49" charset="0"/>
+              </a:rPr>
+              <a:t>print("Hello " + name)</a:t>
+            </a:r>
+          </a:p>
+          <a:p>
+            <a:endParaRPr lang="fr-BE" dirty="0">
+              <a:latin typeface="Consolas" panose="020B0609020204030204" pitchFamily="49" charset="0"/>
+            </a:endParaRPr>
+          </a:p>
+          <a:p>
+            <a:r>
+              <a:rPr lang="fr-BE" dirty="0">
+                <a:latin typeface="Consolas" panose="020B0609020204030204" pitchFamily="49" charset="0"/>
+              </a:rPr>
+              <a:t>msg = </a:t>
+            </a:r>
+            <a:r>
+              <a:rPr lang="fr-BE" dirty="0" err="1">
+                <a:latin typeface="Consolas" panose="020B0609020204030204" pitchFamily="49" charset="0"/>
+              </a:rPr>
+              <a:t>f"Hello</a:t>
+            </a:r>
+            <a:r>
+              <a:rPr lang="fr-BE" dirty="0">
+                <a:latin typeface="Consolas" panose="020B0609020204030204" pitchFamily="49" charset="0"/>
+              </a:rPr>
+              <a:t> {</a:t>
+            </a:r>
+            <a:r>
+              <a:rPr lang="fr-BE" dirty="0" err="1">
+                <a:latin typeface="Consolas" panose="020B0609020204030204" pitchFamily="49" charset="0"/>
+              </a:rPr>
+              <a:t>name</a:t>
+            </a:r>
+            <a:r>
+              <a:rPr lang="fr-BE" dirty="0">
+                <a:latin typeface="Consolas" panose="020B0609020204030204" pitchFamily="49" charset="0"/>
+              </a:rPr>
+              <a:t>}"</a:t>
+            </a:r>
+          </a:p>
+          <a:p>
+            <a:r>
+              <a:rPr lang="fr-BE" dirty="0" err="1">
+                <a:latin typeface="Consolas" panose="020B0609020204030204" pitchFamily="49" charset="0"/>
+              </a:rPr>
+              <a:t>print</a:t>
+            </a:r>
+            <a:r>
+              <a:rPr lang="fr-BE" dirty="0">
+                <a:latin typeface="Consolas" panose="020B0609020204030204" pitchFamily="49" charset="0"/>
+              </a:rPr>
+              <a:t>(msg)</a:t>
+            </a:r>
           </a:p>
         </p:txBody>
       </p:sp>
     </p:spTree>
     <p:extLst>
       <p:ext uri="{BB962C8B-B14F-4D97-AF65-F5344CB8AC3E}">
-        <p14:creationId xmlns:p14="http://schemas.microsoft.com/office/powerpoint/2010/main" val="4158970934"/>
+        <p14:creationId xmlns:p14="http://schemas.microsoft.com/office/powerpoint/2010/main" val="2684046024"/>
       </p:ext>
     </p:extLst>
   </p:cSld>
@@ -4916,10 +11022,10 @@
       </p:grpSpPr>
       <p:sp>
         <p:nvSpPr>
-          <p:cNvPr id="4" name="Titre 3">
+          <p:cNvPr id="2" name="Titre 1">
             <a:extLst>
               <a:ext uri="{FF2B5EF4-FFF2-40B4-BE49-F238E27FC236}">
-                <a16:creationId xmlns:a16="http://schemas.microsoft.com/office/drawing/2014/main" id="{7C12A1B3-30A1-44D3-964B-8F4B3150E160}"/>
+                <a16:creationId xmlns:a16="http://schemas.microsoft.com/office/drawing/2014/main" id="{EBBD4D91-BFF3-4152-A9A0-A354C5E89FC1}"/>
               </a:ext>
             </a:extLst>
           </p:cNvPr>
@@ -4936,42 +11042,307 @@
           <a:lstStyle/>
           <a:p>
             <a:r>
-              <a:rPr lang="en-US" dirty="0" err="1"/>
-              <a:t>Boucles</a:t>
+              <a:rPr lang="en-US" dirty="0"/>
+              <a:t>Conversions</a:t>
             </a:r>
             <a:endParaRPr lang="fr-BE" dirty="0"/>
           </a:p>
         </p:txBody>
       </p:sp>
-      <p:sp>
-        <p:nvSpPr>
-          <p:cNvPr id="5" name="Espace réservé du texte 4">
+      <p:graphicFrame>
+        <p:nvGraphicFramePr>
+          <p:cNvPr id="4" name="Tableau 4">
             <a:extLst>
               <a:ext uri="{FF2B5EF4-FFF2-40B4-BE49-F238E27FC236}">
-                <a16:creationId xmlns:a16="http://schemas.microsoft.com/office/drawing/2014/main" id="{5CB98627-E081-4135-900C-B01051FF44F0}"/>
+                <a16:creationId xmlns:a16="http://schemas.microsoft.com/office/drawing/2014/main" id="{D2BB2289-9F92-42EA-BB8F-FEEDB7841319}"/>
               </a:ext>
             </a:extLst>
           </p:cNvPr>
-          <p:cNvSpPr>
-            <a:spLocks noGrp="1"/>
-          </p:cNvSpPr>
-          <p:nvPr>
-            <p:ph type="body" idx="1"/>
-          </p:nvPr>
-        </p:nvSpPr>
-        <p:spPr/>
-        <p:txBody>
-          <a:bodyPr/>
-          <a:lstStyle/>
-          <a:p>
-            <a:endParaRPr lang="fr-BE"/>
-          </a:p>
-        </p:txBody>
-      </p:sp>
+          <p:cNvGraphicFramePr>
+            <a:graphicFrameLocks noGrp="1"/>
+          </p:cNvGraphicFramePr>
+          <p:nvPr>
+            <p:ph idx="1"/>
+            <p:extLst>
+              <p:ext uri="{D42A27DB-BD31-4B8C-83A1-F6EECF244321}">
+                <p14:modId xmlns:p14="http://schemas.microsoft.com/office/powerpoint/2010/main" val="704246606"/>
+              </p:ext>
+            </p:extLst>
+          </p:nvPr>
+        </p:nvGraphicFramePr>
+        <p:xfrm>
+          <a:off x="1096963" y="1846263"/>
+          <a:ext cx="10058400" cy="1854200"/>
+        </p:xfrm>
+        <a:graphic>
+          <a:graphicData uri="http://schemas.openxmlformats.org/drawingml/2006/table">
+            <a:tbl>
+              <a:tblPr bandRow="1">
+                <a:tableStyleId>{5C22544A-7EE6-4342-B048-85BDC9FD1C3A}</a:tableStyleId>
+              </a:tblPr>
+              <a:tblGrid>
+                <a:gridCol w="5029200">
+                  <a:extLst>
+                    <a:ext uri="{9D8B030D-6E8A-4147-A177-3AD203B41FA5}">
+                      <a16:colId xmlns:a16="http://schemas.microsoft.com/office/drawing/2014/main" val="2271254492"/>
+                    </a:ext>
+                  </a:extLst>
+                </a:gridCol>
+                <a:gridCol w="5029200">
+                  <a:extLst>
+                    <a:ext uri="{9D8B030D-6E8A-4147-A177-3AD203B41FA5}">
+                      <a16:colId xmlns:a16="http://schemas.microsoft.com/office/drawing/2014/main" val="3146254176"/>
+                    </a:ext>
+                  </a:extLst>
+                </a:gridCol>
+              </a:tblGrid>
+              <a:tr h="370840">
+                <a:tc>
+                  <a:txBody>
+                    <a:bodyPr/>
+                    <a:lstStyle/>
+                    <a:p>
+                      <a:r>
+                        <a:rPr lang="en-US" dirty="0">
+                          <a:latin typeface="Consolas" panose="020B0609020204030204" pitchFamily="49" charset="0"/>
+                        </a:rPr>
+                        <a:t>* -&gt; str</a:t>
+                      </a:r>
+                      <a:endParaRPr lang="fr-BE" dirty="0">
+                        <a:latin typeface="Consolas" panose="020B0609020204030204" pitchFamily="49" charset="0"/>
+                      </a:endParaRPr>
+                    </a:p>
+                  </a:txBody>
+                  <a:tcPr/>
+                </a:tc>
+                <a:tc>
+                  <a:txBody>
+                    <a:bodyPr/>
+                    <a:lstStyle/>
+                    <a:p>
+                      <a:r>
+                        <a:rPr lang="en-US" dirty="0">
+                          <a:latin typeface="Consolas" panose="020B0609020204030204" pitchFamily="49" charset="0"/>
+                        </a:rPr>
+                        <a:t>str(…)</a:t>
+                      </a:r>
+                      <a:endParaRPr lang="fr-BE" dirty="0">
+                        <a:latin typeface="Consolas" panose="020B0609020204030204" pitchFamily="49" charset="0"/>
+                      </a:endParaRPr>
+                    </a:p>
+                  </a:txBody>
+                  <a:tcPr/>
+                </a:tc>
+                <a:extLst>
+                  <a:ext uri="{0D108BD9-81ED-4DB2-BD59-A6C34878D82A}">
+                    <a16:rowId xmlns:a16="http://schemas.microsoft.com/office/drawing/2014/main" val="2334171828"/>
+                  </a:ext>
+                </a:extLst>
+              </a:tr>
+              <a:tr h="370840">
+                <a:tc>
+                  <a:txBody>
+                    <a:bodyPr/>
+                    <a:lstStyle/>
+                    <a:p>
+                      <a:r>
+                        <a:rPr lang="en-US" dirty="0">
+                          <a:latin typeface="Consolas" panose="020B0609020204030204" pitchFamily="49" charset="0"/>
+                        </a:rPr>
+                        <a:t>* -&gt; int</a:t>
+                      </a:r>
+                      <a:endParaRPr lang="fr-BE" dirty="0">
+                        <a:latin typeface="Consolas" panose="020B0609020204030204" pitchFamily="49" charset="0"/>
+                      </a:endParaRPr>
+                    </a:p>
+                  </a:txBody>
+                  <a:tcPr/>
+                </a:tc>
+                <a:tc>
+                  <a:txBody>
+                    <a:bodyPr/>
+                    <a:lstStyle/>
+                    <a:p>
+                      <a:r>
+                        <a:rPr lang="en-US" dirty="0">
+                          <a:latin typeface="Consolas" panose="020B0609020204030204" pitchFamily="49" charset="0"/>
+                        </a:rPr>
+                        <a:t>int(…)</a:t>
+                      </a:r>
+                      <a:endParaRPr lang="fr-BE" dirty="0">
+                        <a:latin typeface="Consolas" panose="020B0609020204030204" pitchFamily="49" charset="0"/>
+                      </a:endParaRPr>
+                    </a:p>
+                  </a:txBody>
+                  <a:tcPr/>
+                </a:tc>
+                <a:extLst>
+                  <a:ext uri="{0D108BD9-81ED-4DB2-BD59-A6C34878D82A}">
+                    <a16:rowId xmlns:a16="http://schemas.microsoft.com/office/drawing/2014/main" val="2282940063"/>
+                  </a:ext>
+                </a:extLst>
+              </a:tr>
+              <a:tr h="370840">
+                <a:tc>
+                  <a:txBody>
+                    <a:bodyPr/>
+                    <a:lstStyle/>
+                    <a:p>
+                      <a:r>
+                        <a:rPr lang="en-US" dirty="0">
+                          <a:latin typeface="Consolas" panose="020B0609020204030204" pitchFamily="49" charset="0"/>
+                        </a:rPr>
+                        <a:t>* -&gt; float</a:t>
+                      </a:r>
+                      <a:endParaRPr lang="fr-BE" dirty="0">
+                        <a:latin typeface="Consolas" panose="020B0609020204030204" pitchFamily="49" charset="0"/>
+                      </a:endParaRPr>
+                    </a:p>
+                  </a:txBody>
+                  <a:tcPr/>
+                </a:tc>
+                <a:tc>
+                  <a:txBody>
+                    <a:bodyPr/>
+                    <a:lstStyle/>
+                    <a:p>
+                      <a:r>
+                        <a:rPr lang="en-US" dirty="0">
+                          <a:latin typeface="Consolas" panose="020B0609020204030204" pitchFamily="49" charset="0"/>
+                        </a:rPr>
+                        <a:t>float(…)</a:t>
+                      </a:r>
+                      <a:endParaRPr lang="fr-BE" dirty="0">
+                        <a:latin typeface="Consolas" panose="020B0609020204030204" pitchFamily="49" charset="0"/>
+                      </a:endParaRPr>
+                    </a:p>
+                  </a:txBody>
+                  <a:tcPr/>
+                </a:tc>
+                <a:extLst>
+                  <a:ext uri="{0D108BD9-81ED-4DB2-BD59-A6C34878D82A}">
+                    <a16:rowId xmlns:a16="http://schemas.microsoft.com/office/drawing/2014/main" val="59307659"/>
+                  </a:ext>
+                </a:extLst>
+              </a:tr>
+              <a:tr h="370840">
+                <a:tc>
+                  <a:txBody>
+                    <a:bodyPr/>
+                    <a:lstStyle/>
+                    <a:p>
+                      <a:r>
+                        <a:rPr lang="en-US" dirty="0">
+                          <a:latin typeface="Consolas" panose="020B0609020204030204" pitchFamily="49" charset="0"/>
+                        </a:rPr>
+                        <a:t>str -&gt; int</a:t>
+                      </a:r>
+                      <a:endParaRPr lang="fr-BE" dirty="0">
+                        <a:latin typeface="Consolas" panose="020B0609020204030204" pitchFamily="49" charset="0"/>
+                      </a:endParaRPr>
+                    </a:p>
+                  </a:txBody>
+                  <a:tcPr/>
+                </a:tc>
+                <a:tc>
+                  <a:txBody>
+                    <a:bodyPr/>
+                    <a:lstStyle/>
+                    <a:p>
+                      <a:r>
+                        <a:rPr lang="en-US" dirty="0" err="1">
+                          <a:latin typeface="Consolas" panose="020B0609020204030204" pitchFamily="49" charset="0"/>
+                        </a:rPr>
+                        <a:t>ord</a:t>
+                      </a:r>
+                      <a:r>
+                        <a:rPr lang="en-US" dirty="0">
+                          <a:latin typeface="Consolas" panose="020B0609020204030204" pitchFamily="49" charset="0"/>
+                        </a:rPr>
+                        <a:t>(…)</a:t>
+                      </a:r>
+                      <a:r>
+                        <a:rPr lang="en-US" dirty="0">
+                          <a:latin typeface="+mn-lt"/>
+                        </a:rPr>
+                        <a:t> (conversion ascii)</a:t>
+                      </a:r>
+                      <a:endParaRPr lang="fr-BE" dirty="0">
+                        <a:latin typeface="+mn-lt"/>
+                      </a:endParaRPr>
+                    </a:p>
+                  </a:txBody>
+                  <a:tcPr/>
+                </a:tc>
+                <a:extLst>
+                  <a:ext uri="{0D108BD9-81ED-4DB2-BD59-A6C34878D82A}">
+                    <a16:rowId xmlns:a16="http://schemas.microsoft.com/office/drawing/2014/main" val="4090366866"/>
+                  </a:ext>
+                </a:extLst>
+              </a:tr>
+              <a:tr h="370840">
+                <a:tc>
+                  <a:txBody>
+                    <a:bodyPr/>
+                    <a:lstStyle/>
+                    <a:p>
+                      <a:r>
+                        <a:rPr lang="en-US" dirty="0">
+                          <a:latin typeface="Consolas" panose="020B0609020204030204" pitchFamily="49" charset="0"/>
+                        </a:rPr>
+                        <a:t>int -&gt; str</a:t>
+                      </a:r>
+                      <a:endParaRPr lang="fr-BE" dirty="0">
+                        <a:latin typeface="Consolas" panose="020B0609020204030204" pitchFamily="49" charset="0"/>
+                      </a:endParaRPr>
+                    </a:p>
+                  </a:txBody>
+                  <a:tcPr/>
+                </a:tc>
+                <a:tc>
+                  <a:txBody>
+                    <a:bodyPr/>
+                    <a:lstStyle/>
+                    <a:p>
+                      <a:r>
+                        <a:rPr lang="en-US" dirty="0" err="1">
+                          <a:latin typeface="Consolas" panose="020B0609020204030204" pitchFamily="49" charset="0"/>
+                        </a:rPr>
+                        <a:t>chr</a:t>
+                      </a:r>
+                      <a:r>
+                        <a:rPr lang="en-US" dirty="0">
+                          <a:latin typeface="Consolas" panose="020B0609020204030204" pitchFamily="49" charset="0"/>
+                        </a:rPr>
+                        <a:t>(…)</a:t>
+                      </a:r>
+                      <a:r>
+                        <a:rPr lang="en-US" dirty="0">
+                          <a:latin typeface="+mn-lt"/>
+                        </a:rPr>
+                        <a:t> (conversion ascii)</a:t>
+                      </a:r>
+                      <a:endParaRPr lang="fr-BE" dirty="0">
+                        <a:latin typeface="Consolas" panose="020B0609020204030204" pitchFamily="49" charset="0"/>
+                      </a:endParaRPr>
+                    </a:p>
+                  </a:txBody>
+                  <a:tcPr/>
+                </a:tc>
+                <a:extLst>
+                  <a:ext uri="{0D108BD9-81ED-4DB2-BD59-A6C34878D82A}">
+                    <a16:rowId xmlns:a16="http://schemas.microsoft.com/office/drawing/2014/main" val="1547603124"/>
+                  </a:ext>
+                </a:extLst>
+              </a:tr>
+            </a:tbl>
+          </a:graphicData>
+        </a:graphic>
+      </p:graphicFrame>
     </p:spTree>
     <p:extLst>
       <p:ext uri="{BB962C8B-B14F-4D97-AF65-F5344CB8AC3E}">
-        <p14:creationId xmlns:p14="http://schemas.microsoft.com/office/powerpoint/2010/main" val="1608122028"/>
+        <p14:creationId xmlns:p14="http://schemas.microsoft.com/office/powerpoint/2010/main" val="3367950147"/>
       </p:ext>
     </p:extLst>
   </p:cSld>
@@ -5000,10 +11371,10 @@
       </p:grpSpPr>
       <p:sp>
         <p:nvSpPr>
-          <p:cNvPr id="4" name="Titre 3">
+          <p:cNvPr id="2" name="Titre 1">
             <a:extLst>
               <a:ext uri="{FF2B5EF4-FFF2-40B4-BE49-F238E27FC236}">
-                <a16:creationId xmlns:a16="http://schemas.microsoft.com/office/drawing/2014/main" id="{7C12A1B3-30A1-44D3-964B-8F4B3150E160}"/>
+                <a16:creationId xmlns:a16="http://schemas.microsoft.com/office/drawing/2014/main" id="{EBBD4D91-BFF3-4152-A9A0-A354C5E89FC1}"/>
               </a:ext>
             </a:extLst>
           </p:cNvPr>
@@ -5021,41 +11392,333 @@
           <a:p>
             <a:r>
               <a:rPr lang="en-US" dirty="0" err="1"/>
-              <a:t>Fonctions</a:t>
+              <a:t>Opérateurs</a:t>
             </a:r>
             <a:endParaRPr lang="fr-BE" dirty="0"/>
           </a:p>
         </p:txBody>
       </p:sp>
-      <p:sp>
-        <p:nvSpPr>
-          <p:cNvPr id="5" name="Espace réservé du texte 4">
+      <p:graphicFrame>
+        <p:nvGraphicFramePr>
+          <p:cNvPr id="6" name="Tableau 6">
             <a:extLst>
               <a:ext uri="{FF2B5EF4-FFF2-40B4-BE49-F238E27FC236}">
-                <a16:creationId xmlns:a16="http://schemas.microsoft.com/office/drawing/2014/main" id="{5CB98627-E081-4135-900C-B01051FF44F0}"/>
+                <a16:creationId xmlns:a16="http://schemas.microsoft.com/office/drawing/2014/main" id="{09BA7050-60FD-4E70-A97A-B45274DCDC92}"/>
               </a:ext>
             </a:extLst>
           </p:cNvPr>
-          <p:cNvSpPr>
-            <a:spLocks noGrp="1"/>
-          </p:cNvSpPr>
-          <p:nvPr>
-            <p:ph type="body" idx="1"/>
-          </p:nvPr>
-        </p:nvSpPr>
-        <p:spPr/>
-        <p:txBody>
-          <a:bodyPr/>
-          <a:lstStyle/>
-          <a:p>
-            <a:endParaRPr lang="fr-BE"/>
-          </a:p>
-        </p:txBody>
-      </p:sp>
+          <p:cNvGraphicFramePr>
+            <a:graphicFrameLocks noGrp="1"/>
+          </p:cNvGraphicFramePr>
+          <p:nvPr>
+            <p:ph idx="1"/>
+            <p:extLst>
+              <p:ext uri="{D42A27DB-BD31-4B8C-83A1-F6EECF244321}">
+                <p14:modId xmlns:p14="http://schemas.microsoft.com/office/powerpoint/2010/main" val="2745982441"/>
+              </p:ext>
+            </p:extLst>
+          </p:nvPr>
+        </p:nvGraphicFramePr>
+        <p:xfrm>
+          <a:off x="1096963" y="1846263"/>
+          <a:ext cx="10058400" cy="2966720"/>
+        </p:xfrm>
+        <a:graphic>
+          <a:graphicData uri="http://schemas.openxmlformats.org/drawingml/2006/table">
+            <a:tbl>
+              <a:tblPr firstRow="1" bandRow="1">
+                <a:tableStyleId>{5C22544A-7EE6-4342-B048-85BDC9FD1C3A}</a:tableStyleId>
+              </a:tblPr>
+              <a:tblGrid>
+                <a:gridCol w="5029200">
+                  <a:extLst>
+                    <a:ext uri="{9D8B030D-6E8A-4147-A177-3AD203B41FA5}">
+                      <a16:colId xmlns:a16="http://schemas.microsoft.com/office/drawing/2014/main" val="1174133733"/>
+                    </a:ext>
+                  </a:extLst>
+                </a:gridCol>
+                <a:gridCol w="5029200">
+                  <a:extLst>
+                    <a:ext uri="{9D8B030D-6E8A-4147-A177-3AD203B41FA5}">
+                      <a16:colId xmlns:a16="http://schemas.microsoft.com/office/drawing/2014/main" val="3093830283"/>
+                    </a:ext>
+                  </a:extLst>
+                </a:gridCol>
+              </a:tblGrid>
+              <a:tr h="370840">
+                <a:tc>
+                  <a:txBody>
+                    <a:bodyPr/>
+                    <a:lstStyle/>
+                    <a:p>
+                      <a:r>
+                        <a:rPr lang="fr-BE" noProof="0"/>
+                        <a:t>Nombres</a:t>
+                      </a:r>
+                    </a:p>
+                  </a:txBody>
+                  <a:tcPr/>
+                </a:tc>
+                <a:tc>
+                  <a:txBody>
+                    <a:bodyPr/>
+                    <a:lstStyle/>
+                    <a:p>
+                      <a:r>
+                        <a:rPr lang="fr-BE" noProof="0"/>
+                        <a:t>Chaînes de caractères</a:t>
+                      </a:r>
+                    </a:p>
+                  </a:txBody>
+                  <a:tcPr/>
+                </a:tc>
+                <a:extLst>
+                  <a:ext uri="{0D108BD9-81ED-4DB2-BD59-A6C34878D82A}">
+                    <a16:rowId xmlns:a16="http://schemas.microsoft.com/office/drawing/2014/main" val="465760181"/>
+                  </a:ext>
+                </a:extLst>
+              </a:tr>
+              <a:tr h="370840">
+                <a:tc>
+                  <a:txBody>
+                    <a:bodyPr/>
+                    <a:lstStyle/>
+                    <a:p>
+                      <a:r>
+                        <a:rPr lang="fr-BE" noProof="0"/>
+                        <a:t>+</a:t>
+                      </a:r>
+                    </a:p>
+                  </a:txBody>
+                  <a:tcPr/>
+                </a:tc>
+                <a:tc>
+                  <a:txBody>
+                    <a:bodyPr/>
+                    <a:lstStyle/>
+                    <a:p>
+                      <a:r>
+                        <a:rPr lang="fr-BE" noProof="0"/>
+                        <a:t>+ (concaténation)</a:t>
+                      </a:r>
+                    </a:p>
+                  </a:txBody>
+                  <a:tcPr/>
+                </a:tc>
+                <a:extLst>
+                  <a:ext uri="{0D108BD9-81ED-4DB2-BD59-A6C34878D82A}">
+                    <a16:rowId xmlns:a16="http://schemas.microsoft.com/office/drawing/2014/main" val="516434665"/>
+                  </a:ext>
+                </a:extLst>
+              </a:tr>
+              <a:tr h="370840">
+                <a:tc>
+                  <a:txBody>
+                    <a:bodyPr/>
+                    <a:lstStyle/>
+                    <a:p>
+                      <a:r>
+                        <a:rPr lang="fr-BE" noProof="0"/>
+                        <a:t>-</a:t>
+                      </a:r>
+                    </a:p>
+                  </a:txBody>
+                  <a:tcPr/>
+                </a:tc>
+                <a:tc>
+                  <a:txBody>
+                    <a:bodyPr/>
+                    <a:lstStyle/>
+                    <a:p>
+                      <a:endParaRPr lang="fr-BE" noProof="0"/>
+                    </a:p>
+                  </a:txBody>
+                  <a:tcPr/>
+                </a:tc>
+                <a:extLst>
+                  <a:ext uri="{0D108BD9-81ED-4DB2-BD59-A6C34878D82A}">
+                    <a16:rowId xmlns:a16="http://schemas.microsoft.com/office/drawing/2014/main" val="2086805537"/>
+                  </a:ext>
+                </a:extLst>
+              </a:tr>
+              <a:tr h="370840">
+                <a:tc>
+                  <a:txBody>
+                    <a:bodyPr/>
+                    <a:lstStyle/>
+                    <a:p>
+                      <a:r>
+                        <a:rPr lang="fr-BE" noProof="0"/>
+                        <a:t>*</a:t>
+                      </a:r>
+                    </a:p>
+                  </a:txBody>
+                  <a:tcPr/>
+                </a:tc>
+                <a:tc>
+                  <a:txBody>
+                    <a:bodyPr/>
+                    <a:lstStyle/>
+                    <a:p>
+                      <a:pPr marL="0" marR="0" lvl="0" indent="0" algn="l" defTabSz="914400" rtl="0" eaLnBrk="1" fontAlgn="auto" latinLnBrk="0" hangingPunct="1">
+                        <a:lnSpc>
+                          <a:spcPct val="100000"/>
+                        </a:lnSpc>
+                        <a:spcBef>
+                          <a:spcPts val="0"/>
+                        </a:spcBef>
+                        <a:spcAft>
+                          <a:spcPts val="0"/>
+                        </a:spcAft>
+                        <a:buClrTx/>
+                        <a:buSzTx/>
+                        <a:buFontTx/>
+                        <a:buNone/>
+                        <a:tabLst/>
+                        <a:defRPr/>
+                      </a:pPr>
+                      <a:r>
+                        <a:rPr lang="fr-BE" noProof="0"/>
+                        <a:t> * (répétition)</a:t>
+                      </a:r>
+                    </a:p>
+                  </a:txBody>
+                  <a:tcPr/>
+                </a:tc>
+                <a:extLst>
+                  <a:ext uri="{0D108BD9-81ED-4DB2-BD59-A6C34878D82A}">
+                    <a16:rowId xmlns:a16="http://schemas.microsoft.com/office/drawing/2014/main" val="3574899591"/>
+                  </a:ext>
+                </a:extLst>
+              </a:tr>
+              <a:tr h="370840">
+                <a:tc>
+                  <a:txBody>
+                    <a:bodyPr/>
+                    <a:lstStyle/>
+                    <a:p>
+                      <a:r>
+                        <a:rPr lang="fr-BE" noProof="0"/>
+                        <a:t>/ (division réelle)</a:t>
+                      </a:r>
+                    </a:p>
+                  </a:txBody>
+                  <a:tcPr/>
+                </a:tc>
+                <a:tc>
+                  <a:txBody>
+                    <a:bodyPr/>
+                    <a:lstStyle/>
+                    <a:p>
+                      <a:endParaRPr lang="fr-BE" noProof="0"/>
+                    </a:p>
+                  </a:txBody>
+                  <a:tcPr/>
+                </a:tc>
+                <a:extLst>
+                  <a:ext uri="{0D108BD9-81ED-4DB2-BD59-A6C34878D82A}">
+                    <a16:rowId xmlns:a16="http://schemas.microsoft.com/office/drawing/2014/main" val="541509602"/>
+                  </a:ext>
+                </a:extLst>
+              </a:tr>
+              <a:tr h="370840">
+                <a:tc>
+                  <a:txBody>
+                    <a:bodyPr/>
+                    <a:lstStyle/>
+                    <a:p>
+                      <a:r>
+                        <a:rPr lang="fr-BE" noProof="0"/>
+                        <a:t>** (exponentiation)</a:t>
+                      </a:r>
+                    </a:p>
+                  </a:txBody>
+                  <a:tcPr/>
+                </a:tc>
+                <a:tc>
+                  <a:txBody>
+                    <a:bodyPr/>
+                    <a:lstStyle/>
+                    <a:p>
+                      <a:endParaRPr lang="fr-BE" noProof="0"/>
+                    </a:p>
+                  </a:txBody>
+                  <a:tcPr/>
+                </a:tc>
+                <a:extLst>
+                  <a:ext uri="{0D108BD9-81ED-4DB2-BD59-A6C34878D82A}">
+                    <a16:rowId xmlns:a16="http://schemas.microsoft.com/office/drawing/2014/main" val="845145539"/>
+                  </a:ext>
+                </a:extLst>
+              </a:tr>
+              <a:tr h="370840">
+                <a:tc>
+                  <a:txBody>
+                    <a:bodyPr/>
+                    <a:lstStyle/>
+                    <a:p>
+                      <a:r>
+                        <a:rPr lang="fr-BE" noProof="0"/>
+                        <a:t>// (division entière tronquée)</a:t>
+                      </a:r>
+                    </a:p>
+                  </a:txBody>
+                  <a:tcPr/>
+                </a:tc>
+                <a:tc>
+                  <a:txBody>
+                    <a:bodyPr/>
+                    <a:lstStyle/>
+                    <a:p>
+                      <a:endParaRPr lang="fr-BE" noProof="0"/>
+                    </a:p>
+                  </a:txBody>
+                  <a:tcPr/>
+                </a:tc>
+                <a:extLst>
+                  <a:ext uri="{0D108BD9-81ED-4DB2-BD59-A6C34878D82A}">
+                    <a16:rowId xmlns:a16="http://schemas.microsoft.com/office/drawing/2014/main" val="446105035"/>
+                  </a:ext>
+                </a:extLst>
+              </a:tr>
+              <a:tr h="370840">
+                <a:tc>
+                  <a:txBody>
+                    <a:bodyPr/>
+                    <a:lstStyle/>
+                    <a:p>
+                      <a:r>
+                        <a:rPr lang="fr-BE" noProof="0" dirty="0"/>
+                        <a:t>% (modulo)</a:t>
+                      </a:r>
+                    </a:p>
+                  </a:txBody>
+                  <a:tcPr/>
+                </a:tc>
+                <a:tc>
+                  <a:txBody>
+                    <a:bodyPr/>
+                    <a:lstStyle/>
+                    <a:p>
+                      <a:endParaRPr lang="fr-BE" noProof="0" dirty="0"/>
+                    </a:p>
+                  </a:txBody>
+                  <a:tcPr/>
+                </a:tc>
+                <a:extLst>
+                  <a:ext uri="{0D108BD9-81ED-4DB2-BD59-A6C34878D82A}">
+                    <a16:rowId xmlns:a16="http://schemas.microsoft.com/office/drawing/2014/main" val="3669956778"/>
+                  </a:ext>
+                </a:extLst>
+              </a:tr>
+            </a:tbl>
+          </a:graphicData>
+        </a:graphic>
+      </p:graphicFrame>
     </p:spTree>
     <p:extLst>
       <p:ext uri="{BB962C8B-B14F-4D97-AF65-F5344CB8AC3E}">
-        <p14:creationId xmlns:p14="http://schemas.microsoft.com/office/powerpoint/2010/main" val="2474404813"/>
+        <p14:creationId xmlns:p14="http://schemas.microsoft.com/office/powerpoint/2010/main" val="3109628836"/>
       </p:ext>
     </p:extLst>
   </p:cSld>
@@ -5084,10 +11747,10 @@
       </p:grpSpPr>
       <p:sp>
         <p:nvSpPr>
-          <p:cNvPr id="4" name="Titre 3">
+          <p:cNvPr id="2" name="Titre 1">
             <a:extLst>
               <a:ext uri="{FF2B5EF4-FFF2-40B4-BE49-F238E27FC236}">
-                <a16:creationId xmlns:a16="http://schemas.microsoft.com/office/drawing/2014/main" id="{7C12A1B3-30A1-44D3-964B-8F4B3150E160}"/>
+                <a16:creationId xmlns:a16="http://schemas.microsoft.com/office/drawing/2014/main" id="{72068C86-3CC5-491E-8CC3-804DCE360E11}"/>
               </a:ext>
             </a:extLst>
           </p:cNvPr>
@@ -5104,8 +11767,12 @@
           <a:lstStyle/>
           <a:p>
             <a:r>
+              <a:rPr lang="en-US" dirty="0" err="1"/>
+              <a:t>Exercice</a:t>
+            </a:r>
+            <a:r>
               <a:rPr lang="en-US" dirty="0"/>
-              <a:t>Exceptions</a:t>
+              <a:t> 1</a:t>
             </a:r>
             <a:endParaRPr lang="fr-BE" dirty="0"/>
           </a:p>
@@ -5113,10 +11780,10 @@
       </p:sp>
       <p:sp>
         <p:nvSpPr>
-          <p:cNvPr id="5" name="Espace réservé du texte 4">
+          <p:cNvPr id="3" name="Espace réservé du contenu 2">
             <a:extLst>
               <a:ext uri="{FF2B5EF4-FFF2-40B4-BE49-F238E27FC236}">
-                <a16:creationId xmlns:a16="http://schemas.microsoft.com/office/drawing/2014/main" id="{5CB98627-E081-4135-900C-B01051FF44F0}"/>
+                <a16:creationId xmlns:a16="http://schemas.microsoft.com/office/drawing/2014/main" id="{BC5ECC27-61E8-4751-9563-5613A78BF8C8}"/>
               </a:ext>
             </a:extLst>
           </p:cNvPr>
@@ -5124,7 +11791,7 @@
             <a:spLocks noGrp="1"/>
           </p:cNvSpPr>
           <p:nvPr>
-            <p:ph type="body" idx="1"/>
+            <p:ph idx="1"/>
           </p:nvPr>
         </p:nvSpPr>
         <p:spPr/>
@@ -5132,14 +11799,18 @@
           <a:bodyPr/>
           <a:lstStyle/>
           <a:p>
-            <a:endParaRPr lang="fr-BE"/>
+            <a:r>
+              <a:rPr lang="en-US" dirty="0"/>
+              <a:t>Variables</a:t>
+            </a:r>
+            <a:endParaRPr lang="fr-BE" dirty="0"/>
           </a:p>
         </p:txBody>
       </p:sp>
     </p:spTree>
     <p:extLst>
       <p:ext uri="{BB962C8B-B14F-4D97-AF65-F5344CB8AC3E}">
-        <p14:creationId xmlns:p14="http://schemas.microsoft.com/office/powerpoint/2010/main" val="2061161389"/>
+        <p14:creationId xmlns:p14="http://schemas.microsoft.com/office/powerpoint/2010/main" val="638097293"/>
       </p:ext>
     </p:extLst>
   </p:cSld>
@@ -5188,10 +11859,10 @@
           <a:lstStyle/>
           <a:p>
             <a:r>
-              <a:rPr lang="en-US" dirty="0"/>
-              <a:t>Imports</a:t>
-            </a:r>
-            <a:endParaRPr lang="fr-BE" dirty="0"/>
+              <a:rPr lang="en-US"/>
+              <a:t>Conditions</a:t>
+            </a:r>
+            <a:endParaRPr lang="fr-BE"/>
           </a:p>
         </p:txBody>
       </p:sp>
@@ -5223,7 +11894,7 @@
     </p:spTree>
     <p:extLst>
       <p:ext uri="{BB962C8B-B14F-4D97-AF65-F5344CB8AC3E}">
-        <p14:creationId xmlns:p14="http://schemas.microsoft.com/office/powerpoint/2010/main" val="3156541701"/>
+        <p14:creationId xmlns:p14="http://schemas.microsoft.com/office/powerpoint/2010/main" val="4158970934"/>
       </p:ext>
     </p:extLst>
   </p:cSld>

--- a/slides.pptx
+++ b/slides.pptx
@@ -5,7 +5,7 @@
     <p:sldMasterId id="2147483767" r:id="rId1"/>
   </p:sldMasterIdLst>
   <p:notesMasterIdLst>
-    <p:notesMasterId r:id="rId31"/>
+    <p:notesMasterId r:id="rId37"/>
   </p:notesMasterIdLst>
   <p:sldIdLst>
     <p:sldId id="256" r:id="rId2"/>
@@ -27,16 +27,22 @@
     <p:sldId id="259" r:id="rId18"/>
     <p:sldId id="280" r:id="rId19"/>
     <p:sldId id="281" r:id="rId20"/>
-    <p:sldId id="282" r:id="rId21"/>
-    <p:sldId id="284" r:id="rId22"/>
-    <p:sldId id="283" r:id="rId23"/>
-    <p:sldId id="285" r:id="rId24"/>
-    <p:sldId id="286" r:id="rId25"/>
-    <p:sldId id="287" r:id="rId26"/>
-    <p:sldId id="288" r:id="rId27"/>
-    <p:sldId id="289" r:id="rId28"/>
-    <p:sldId id="262" r:id="rId29"/>
-    <p:sldId id="267" r:id="rId30"/>
+    <p:sldId id="292" r:id="rId21"/>
+    <p:sldId id="282" r:id="rId22"/>
+    <p:sldId id="284" r:id="rId23"/>
+    <p:sldId id="283" r:id="rId24"/>
+    <p:sldId id="285" r:id="rId25"/>
+    <p:sldId id="286" r:id="rId26"/>
+    <p:sldId id="287" r:id="rId27"/>
+    <p:sldId id="288" r:id="rId28"/>
+    <p:sldId id="289" r:id="rId29"/>
+    <p:sldId id="290" r:id="rId30"/>
+    <p:sldId id="291" r:id="rId31"/>
+    <p:sldId id="294" r:id="rId32"/>
+    <p:sldId id="295" r:id="rId33"/>
+    <p:sldId id="293" r:id="rId34"/>
+    <p:sldId id="262" r:id="rId35"/>
+    <p:sldId id="267" r:id="rId36"/>
   </p:sldIdLst>
   <p:sldSz cx="12192000" cy="6858000"/>
   <p:notesSz cx="6858000" cy="9144000"/>
@@ -164,10 +170,19 @@
             <p14:sldId id="275"/>
             <p14:sldId id="277"/>
             <p14:sldId id="279"/>
+          </p14:sldIdLst>
+        </p14:section>
+        <p14:section name="Fonctions" id="{DEE91048-6464-4551-80F1-70D9E4BAA9B3}">
+          <p14:sldIdLst>
             <p14:sldId id="259"/>
             <p14:sldId id="280"/>
             <p14:sldId id="281"/>
+            <p14:sldId id="292"/>
             <p14:sldId id="282"/>
+          </p14:sldIdLst>
+        </p14:section>
+        <p14:section name="Structures de données" id="{49683F6E-E8EC-44C0-B88A-404B856C8502}">
+          <p14:sldIdLst>
             <p14:sldId id="284"/>
             <p14:sldId id="283"/>
             <p14:sldId id="285"/>
@@ -175,6 +190,11 @@
             <p14:sldId id="287"/>
             <p14:sldId id="288"/>
             <p14:sldId id="289"/>
+            <p14:sldId id="290"/>
+            <p14:sldId id="291"/>
+            <p14:sldId id="294"/>
+            <p14:sldId id="295"/>
+            <p14:sldId id="293"/>
           </p14:sldIdLst>
         </p14:section>
         <p14:section name="Orienté objet" id="{1156A34A-95D4-45F6-BE97-3E57B477A2EF}">
@@ -1202,6 +1222,183 @@
     <p:extLst>
       <p:ext uri="{BB962C8B-B14F-4D97-AF65-F5344CB8AC3E}">
         <p14:creationId xmlns:p14="http://schemas.microsoft.com/office/powerpoint/2010/main" val="225942996"/>
+      </p:ext>
+    </p:extLst>
+  </p:cSld>
+  <p:clrMapOvr>
+    <a:masterClrMapping/>
+  </p:clrMapOvr>
+</p:notes>
+</file>
+
+<file path=ppt/notesSlides/notesSlide5.xml><?xml version="1.0" encoding="utf-8"?>
+<p:notes xmlns:a="http://schemas.openxmlformats.org/drawingml/2006/main" xmlns:r="http://schemas.openxmlformats.org/officeDocument/2006/relationships" xmlns:p="http://schemas.openxmlformats.org/presentationml/2006/main">
+  <p:cSld>
+    <p:spTree>
+      <p:nvGrpSpPr>
+        <p:cNvPr id="1" name=""/>
+        <p:cNvGrpSpPr/>
+        <p:nvPr/>
+      </p:nvGrpSpPr>
+      <p:grpSpPr>
+        <a:xfrm>
+          <a:off x="0" y="0"/>
+          <a:ext cx="0" cy="0"/>
+          <a:chOff x="0" y="0"/>
+          <a:chExt cx="0" cy="0"/>
+        </a:xfrm>
+      </p:grpSpPr>
+      <p:sp>
+        <p:nvSpPr>
+          <p:cNvPr id="2" name="Espace réservé de l'image des diapositives 1"/>
+          <p:cNvSpPr>
+            <a:spLocks noGrp="1" noRot="1" noChangeAspect="1"/>
+          </p:cNvSpPr>
+          <p:nvPr>
+            <p:ph type="sldImg"/>
+          </p:nvPr>
+        </p:nvSpPr>
+        <p:spPr/>
+      </p:sp>
+      <p:sp>
+        <p:nvSpPr>
+          <p:cNvPr id="3" name="Espace réservé des notes 2"/>
+          <p:cNvSpPr>
+            <a:spLocks noGrp="1"/>
+          </p:cNvSpPr>
+          <p:nvPr>
+            <p:ph type="body" idx="1"/>
+          </p:nvPr>
+        </p:nvSpPr>
+        <p:spPr/>
+        <p:txBody>
+          <a:bodyPr/>
+          <a:lstStyle/>
+          <a:p>
+            <a:r>
+              <a:rPr lang="en-150" dirty="0"/>
+              <a:t>R</a:t>
+            </a:r>
+            <a:r>
+              <a:rPr lang="fr-BE" dirty="0"/>
+              <a:t>ô</a:t>
+            </a:r>
+            <a:r>
+              <a:rPr lang="en-150" dirty="0"/>
+              <a:t>l</a:t>
+            </a:r>
+            <a:r>
+              <a:rPr lang="fr-BE" dirty="0"/>
+              <a:t>e</a:t>
+            </a:r>
+            <a:r>
+              <a:rPr lang="en-150" dirty="0"/>
+              <a:t> </a:t>
+            </a:r>
+            <a:r>
+              <a:rPr lang="fr-BE" dirty="0"/>
+              <a:t>d</a:t>
+            </a:r>
+            <a:r>
+              <a:rPr lang="en-150" dirty="0"/>
+              <a:t>e </a:t>
+            </a:r>
+            <a:r>
+              <a:rPr lang="fr-BE" dirty="0"/>
+              <a:t>l</a:t>
+            </a:r>
+            <a:r>
+              <a:rPr lang="en-150" dirty="0"/>
+              <a:t>'</a:t>
+            </a:r>
+            <a:r>
+              <a:rPr lang="fr-BE" dirty="0"/>
+              <a:t>i</a:t>
+            </a:r>
+            <a:r>
+              <a:rPr lang="en-150" dirty="0"/>
+              <a:t>n</a:t>
+            </a:r>
+            <a:r>
+              <a:rPr lang="fr-BE" dirty="0"/>
+              <a:t>d</a:t>
+            </a:r>
+            <a:r>
+              <a:rPr lang="en-150" dirty="0"/>
+              <a:t>e</a:t>
+            </a:r>
+            <a:r>
+              <a:rPr lang="fr-BE" dirty="0"/>
+              <a:t>n</a:t>
+            </a:r>
+            <a:r>
+              <a:rPr lang="en-150" dirty="0"/>
+              <a:t>t</a:t>
+            </a:r>
+            <a:r>
+              <a:rPr lang="fr-BE" dirty="0"/>
+              <a:t>a</a:t>
+            </a:r>
+            <a:r>
+              <a:rPr lang="en-150" dirty="0"/>
+              <a:t>t</a:t>
+            </a:r>
+            <a:r>
+              <a:rPr lang="fr-BE" dirty="0"/>
+              <a:t>i</a:t>
+            </a:r>
+            <a:r>
+              <a:rPr lang="en-150" dirty="0"/>
+              <a:t>o</a:t>
+            </a:r>
+            <a:r>
+              <a:rPr lang="fr-BE" dirty="0"/>
+              <a:t>n</a:t>
+            </a:r>
+            <a:endParaRPr lang="en-150" dirty="0"/>
+          </a:p>
+          <a:p>
+            <a:r>
+              <a:rPr lang="en-150" dirty="0"/>
+              <a:t>Default params</a:t>
+            </a:r>
+          </a:p>
+          <a:p>
+            <a:r>
+              <a:rPr lang="en-150" dirty="0"/>
+              <a:t>Packing and unpacking</a:t>
+            </a:r>
+            <a:endParaRPr lang="fr-BE" dirty="0"/>
+          </a:p>
+        </p:txBody>
+      </p:sp>
+      <p:sp>
+        <p:nvSpPr>
+          <p:cNvPr id="4" name="Espace réservé du numéro de diapositive 3"/>
+          <p:cNvSpPr>
+            <a:spLocks noGrp="1"/>
+          </p:cNvSpPr>
+          <p:nvPr>
+            <p:ph type="sldNum" sz="quarter" idx="5"/>
+          </p:nvPr>
+        </p:nvSpPr>
+        <p:spPr/>
+        <p:txBody>
+          <a:bodyPr/>
+          <a:lstStyle/>
+          <a:p>
+            <a:fld id="{D514CAC8-E575-4AA6-990F-2A2D5B2618F3}" type="slidenum">
+              <a:rPr lang="fr-BE" smtClean="0"/>
+              <a:t>20</a:t>
+            </a:fld>
+            <a:endParaRPr lang="fr-BE"/>
+          </a:p>
+        </p:txBody>
+      </p:sp>
+    </p:spTree>
+    <p:extLst>
+      <p:ext uri="{BB962C8B-B14F-4D97-AF65-F5344CB8AC3E}">
+        <p14:creationId xmlns:p14="http://schemas.microsoft.com/office/powerpoint/2010/main" val="1883996634"/>
       </p:ext>
     </p:extLst>
   </p:cSld>
@@ -7250,10 +7447,10 @@
       </p:grpSpPr>
       <p:sp>
         <p:nvSpPr>
-          <p:cNvPr id="2" name="Titre 1">
+          <p:cNvPr id="5" name="Titre 4">
             <a:extLst>
               <a:ext uri="{FF2B5EF4-FFF2-40B4-BE49-F238E27FC236}">
-                <a16:creationId xmlns:a16="http://schemas.microsoft.com/office/drawing/2014/main" id="{EC23D5C9-626A-4E44-BAC0-FD8936F3F147}"/>
+                <a16:creationId xmlns:a16="http://schemas.microsoft.com/office/drawing/2014/main" id="{678DDB9A-CC74-4008-B60E-537AD60C1A99}"/>
               </a:ext>
             </a:extLst>
           </p:cNvPr>
@@ -7270,40 +7467,8 @@
           <a:lstStyle/>
           <a:p>
             <a:r>
-              <a:rPr lang="en-150" dirty="0"/>
-              <a:t>E</a:t>
-            </a:r>
-            <a:r>
-              <a:rPr lang="fr-BE" dirty="0"/>
-              <a:t>x</a:t>
-            </a:r>
-            <a:r>
-              <a:rPr lang="en-150" dirty="0"/>
-              <a:t>e</a:t>
-            </a:r>
-            <a:r>
-              <a:rPr lang="fr-BE" dirty="0"/>
-              <a:t>r</a:t>
-            </a:r>
-            <a:r>
-              <a:rPr lang="en-150" dirty="0"/>
-              <a:t>c</a:t>
-            </a:r>
-            <a:r>
-              <a:rPr lang="fr-BE" dirty="0"/>
-              <a:t>i</a:t>
-            </a:r>
-            <a:r>
-              <a:rPr lang="en-150" dirty="0"/>
-              <a:t>c</a:t>
-            </a:r>
-            <a:r>
-              <a:rPr lang="fr-BE" dirty="0"/>
-              <a:t>e</a:t>
-            </a:r>
-            <a:r>
-              <a:rPr lang="en-150" dirty="0"/>
-              <a:t> 3</a:t>
+              <a:rPr lang="en-US" dirty="0"/>
+              <a:t>Lambdas</a:t>
             </a:r>
             <a:endParaRPr lang="fr-BE" dirty="0"/>
           </a:p>
@@ -7311,10 +7476,10 @@
       </p:sp>
       <p:sp>
         <p:nvSpPr>
-          <p:cNvPr id="3" name="Espace réservé du contenu 2">
+          <p:cNvPr id="6" name="Espace réservé du contenu 5">
             <a:extLst>
               <a:ext uri="{FF2B5EF4-FFF2-40B4-BE49-F238E27FC236}">
-                <a16:creationId xmlns:a16="http://schemas.microsoft.com/office/drawing/2014/main" id="{2809FA2C-7F1C-4D9B-83FA-DC1D0EF82BE8}"/>
+                <a16:creationId xmlns:a16="http://schemas.microsoft.com/office/drawing/2014/main" id="{77F6AE34-D2D4-49AD-B75D-4116B8FCF824}"/>
               </a:ext>
             </a:extLst>
           </p:cNvPr>
@@ -7327,53 +7492,49 @@
         </p:nvSpPr>
         <p:spPr/>
         <p:txBody>
-          <a:bodyPr/>
+          <a:bodyPr>
+            <a:normAutofit/>
+          </a:bodyPr>
           <a:lstStyle/>
           <a:p>
-            <a:r>
-              <a:rPr lang="en-150" dirty="0"/>
-              <a:t>F</a:t>
-            </a:r>
-            <a:r>
-              <a:rPr lang="fr-BE" dirty="0"/>
-              <a:t>o</a:t>
-            </a:r>
-            <a:r>
-              <a:rPr lang="en-150" dirty="0"/>
-              <a:t>n</a:t>
-            </a:r>
-            <a:r>
-              <a:rPr lang="fr-BE" dirty="0"/>
-              <a:t>c</a:t>
-            </a:r>
-            <a:r>
-              <a:rPr lang="en-150" dirty="0"/>
-              <a:t>t</a:t>
-            </a:r>
-            <a:r>
-              <a:rPr lang="fr-BE" dirty="0"/>
-              <a:t>i</a:t>
-            </a:r>
-            <a:r>
-              <a:rPr lang="en-150" dirty="0"/>
-              <a:t>o</a:t>
-            </a:r>
-            <a:r>
-              <a:rPr lang="fr-BE" dirty="0"/>
-              <a:t>n</a:t>
-            </a:r>
-            <a:r>
-              <a:rPr lang="en-150" dirty="0"/>
-              <a:t>s</a:t>
-            </a:r>
-            <a:endParaRPr lang="fr-BE" dirty="0"/>
+            <a:pPr marL="0" indent="0">
+              <a:buNone/>
+            </a:pPr>
+            <a:r>
+              <a:rPr lang="en-US" sz="1600" dirty="0">
+                <a:latin typeface="Consolas" panose="020B0609020204030204" pitchFamily="49" charset="0"/>
+              </a:rPr>
+              <a:t>squared = lambda x : x ** 2</a:t>
+            </a:r>
+          </a:p>
+          <a:p>
+            <a:pPr marL="0" indent="0">
+              <a:buNone/>
+            </a:pPr>
+            <a:endParaRPr lang="en-US" sz="1600" dirty="0">
+              <a:latin typeface="Consolas" panose="020B0609020204030204" pitchFamily="49" charset="0"/>
+            </a:endParaRPr>
+          </a:p>
+          <a:p>
+            <a:pPr marL="0" indent="0">
+              <a:buNone/>
+            </a:pPr>
+            <a:r>
+              <a:rPr lang="en-US" sz="1600" dirty="0">
+                <a:latin typeface="Consolas" panose="020B0609020204030204" pitchFamily="49" charset="0"/>
+              </a:rPr>
+              <a:t>sum = lambda x, y : x + y</a:t>
+            </a:r>
+            <a:endParaRPr lang="en-150" sz="1600" dirty="0">
+              <a:latin typeface="Consolas" panose="020B0609020204030204" pitchFamily="49" charset="0"/>
+            </a:endParaRPr>
           </a:p>
         </p:txBody>
       </p:sp>
     </p:spTree>
     <p:extLst>
       <p:ext uri="{BB962C8B-B14F-4D97-AF65-F5344CB8AC3E}">
-        <p14:creationId xmlns:p14="http://schemas.microsoft.com/office/powerpoint/2010/main" val="36872158"/>
+        <p14:creationId xmlns:p14="http://schemas.microsoft.com/office/powerpoint/2010/main" val="1816851265"/>
       </p:ext>
     </p:extLst>
   </p:cSld>
@@ -7402,6 +7563,158 @@
       </p:grpSpPr>
       <p:sp>
         <p:nvSpPr>
+          <p:cNvPr id="2" name="Titre 1">
+            <a:extLst>
+              <a:ext uri="{FF2B5EF4-FFF2-40B4-BE49-F238E27FC236}">
+                <a16:creationId xmlns:a16="http://schemas.microsoft.com/office/drawing/2014/main" id="{EC23D5C9-626A-4E44-BAC0-FD8936F3F147}"/>
+              </a:ext>
+            </a:extLst>
+          </p:cNvPr>
+          <p:cNvSpPr>
+            <a:spLocks noGrp="1"/>
+          </p:cNvSpPr>
+          <p:nvPr>
+            <p:ph type="title"/>
+          </p:nvPr>
+        </p:nvSpPr>
+        <p:spPr/>
+        <p:txBody>
+          <a:bodyPr/>
+          <a:lstStyle/>
+          <a:p>
+            <a:r>
+              <a:rPr lang="en-150" dirty="0"/>
+              <a:t>E</a:t>
+            </a:r>
+            <a:r>
+              <a:rPr lang="fr-BE" dirty="0"/>
+              <a:t>x</a:t>
+            </a:r>
+            <a:r>
+              <a:rPr lang="en-150" dirty="0"/>
+              <a:t>e</a:t>
+            </a:r>
+            <a:r>
+              <a:rPr lang="fr-BE" dirty="0"/>
+              <a:t>r</a:t>
+            </a:r>
+            <a:r>
+              <a:rPr lang="en-150" dirty="0"/>
+              <a:t>c</a:t>
+            </a:r>
+            <a:r>
+              <a:rPr lang="fr-BE" dirty="0"/>
+              <a:t>i</a:t>
+            </a:r>
+            <a:r>
+              <a:rPr lang="en-150" dirty="0"/>
+              <a:t>c</a:t>
+            </a:r>
+            <a:r>
+              <a:rPr lang="fr-BE" dirty="0"/>
+              <a:t>e</a:t>
+            </a:r>
+            <a:r>
+              <a:rPr lang="en-150" dirty="0"/>
+              <a:t> 3</a:t>
+            </a:r>
+            <a:endParaRPr lang="fr-BE" dirty="0"/>
+          </a:p>
+        </p:txBody>
+      </p:sp>
+      <p:sp>
+        <p:nvSpPr>
+          <p:cNvPr id="3" name="Espace réservé du contenu 2">
+            <a:extLst>
+              <a:ext uri="{FF2B5EF4-FFF2-40B4-BE49-F238E27FC236}">
+                <a16:creationId xmlns:a16="http://schemas.microsoft.com/office/drawing/2014/main" id="{2809FA2C-7F1C-4D9B-83FA-DC1D0EF82BE8}"/>
+              </a:ext>
+            </a:extLst>
+          </p:cNvPr>
+          <p:cNvSpPr>
+            <a:spLocks noGrp="1"/>
+          </p:cNvSpPr>
+          <p:nvPr>
+            <p:ph idx="1"/>
+          </p:nvPr>
+        </p:nvSpPr>
+        <p:spPr/>
+        <p:txBody>
+          <a:bodyPr/>
+          <a:lstStyle/>
+          <a:p>
+            <a:r>
+              <a:rPr lang="en-150" dirty="0"/>
+              <a:t>F</a:t>
+            </a:r>
+            <a:r>
+              <a:rPr lang="fr-BE" dirty="0"/>
+              <a:t>o</a:t>
+            </a:r>
+            <a:r>
+              <a:rPr lang="en-150" dirty="0"/>
+              <a:t>n</a:t>
+            </a:r>
+            <a:r>
+              <a:rPr lang="fr-BE" dirty="0"/>
+              <a:t>c</a:t>
+            </a:r>
+            <a:r>
+              <a:rPr lang="en-150" dirty="0"/>
+              <a:t>t</a:t>
+            </a:r>
+            <a:r>
+              <a:rPr lang="fr-BE" dirty="0"/>
+              <a:t>i</a:t>
+            </a:r>
+            <a:r>
+              <a:rPr lang="en-150" dirty="0"/>
+              <a:t>o</a:t>
+            </a:r>
+            <a:r>
+              <a:rPr lang="fr-BE" dirty="0"/>
+              <a:t>n</a:t>
+            </a:r>
+            <a:r>
+              <a:rPr lang="en-150" dirty="0"/>
+              <a:t>s</a:t>
+            </a:r>
+            <a:endParaRPr lang="fr-BE" dirty="0"/>
+          </a:p>
+        </p:txBody>
+      </p:sp>
+    </p:spTree>
+    <p:extLst>
+      <p:ext uri="{BB962C8B-B14F-4D97-AF65-F5344CB8AC3E}">
+        <p14:creationId xmlns:p14="http://schemas.microsoft.com/office/powerpoint/2010/main" val="36872158"/>
+      </p:ext>
+    </p:extLst>
+  </p:cSld>
+  <p:clrMapOvr>
+    <a:masterClrMapping/>
+  </p:clrMapOvr>
+</p:sld>
+</file>
+
+<file path=ppt/slides/slide22.xml><?xml version="1.0" encoding="utf-8"?>
+<p:sld xmlns:a="http://schemas.openxmlformats.org/drawingml/2006/main" xmlns:r="http://schemas.openxmlformats.org/officeDocument/2006/relationships" xmlns:p="http://schemas.openxmlformats.org/presentationml/2006/main">
+  <p:cSld>
+    <p:spTree>
+      <p:nvGrpSpPr>
+        <p:cNvPr id="1" name=""/>
+        <p:cNvGrpSpPr/>
+        <p:nvPr/>
+      </p:nvGrpSpPr>
+      <p:grpSpPr>
+        <a:xfrm>
+          <a:off x="0" y="0"/>
+          <a:ext cx="0" cy="0"/>
+          <a:chOff x="0" y="0"/>
+          <a:chExt cx="0" cy="0"/>
+        </a:xfrm>
+      </p:grpSpPr>
+      <p:sp>
+        <p:nvSpPr>
           <p:cNvPr id="4" name="Titre 3">
             <a:extLst>
               <a:ext uri="{FF2B5EF4-FFF2-40B4-BE49-F238E27FC236}">
@@ -7542,7 +7855,7 @@
 </p:sld>
 </file>
 
-<file path=ppt/slides/slide22.xml><?xml version="1.0" encoding="utf-8"?>
+<file path=ppt/slides/slide23.xml><?xml version="1.0" encoding="utf-8"?>
 <p:sld xmlns:a="http://schemas.openxmlformats.org/drawingml/2006/main" xmlns:r="http://schemas.openxmlformats.org/officeDocument/2006/relationships" xmlns:p="http://schemas.openxmlformats.org/presentationml/2006/main">
   <p:cSld>
     <p:spTree>
@@ -8727,587 +9040,6 @@
 </p:sld>
 </file>
 
-<file path=ppt/slides/slide23.xml><?xml version="1.0" encoding="utf-8"?>
-<p:sld xmlns:a="http://schemas.openxmlformats.org/drawingml/2006/main" xmlns:r="http://schemas.openxmlformats.org/officeDocument/2006/relationships" xmlns:p="http://schemas.openxmlformats.org/presentationml/2006/main">
-  <p:cSld>
-    <p:spTree>
-      <p:nvGrpSpPr>
-        <p:cNvPr id="1" name=""/>
-        <p:cNvGrpSpPr/>
-        <p:nvPr/>
-      </p:nvGrpSpPr>
-      <p:grpSpPr>
-        <a:xfrm>
-          <a:off x="0" y="0"/>
-          <a:ext cx="0" cy="0"/>
-          <a:chOff x="0" y="0"/>
-          <a:chExt cx="0" cy="0"/>
-        </a:xfrm>
-      </p:grpSpPr>
-      <p:sp>
-        <p:nvSpPr>
-          <p:cNvPr id="2" name="Titre 1">
-            <a:extLst>
-              <a:ext uri="{FF2B5EF4-FFF2-40B4-BE49-F238E27FC236}">
-                <a16:creationId xmlns:a16="http://schemas.microsoft.com/office/drawing/2014/main" id="{834372B4-33DC-4F47-8E09-3C2879443338}"/>
-              </a:ext>
-            </a:extLst>
-          </p:cNvPr>
-          <p:cNvSpPr>
-            <a:spLocks noGrp="1"/>
-          </p:cNvSpPr>
-          <p:nvPr>
-            <p:ph type="title"/>
-          </p:nvPr>
-        </p:nvSpPr>
-        <p:spPr/>
-        <p:txBody>
-          <a:bodyPr/>
-          <a:lstStyle/>
-          <a:p>
-            <a:r>
-              <a:rPr lang="fr-BE" dirty="0"/>
-              <a:t>S</a:t>
-            </a:r>
-            <a:r>
-              <a:rPr lang="en-150" dirty="0" err="1"/>
-              <a:t>tring</a:t>
-            </a:r>
-            <a:endParaRPr lang="fr-BE" dirty="0"/>
-          </a:p>
-        </p:txBody>
-      </p:sp>
-      <p:sp>
-        <p:nvSpPr>
-          <p:cNvPr id="3" name="Espace réservé du contenu 2">
-            <a:extLst>
-              <a:ext uri="{FF2B5EF4-FFF2-40B4-BE49-F238E27FC236}">
-                <a16:creationId xmlns:a16="http://schemas.microsoft.com/office/drawing/2014/main" id="{42425188-2AE9-4651-AD75-7785ED01846B}"/>
-              </a:ext>
-            </a:extLst>
-          </p:cNvPr>
-          <p:cNvSpPr>
-            <a:spLocks noGrp="1"/>
-          </p:cNvSpPr>
-          <p:nvPr>
-            <p:ph idx="1"/>
-          </p:nvPr>
-        </p:nvSpPr>
-        <p:spPr/>
-        <p:txBody>
-          <a:bodyPr>
-            <a:normAutofit fontScale="92500" lnSpcReduction="10000"/>
-          </a:bodyPr>
-          <a:lstStyle/>
-          <a:p>
-            <a:r>
-              <a:rPr lang="en-150" dirty="0">
-                <a:latin typeface="Consolas" panose="020B0609020204030204" pitchFamily="49" charset="0"/>
-              </a:rPr>
-              <a:t>m</a:t>
-            </a:r>
-            <a:r>
-              <a:rPr lang="fr-BE" dirty="0">
-                <a:latin typeface="Consolas" panose="020B0609020204030204" pitchFamily="49" charset="0"/>
-              </a:rPr>
-              <a:t>y</a:t>
-            </a:r>
-            <a:r>
-              <a:rPr lang="en-150" dirty="0">
-                <a:latin typeface="Consolas" panose="020B0609020204030204" pitchFamily="49" charset="0"/>
-              </a:rPr>
-              <a:t>_</a:t>
-            </a:r>
-            <a:r>
-              <a:rPr lang="fr-BE" dirty="0">
-                <a:latin typeface="Consolas" panose="020B0609020204030204" pitchFamily="49" charset="0"/>
-              </a:rPr>
-              <a:t>s</a:t>
-            </a:r>
-            <a:r>
-              <a:rPr lang="en-150" dirty="0">
-                <a:latin typeface="Consolas" panose="020B0609020204030204" pitchFamily="49" charset="0"/>
-              </a:rPr>
-              <a:t>t</a:t>
-            </a:r>
-            <a:r>
-              <a:rPr lang="fr-BE" dirty="0">
-                <a:latin typeface="Consolas" panose="020B0609020204030204" pitchFamily="49" charset="0"/>
-              </a:rPr>
-              <a:t>r</a:t>
-            </a:r>
-            <a:r>
-              <a:rPr lang="en-150" dirty="0" err="1">
-                <a:latin typeface="Consolas" panose="020B0609020204030204" pitchFamily="49" charset="0"/>
-              </a:rPr>
-              <a:t>i</a:t>
-            </a:r>
-            <a:r>
-              <a:rPr lang="fr-BE" dirty="0">
-                <a:latin typeface="Consolas" panose="020B0609020204030204" pitchFamily="49" charset="0"/>
-              </a:rPr>
-              <a:t>n</a:t>
-            </a:r>
-            <a:r>
-              <a:rPr lang="en-150" dirty="0">
-                <a:latin typeface="Consolas" panose="020B0609020204030204" pitchFamily="49" charset="0"/>
-              </a:rPr>
-              <a:t>g = "</a:t>
-            </a:r>
-            <a:r>
-              <a:rPr lang="fr-BE" dirty="0">
-                <a:latin typeface="Consolas" panose="020B0609020204030204" pitchFamily="49" charset="0"/>
-              </a:rPr>
-              <a:t>H</a:t>
-            </a:r>
-            <a:r>
-              <a:rPr lang="en-150" dirty="0">
-                <a:latin typeface="Consolas" panose="020B0609020204030204" pitchFamily="49" charset="0"/>
-              </a:rPr>
-              <a:t>e</a:t>
-            </a:r>
-            <a:r>
-              <a:rPr lang="fr-BE" dirty="0">
-                <a:latin typeface="Consolas" panose="020B0609020204030204" pitchFamily="49" charset="0"/>
-              </a:rPr>
-              <a:t>l</a:t>
-            </a:r>
-            <a:r>
-              <a:rPr lang="en-150" dirty="0">
-                <a:latin typeface="Consolas" panose="020B0609020204030204" pitchFamily="49" charset="0"/>
-              </a:rPr>
-              <a:t>l</a:t>
-            </a:r>
-            <a:r>
-              <a:rPr lang="fr-BE" dirty="0">
-                <a:latin typeface="Consolas" panose="020B0609020204030204" pitchFamily="49" charset="0"/>
-              </a:rPr>
-              <a:t>o</a:t>
-            </a:r>
-            <a:r>
-              <a:rPr lang="en-150" dirty="0">
-                <a:latin typeface="Consolas" panose="020B0609020204030204" pitchFamily="49" charset="0"/>
-              </a:rPr>
-              <a:t> </a:t>
-            </a:r>
-            <a:r>
-              <a:rPr lang="fr-BE" dirty="0">
-                <a:latin typeface="Consolas" panose="020B0609020204030204" pitchFamily="49" charset="0"/>
-              </a:rPr>
-              <a:t>W</a:t>
-            </a:r>
-            <a:r>
-              <a:rPr lang="en-150" dirty="0">
-                <a:latin typeface="Consolas" panose="020B0609020204030204" pitchFamily="49" charset="0"/>
-              </a:rPr>
-              <a:t>o</a:t>
-            </a:r>
-            <a:r>
-              <a:rPr lang="fr-BE" dirty="0">
-                <a:latin typeface="Consolas" panose="020B0609020204030204" pitchFamily="49" charset="0"/>
-              </a:rPr>
-              <a:t>r</a:t>
-            </a:r>
-            <a:r>
-              <a:rPr lang="en-150" dirty="0" err="1">
-                <a:latin typeface="Consolas" panose="020B0609020204030204" pitchFamily="49" charset="0"/>
-              </a:rPr>
-              <a:t>ld</a:t>
-            </a:r>
-            <a:r>
-              <a:rPr lang="en-150" dirty="0">
-                <a:latin typeface="Consolas" panose="020B0609020204030204" pitchFamily="49" charset="0"/>
-              </a:rPr>
-              <a:t>!"</a:t>
-            </a:r>
-          </a:p>
-          <a:p>
-            <a:r>
-              <a:rPr lang="en-150" dirty="0" err="1">
-                <a:latin typeface="Consolas" panose="020B0609020204030204" pitchFamily="49" charset="0"/>
-              </a:rPr>
-              <a:t>len</a:t>
-            </a:r>
-            <a:r>
-              <a:rPr lang="en-150" dirty="0">
-                <a:latin typeface="Consolas" panose="020B0609020204030204" pitchFamily="49" charset="0"/>
-              </a:rPr>
-              <a:t>(</a:t>
-            </a:r>
-            <a:r>
-              <a:rPr lang="en-150" dirty="0" err="1">
-                <a:latin typeface="Consolas" panose="020B0609020204030204" pitchFamily="49" charset="0"/>
-              </a:rPr>
-              <a:t>my_string</a:t>
-            </a:r>
-            <a:r>
-              <a:rPr lang="en-150" dirty="0">
-                <a:latin typeface="Consolas" panose="020B0609020204030204" pitchFamily="49" charset="0"/>
-              </a:rPr>
-              <a:t>)</a:t>
-            </a:r>
-          </a:p>
-          <a:p>
-            <a:r>
-              <a:rPr lang="en-150" dirty="0" err="1">
-                <a:latin typeface="Consolas" panose="020B0609020204030204" pitchFamily="49" charset="0"/>
-              </a:rPr>
-              <a:t>my_long_string</a:t>
-            </a:r>
-            <a:r>
-              <a:rPr lang="en-150" dirty="0">
-                <a:latin typeface="Consolas" panose="020B0609020204030204" pitchFamily="49" charset="0"/>
-              </a:rPr>
-              <a:t> = """Today I've got many thing</a:t>
-            </a:r>
-            <a:r>
-              <a:rPr lang="fr-BE" dirty="0">
-                <a:latin typeface="Consolas" panose="020B0609020204030204" pitchFamily="49" charset="0"/>
-              </a:rPr>
-              <a:t>s</a:t>
-            </a:r>
-            <a:endParaRPr lang="en-150" dirty="0">
-              <a:latin typeface="Consolas" panose="020B0609020204030204" pitchFamily="49" charset="0"/>
-            </a:endParaRPr>
-          </a:p>
-          <a:p>
-            <a:r>
-              <a:rPr lang="en-150" dirty="0">
-                <a:latin typeface="Consolas" panose="020B0609020204030204" pitchFamily="49" charset="0"/>
-              </a:rPr>
-              <a:t>to say."""</a:t>
-            </a:r>
-          </a:p>
-          <a:p>
-            <a:r>
-              <a:rPr lang="en-150" dirty="0">
-                <a:latin typeface="Consolas" panose="020B0609020204030204" pitchFamily="49" charset="0"/>
-              </a:rPr>
-              <a:t>p</a:t>
-            </a:r>
-            <a:r>
-              <a:rPr lang="fr-BE" dirty="0">
-                <a:latin typeface="Consolas" panose="020B0609020204030204" pitchFamily="49" charset="0"/>
-              </a:rPr>
-              <a:t>r</a:t>
-            </a:r>
-            <a:r>
-              <a:rPr lang="en-150" dirty="0" err="1">
-                <a:latin typeface="Consolas" panose="020B0609020204030204" pitchFamily="49" charset="0"/>
-              </a:rPr>
-              <a:t>i</a:t>
-            </a:r>
-            <a:r>
-              <a:rPr lang="fr-BE" dirty="0">
-                <a:latin typeface="Consolas" panose="020B0609020204030204" pitchFamily="49" charset="0"/>
-              </a:rPr>
-              <a:t>n</a:t>
-            </a:r>
-            <a:r>
-              <a:rPr lang="en-150" dirty="0">
-                <a:latin typeface="Consolas" panose="020B0609020204030204" pitchFamily="49" charset="0"/>
-              </a:rPr>
-              <a:t>t(</a:t>
-            </a:r>
-            <a:r>
-              <a:rPr lang="fr-BE" dirty="0">
-                <a:latin typeface="Consolas" panose="020B0609020204030204" pitchFamily="49" charset="0"/>
-              </a:rPr>
-              <a:t>m</a:t>
-            </a:r>
-            <a:r>
-              <a:rPr lang="en-150" dirty="0">
-                <a:latin typeface="Consolas" panose="020B0609020204030204" pitchFamily="49" charset="0"/>
-              </a:rPr>
-              <a:t>y_</a:t>
-            </a:r>
-            <a:r>
-              <a:rPr lang="fr-BE" dirty="0">
-                <a:latin typeface="Consolas" panose="020B0609020204030204" pitchFamily="49" charset="0"/>
-              </a:rPr>
-              <a:t>s</a:t>
-            </a:r>
-            <a:r>
-              <a:rPr lang="en-150" dirty="0">
-                <a:latin typeface="Consolas" panose="020B0609020204030204" pitchFamily="49" charset="0"/>
-              </a:rPr>
-              <a:t>t</a:t>
-            </a:r>
-            <a:r>
-              <a:rPr lang="fr-BE" dirty="0">
-                <a:latin typeface="Consolas" panose="020B0609020204030204" pitchFamily="49" charset="0"/>
-              </a:rPr>
-              <a:t>r</a:t>
-            </a:r>
-            <a:r>
-              <a:rPr lang="en-150" dirty="0" err="1">
-                <a:latin typeface="Consolas" panose="020B0609020204030204" pitchFamily="49" charset="0"/>
-              </a:rPr>
-              <a:t>i</a:t>
-            </a:r>
-            <a:r>
-              <a:rPr lang="fr-BE" dirty="0">
-                <a:latin typeface="Consolas" panose="020B0609020204030204" pitchFamily="49" charset="0"/>
-              </a:rPr>
-              <a:t>n</a:t>
-            </a:r>
-            <a:r>
-              <a:rPr lang="en-150" dirty="0">
-                <a:latin typeface="Consolas" panose="020B0609020204030204" pitchFamily="49" charset="0"/>
-              </a:rPr>
-              <a:t>g + </a:t>
-            </a:r>
-            <a:r>
-              <a:rPr lang="fr-BE" dirty="0">
-                <a:latin typeface="Consolas" panose="020B0609020204030204" pitchFamily="49" charset="0"/>
-              </a:rPr>
-              <a:t>m</a:t>
-            </a:r>
-            <a:r>
-              <a:rPr lang="en-150" dirty="0">
-                <a:latin typeface="Consolas" panose="020B0609020204030204" pitchFamily="49" charset="0"/>
-              </a:rPr>
-              <a:t>y_</a:t>
-            </a:r>
-            <a:r>
-              <a:rPr lang="fr-BE" dirty="0">
-                <a:latin typeface="Consolas" panose="020B0609020204030204" pitchFamily="49" charset="0"/>
-              </a:rPr>
-              <a:t>l</a:t>
-            </a:r>
-            <a:r>
-              <a:rPr lang="en-150" dirty="0">
-                <a:latin typeface="Consolas" panose="020B0609020204030204" pitchFamily="49" charset="0"/>
-              </a:rPr>
-              <a:t>o</a:t>
-            </a:r>
-            <a:r>
-              <a:rPr lang="fr-BE" dirty="0">
-                <a:latin typeface="Consolas" panose="020B0609020204030204" pitchFamily="49" charset="0"/>
-              </a:rPr>
-              <a:t>n</a:t>
-            </a:r>
-            <a:r>
-              <a:rPr lang="en-150" dirty="0">
-                <a:latin typeface="Consolas" panose="020B0609020204030204" pitchFamily="49" charset="0"/>
-              </a:rPr>
-              <a:t>g_</a:t>
-            </a:r>
-            <a:r>
-              <a:rPr lang="fr-BE" dirty="0">
-                <a:latin typeface="Consolas" panose="020B0609020204030204" pitchFamily="49" charset="0"/>
-              </a:rPr>
-              <a:t>s</a:t>
-            </a:r>
-            <a:r>
-              <a:rPr lang="en-150" dirty="0">
-                <a:latin typeface="Consolas" panose="020B0609020204030204" pitchFamily="49" charset="0"/>
-              </a:rPr>
-              <a:t>t</a:t>
-            </a:r>
-            <a:r>
-              <a:rPr lang="fr-BE" dirty="0">
-                <a:latin typeface="Consolas" panose="020B0609020204030204" pitchFamily="49" charset="0"/>
-              </a:rPr>
-              <a:t>r</a:t>
-            </a:r>
-            <a:r>
-              <a:rPr lang="en-150" dirty="0" err="1">
-                <a:latin typeface="Consolas" panose="020B0609020204030204" pitchFamily="49" charset="0"/>
-              </a:rPr>
-              <a:t>i</a:t>
-            </a:r>
-            <a:r>
-              <a:rPr lang="fr-BE" dirty="0">
-                <a:latin typeface="Consolas" panose="020B0609020204030204" pitchFamily="49" charset="0"/>
-              </a:rPr>
-              <a:t>n</a:t>
-            </a:r>
-            <a:r>
-              <a:rPr lang="en-150" dirty="0">
-                <a:latin typeface="Consolas" panose="020B0609020204030204" pitchFamily="49" charset="0"/>
-              </a:rPr>
-              <a:t>g)</a:t>
-            </a:r>
-          </a:p>
-          <a:p>
-            <a:r>
-              <a:rPr lang="en-150" dirty="0" err="1">
-                <a:latin typeface="Consolas" panose="020B0609020204030204" pitchFamily="49" charset="0"/>
-              </a:rPr>
-              <a:t>my_string</a:t>
-            </a:r>
-            <a:r>
-              <a:rPr lang="en-150" dirty="0">
-                <a:latin typeface="Consolas" panose="020B0609020204030204" pitchFamily="49" charset="0"/>
-              </a:rPr>
-              <a:t>[0]</a:t>
-            </a:r>
-          </a:p>
-          <a:p>
-            <a:r>
-              <a:rPr lang="en-150" dirty="0" err="1">
-                <a:latin typeface="Consolas" panose="020B0609020204030204" pitchFamily="49" charset="0"/>
-              </a:rPr>
-              <a:t>my_string</a:t>
-            </a:r>
-            <a:r>
-              <a:rPr lang="en-150" dirty="0">
-                <a:latin typeface="Consolas" panose="020B0609020204030204" pitchFamily="49" charset="0"/>
-              </a:rPr>
-              <a:t>[0:5]</a:t>
-            </a:r>
-          </a:p>
-          <a:p>
-            <a:r>
-              <a:rPr lang="en-150" dirty="0" err="1">
-                <a:latin typeface="Consolas" panose="020B0609020204030204" pitchFamily="49" charset="0"/>
-              </a:rPr>
-              <a:t>my_string</a:t>
-            </a:r>
-            <a:r>
-              <a:rPr lang="en-150" dirty="0">
-                <a:latin typeface="Consolas" panose="020B0609020204030204" pitchFamily="49" charset="0"/>
-              </a:rPr>
-              <a:t>[-1]</a:t>
-            </a:r>
-          </a:p>
-          <a:p>
-            <a:r>
-              <a:rPr lang="en-150" dirty="0" err="1">
-                <a:latin typeface="Consolas" panose="020B0609020204030204" pitchFamily="49" charset="0"/>
-              </a:rPr>
-              <a:t>my_string</a:t>
-            </a:r>
-            <a:r>
-              <a:rPr lang="en-150" dirty="0">
-                <a:latin typeface="Consolas" panose="020B0609020204030204" pitchFamily="49" charset="0"/>
-              </a:rPr>
-              <a:t>[6:11] = "</a:t>
-            </a:r>
-            <a:r>
-              <a:rPr lang="fr-BE" dirty="0">
-                <a:latin typeface="Consolas" panose="020B0609020204030204" pitchFamily="49" charset="0"/>
-              </a:rPr>
-              <a:t>m</a:t>
-            </a:r>
-            <a:r>
-              <a:rPr lang="en-150" dirty="0">
-                <a:latin typeface="Consolas" panose="020B0609020204030204" pitchFamily="49" charset="0"/>
-              </a:rPr>
-              <a:t>e"</a:t>
-            </a:r>
-          </a:p>
-          <a:p>
-            <a:r>
-              <a:rPr lang="en-150" dirty="0">
-                <a:latin typeface="Consolas" panose="020B0609020204030204" pitchFamily="49" charset="0"/>
-              </a:rPr>
-              <a:t>m</a:t>
-            </a:r>
-            <a:r>
-              <a:rPr lang="fr-BE" dirty="0">
-                <a:latin typeface="Consolas" panose="020B0609020204030204" pitchFamily="49" charset="0"/>
-              </a:rPr>
-              <a:t>y</a:t>
-            </a:r>
-            <a:r>
-              <a:rPr lang="en-150" dirty="0">
-                <a:latin typeface="Consolas" panose="020B0609020204030204" pitchFamily="49" charset="0"/>
-              </a:rPr>
-              <a:t>_</a:t>
-            </a:r>
-            <a:r>
-              <a:rPr lang="fr-BE" dirty="0">
-                <a:latin typeface="Consolas" panose="020B0609020204030204" pitchFamily="49" charset="0"/>
-              </a:rPr>
-              <a:t>s</a:t>
-            </a:r>
-            <a:r>
-              <a:rPr lang="en-150" dirty="0">
-                <a:latin typeface="Consolas" panose="020B0609020204030204" pitchFamily="49" charset="0"/>
-              </a:rPr>
-              <a:t>t</a:t>
-            </a:r>
-            <a:r>
-              <a:rPr lang="fr-BE" dirty="0">
-                <a:latin typeface="Consolas" panose="020B0609020204030204" pitchFamily="49" charset="0"/>
-              </a:rPr>
-              <a:t>r</a:t>
-            </a:r>
-            <a:r>
-              <a:rPr lang="en-150" dirty="0" err="1">
-                <a:latin typeface="Consolas" panose="020B0609020204030204" pitchFamily="49" charset="0"/>
-              </a:rPr>
-              <a:t>i</a:t>
-            </a:r>
-            <a:r>
-              <a:rPr lang="fr-BE" dirty="0">
-                <a:latin typeface="Consolas" panose="020B0609020204030204" pitchFamily="49" charset="0"/>
-              </a:rPr>
-              <a:t>n</a:t>
-            </a:r>
-            <a:r>
-              <a:rPr lang="en-150" dirty="0">
-                <a:latin typeface="Consolas" panose="020B0609020204030204" pitchFamily="49" charset="0"/>
-              </a:rPr>
-              <a:t>g.</a:t>
-            </a:r>
-            <a:r>
-              <a:rPr lang="fr-BE" dirty="0">
-                <a:latin typeface="Consolas" panose="020B0609020204030204" pitchFamily="49" charset="0"/>
-              </a:rPr>
-              <a:t>l</a:t>
-            </a:r>
-            <a:r>
-              <a:rPr lang="en-150" dirty="0">
-                <a:latin typeface="Consolas" panose="020B0609020204030204" pitchFamily="49" charset="0"/>
-              </a:rPr>
-              <a:t>o</a:t>
-            </a:r>
-            <a:r>
-              <a:rPr lang="fr-BE" dirty="0">
-                <a:latin typeface="Consolas" panose="020B0609020204030204" pitchFamily="49" charset="0"/>
-              </a:rPr>
-              <a:t>w</a:t>
-            </a:r>
-            <a:r>
-              <a:rPr lang="en-150" dirty="0">
-                <a:latin typeface="Consolas" panose="020B0609020204030204" pitchFamily="49" charset="0"/>
-              </a:rPr>
-              <a:t>e</a:t>
-            </a:r>
-            <a:r>
-              <a:rPr lang="fr-BE" dirty="0">
-                <a:latin typeface="Consolas" panose="020B0609020204030204" pitchFamily="49" charset="0"/>
-              </a:rPr>
-              <a:t>r</a:t>
-            </a:r>
-            <a:r>
-              <a:rPr lang="en-150" dirty="0">
-                <a:latin typeface="Consolas" panose="020B0609020204030204" pitchFamily="49" charset="0"/>
-              </a:rPr>
-              <a:t>()</a:t>
-            </a:r>
-            <a:endParaRPr lang="fr-BE" dirty="0">
-              <a:latin typeface="Consolas" panose="020B0609020204030204" pitchFamily="49" charset="0"/>
-            </a:endParaRPr>
-          </a:p>
-        </p:txBody>
-      </p:sp>
-    </p:spTree>
-    <p:extLst>
-      <p:ext uri="{BB962C8B-B14F-4D97-AF65-F5344CB8AC3E}">
-        <p14:creationId xmlns:p14="http://schemas.microsoft.com/office/powerpoint/2010/main" val="1218455973"/>
-      </p:ext>
-    </p:extLst>
-  </p:cSld>
-  <p:clrMapOvr>
-    <a:masterClrMapping/>
-  </p:clrMapOvr>
-</p:sld>
-</file>
-
 <file path=ppt/slides/slide24.xml><?xml version="1.0" encoding="utf-8"?>
 <p:sld xmlns:a="http://schemas.openxmlformats.org/drawingml/2006/main" xmlns:r="http://schemas.openxmlformats.org/officeDocument/2006/relationships" xmlns:p="http://schemas.openxmlformats.org/presentationml/2006/main">
   <p:cSld>
@@ -9348,59 +9080,11 @@
           <a:p>
             <a:r>
               <a:rPr lang="fr-BE" dirty="0"/>
-              <a:t>L</a:t>
+              <a:t>S</a:t>
             </a:r>
             <a:r>
               <a:rPr lang="en-150" dirty="0" err="1"/>
-              <a:t>i</a:t>
-            </a:r>
-            <a:r>
-              <a:rPr lang="fr-BE" dirty="0"/>
-              <a:t>s</a:t>
-            </a:r>
-            <a:r>
-              <a:rPr lang="en-150" dirty="0"/>
-              <a:t>t</a:t>
-            </a:r>
-            <a:r>
-              <a:rPr lang="fr-BE" dirty="0"/>
-              <a:t>e</a:t>
-            </a:r>
-            <a:r>
-              <a:rPr lang="en-150" dirty="0"/>
-              <a:t>s </a:t>
-            </a:r>
-            <a:r>
-              <a:rPr lang="fr-BE" dirty="0"/>
-              <a:t>e</a:t>
-            </a:r>
-            <a:r>
-              <a:rPr lang="en-150" dirty="0"/>
-              <a:t>t </a:t>
-            </a:r>
-            <a:r>
-              <a:rPr lang="fr-BE" dirty="0"/>
-              <a:t>t</a:t>
-            </a:r>
-            <a:r>
-              <a:rPr lang="en-150" dirty="0"/>
-              <a:t>u</a:t>
-            </a:r>
-            <a:r>
-              <a:rPr lang="fr-BE" dirty="0"/>
-              <a:t>p</a:t>
-            </a:r>
-            <a:r>
-              <a:rPr lang="en-150" dirty="0"/>
-              <a:t>l</a:t>
-            </a:r>
-            <a:r>
-              <a:rPr lang="fr-BE" dirty="0"/>
-              <a:t>e</a:t>
-            </a:r>
-            <a:r>
-              <a:rPr lang="en-150" dirty="0"/>
-              <a:t>s</a:t>
+              <a:t>tring</a:t>
             </a:r>
             <a:endParaRPr lang="fr-BE" dirty="0"/>
           </a:p>
@@ -9424,27 +9108,137 @@
         </p:nvSpPr>
         <p:spPr/>
         <p:txBody>
-          <a:bodyPr/>
+          <a:bodyPr>
+            <a:normAutofit fontScale="92500" lnSpcReduction="10000"/>
+          </a:bodyPr>
           <a:lstStyle/>
           <a:p>
             <a:r>
-              <a:rPr lang="fr-BE" dirty="0" err="1">
-                <a:latin typeface="Consolas" panose="020B0609020204030204" pitchFamily="49" charset="0"/>
-              </a:rPr>
-              <a:t>my_tuple</a:t>
-            </a:r>
-            <a:r>
               <a:rPr lang="en-150" dirty="0">
                 <a:latin typeface="Consolas" panose="020B0609020204030204" pitchFamily="49" charset="0"/>
               </a:rPr>
-              <a:t> = (0, 1, 2, 3)</a:t>
-            </a:r>
-          </a:p>
-          <a:p>
+              <a:t>m</a:t>
+            </a:r>
+            <a:r>
+              <a:rPr lang="fr-BE" dirty="0">
+                <a:latin typeface="Consolas" panose="020B0609020204030204" pitchFamily="49" charset="0"/>
+              </a:rPr>
+              <a:t>y</a:t>
+            </a:r>
+            <a:r>
+              <a:rPr lang="en-150" dirty="0">
+                <a:latin typeface="Consolas" panose="020B0609020204030204" pitchFamily="49" charset="0"/>
+              </a:rPr>
+              <a:t>_</a:t>
+            </a:r>
+            <a:r>
+              <a:rPr lang="fr-BE" dirty="0">
+                <a:latin typeface="Consolas" panose="020B0609020204030204" pitchFamily="49" charset="0"/>
+              </a:rPr>
+              <a:t>s</a:t>
+            </a:r>
+            <a:r>
+              <a:rPr lang="en-150" dirty="0">
+                <a:latin typeface="Consolas" panose="020B0609020204030204" pitchFamily="49" charset="0"/>
+              </a:rPr>
+              <a:t>t</a:t>
+            </a:r>
+            <a:r>
+              <a:rPr lang="fr-BE" dirty="0">
+                <a:latin typeface="Consolas" panose="020B0609020204030204" pitchFamily="49" charset="0"/>
+              </a:rPr>
+              <a:t>r</a:t>
+            </a:r>
             <a:r>
               <a:rPr lang="en-150" dirty="0" err="1">
                 <a:latin typeface="Consolas" panose="020B0609020204030204" pitchFamily="49" charset="0"/>
               </a:rPr>
+              <a:t>i</a:t>
+            </a:r>
+            <a:r>
+              <a:rPr lang="fr-BE" dirty="0">
+                <a:latin typeface="Consolas" panose="020B0609020204030204" pitchFamily="49" charset="0"/>
+              </a:rPr>
+              <a:t>n</a:t>
+            </a:r>
+            <a:r>
+              <a:rPr lang="en-150" dirty="0">
+                <a:latin typeface="Consolas" panose="020B0609020204030204" pitchFamily="49" charset="0"/>
+              </a:rPr>
+              <a:t>g = "</a:t>
+            </a:r>
+            <a:r>
+              <a:rPr lang="fr-BE" dirty="0">
+                <a:latin typeface="Consolas" panose="020B0609020204030204" pitchFamily="49" charset="0"/>
+              </a:rPr>
+              <a:t>H</a:t>
+            </a:r>
+            <a:r>
+              <a:rPr lang="en-150" dirty="0">
+                <a:latin typeface="Consolas" panose="020B0609020204030204" pitchFamily="49" charset="0"/>
+              </a:rPr>
+              <a:t>e</a:t>
+            </a:r>
+            <a:r>
+              <a:rPr lang="fr-BE" dirty="0">
+                <a:latin typeface="Consolas" panose="020B0609020204030204" pitchFamily="49" charset="0"/>
+              </a:rPr>
+              <a:t>l</a:t>
+            </a:r>
+            <a:r>
+              <a:rPr lang="en-150" dirty="0">
+                <a:latin typeface="Consolas" panose="020B0609020204030204" pitchFamily="49" charset="0"/>
+              </a:rPr>
+              <a:t>l</a:t>
+            </a:r>
+            <a:r>
+              <a:rPr lang="fr-BE" dirty="0">
+                <a:latin typeface="Consolas" panose="020B0609020204030204" pitchFamily="49" charset="0"/>
+              </a:rPr>
+              <a:t>o</a:t>
+            </a:r>
+            <a:r>
+              <a:rPr lang="en-150" dirty="0">
+                <a:latin typeface="Consolas" panose="020B0609020204030204" pitchFamily="49" charset="0"/>
+              </a:rPr>
+              <a:t> </a:t>
+            </a:r>
+            <a:r>
+              <a:rPr lang="fr-BE" dirty="0">
+                <a:latin typeface="Consolas" panose="020B0609020204030204" pitchFamily="49" charset="0"/>
+              </a:rPr>
+              <a:t>W</a:t>
+            </a:r>
+            <a:r>
+              <a:rPr lang="en-150" dirty="0">
+                <a:latin typeface="Consolas" panose="020B0609020204030204" pitchFamily="49" charset="0"/>
+              </a:rPr>
+              <a:t>o</a:t>
+            </a:r>
+            <a:r>
+              <a:rPr lang="fr-BE" dirty="0">
+                <a:latin typeface="Consolas" panose="020B0609020204030204" pitchFamily="49" charset="0"/>
+              </a:rPr>
+              <a:t>r</a:t>
+            </a:r>
+            <a:r>
+              <a:rPr lang="en-150" dirty="0" err="1">
+                <a:latin typeface="Consolas" panose="020B0609020204030204" pitchFamily="49" charset="0"/>
+              </a:rPr>
+              <a:t>ld</a:t>
+            </a:r>
+            <a:r>
+              <a:rPr lang="en-150" dirty="0">
+                <a:latin typeface="Consolas" panose="020B0609020204030204" pitchFamily="49" charset="0"/>
+              </a:rPr>
+              <a:t>!"</a:t>
+            </a:r>
+          </a:p>
+          <a:p>
+            <a:r>
+              <a:rPr lang="en-150" dirty="0" err="1">
+                <a:latin typeface="Consolas" panose="020B0609020204030204" pitchFamily="49" charset="0"/>
+              </a:rPr>
               <a:t>len</a:t>
             </a:r>
             <a:r>
@@ -9454,10 +9248,10 @@
               <a:t>(</a:t>
             </a:r>
             <a:r>
-              <a:rPr lang="fr-BE" dirty="0" err="1">
-                <a:latin typeface="Consolas" panose="020B0609020204030204" pitchFamily="49" charset="0"/>
-              </a:rPr>
-              <a:t>my_tuple</a:t>
+              <a:rPr lang="en-150" dirty="0" err="1">
+                <a:latin typeface="Consolas" panose="020B0609020204030204" pitchFamily="49" charset="0"/>
+              </a:rPr>
+              <a:t>my_string</a:t>
             </a:r>
             <a:r>
               <a:rPr lang="en-150" dirty="0">
@@ -9468,64 +9262,345 @@
           </a:p>
           <a:p>
             <a:r>
-              <a:rPr lang="fr-BE" dirty="0" err="1">
-                <a:latin typeface="Consolas" panose="020B0609020204030204" pitchFamily="49" charset="0"/>
-              </a:rPr>
-              <a:t>my_tuple</a:t>
+              <a:rPr lang="en-150" dirty="0" err="1">
+                <a:latin typeface="Consolas" panose="020B0609020204030204" pitchFamily="49" charset="0"/>
+              </a:rPr>
+              <a:t>my_long_string</a:t>
             </a:r>
             <a:r>
               <a:rPr lang="en-150" dirty="0">
                 <a:latin typeface="Consolas" panose="020B0609020204030204" pitchFamily="49" charset="0"/>
               </a:rPr>
-              <a:t>[2]</a:t>
-            </a:r>
-          </a:p>
-          <a:p>
-            <a:r>
-              <a:rPr lang="fr-BE" dirty="0" err="1">
-                <a:latin typeface="Consolas" panose="020B0609020204030204" pitchFamily="49" charset="0"/>
-              </a:rPr>
-              <a:t>my_tuple</a:t>
-            </a:r>
+              <a:t> = """Today I've got many thing</a:t>
+            </a:r>
+            <a:r>
+              <a:rPr lang="fr-BE" dirty="0">
+                <a:latin typeface="Consolas" panose="020B0609020204030204" pitchFamily="49" charset="0"/>
+              </a:rPr>
+              <a:t>s</a:t>
+            </a:r>
+            <a:endParaRPr lang="en-150" dirty="0">
+              <a:latin typeface="Consolas" panose="020B0609020204030204" pitchFamily="49" charset="0"/>
+            </a:endParaRPr>
+          </a:p>
+          <a:p>
             <a:r>
               <a:rPr lang="en-150" dirty="0">
                 <a:latin typeface="Consolas" panose="020B0609020204030204" pitchFamily="49" charset="0"/>
               </a:rPr>
-              <a:t>[0:2]</a:t>
-            </a:r>
-          </a:p>
-          <a:p>
-            <a:r>
-              <a:rPr lang="fr-BE" dirty="0" err="1">
-                <a:latin typeface="Consolas" panose="020B0609020204030204" pitchFamily="49" charset="0"/>
-              </a:rPr>
-              <a:t>my_tuple</a:t>
-            </a:r>
+              <a:t>to say."""</a:t>
+            </a:r>
+          </a:p>
+          <a:p>
             <a:r>
               <a:rPr lang="en-150" dirty="0">
                 <a:latin typeface="Consolas" panose="020B0609020204030204" pitchFamily="49" charset="0"/>
               </a:rPr>
-              <a:t>[-2]</a:t>
-            </a:r>
-          </a:p>
-          <a:p>
+              <a:t>p</a:t>
+            </a:r>
+            <a:r>
+              <a:rPr lang="fr-BE" dirty="0">
+                <a:latin typeface="Consolas" panose="020B0609020204030204" pitchFamily="49" charset="0"/>
+              </a:rPr>
+              <a:t>r</a:t>
+            </a:r>
+            <a:r>
+              <a:rPr lang="en-150" dirty="0" err="1">
+                <a:latin typeface="Consolas" panose="020B0609020204030204" pitchFamily="49" charset="0"/>
+              </a:rPr>
+              <a:t>i</a:t>
+            </a:r>
+            <a:r>
+              <a:rPr lang="fr-BE" dirty="0">
+                <a:latin typeface="Consolas" panose="020B0609020204030204" pitchFamily="49" charset="0"/>
+              </a:rPr>
+              <a:t>n</a:t>
+            </a:r>
             <a:r>
               <a:rPr lang="en-150" dirty="0">
                 <a:latin typeface="Consolas" panose="020B0609020204030204" pitchFamily="49" charset="0"/>
               </a:rPr>
-              <a:t>min(</a:t>
-            </a:r>
-            <a:r>
-              <a:rPr lang="fr-BE" dirty="0" err="1">
-                <a:latin typeface="Consolas" panose="020B0609020204030204" pitchFamily="49" charset="0"/>
-              </a:rPr>
-              <a:t>my_tuple</a:t>
+              <a:t>t(</a:t>
+            </a:r>
+            <a:r>
+              <a:rPr lang="fr-BE" dirty="0">
+                <a:latin typeface="Consolas" panose="020B0609020204030204" pitchFamily="49" charset="0"/>
+              </a:rPr>
+              <a:t>m</a:t>
             </a:r>
             <a:r>
               <a:rPr lang="en-150" dirty="0">
                 <a:latin typeface="Consolas" panose="020B0609020204030204" pitchFamily="49" charset="0"/>
               </a:rPr>
-              <a:t>)</a:t>
+              <a:t>y_</a:t>
+            </a:r>
+            <a:r>
+              <a:rPr lang="fr-BE" dirty="0">
+                <a:latin typeface="Consolas" panose="020B0609020204030204" pitchFamily="49" charset="0"/>
+              </a:rPr>
+              <a:t>s</a:t>
+            </a:r>
+            <a:r>
+              <a:rPr lang="en-150" dirty="0">
+                <a:latin typeface="Consolas" panose="020B0609020204030204" pitchFamily="49" charset="0"/>
+              </a:rPr>
+              <a:t>t</a:t>
+            </a:r>
+            <a:r>
+              <a:rPr lang="fr-BE" dirty="0">
+                <a:latin typeface="Consolas" panose="020B0609020204030204" pitchFamily="49" charset="0"/>
+              </a:rPr>
+              <a:t>r</a:t>
+            </a:r>
+            <a:r>
+              <a:rPr lang="en-150" dirty="0" err="1">
+                <a:latin typeface="Consolas" panose="020B0609020204030204" pitchFamily="49" charset="0"/>
+              </a:rPr>
+              <a:t>i</a:t>
+            </a:r>
+            <a:r>
+              <a:rPr lang="fr-BE" dirty="0">
+                <a:latin typeface="Consolas" panose="020B0609020204030204" pitchFamily="49" charset="0"/>
+              </a:rPr>
+              <a:t>n</a:t>
+            </a:r>
+            <a:r>
+              <a:rPr lang="en-150" dirty="0">
+                <a:latin typeface="Consolas" panose="020B0609020204030204" pitchFamily="49" charset="0"/>
+              </a:rPr>
+              <a:t>g + </a:t>
+            </a:r>
+            <a:r>
+              <a:rPr lang="fr-BE" dirty="0">
+                <a:latin typeface="Consolas" panose="020B0609020204030204" pitchFamily="49" charset="0"/>
+              </a:rPr>
+              <a:t>m</a:t>
+            </a:r>
+            <a:r>
+              <a:rPr lang="en-150" dirty="0">
+                <a:latin typeface="Consolas" panose="020B0609020204030204" pitchFamily="49" charset="0"/>
+              </a:rPr>
+              <a:t>y_</a:t>
+            </a:r>
+            <a:r>
+              <a:rPr lang="fr-BE" dirty="0">
+                <a:latin typeface="Consolas" panose="020B0609020204030204" pitchFamily="49" charset="0"/>
+              </a:rPr>
+              <a:t>l</a:t>
+            </a:r>
+            <a:r>
+              <a:rPr lang="en-150" dirty="0">
+                <a:latin typeface="Consolas" panose="020B0609020204030204" pitchFamily="49" charset="0"/>
+              </a:rPr>
+              <a:t>o</a:t>
+            </a:r>
+            <a:r>
+              <a:rPr lang="fr-BE" dirty="0">
+                <a:latin typeface="Consolas" panose="020B0609020204030204" pitchFamily="49" charset="0"/>
+              </a:rPr>
+              <a:t>n</a:t>
+            </a:r>
+            <a:r>
+              <a:rPr lang="en-150" dirty="0">
+                <a:latin typeface="Consolas" panose="020B0609020204030204" pitchFamily="49" charset="0"/>
+              </a:rPr>
+              <a:t>g_</a:t>
+            </a:r>
+            <a:r>
+              <a:rPr lang="fr-BE" dirty="0">
+                <a:latin typeface="Consolas" panose="020B0609020204030204" pitchFamily="49" charset="0"/>
+              </a:rPr>
+              <a:t>s</a:t>
+            </a:r>
+            <a:r>
+              <a:rPr lang="en-150" dirty="0">
+                <a:latin typeface="Consolas" panose="020B0609020204030204" pitchFamily="49" charset="0"/>
+              </a:rPr>
+              <a:t>t</a:t>
+            </a:r>
+            <a:r>
+              <a:rPr lang="fr-BE" dirty="0">
+                <a:latin typeface="Consolas" panose="020B0609020204030204" pitchFamily="49" charset="0"/>
+              </a:rPr>
+              <a:t>r</a:t>
+            </a:r>
+            <a:r>
+              <a:rPr lang="en-150" dirty="0" err="1">
+                <a:latin typeface="Consolas" panose="020B0609020204030204" pitchFamily="49" charset="0"/>
+              </a:rPr>
+              <a:t>i</a:t>
+            </a:r>
+            <a:r>
+              <a:rPr lang="fr-BE" dirty="0">
+                <a:latin typeface="Consolas" panose="020B0609020204030204" pitchFamily="49" charset="0"/>
+              </a:rPr>
+              <a:t>n</a:t>
+            </a:r>
+            <a:r>
+              <a:rPr lang="en-150" dirty="0">
+                <a:latin typeface="Consolas" panose="020B0609020204030204" pitchFamily="49" charset="0"/>
+              </a:rPr>
+              <a:t>g)</a:t>
+            </a:r>
+          </a:p>
+          <a:p>
+            <a:r>
+              <a:rPr lang="en-150" dirty="0" err="1">
+                <a:latin typeface="Consolas" panose="020B0609020204030204" pitchFamily="49" charset="0"/>
+              </a:rPr>
+              <a:t>my_string</a:t>
+            </a:r>
+            <a:r>
+              <a:rPr lang="en-150" dirty="0">
+                <a:latin typeface="Consolas" panose="020B0609020204030204" pitchFamily="49" charset="0"/>
+              </a:rPr>
+              <a:t>[0]</a:t>
+            </a:r>
+          </a:p>
+          <a:p>
+            <a:r>
+              <a:rPr lang="en-150" dirty="0" err="1">
+                <a:latin typeface="Consolas" panose="020B0609020204030204" pitchFamily="49" charset="0"/>
+              </a:rPr>
+              <a:t>my_string</a:t>
+            </a:r>
+            <a:r>
+              <a:rPr lang="en-150" dirty="0">
+                <a:latin typeface="Consolas" panose="020B0609020204030204" pitchFamily="49" charset="0"/>
+              </a:rPr>
+              <a:t>[0:5]</a:t>
+            </a:r>
+          </a:p>
+          <a:p>
+            <a:r>
+              <a:rPr lang="en-150" dirty="0" err="1">
+                <a:latin typeface="Consolas" panose="020B0609020204030204" pitchFamily="49" charset="0"/>
+              </a:rPr>
+              <a:t>my_string</a:t>
+            </a:r>
+            <a:r>
+              <a:rPr lang="en-150" dirty="0">
+                <a:latin typeface="Consolas" panose="020B0609020204030204" pitchFamily="49" charset="0"/>
+              </a:rPr>
+              <a:t>[-1]</a:t>
+            </a:r>
+          </a:p>
+          <a:p>
+            <a:r>
+              <a:rPr lang="en-150" dirty="0" err="1">
+                <a:latin typeface="Consolas" panose="020B0609020204030204" pitchFamily="49" charset="0"/>
+              </a:rPr>
+              <a:t>my_string</a:t>
+            </a:r>
+            <a:r>
+              <a:rPr lang="en-150" dirty="0">
+                <a:latin typeface="Consolas" panose="020B0609020204030204" pitchFamily="49" charset="0"/>
+              </a:rPr>
+              <a:t>[6:11] = "</a:t>
+            </a:r>
+            <a:r>
+              <a:rPr lang="fr-BE" dirty="0">
+                <a:latin typeface="Consolas" panose="020B0609020204030204" pitchFamily="49" charset="0"/>
+              </a:rPr>
+              <a:t>m</a:t>
+            </a:r>
+            <a:r>
+              <a:rPr lang="en-150" dirty="0">
+                <a:latin typeface="Consolas" panose="020B0609020204030204" pitchFamily="49" charset="0"/>
+              </a:rPr>
+              <a:t>e"</a:t>
+            </a:r>
+          </a:p>
+          <a:p>
+            <a:r>
+              <a:rPr lang="en-150" dirty="0">
+                <a:latin typeface="Consolas" panose="020B0609020204030204" pitchFamily="49" charset="0"/>
+              </a:rPr>
+              <a:t>m</a:t>
+            </a:r>
+            <a:r>
+              <a:rPr lang="fr-BE" dirty="0">
+                <a:latin typeface="Consolas" panose="020B0609020204030204" pitchFamily="49" charset="0"/>
+              </a:rPr>
+              <a:t>y</a:t>
+            </a:r>
+            <a:r>
+              <a:rPr lang="en-150" dirty="0">
+                <a:latin typeface="Consolas" panose="020B0609020204030204" pitchFamily="49" charset="0"/>
+              </a:rPr>
+              <a:t>_</a:t>
+            </a:r>
+            <a:r>
+              <a:rPr lang="fr-BE" dirty="0">
+                <a:latin typeface="Consolas" panose="020B0609020204030204" pitchFamily="49" charset="0"/>
+              </a:rPr>
+              <a:t>s</a:t>
+            </a:r>
+            <a:r>
+              <a:rPr lang="en-150" dirty="0">
+                <a:latin typeface="Consolas" panose="020B0609020204030204" pitchFamily="49" charset="0"/>
+              </a:rPr>
+              <a:t>t</a:t>
+            </a:r>
+            <a:r>
+              <a:rPr lang="fr-BE" dirty="0">
+                <a:latin typeface="Consolas" panose="020B0609020204030204" pitchFamily="49" charset="0"/>
+              </a:rPr>
+              <a:t>r</a:t>
+            </a:r>
+            <a:r>
+              <a:rPr lang="en-150" dirty="0" err="1">
+                <a:latin typeface="Consolas" panose="020B0609020204030204" pitchFamily="49" charset="0"/>
+              </a:rPr>
+              <a:t>i</a:t>
+            </a:r>
+            <a:r>
+              <a:rPr lang="fr-BE" dirty="0">
+                <a:latin typeface="Consolas" panose="020B0609020204030204" pitchFamily="49" charset="0"/>
+              </a:rPr>
+              <a:t>n</a:t>
+            </a:r>
+            <a:r>
+              <a:rPr lang="en-150" dirty="0">
+                <a:latin typeface="Consolas" panose="020B0609020204030204" pitchFamily="49" charset="0"/>
+              </a:rPr>
+              <a:t>g.</a:t>
+            </a:r>
+            <a:r>
+              <a:rPr lang="fr-BE" dirty="0">
+                <a:latin typeface="Consolas" panose="020B0609020204030204" pitchFamily="49" charset="0"/>
+              </a:rPr>
+              <a:t>l</a:t>
+            </a:r>
+            <a:r>
+              <a:rPr lang="en-150" dirty="0">
+                <a:latin typeface="Consolas" panose="020B0609020204030204" pitchFamily="49" charset="0"/>
+              </a:rPr>
+              <a:t>o</a:t>
+            </a:r>
+            <a:r>
+              <a:rPr lang="fr-BE" dirty="0">
+                <a:latin typeface="Consolas" panose="020B0609020204030204" pitchFamily="49" charset="0"/>
+              </a:rPr>
+              <a:t>w</a:t>
+            </a:r>
+            <a:r>
+              <a:rPr lang="en-150" dirty="0">
+                <a:latin typeface="Consolas" panose="020B0609020204030204" pitchFamily="49" charset="0"/>
+              </a:rPr>
+              <a:t>e</a:t>
+            </a:r>
+            <a:r>
+              <a:rPr lang="fr-BE" dirty="0">
+                <a:latin typeface="Consolas" panose="020B0609020204030204" pitchFamily="49" charset="0"/>
+              </a:rPr>
+              <a:t>r</a:t>
+            </a:r>
+            <a:r>
+              <a:rPr lang="en-150" dirty="0">
+                <a:latin typeface="Consolas" panose="020B0609020204030204" pitchFamily="49" charset="0"/>
+              </a:rPr>
+              <a:t>()</a:t>
             </a:r>
             <a:endParaRPr lang="fr-BE" dirty="0">
               <a:latin typeface="Consolas" panose="020B0609020204030204" pitchFamily="49" charset="0"/>
@@ -9536,7 +9611,7 @@
     </p:spTree>
     <p:extLst>
       <p:ext uri="{BB962C8B-B14F-4D97-AF65-F5344CB8AC3E}">
-        <p14:creationId xmlns:p14="http://schemas.microsoft.com/office/powerpoint/2010/main" val="536532216"/>
+        <p14:creationId xmlns:p14="http://schemas.microsoft.com/office/powerpoint/2010/main" val="1218455973"/>
       </p:ext>
     </p:extLst>
   </p:cSld>
@@ -9606,6 +9681,38 @@
             </a:r>
             <a:r>
               <a:rPr lang="en-150" dirty="0"/>
+              <a:t>s </a:t>
+            </a:r>
+            <a:r>
+              <a:rPr lang="fr-BE" dirty="0"/>
+              <a:t>e</a:t>
+            </a:r>
+            <a:r>
+              <a:rPr lang="en-150" dirty="0"/>
+              <a:t>t </a:t>
+            </a:r>
+            <a:r>
+              <a:rPr lang="fr-BE" dirty="0"/>
+              <a:t>t</a:t>
+            </a:r>
+            <a:r>
+              <a:rPr lang="en-150" dirty="0"/>
+              <a:t>u</a:t>
+            </a:r>
+            <a:r>
+              <a:rPr lang="fr-BE" dirty="0"/>
+              <a:t>p</a:t>
+            </a:r>
+            <a:r>
+              <a:rPr lang="en-150" dirty="0"/>
+              <a:t>l</a:t>
+            </a:r>
+            <a:r>
+              <a:rPr lang="fr-BE" dirty="0"/>
+              <a:t>e</a:t>
+            </a:r>
+            <a:r>
+              <a:rPr lang="en-150" dirty="0"/>
               <a:t>s</a:t>
             </a:r>
             <a:endParaRPr lang="fr-BE" dirty="0"/>
@@ -9634,52 +9741,115 @@
           <a:lstStyle/>
           <a:p>
             <a:r>
+              <a:rPr lang="fr-BE" dirty="0" err="1">
+                <a:latin typeface="Consolas" panose="020B0609020204030204" pitchFamily="49" charset="0"/>
+              </a:rPr>
+              <a:t>my_tuple</a:t>
+            </a:r>
+            <a:r>
+              <a:rPr lang="en-150" dirty="0">
+                <a:latin typeface="Consolas" panose="020B0609020204030204" pitchFamily="49" charset="0"/>
+              </a:rPr>
+              <a:t> = (0, 1, 2, 3)</a:t>
+            </a:r>
+          </a:p>
+          <a:p>
+            <a:r>
               <a:rPr lang="en-150" dirty="0" err="1">
                 <a:latin typeface="Consolas" panose="020B0609020204030204" pitchFamily="49" charset="0"/>
               </a:rPr>
-              <a:t>my_list</a:t>
+              <a:t>len</a:t>
             </a:r>
             <a:r>
               <a:rPr lang="en-150" dirty="0">
                 <a:latin typeface="Consolas" panose="020B0609020204030204" pitchFamily="49" charset="0"/>
               </a:rPr>
-              <a:t>[2] = 5</a:t>
-            </a:r>
-          </a:p>
-          <a:p>
-            <a:r>
-              <a:rPr lang="en-150" dirty="0" err="1">
-                <a:latin typeface="Consolas" panose="020B0609020204030204" pitchFamily="49" charset="0"/>
-              </a:rPr>
-              <a:t>my_list.append</a:t>
+              <a:t>(</a:t>
+            </a:r>
+            <a:r>
+              <a:rPr lang="fr-BE" dirty="0" err="1">
+                <a:latin typeface="Consolas" panose="020B0609020204030204" pitchFamily="49" charset="0"/>
+              </a:rPr>
+              <a:t>my_tuple</a:t>
             </a:r>
             <a:r>
               <a:rPr lang="en-150" dirty="0">
                 <a:latin typeface="Consolas" panose="020B0609020204030204" pitchFamily="49" charset="0"/>
               </a:rPr>
-              <a:t>(4)</a:t>
-            </a:r>
-          </a:p>
-          <a:p>
-            <a:r>
-              <a:rPr lang="en-150" dirty="0" err="1">
-                <a:latin typeface="Consolas" panose="020B0609020204030204" pitchFamily="49" charset="0"/>
-              </a:rPr>
-              <a:t>my_list.extend</a:t>
+              <a:t>)</a:t>
+            </a:r>
+          </a:p>
+          <a:p>
+            <a:r>
+              <a:rPr lang="fr-BE" dirty="0" err="1">
+                <a:latin typeface="Consolas" panose="020B0609020204030204" pitchFamily="49" charset="0"/>
+              </a:rPr>
+              <a:t>my_tuple</a:t>
             </a:r>
             <a:r>
               <a:rPr lang="en-150" dirty="0">
                 <a:latin typeface="Consolas" panose="020B0609020204030204" pitchFamily="49" charset="0"/>
               </a:rPr>
-              <a:t>([4, 5, 6])</a:t>
-            </a:r>
+              <a:t>[2]</a:t>
+            </a:r>
+          </a:p>
+          <a:p>
+            <a:r>
+              <a:rPr lang="fr-BE" dirty="0" err="1">
+                <a:latin typeface="Consolas" panose="020B0609020204030204" pitchFamily="49" charset="0"/>
+              </a:rPr>
+              <a:t>my_tuple</a:t>
+            </a:r>
+            <a:r>
+              <a:rPr lang="en-150" dirty="0">
+                <a:latin typeface="Consolas" panose="020B0609020204030204" pitchFamily="49" charset="0"/>
+              </a:rPr>
+              <a:t>[0:2]</a:t>
+            </a:r>
+          </a:p>
+          <a:p>
+            <a:r>
+              <a:rPr lang="fr-BE" dirty="0" err="1">
+                <a:latin typeface="Consolas" panose="020B0609020204030204" pitchFamily="49" charset="0"/>
+              </a:rPr>
+              <a:t>my_tuple</a:t>
+            </a:r>
+            <a:r>
+              <a:rPr lang="en-150" dirty="0">
+                <a:latin typeface="Consolas" panose="020B0609020204030204" pitchFamily="49" charset="0"/>
+              </a:rPr>
+              <a:t>[-2]</a:t>
+            </a:r>
+          </a:p>
+          <a:p>
+            <a:r>
+              <a:rPr lang="en-150" dirty="0">
+                <a:latin typeface="Consolas" panose="020B0609020204030204" pitchFamily="49" charset="0"/>
+              </a:rPr>
+              <a:t>min(</a:t>
+            </a:r>
+            <a:r>
+              <a:rPr lang="fr-BE" dirty="0" err="1">
+                <a:latin typeface="Consolas" panose="020B0609020204030204" pitchFamily="49" charset="0"/>
+              </a:rPr>
+              <a:t>my_tuple</a:t>
+            </a:r>
+            <a:r>
+              <a:rPr lang="en-150" dirty="0">
+                <a:latin typeface="Consolas" panose="020B0609020204030204" pitchFamily="49" charset="0"/>
+              </a:rPr>
+              <a:t>)</a:t>
+            </a:r>
+            <a:endParaRPr lang="fr-BE" dirty="0">
+              <a:latin typeface="Consolas" panose="020B0609020204030204" pitchFamily="49" charset="0"/>
+            </a:endParaRPr>
           </a:p>
         </p:txBody>
       </p:sp>
     </p:spTree>
     <p:extLst>
       <p:ext uri="{BB962C8B-B14F-4D97-AF65-F5344CB8AC3E}">
-        <p14:creationId xmlns:p14="http://schemas.microsoft.com/office/powerpoint/2010/main" val="3382823401"/>
+        <p14:creationId xmlns:p14="http://schemas.microsoft.com/office/powerpoint/2010/main" val="536532216"/>
       </p:ext>
     </p:extLst>
   </p:cSld>
@@ -9711,7 +9881,7 @@
           <p:cNvPr id="2" name="Titre 1">
             <a:extLst>
               <a:ext uri="{FF2B5EF4-FFF2-40B4-BE49-F238E27FC236}">
-                <a16:creationId xmlns:a16="http://schemas.microsoft.com/office/drawing/2014/main" id="{35BFE1B1-F62F-466E-B841-9F026843B1EE}"/>
+                <a16:creationId xmlns:a16="http://schemas.microsoft.com/office/drawing/2014/main" id="{834372B4-33DC-4F47-8E09-3C2879443338}"/>
               </a:ext>
             </a:extLst>
           </p:cNvPr>
@@ -9728,20 +9898,8 @@
           <a:lstStyle/>
           <a:p>
             <a:r>
-              <a:rPr lang="en-150" dirty="0"/>
-              <a:t>D</a:t>
-            </a:r>
-            <a:r>
               <a:rPr lang="fr-BE" dirty="0"/>
-              <a:t>i</a:t>
-            </a:r>
-            <a:r>
-              <a:rPr lang="en-150" dirty="0"/>
-              <a:t>c</a:t>
-            </a:r>
-            <a:r>
-              <a:rPr lang="fr-BE" dirty="0"/>
-              <a:t>t</a:t>
+              <a:t>L</a:t>
             </a:r>
             <a:r>
               <a:rPr lang="en-150" dirty="0" err="1"/>
@@ -9749,27 +9907,11 @@
             </a:r>
             <a:r>
               <a:rPr lang="fr-BE" dirty="0"/>
-              <a:t>o</a:t>
+              <a:t>s</a:t>
             </a:r>
             <a:r>
               <a:rPr lang="en-150" dirty="0"/>
-              <a:t>n</a:t>
-            </a:r>
-            <a:r>
-              <a:rPr lang="fr-BE" dirty="0"/>
-              <a:t>n</a:t>
-            </a:r>
-            <a:r>
-              <a:rPr lang="en-150" dirty="0"/>
-              <a:t>a</a:t>
-            </a:r>
-            <a:r>
-              <a:rPr lang="fr-BE" dirty="0"/>
-              <a:t>i</a:t>
-            </a:r>
-            <a:r>
-              <a:rPr lang="en-150" dirty="0"/>
-              <a:t>r</a:t>
+              <a:t>t</a:t>
             </a:r>
             <a:r>
               <a:rPr lang="fr-BE" dirty="0"/>
@@ -9788,7 +9930,7 @@
           <p:cNvPr id="3" name="Espace réservé du contenu 2">
             <a:extLst>
               <a:ext uri="{FF2B5EF4-FFF2-40B4-BE49-F238E27FC236}">
-                <a16:creationId xmlns:a16="http://schemas.microsoft.com/office/drawing/2014/main" id="{4199692A-F9D4-4D44-A0B0-F8D3DFD631FE}"/>
+                <a16:creationId xmlns:a16="http://schemas.microsoft.com/office/drawing/2014/main" id="{42425188-2AE9-4651-AD75-7785ED01846B}"/>
               </a:ext>
             </a:extLst>
           </p:cNvPr>
@@ -9805,151 +9947,52 @@
           <a:lstStyle/>
           <a:p>
             <a:r>
-              <a:rPr lang="en-150" dirty="0"/>
-              <a:t>m</a:t>
-            </a:r>
-            <a:r>
-              <a:rPr lang="fr-BE" dirty="0"/>
-              <a:t>y</a:t>
-            </a:r>
-            <a:r>
-              <a:rPr lang="en-150" dirty="0"/>
-              <a:t>_</a:t>
-            </a:r>
-            <a:r>
-              <a:rPr lang="fr-BE" dirty="0"/>
-              <a:t>d</a:t>
-            </a:r>
-            <a:r>
-              <a:rPr lang="en-150" dirty="0" err="1"/>
-              <a:t>i</a:t>
-            </a:r>
-            <a:r>
-              <a:rPr lang="fr-BE" dirty="0"/>
-              <a:t>c</a:t>
-            </a:r>
-            <a:r>
-              <a:rPr lang="en-150" dirty="0"/>
-              <a:t>t = { "</a:t>
-            </a:r>
-            <a:r>
-              <a:rPr lang="fr-BE" dirty="0"/>
-              <a:t>o</a:t>
-            </a:r>
-            <a:r>
-              <a:rPr lang="en-150" dirty="0"/>
-              <a:t>n</a:t>
-            </a:r>
-            <a:r>
-              <a:rPr lang="fr-BE" dirty="0"/>
-              <a:t>e</a:t>
-            </a:r>
-            <a:r>
-              <a:rPr lang="en-150" dirty="0"/>
-              <a:t>": "</a:t>
-            </a:r>
-            <a:r>
-              <a:rPr lang="fr-BE" dirty="0"/>
-              <a:t>u</a:t>
-            </a:r>
-            <a:r>
-              <a:rPr lang="en-150" dirty="0"/>
-              <a:t>n", "</a:t>
-            </a:r>
-            <a:r>
-              <a:rPr lang="fr-BE" dirty="0"/>
-              <a:t>t</a:t>
-            </a:r>
-            <a:r>
-              <a:rPr lang="en-150" dirty="0"/>
-              <a:t>w</a:t>
-            </a:r>
-            <a:r>
-              <a:rPr lang="fr-BE" dirty="0"/>
-              <a:t>o</a:t>
-            </a:r>
-            <a:r>
-              <a:rPr lang="en-150" dirty="0"/>
-              <a:t>": "</a:t>
-            </a:r>
-            <a:r>
-              <a:rPr lang="fr-BE" dirty="0"/>
-              <a:t>d</a:t>
-            </a:r>
-            <a:r>
-              <a:rPr lang="en-150" dirty="0" err="1"/>
-              <a:t>eux</a:t>
-            </a:r>
-            <a:r>
-              <a:rPr lang="en-150" dirty="0"/>
-              <a:t>", "three": "trois" }</a:t>
-            </a:r>
-          </a:p>
-          <a:p>
-            <a:r>
-              <a:rPr lang="en-150" dirty="0" err="1"/>
-              <a:t>my_dict</a:t>
-            </a:r>
-            <a:r>
-              <a:rPr lang="en-150" dirty="0"/>
-              <a:t>["two"]</a:t>
-            </a:r>
-          </a:p>
-          <a:p>
-            <a:r>
-              <a:rPr lang="en-150" dirty="0" err="1"/>
-              <a:t>my_dict</a:t>
-            </a:r>
-            <a:r>
-              <a:rPr lang="en-150" dirty="0"/>
-              <a:t>["four"] = "</a:t>
-            </a:r>
-            <a:r>
-              <a:rPr lang="en-150" dirty="0" err="1"/>
-              <a:t>quatre</a:t>
-            </a:r>
-            <a:r>
-              <a:rPr lang="en-150" dirty="0"/>
-              <a:t>"</a:t>
-            </a:r>
-          </a:p>
-          <a:p>
-            <a:r>
-              <a:rPr lang="en-150" dirty="0" err="1"/>
-              <a:t>my_dict.items</a:t>
-            </a:r>
-            <a:r>
-              <a:rPr lang="en-150" dirty="0"/>
-              <a:t>()</a:t>
-            </a:r>
-          </a:p>
-          <a:p>
-            <a:r>
-              <a:rPr lang="en-150" dirty="0" err="1"/>
-              <a:t>my_dict.keys</a:t>
-            </a:r>
-            <a:r>
-              <a:rPr lang="en-150" dirty="0"/>
-              <a:t>()</a:t>
-            </a:r>
-          </a:p>
-          <a:p>
-            <a:r>
-              <a:rPr lang="en-150" dirty="0" err="1"/>
-              <a:t>my_dict.values</a:t>
-            </a:r>
-            <a:r>
-              <a:rPr lang="en-150" dirty="0"/>
-              <a:t>()</a:t>
-            </a:r>
-            <a:endParaRPr lang="fr-BE" dirty="0"/>
+              <a:rPr lang="en-150" dirty="0" err="1">
+                <a:latin typeface="Consolas" panose="020B0609020204030204" pitchFamily="49" charset="0"/>
+              </a:rPr>
+              <a:t>my_list</a:t>
+            </a:r>
+            <a:r>
+              <a:rPr lang="en-150" dirty="0">
+                <a:latin typeface="Consolas" panose="020B0609020204030204" pitchFamily="49" charset="0"/>
+              </a:rPr>
+              <a:t>[2] = 5</a:t>
+            </a:r>
+          </a:p>
+          <a:p>
+            <a:r>
+              <a:rPr lang="en-150" dirty="0" err="1">
+                <a:latin typeface="Consolas" panose="020B0609020204030204" pitchFamily="49" charset="0"/>
+              </a:rPr>
+              <a:t>my_list.append</a:t>
+            </a:r>
+            <a:r>
+              <a:rPr lang="en-150" dirty="0">
+                <a:latin typeface="Consolas" panose="020B0609020204030204" pitchFamily="49" charset="0"/>
+              </a:rPr>
+              <a:t>(4)</a:t>
+            </a:r>
+          </a:p>
+          <a:p>
+            <a:r>
+              <a:rPr lang="en-150" dirty="0" err="1">
+                <a:latin typeface="Consolas" panose="020B0609020204030204" pitchFamily="49" charset="0"/>
+              </a:rPr>
+              <a:t>my_list.extend</a:t>
+            </a:r>
+            <a:r>
+              <a:rPr lang="en-150" dirty="0">
+                <a:latin typeface="Consolas" panose="020B0609020204030204" pitchFamily="49" charset="0"/>
+              </a:rPr>
+              <a:t>([4, 5, 6])</a:t>
+            </a:r>
           </a:p>
         </p:txBody>
       </p:sp>
     </p:spTree>
     <p:extLst>
       <p:ext uri="{BB962C8B-B14F-4D97-AF65-F5344CB8AC3E}">
-        <p14:creationId xmlns:p14="http://schemas.microsoft.com/office/powerpoint/2010/main" val="3332601789"/>
+        <p14:creationId xmlns:p14="http://schemas.microsoft.com/office/powerpoint/2010/main" val="3382823401"/>
       </p:ext>
     </p:extLst>
   </p:cSld>
@@ -9981,7 +10024,7 @@
           <p:cNvPr id="2" name="Titre 1">
             <a:extLst>
               <a:ext uri="{FF2B5EF4-FFF2-40B4-BE49-F238E27FC236}">
-                <a16:creationId xmlns:a16="http://schemas.microsoft.com/office/drawing/2014/main" id="{CE1352C1-DE35-415E-8BF5-13103C5DC8BD}"/>
+                <a16:creationId xmlns:a16="http://schemas.microsoft.com/office/drawing/2014/main" id="{35BFE1B1-F62F-466E-B841-9F026843B1EE}"/>
               </a:ext>
             </a:extLst>
           </p:cNvPr>
@@ -9999,19 +10042,11 @@
           <a:p>
             <a:r>
               <a:rPr lang="en-150" dirty="0"/>
-              <a:t>E</a:t>
+              <a:t>D</a:t>
             </a:r>
             <a:r>
               <a:rPr lang="fr-BE" dirty="0"/>
-              <a:t>x</a:t>
-            </a:r>
-            <a:r>
-              <a:rPr lang="en-150" dirty="0"/>
-              <a:t>e</a:t>
-            </a:r>
-            <a:r>
-              <a:rPr lang="fr-BE" dirty="0"/>
-              <a:t>r</a:t>
+              <a:t>i</a:t>
             </a:r>
             <a:r>
               <a:rPr lang="en-150" dirty="0"/>
@@ -10019,11 +10054,35 @@
             </a:r>
             <a:r>
               <a:rPr lang="fr-BE" dirty="0"/>
+              <a:t>t</a:t>
+            </a:r>
+            <a:r>
+              <a:rPr lang="en-150" dirty="0" err="1"/>
               <a:t>i</a:t>
             </a:r>
             <a:r>
+              <a:rPr lang="fr-BE" dirty="0"/>
+              <a:t>o</a:t>
+            </a:r>
+            <a:r>
               <a:rPr lang="en-150" dirty="0"/>
-              <a:t>c</a:t>
+              <a:t>n</a:t>
+            </a:r>
+            <a:r>
+              <a:rPr lang="fr-BE" dirty="0"/>
+              <a:t>n</a:t>
+            </a:r>
+            <a:r>
+              <a:rPr lang="en-150" dirty="0"/>
+              <a:t>a</a:t>
+            </a:r>
+            <a:r>
+              <a:rPr lang="fr-BE" dirty="0"/>
+              <a:t>i</a:t>
+            </a:r>
+            <a:r>
+              <a:rPr lang="en-150" dirty="0"/>
+              <a:t>r</a:t>
             </a:r>
             <a:r>
               <a:rPr lang="fr-BE" dirty="0"/>
@@ -10031,7 +10090,7 @@
             </a:r>
             <a:r>
               <a:rPr lang="en-150" dirty="0"/>
-              <a:t> 4</a:t>
+              <a:t>s</a:t>
             </a:r>
             <a:endParaRPr lang="fr-BE" dirty="0"/>
           </a:p>
@@ -10042,7 +10101,7 @@
           <p:cNvPr id="3" name="Espace réservé du contenu 2">
             <a:extLst>
               <a:ext uri="{FF2B5EF4-FFF2-40B4-BE49-F238E27FC236}">
-                <a16:creationId xmlns:a16="http://schemas.microsoft.com/office/drawing/2014/main" id="{2529069E-B452-41D0-9697-D2E4AD3588D7}"/>
+                <a16:creationId xmlns:a16="http://schemas.microsoft.com/office/drawing/2014/main" id="{4199692A-F9D4-4D44-A0B0-F8D3DFD631FE}"/>
               </a:ext>
             </a:extLst>
           </p:cNvPr>
@@ -10060,7 +10119,55 @@
           <a:p>
             <a:r>
               <a:rPr lang="en-150" dirty="0"/>
-              <a:t>S</a:t>
+              <a:t>m</a:t>
+            </a:r>
+            <a:r>
+              <a:rPr lang="fr-BE" dirty="0"/>
+              <a:t>y</a:t>
+            </a:r>
+            <a:r>
+              <a:rPr lang="en-150" dirty="0"/>
+              <a:t>_</a:t>
+            </a:r>
+            <a:r>
+              <a:rPr lang="fr-BE" dirty="0"/>
+              <a:t>d</a:t>
+            </a:r>
+            <a:r>
+              <a:rPr lang="en-150" dirty="0" err="1"/>
+              <a:t>i</a:t>
+            </a:r>
+            <a:r>
+              <a:rPr lang="fr-BE" dirty="0"/>
+              <a:t>c</a:t>
+            </a:r>
+            <a:r>
+              <a:rPr lang="en-150" dirty="0"/>
+              <a:t>t = { "</a:t>
+            </a:r>
+            <a:r>
+              <a:rPr lang="fr-BE" dirty="0"/>
+              <a:t>o</a:t>
+            </a:r>
+            <a:r>
+              <a:rPr lang="en-150" dirty="0"/>
+              <a:t>n</a:t>
+            </a:r>
+            <a:r>
+              <a:rPr lang="fr-BE" dirty="0"/>
+              <a:t>e</a:t>
+            </a:r>
+            <a:r>
+              <a:rPr lang="en-150" dirty="0"/>
+              <a:t>": "</a:t>
+            </a:r>
+            <a:r>
+              <a:rPr lang="fr-BE" dirty="0"/>
+              <a:t>u</a:t>
+            </a:r>
+            <a:r>
+              <a:rPr lang="en-150" dirty="0"/>
+              <a:t>n", "</a:t>
             </a:r>
             <a:r>
               <a:rPr lang="fr-BE" dirty="0"/>
@@ -10068,83 +10175,94 @@
             </a:r>
             <a:r>
               <a:rPr lang="en-150" dirty="0"/>
-              <a:t>r</a:t>
+              <a:t>w</a:t>
             </a:r>
             <a:r>
               <a:rPr lang="fr-BE" dirty="0"/>
-              <a:t>u</a:t>
+              <a:t>o</a:t>
             </a:r>
             <a:r>
               <a:rPr lang="en-150" dirty="0"/>
-              <a:t>c</a:t>
-            </a:r>
-            <a:r>
-              <a:rPr lang="fr-BE" dirty="0"/>
-              <a:t>t</a:t>
-            </a:r>
-            <a:r>
-              <a:rPr lang="en-150" dirty="0"/>
-              <a:t>u</a:t>
-            </a:r>
-            <a:r>
-              <a:rPr lang="fr-BE" dirty="0"/>
-              <a:t>r</a:t>
-            </a:r>
-            <a:r>
-              <a:rPr lang="en-150" dirty="0"/>
-              <a:t>e</a:t>
-            </a:r>
-            <a:r>
-              <a:rPr lang="fr-BE" dirty="0"/>
-              <a:t>s</a:t>
-            </a:r>
-            <a:r>
-              <a:rPr lang="en-150" dirty="0"/>
-              <a:t> </a:t>
+              <a:t>": "</a:t>
             </a:r>
             <a:r>
               <a:rPr lang="fr-BE" dirty="0"/>
               <a:t>d</a:t>
             </a:r>
             <a:r>
+              <a:rPr lang="en-150" dirty="0" err="1"/>
+              <a:t>eux</a:t>
+            </a:r>
+            <a:r>
               <a:rPr lang="en-150" dirty="0"/>
-              <a:t>e </a:t>
-            </a:r>
-            <a:r>
-              <a:rPr lang="fr-BE" dirty="0"/>
-              <a:t>d</a:t>
+              <a:t>", "three": "trois" }</a:t>
+            </a:r>
+          </a:p>
+          <a:p>
+            <a:r>
+              <a:rPr lang="en-150" dirty="0" err="1"/>
+              <a:t>my_dict</a:t>
             </a:r>
             <a:r>
               <a:rPr lang="en-150" dirty="0"/>
-              <a:t>o</a:t>
-            </a:r>
-            <a:r>
-              <a:rPr lang="fr-BE" dirty="0"/>
-              <a:t>n</a:t>
+              <a:t>["two"]</a:t>
+            </a:r>
+          </a:p>
+          <a:p>
+            <a:r>
+              <a:rPr lang="en-150" dirty="0" err="1"/>
+              <a:t>my_dict</a:t>
             </a:r>
             <a:r>
               <a:rPr lang="en-150" dirty="0"/>
-              <a:t>n</a:t>
-            </a:r>
-            <a:r>
-              <a:rPr lang="fr-BE" dirty="0"/>
-              <a:t>é</a:t>
+              <a:t>["four"] = "</a:t>
+            </a:r>
+            <a:r>
+              <a:rPr lang="en-150" dirty="0" err="1"/>
+              <a:t>quatre</a:t>
             </a:r>
             <a:r>
               <a:rPr lang="en-150" dirty="0"/>
-              <a:t>e</a:t>
-            </a:r>
-            <a:r>
-              <a:rPr lang="fr-BE" dirty="0"/>
-              <a:t>s</a:t>
-            </a:r>
+              <a:t>"</a:t>
+            </a:r>
+          </a:p>
+          <a:p>
+            <a:r>
+              <a:rPr lang="en-150" dirty="0" err="1"/>
+              <a:t>my_dict.items</a:t>
+            </a:r>
+            <a:r>
+              <a:rPr lang="en-150" dirty="0"/>
+              <a:t>()</a:t>
+            </a:r>
+          </a:p>
+          <a:p>
+            <a:r>
+              <a:rPr lang="en-150" dirty="0" err="1"/>
+              <a:t>my_dict.keys</a:t>
+            </a:r>
+            <a:r>
+              <a:rPr lang="en-150" dirty="0"/>
+              <a:t>()</a:t>
+            </a:r>
+          </a:p>
+          <a:p>
+            <a:r>
+              <a:rPr lang="en-150" dirty="0" err="1"/>
+              <a:t>my_dict.values</a:t>
+            </a:r>
+            <a:r>
+              <a:rPr lang="en-150" dirty="0"/>
+              <a:t>()</a:t>
+            </a:r>
+            <a:endParaRPr lang="fr-BE" dirty="0"/>
           </a:p>
         </p:txBody>
       </p:sp>
     </p:spTree>
     <p:extLst>
       <p:ext uri="{BB962C8B-B14F-4D97-AF65-F5344CB8AC3E}">
-        <p14:creationId xmlns:p14="http://schemas.microsoft.com/office/powerpoint/2010/main" val="1128532615"/>
+        <p14:creationId xmlns:p14="http://schemas.microsoft.com/office/powerpoint/2010/main" val="3332601789"/>
       </p:ext>
     </p:extLst>
   </p:cSld>
@@ -10173,10 +10291,10 @@
       </p:grpSpPr>
       <p:sp>
         <p:nvSpPr>
-          <p:cNvPr id="4" name="Titre 3">
+          <p:cNvPr id="2" name="Titre 1">
             <a:extLst>
               <a:ext uri="{FF2B5EF4-FFF2-40B4-BE49-F238E27FC236}">
-                <a16:creationId xmlns:a16="http://schemas.microsoft.com/office/drawing/2014/main" id="{7C12A1B3-30A1-44D3-964B-8F4B3150E160}"/>
+                <a16:creationId xmlns:a16="http://schemas.microsoft.com/office/drawing/2014/main" id="{CE1352C1-DE35-415E-8BF5-13103C5DC8BD}"/>
               </a:ext>
             </a:extLst>
           </p:cNvPr>
@@ -10193,23 +10311,51 @@
           <a:lstStyle/>
           <a:p>
             <a:r>
-              <a:rPr lang="en-US"/>
-              <a:t>Classes et </a:t>
-            </a:r>
-            <a:r>
-              <a:rPr lang="en-US" err="1"/>
-              <a:t>objets</a:t>
-            </a:r>
-            <a:endParaRPr lang="fr-BE"/>
-          </a:p>
-        </p:txBody>
-      </p:sp>
-      <p:sp>
-        <p:nvSpPr>
-          <p:cNvPr id="5" name="Espace réservé du texte 4">
+              <a:rPr lang="en-150" dirty="0"/>
+              <a:t>E</a:t>
+            </a:r>
+            <a:r>
+              <a:rPr lang="fr-BE" dirty="0"/>
+              <a:t>x</a:t>
+            </a:r>
+            <a:r>
+              <a:rPr lang="en-150" dirty="0"/>
+              <a:t>e</a:t>
+            </a:r>
+            <a:r>
+              <a:rPr lang="fr-BE" dirty="0"/>
+              <a:t>r</a:t>
+            </a:r>
+            <a:r>
+              <a:rPr lang="en-150" dirty="0"/>
+              <a:t>c</a:t>
+            </a:r>
+            <a:r>
+              <a:rPr lang="fr-BE" dirty="0"/>
+              <a:t>i</a:t>
+            </a:r>
+            <a:r>
+              <a:rPr lang="en-150" dirty="0"/>
+              <a:t>c</a:t>
+            </a:r>
+            <a:r>
+              <a:rPr lang="fr-BE" dirty="0"/>
+              <a:t>e</a:t>
+            </a:r>
+            <a:r>
+              <a:rPr lang="en-150" dirty="0"/>
+              <a:t> 4</a:t>
+            </a:r>
+            <a:endParaRPr lang="fr-BE" dirty="0"/>
+          </a:p>
+        </p:txBody>
+      </p:sp>
+      <p:sp>
+        <p:nvSpPr>
+          <p:cNvPr id="3" name="Espace réservé du contenu 2">
             <a:extLst>
               <a:ext uri="{FF2B5EF4-FFF2-40B4-BE49-F238E27FC236}">
-                <a16:creationId xmlns:a16="http://schemas.microsoft.com/office/drawing/2014/main" id="{5CB98627-E081-4135-900C-B01051FF44F0}"/>
+                <a16:creationId xmlns:a16="http://schemas.microsoft.com/office/drawing/2014/main" id="{2529069E-B452-41D0-9697-D2E4AD3588D7}"/>
               </a:ext>
             </a:extLst>
           </p:cNvPr>
@@ -10217,7 +10363,7 @@
             <a:spLocks noGrp="1"/>
           </p:cNvSpPr>
           <p:nvPr>
-            <p:ph type="body" idx="1"/>
+            <p:ph idx="1"/>
           </p:nvPr>
         </p:nvSpPr>
         <p:spPr/>
@@ -10225,14 +10371,93 @@
           <a:bodyPr/>
           <a:lstStyle/>
           <a:p>
-            <a:endParaRPr lang="fr-BE"/>
+            <a:r>
+              <a:rPr lang="en-150" dirty="0"/>
+              <a:t>S</a:t>
+            </a:r>
+            <a:r>
+              <a:rPr lang="fr-BE" dirty="0"/>
+              <a:t>t</a:t>
+            </a:r>
+            <a:r>
+              <a:rPr lang="en-150" dirty="0"/>
+              <a:t>r</a:t>
+            </a:r>
+            <a:r>
+              <a:rPr lang="fr-BE" dirty="0"/>
+              <a:t>u</a:t>
+            </a:r>
+            <a:r>
+              <a:rPr lang="en-150" dirty="0"/>
+              <a:t>c</a:t>
+            </a:r>
+            <a:r>
+              <a:rPr lang="fr-BE" dirty="0"/>
+              <a:t>t</a:t>
+            </a:r>
+            <a:r>
+              <a:rPr lang="en-150" dirty="0"/>
+              <a:t>u</a:t>
+            </a:r>
+            <a:r>
+              <a:rPr lang="fr-BE" dirty="0"/>
+              <a:t>r</a:t>
+            </a:r>
+            <a:r>
+              <a:rPr lang="en-150" dirty="0"/>
+              <a:t>e</a:t>
+            </a:r>
+            <a:r>
+              <a:rPr lang="fr-BE" dirty="0"/>
+              <a:t>s</a:t>
+            </a:r>
+            <a:r>
+              <a:rPr lang="en-150" dirty="0"/>
+              <a:t> </a:t>
+            </a:r>
+            <a:r>
+              <a:rPr lang="fr-BE" dirty="0"/>
+              <a:t>d</a:t>
+            </a:r>
+            <a:r>
+              <a:rPr lang="en-150" dirty="0"/>
+              <a:t>e </a:t>
+            </a:r>
+            <a:r>
+              <a:rPr lang="fr-BE" dirty="0"/>
+              <a:t>d</a:t>
+            </a:r>
+            <a:r>
+              <a:rPr lang="en-150" dirty="0"/>
+              <a:t>o</a:t>
+            </a:r>
+            <a:r>
+              <a:rPr lang="fr-BE" dirty="0"/>
+              <a:t>n</a:t>
+            </a:r>
+            <a:r>
+              <a:rPr lang="en-150" dirty="0"/>
+              <a:t>n</a:t>
+            </a:r>
+            <a:r>
+              <a:rPr lang="fr-BE" dirty="0"/>
+              <a:t>é</a:t>
+            </a:r>
+            <a:r>
+              <a:rPr lang="en-150" dirty="0"/>
+              <a:t>e</a:t>
+            </a:r>
+            <a:r>
+              <a:rPr lang="fr-BE" dirty="0"/>
+              <a:t>s</a:t>
+            </a:r>
           </a:p>
         </p:txBody>
       </p:sp>
     </p:spTree>
     <p:extLst>
       <p:ext uri="{BB962C8B-B14F-4D97-AF65-F5344CB8AC3E}">
-        <p14:creationId xmlns:p14="http://schemas.microsoft.com/office/powerpoint/2010/main" val="2278141950"/>
+        <p14:creationId xmlns:p14="http://schemas.microsoft.com/office/powerpoint/2010/main" val="1128532615"/>
       </p:ext>
     </p:extLst>
   </p:cSld>
@@ -10264,7 +10489,7 @@
           <p:cNvPr id="2" name="Titre 1">
             <a:extLst>
               <a:ext uri="{FF2B5EF4-FFF2-40B4-BE49-F238E27FC236}">
-                <a16:creationId xmlns:a16="http://schemas.microsoft.com/office/drawing/2014/main" id="{BEDBDA12-EB8E-428F-B7B1-D8B47CACE37A}"/>
+                <a16:creationId xmlns:a16="http://schemas.microsoft.com/office/drawing/2014/main" id="{4184C4FF-5245-44AA-9C81-64C7547E3FCF}"/>
               </a:ext>
             </a:extLst>
           </p:cNvPr>
@@ -10281,23 +10506,27 @@
           <a:lstStyle/>
           <a:p>
             <a:r>
-              <a:rPr lang="en-US"/>
-              <a:t>Conventions de </a:t>
-            </a:r>
-            <a:r>
-              <a:rPr lang="en-US" err="1"/>
-              <a:t>codage</a:t>
-            </a:r>
-            <a:endParaRPr lang="fr-BE"/>
-          </a:p>
-        </p:txBody>
-      </p:sp>
-      <p:sp>
-        <p:nvSpPr>
-          <p:cNvPr id="3" name="Espace réservé du texte 2">
+              <a:rPr lang="en-US" dirty="0" err="1"/>
+              <a:t>Compréhension</a:t>
+            </a:r>
+            <a:r>
+              <a:rPr lang="en-US" dirty="0"/>
+              <a:t> de </a:t>
+            </a:r>
+            <a:r>
+              <a:rPr lang="en-US" dirty="0" err="1"/>
+              <a:t>listes</a:t>
+            </a:r>
+            <a:endParaRPr lang="fr-BE" dirty="0"/>
+          </a:p>
+        </p:txBody>
+      </p:sp>
+      <p:sp>
+        <p:nvSpPr>
+          <p:cNvPr id="3" name="Espace réservé du contenu 2">
             <a:extLst>
               <a:ext uri="{FF2B5EF4-FFF2-40B4-BE49-F238E27FC236}">
-                <a16:creationId xmlns:a16="http://schemas.microsoft.com/office/drawing/2014/main" id="{B3CA63D6-C4B6-4FAB-A811-FBBC5D7185B5}"/>
+                <a16:creationId xmlns:a16="http://schemas.microsoft.com/office/drawing/2014/main" id="{C652C919-6B1D-411B-A88D-B511B9188979}"/>
               </a:ext>
             </a:extLst>
           </p:cNvPr>
@@ -10305,7 +10534,7 @@
             <a:spLocks noGrp="1"/>
           </p:cNvSpPr>
           <p:nvPr>
-            <p:ph type="body" idx="1"/>
+            <p:ph idx="1"/>
           </p:nvPr>
         </p:nvSpPr>
         <p:spPr/>
@@ -10313,14 +10542,95 @@
           <a:bodyPr/>
           <a:lstStyle/>
           <a:p>
-            <a:endParaRPr lang="fr-BE"/>
+            <a:pPr marL="0" indent="0">
+              <a:buNone/>
+            </a:pPr>
+            <a:r>
+              <a:rPr lang="en-US" dirty="0">
+                <a:latin typeface="Consolas" panose="020B0609020204030204" pitchFamily="49" charset="0"/>
+              </a:rPr>
+              <a:t>squared = []</a:t>
+            </a:r>
+          </a:p>
+          <a:p>
+            <a:pPr marL="0" indent="0">
+              <a:buNone/>
+            </a:pPr>
+            <a:r>
+              <a:rPr lang="en-US" dirty="0">
+                <a:latin typeface="Consolas" panose="020B0609020204030204" pitchFamily="49" charset="0"/>
+              </a:rPr>
+              <a:t>for x in range(10):</a:t>
+            </a:r>
+            <a:endParaRPr lang="fr-BE" dirty="0">
+              <a:latin typeface="Consolas" panose="020B0609020204030204" pitchFamily="49" charset="0"/>
+            </a:endParaRPr>
+          </a:p>
+          <a:p>
+            <a:pPr marL="0" indent="0">
+              <a:buNone/>
+            </a:pPr>
+            <a:r>
+              <a:rPr lang="fr-BE" dirty="0">
+                <a:latin typeface="Consolas" panose="020B0609020204030204" pitchFamily="49" charset="0"/>
+              </a:rPr>
+              <a:t>    </a:t>
+            </a:r>
+            <a:r>
+              <a:rPr lang="fr-BE" dirty="0" err="1">
+                <a:latin typeface="Consolas" panose="020B0609020204030204" pitchFamily="49" charset="0"/>
+              </a:rPr>
+              <a:t>squared.append</a:t>
+            </a:r>
+            <a:r>
+              <a:rPr lang="fr-BE" dirty="0">
+                <a:latin typeface="Consolas" panose="020B0609020204030204" pitchFamily="49" charset="0"/>
+              </a:rPr>
+              <a:t>(x ** 2)</a:t>
+            </a:r>
+          </a:p>
+          <a:p>
+            <a:pPr marL="0" indent="0">
+              <a:buNone/>
+            </a:pPr>
+            <a:endParaRPr lang="fr-BE" dirty="0">
+              <a:latin typeface="Consolas" panose="020B0609020204030204" pitchFamily="49" charset="0"/>
+            </a:endParaRPr>
+          </a:p>
+          <a:p>
+            <a:pPr marL="0" indent="0">
+              <a:buNone/>
+            </a:pPr>
+            <a:endParaRPr lang="fr-BE" dirty="0">
+              <a:latin typeface="Consolas" panose="020B0609020204030204" pitchFamily="49" charset="0"/>
+            </a:endParaRPr>
+          </a:p>
+          <a:p>
+            <a:pPr marL="0" indent="0">
+              <a:buNone/>
+            </a:pPr>
+            <a:r>
+              <a:rPr lang="fr-BE" dirty="0" err="1">
+                <a:latin typeface="Consolas" panose="020B0609020204030204" pitchFamily="49" charset="0"/>
+              </a:rPr>
+              <a:t>squared</a:t>
+            </a:r>
+            <a:r>
+              <a:rPr lang="fr-BE" dirty="0">
+                <a:latin typeface="Consolas" panose="020B0609020204030204" pitchFamily="49" charset="0"/>
+              </a:rPr>
+              <a:t> = [x ** 2 for x in range(10)]</a:t>
+            </a:r>
+            <a:endParaRPr lang="en-US" dirty="0">
+              <a:latin typeface="Consolas" panose="020B0609020204030204" pitchFamily="49" charset="0"/>
+            </a:endParaRPr>
           </a:p>
         </p:txBody>
       </p:sp>
     </p:spTree>
     <p:extLst>
       <p:ext uri="{BB962C8B-B14F-4D97-AF65-F5344CB8AC3E}">
-        <p14:creationId xmlns:p14="http://schemas.microsoft.com/office/powerpoint/2010/main" val="3429561253"/>
+        <p14:creationId xmlns:p14="http://schemas.microsoft.com/office/powerpoint/2010/main" val="3781102486"/>
       </p:ext>
     </p:extLst>
   </p:cSld>
@@ -10646,6 +10956,826 @@
     <p:extLst>
       <p:ext uri="{BB962C8B-B14F-4D97-AF65-F5344CB8AC3E}">
         <p14:creationId xmlns:p14="http://schemas.microsoft.com/office/powerpoint/2010/main" val="403942258"/>
+      </p:ext>
+    </p:extLst>
+  </p:cSld>
+  <p:clrMapOvr>
+    <a:masterClrMapping/>
+  </p:clrMapOvr>
+</p:sld>
+</file>
+
+<file path=ppt/slides/slide30.xml><?xml version="1.0" encoding="utf-8"?>
+<p:sld xmlns:a="http://schemas.openxmlformats.org/drawingml/2006/main" xmlns:r="http://schemas.openxmlformats.org/officeDocument/2006/relationships" xmlns:p="http://schemas.openxmlformats.org/presentationml/2006/main">
+  <p:cSld>
+    <p:spTree>
+      <p:nvGrpSpPr>
+        <p:cNvPr id="1" name=""/>
+        <p:cNvGrpSpPr/>
+        <p:nvPr/>
+      </p:nvGrpSpPr>
+      <p:grpSpPr>
+        <a:xfrm>
+          <a:off x="0" y="0"/>
+          <a:ext cx="0" cy="0"/>
+          <a:chOff x="0" y="0"/>
+          <a:chExt cx="0" cy="0"/>
+        </a:xfrm>
+      </p:grpSpPr>
+      <p:sp>
+        <p:nvSpPr>
+          <p:cNvPr id="2" name="Titre 1">
+            <a:extLst>
+              <a:ext uri="{FF2B5EF4-FFF2-40B4-BE49-F238E27FC236}">
+                <a16:creationId xmlns:a16="http://schemas.microsoft.com/office/drawing/2014/main" id="{4184C4FF-5245-44AA-9C81-64C7547E3FCF}"/>
+              </a:ext>
+            </a:extLst>
+          </p:cNvPr>
+          <p:cNvSpPr>
+            <a:spLocks noGrp="1"/>
+          </p:cNvSpPr>
+          <p:nvPr>
+            <p:ph type="title"/>
+          </p:nvPr>
+        </p:nvSpPr>
+        <p:spPr/>
+        <p:txBody>
+          <a:bodyPr/>
+          <a:lstStyle/>
+          <a:p>
+            <a:r>
+              <a:rPr lang="en-US" dirty="0" err="1"/>
+              <a:t>Compréhension</a:t>
+            </a:r>
+            <a:r>
+              <a:rPr lang="en-US" dirty="0"/>
+              <a:t> de </a:t>
+            </a:r>
+            <a:r>
+              <a:rPr lang="en-US" dirty="0" err="1"/>
+              <a:t>listes</a:t>
+            </a:r>
+            <a:endParaRPr lang="fr-BE" dirty="0"/>
+          </a:p>
+        </p:txBody>
+      </p:sp>
+      <p:sp>
+        <p:nvSpPr>
+          <p:cNvPr id="3" name="Espace réservé du contenu 2">
+            <a:extLst>
+              <a:ext uri="{FF2B5EF4-FFF2-40B4-BE49-F238E27FC236}">
+                <a16:creationId xmlns:a16="http://schemas.microsoft.com/office/drawing/2014/main" id="{C652C919-6B1D-411B-A88D-B511B9188979}"/>
+              </a:ext>
+            </a:extLst>
+          </p:cNvPr>
+          <p:cNvSpPr>
+            <a:spLocks noGrp="1"/>
+          </p:cNvSpPr>
+          <p:nvPr>
+            <p:ph idx="1"/>
+          </p:nvPr>
+        </p:nvSpPr>
+        <p:spPr/>
+        <p:txBody>
+          <a:bodyPr/>
+          <a:lstStyle/>
+          <a:p>
+            <a:pPr marL="0" indent="0">
+              <a:buNone/>
+            </a:pPr>
+            <a:r>
+              <a:rPr lang="en-US" dirty="0">
+                <a:latin typeface="Consolas" panose="020B0609020204030204" pitchFamily="49" charset="0"/>
+              </a:rPr>
+              <a:t>tuples = []</a:t>
+            </a:r>
+          </a:p>
+          <a:p>
+            <a:pPr marL="0" indent="0">
+              <a:buNone/>
+            </a:pPr>
+            <a:r>
+              <a:rPr lang="en-US" dirty="0">
+                <a:latin typeface="Consolas" panose="020B0609020204030204" pitchFamily="49" charset="0"/>
+              </a:rPr>
+              <a:t>for x in range(10):</a:t>
+            </a:r>
+          </a:p>
+          <a:p>
+            <a:pPr marL="0" indent="0">
+              <a:buNone/>
+            </a:pPr>
+            <a:r>
+              <a:rPr lang="en-US" dirty="0">
+                <a:latin typeface="Consolas" panose="020B0609020204030204" pitchFamily="49" charset="0"/>
+              </a:rPr>
+              <a:t>    for y in range(10):</a:t>
+            </a:r>
+          </a:p>
+          <a:p>
+            <a:pPr marL="0" indent="0">
+              <a:buNone/>
+            </a:pPr>
+            <a:r>
+              <a:rPr lang="en-US" dirty="0">
+                <a:latin typeface="Consolas" panose="020B0609020204030204" pitchFamily="49" charset="0"/>
+              </a:rPr>
+              <a:t>        if x != y:</a:t>
+            </a:r>
+          </a:p>
+          <a:p>
+            <a:pPr marL="0" indent="0">
+              <a:buNone/>
+            </a:pPr>
+            <a:r>
+              <a:rPr lang="en-US" dirty="0">
+                <a:latin typeface="Consolas" panose="020B0609020204030204" pitchFamily="49" charset="0"/>
+              </a:rPr>
+              <a:t>            </a:t>
+            </a:r>
+            <a:r>
+              <a:rPr lang="en-US" dirty="0" err="1">
+                <a:latin typeface="Consolas" panose="020B0609020204030204" pitchFamily="49" charset="0"/>
+              </a:rPr>
+              <a:t>tuples.append</a:t>
+            </a:r>
+            <a:r>
+              <a:rPr lang="en-US" dirty="0">
+                <a:latin typeface="Consolas" panose="020B0609020204030204" pitchFamily="49" charset="0"/>
+              </a:rPr>
+              <a:t>((x, y))</a:t>
+            </a:r>
+          </a:p>
+          <a:p>
+            <a:pPr marL="0" indent="0">
+              <a:buNone/>
+            </a:pPr>
+            <a:endParaRPr lang="en-US" dirty="0">
+              <a:latin typeface="Consolas" panose="020B0609020204030204" pitchFamily="49" charset="0"/>
+            </a:endParaRPr>
+          </a:p>
+          <a:p>
+            <a:pPr marL="0" indent="0">
+              <a:buNone/>
+            </a:pPr>
+            <a:r>
+              <a:rPr lang="en-US" dirty="0">
+                <a:latin typeface="Consolas" panose="020B0609020204030204" pitchFamily="49" charset="0"/>
+              </a:rPr>
+              <a:t>tuples = [(x, y) for x in range(10) for y in range(10) if x != y]</a:t>
+            </a:r>
+          </a:p>
+        </p:txBody>
+      </p:sp>
+    </p:spTree>
+    <p:extLst>
+      <p:ext uri="{BB962C8B-B14F-4D97-AF65-F5344CB8AC3E}">
+        <p14:creationId xmlns:p14="http://schemas.microsoft.com/office/powerpoint/2010/main" val="1383312508"/>
+      </p:ext>
+    </p:extLst>
+  </p:cSld>
+  <p:clrMapOvr>
+    <a:masterClrMapping/>
+  </p:clrMapOvr>
+</p:sld>
+</file>
+
+<file path=ppt/slides/slide31.xml><?xml version="1.0" encoding="utf-8"?>
+<p:sld xmlns:a="http://schemas.openxmlformats.org/drawingml/2006/main" xmlns:r="http://schemas.openxmlformats.org/officeDocument/2006/relationships" xmlns:p="http://schemas.openxmlformats.org/presentationml/2006/main">
+  <p:cSld>
+    <p:spTree>
+      <p:nvGrpSpPr>
+        <p:cNvPr id="1" name=""/>
+        <p:cNvGrpSpPr/>
+        <p:nvPr/>
+      </p:nvGrpSpPr>
+      <p:grpSpPr>
+        <a:xfrm>
+          <a:off x="0" y="0"/>
+          <a:ext cx="0" cy="0"/>
+          <a:chOff x="0" y="0"/>
+          <a:chExt cx="0" cy="0"/>
+        </a:xfrm>
+      </p:grpSpPr>
+      <p:sp>
+        <p:nvSpPr>
+          <p:cNvPr id="2" name="Titre 1">
+            <a:extLst>
+              <a:ext uri="{FF2B5EF4-FFF2-40B4-BE49-F238E27FC236}">
+                <a16:creationId xmlns:a16="http://schemas.microsoft.com/office/drawing/2014/main" id="{6E971868-6375-4ACA-AA55-1DC80AE8AD92}"/>
+              </a:ext>
+            </a:extLst>
+          </p:cNvPr>
+          <p:cNvSpPr>
+            <a:spLocks noGrp="1"/>
+          </p:cNvSpPr>
+          <p:nvPr>
+            <p:ph type="title"/>
+          </p:nvPr>
+        </p:nvSpPr>
+        <p:spPr/>
+        <p:txBody>
+          <a:bodyPr/>
+          <a:lstStyle/>
+          <a:p>
+            <a:r>
+              <a:rPr lang="en-US" dirty="0"/>
+              <a:t>Lecture de </a:t>
+            </a:r>
+            <a:r>
+              <a:rPr lang="en-US" dirty="0" err="1"/>
+              <a:t>fichiers</a:t>
+            </a:r>
+            <a:endParaRPr lang="fr-BE" dirty="0"/>
+          </a:p>
+        </p:txBody>
+      </p:sp>
+      <p:sp>
+        <p:nvSpPr>
+          <p:cNvPr id="3" name="Espace réservé du contenu 2">
+            <a:extLst>
+              <a:ext uri="{FF2B5EF4-FFF2-40B4-BE49-F238E27FC236}">
+                <a16:creationId xmlns:a16="http://schemas.microsoft.com/office/drawing/2014/main" id="{10B4CE25-5FD2-43D6-AA10-8B832FDB5A6D}"/>
+              </a:ext>
+            </a:extLst>
+          </p:cNvPr>
+          <p:cNvSpPr>
+            <a:spLocks noGrp="1"/>
+          </p:cNvSpPr>
+          <p:nvPr>
+            <p:ph idx="1"/>
+          </p:nvPr>
+        </p:nvSpPr>
+        <p:spPr/>
+        <p:txBody>
+          <a:bodyPr/>
+          <a:lstStyle/>
+          <a:p>
+            <a:r>
+              <a:rPr lang="en-US" dirty="0" err="1">
+                <a:latin typeface="Consolas" panose="020B0609020204030204" pitchFamily="49" charset="0"/>
+              </a:rPr>
+              <a:t>my_file</a:t>
+            </a:r>
+            <a:r>
+              <a:rPr lang="en-US" dirty="0">
+                <a:latin typeface="Consolas" panose="020B0609020204030204" pitchFamily="49" charset="0"/>
+              </a:rPr>
+              <a:t> = open("my_file.txt")</a:t>
+            </a:r>
+          </a:p>
+          <a:p>
+            <a:r>
+              <a:rPr lang="en-US" dirty="0" err="1">
+                <a:latin typeface="Consolas" panose="020B0609020204030204" pitchFamily="49" charset="0"/>
+              </a:rPr>
+              <a:t>my_file.readline</a:t>
+            </a:r>
+            <a:r>
+              <a:rPr lang="en-US" dirty="0">
+                <a:latin typeface="Consolas" panose="020B0609020204030204" pitchFamily="49" charset="0"/>
+              </a:rPr>
+              <a:t>()</a:t>
+            </a:r>
+          </a:p>
+          <a:p>
+            <a:r>
+              <a:rPr lang="en-US" dirty="0">
+                <a:latin typeface="Consolas" panose="020B0609020204030204" pitchFamily="49" charset="0"/>
+              </a:rPr>
+              <a:t>for line in </a:t>
+            </a:r>
+            <a:r>
+              <a:rPr lang="en-US" dirty="0" err="1">
+                <a:latin typeface="Consolas" panose="020B0609020204030204" pitchFamily="49" charset="0"/>
+              </a:rPr>
+              <a:t>my_file</a:t>
+            </a:r>
+            <a:r>
+              <a:rPr lang="en-US" dirty="0">
+                <a:latin typeface="Consolas" panose="020B0609020204030204" pitchFamily="49" charset="0"/>
+              </a:rPr>
+              <a:t>:</a:t>
+            </a:r>
+          </a:p>
+          <a:p>
+            <a:r>
+              <a:rPr lang="en-US" dirty="0">
+                <a:latin typeface="Consolas" panose="020B0609020204030204" pitchFamily="49" charset="0"/>
+              </a:rPr>
+              <a:t>    print(</a:t>
+            </a:r>
+            <a:r>
+              <a:rPr lang="en-US" dirty="0" err="1">
+                <a:latin typeface="Consolas" panose="020B0609020204030204" pitchFamily="49" charset="0"/>
+              </a:rPr>
+              <a:t>line.strip</a:t>
+            </a:r>
+            <a:r>
+              <a:rPr lang="en-US" dirty="0">
+                <a:latin typeface="Consolas" panose="020B0609020204030204" pitchFamily="49" charset="0"/>
+              </a:rPr>
+              <a:t>())</a:t>
+            </a:r>
+          </a:p>
+          <a:p>
+            <a:r>
+              <a:rPr lang="fr-BE" dirty="0" err="1">
+                <a:latin typeface="Consolas" panose="020B0609020204030204" pitchFamily="49" charset="0"/>
+              </a:rPr>
+              <a:t>my_file.close</a:t>
+            </a:r>
+            <a:r>
+              <a:rPr lang="fr-BE" dirty="0">
+                <a:latin typeface="Consolas" panose="020B0609020204030204" pitchFamily="49" charset="0"/>
+              </a:rPr>
+              <a:t>()</a:t>
+            </a:r>
+          </a:p>
+        </p:txBody>
+      </p:sp>
+    </p:spTree>
+    <p:extLst>
+      <p:ext uri="{BB962C8B-B14F-4D97-AF65-F5344CB8AC3E}">
+        <p14:creationId xmlns:p14="http://schemas.microsoft.com/office/powerpoint/2010/main" val="3620625972"/>
+      </p:ext>
+    </p:extLst>
+  </p:cSld>
+  <p:clrMapOvr>
+    <a:masterClrMapping/>
+  </p:clrMapOvr>
+</p:sld>
+</file>
+
+<file path=ppt/slides/slide32.xml><?xml version="1.0" encoding="utf-8"?>
+<p:sld xmlns:a="http://schemas.openxmlformats.org/drawingml/2006/main" xmlns:r="http://schemas.openxmlformats.org/officeDocument/2006/relationships" xmlns:p="http://schemas.openxmlformats.org/presentationml/2006/main">
+  <p:cSld>
+    <p:spTree>
+      <p:nvGrpSpPr>
+        <p:cNvPr id="1" name=""/>
+        <p:cNvGrpSpPr/>
+        <p:nvPr/>
+      </p:nvGrpSpPr>
+      <p:grpSpPr>
+        <a:xfrm>
+          <a:off x="0" y="0"/>
+          <a:ext cx="0" cy="0"/>
+          <a:chOff x="0" y="0"/>
+          <a:chExt cx="0" cy="0"/>
+        </a:xfrm>
+      </p:grpSpPr>
+      <p:sp>
+        <p:nvSpPr>
+          <p:cNvPr id="2" name="Titre 1">
+            <a:extLst>
+              <a:ext uri="{FF2B5EF4-FFF2-40B4-BE49-F238E27FC236}">
+                <a16:creationId xmlns:a16="http://schemas.microsoft.com/office/drawing/2014/main" id="{6E971868-6375-4ACA-AA55-1DC80AE8AD92}"/>
+              </a:ext>
+            </a:extLst>
+          </p:cNvPr>
+          <p:cNvSpPr>
+            <a:spLocks noGrp="1"/>
+          </p:cNvSpPr>
+          <p:nvPr>
+            <p:ph type="title"/>
+          </p:nvPr>
+        </p:nvSpPr>
+        <p:spPr/>
+        <p:txBody>
+          <a:bodyPr/>
+          <a:lstStyle/>
+          <a:p>
+            <a:r>
+              <a:rPr lang="en-US" dirty="0" err="1"/>
+              <a:t>Gestionnaire</a:t>
+            </a:r>
+            <a:r>
+              <a:rPr lang="en-US" dirty="0"/>
+              <a:t> de </a:t>
+            </a:r>
+            <a:r>
+              <a:rPr lang="en-US" dirty="0" err="1"/>
+              <a:t>contexte</a:t>
+            </a:r>
+            <a:endParaRPr lang="fr-BE" dirty="0"/>
+          </a:p>
+        </p:txBody>
+      </p:sp>
+      <p:sp>
+        <p:nvSpPr>
+          <p:cNvPr id="3" name="Espace réservé du contenu 2">
+            <a:extLst>
+              <a:ext uri="{FF2B5EF4-FFF2-40B4-BE49-F238E27FC236}">
+                <a16:creationId xmlns:a16="http://schemas.microsoft.com/office/drawing/2014/main" id="{10B4CE25-5FD2-43D6-AA10-8B832FDB5A6D}"/>
+              </a:ext>
+            </a:extLst>
+          </p:cNvPr>
+          <p:cNvSpPr>
+            <a:spLocks noGrp="1"/>
+          </p:cNvSpPr>
+          <p:nvPr>
+            <p:ph idx="1"/>
+          </p:nvPr>
+        </p:nvSpPr>
+        <p:spPr/>
+        <p:txBody>
+          <a:bodyPr/>
+          <a:lstStyle/>
+          <a:p>
+            <a:r>
+              <a:rPr lang="en-US" dirty="0">
+                <a:latin typeface="Consolas" panose="020B0609020204030204" pitchFamily="49" charset="0"/>
+              </a:rPr>
+              <a:t>with open("my_file.txt", encoding="utf-8") as </a:t>
+            </a:r>
+            <a:r>
+              <a:rPr lang="en-US" dirty="0" err="1">
+                <a:latin typeface="Consolas" panose="020B0609020204030204" pitchFamily="49" charset="0"/>
+              </a:rPr>
+              <a:t>my_file</a:t>
+            </a:r>
+            <a:r>
+              <a:rPr lang="en-US" dirty="0">
+                <a:latin typeface="Consolas" panose="020B0609020204030204" pitchFamily="49" charset="0"/>
+              </a:rPr>
+              <a:t>:</a:t>
+            </a:r>
+          </a:p>
+          <a:p>
+            <a:r>
+              <a:rPr lang="en-US" dirty="0">
+                <a:latin typeface="Consolas" panose="020B0609020204030204" pitchFamily="49" charset="0"/>
+              </a:rPr>
+              <a:t>    </a:t>
+            </a:r>
+            <a:r>
+              <a:rPr lang="en-US" dirty="0" err="1">
+                <a:latin typeface="Consolas" panose="020B0609020204030204" pitchFamily="49" charset="0"/>
+              </a:rPr>
+              <a:t>my_file.readline</a:t>
+            </a:r>
+            <a:r>
+              <a:rPr lang="en-US" dirty="0">
+                <a:latin typeface="Consolas" panose="020B0609020204030204" pitchFamily="49" charset="0"/>
+              </a:rPr>
+              <a:t>()</a:t>
+            </a:r>
+          </a:p>
+          <a:p>
+            <a:r>
+              <a:rPr lang="en-US" dirty="0">
+                <a:latin typeface="Consolas" panose="020B0609020204030204" pitchFamily="49" charset="0"/>
+              </a:rPr>
+              <a:t>    for line in </a:t>
+            </a:r>
+            <a:r>
+              <a:rPr lang="en-US" dirty="0" err="1">
+                <a:latin typeface="Consolas" panose="020B0609020204030204" pitchFamily="49" charset="0"/>
+              </a:rPr>
+              <a:t>my_file</a:t>
+            </a:r>
+            <a:r>
+              <a:rPr lang="en-US" dirty="0">
+                <a:latin typeface="Consolas" panose="020B0609020204030204" pitchFamily="49" charset="0"/>
+              </a:rPr>
+              <a:t>:</a:t>
+            </a:r>
+          </a:p>
+          <a:p>
+            <a:r>
+              <a:rPr lang="en-US" dirty="0">
+                <a:latin typeface="Consolas" panose="020B0609020204030204" pitchFamily="49" charset="0"/>
+              </a:rPr>
+              <a:t>        print(</a:t>
+            </a:r>
+            <a:r>
+              <a:rPr lang="en-US" dirty="0" err="1">
+                <a:latin typeface="Consolas" panose="020B0609020204030204" pitchFamily="49" charset="0"/>
+              </a:rPr>
+              <a:t>line.strip</a:t>
+            </a:r>
+            <a:r>
+              <a:rPr lang="en-US" dirty="0">
+                <a:latin typeface="Consolas" panose="020B0609020204030204" pitchFamily="49" charset="0"/>
+              </a:rPr>
+              <a:t>())</a:t>
+            </a:r>
+          </a:p>
+          <a:p>
+            <a:endParaRPr lang="en-US" dirty="0">
+              <a:latin typeface="Consolas" panose="020B0609020204030204" pitchFamily="49" charset="0"/>
+            </a:endParaRPr>
+          </a:p>
+          <a:p>
+            <a:r>
+              <a:rPr lang="en-US" dirty="0">
+                <a:latin typeface="Consolas" panose="020B0609020204030204" pitchFamily="49" charset="0"/>
+              </a:rPr>
+              <a:t>with open("output.txt", "w", encoding="utf-8") as </a:t>
+            </a:r>
+            <a:r>
+              <a:rPr lang="en-US" dirty="0" err="1">
+                <a:latin typeface="Consolas" panose="020B0609020204030204" pitchFamily="49" charset="0"/>
+              </a:rPr>
+              <a:t>out_file</a:t>
+            </a:r>
+            <a:r>
+              <a:rPr lang="en-US" dirty="0">
+                <a:latin typeface="Consolas" panose="020B0609020204030204" pitchFamily="49" charset="0"/>
+              </a:rPr>
+              <a:t>:</a:t>
+            </a:r>
+          </a:p>
+          <a:p>
+            <a:r>
+              <a:rPr lang="en-US" dirty="0">
+                <a:latin typeface="Consolas" panose="020B0609020204030204" pitchFamily="49" charset="0"/>
+              </a:rPr>
+              <a:t>    write("Hello\n")</a:t>
+            </a:r>
+          </a:p>
+          <a:p>
+            <a:r>
+              <a:rPr lang="en-US" dirty="0">
+                <a:latin typeface="Consolas" panose="020B0609020204030204" pitchFamily="49" charset="0"/>
+              </a:rPr>
+              <a:t>    write("World!\n")</a:t>
+            </a:r>
+          </a:p>
+        </p:txBody>
+      </p:sp>
+    </p:spTree>
+    <p:extLst>
+      <p:ext uri="{BB962C8B-B14F-4D97-AF65-F5344CB8AC3E}">
+        <p14:creationId xmlns:p14="http://schemas.microsoft.com/office/powerpoint/2010/main" val="1090092515"/>
+      </p:ext>
+    </p:extLst>
+  </p:cSld>
+  <p:clrMapOvr>
+    <a:masterClrMapping/>
+  </p:clrMapOvr>
+</p:sld>
+</file>
+
+<file path=ppt/slides/slide33.xml><?xml version="1.0" encoding="utf-8"?>
+<p:sld xmlns:a="http://schemas.openxmlformats.org/drawingml/2006/main" xmlns:r="http://schemas.openxmlformats.org/officeDocument/2006/relationships" xmlns:p="http://schemas.openxmlformats.org/presentationml/2006/main">
+  <p:cSld>
+    <p:spTree>
+      <p:nvGrpSpPr>
+        <p:cNvPr id="1" name=""/>
+        <p:cNvGrpSpPr/>
+        <p:nvPr/>
+      </p:nvGrpSpPr>
+      <p:grpSpPr>
+        <a:xfrm>
+          <a:off x="0" y="0"/>
+          <a:ext cx="0" cy="0"/>
+          <a:chOff x="0" y="0"/>
+          <a:chExt cx="0" cy="0"/>
+        </a:xfrm>
+      </p:grpSpPr>
+      <p:sp>
+        <p:nvSpPr>
+          <p:cNvPr id="2" name="Titre 1">
+            <a:extLst>
+              <a:ext uri="{FF2B5EF4-FFF2-40B4-BE49-F238E27FC236}">
+                <a16:creationId xmlns:a16="http://schemas.microsoft.com/office/drawing/2014/main" id="{26253EF5-D284-4745-A7C2-AF2C4FDE1EAC}"/>
+              </a:ext>
+            </a:extLst>
+          </p:cNvPr>
+          <p:cNvSpPr>
+            <a:spLocks noGrp="1"/>
+          </p:cNvSpPr>
+          <p:nvPr>
+            <p:ph type="title"/>
+          </p:nvPr>
+        </p:nvSpPr>
+        <p:spPr/>
+        <p:txBody>
+          <a:bodyPr/>
+          <a:lstStyle/>
+          <a:p>
+            <a:r>
+              <a:rPr lang="en-US" dirty="0" err="1"/>
+              <a:t>Exercice</a:t>
+            </a:r>
+            <a:r>
+              <a:rPr lang="en-US" dirty="0"/>
+              <a:t> 5</a:t>
+            </a:r>
+            <a:endParaRPr lang="fr-BE" dirty="0"/>
+          </a:p>
+        </p:txBody>
+      </p:sp>
+      <p:sp>
+        <p:nvSpPr>
+          <p:cNvPr id="3" name="Espace réservé du contenu 2">
+            <a:extLst>
+              <a:ext uri="{FF2B5EF4-FFF2-40B4-BE49-F238E27FC236}">
+                <a16:creationId xmlns:a16="http://schemas.microsoft.com/office/drawing/2014/main" id="{F882DB01-65AE-4F08-96AA-C164C048FFAF}"/>
+              </a:ext>
+            </a:extLst>
+          </p:cNvPr>
+          <p:cNvSpPr>
+            <a:spLocks noGrp="1"/>
+          </p:cNvSpPr>
+          <p:nvPr>
+            <p:ph idx="1"/>
+          </p:nvPr>
+        </p:nvSpPr>
+        <p:spPr/>
+        <p:txBody>
+          <a:bodyPr/>
+          <a:lstStyle/>
+          <a:p>
+            <a:r>
+              <a:rPr lang="en-US" dirty="0" err="1"/>
+              <a:t>Fichiers</a:t>
+            </a:r>
+            <a:endParaRPr lang="fr-BE" dirty="0"/>
+          </a:p>
+        </p:txBody>
+      </p:sp>
+    </p:spTree>
+    <p:extLst>
+      <p:ext uri="{BB962C8B-B14F-4D97-AF65-F5344CB8AC3E}">
+        <p14:creationId xmlns:p14="http://schemas.microsoft.com/office/powerpoint/2010/main" val="2966865568"/>
+      </p:ext>
+    </p:extLst>
+  </p:cSld>
+  <p:clrMapOvr>
+    <a:masterClrMapping/>
+  </p:clrMapOvr>
+</p:sld>
+</file>
+
+<file path=ppt/slides/slide34.xml><?xml version="1.0" encoding="utf-8"?>
+<p:sld xmlns:a="http://schemas.openxmlformats.org/drawingml/2006/main" xmlns:r="http://schemas.openxmlformats.org/officeDocument/2006/relationships" xmlns:p="http://schemas.openxmlformats.org/presentationml/2006/main">
+  <p:cSld>
+    <p:spTree>
+      <p:nvGrpSpPr>
+        <p:cNvPr id="1" name=""/>
+        <p:cNvGrpSpPr/>
+        <p:nvPr/>
+      </p:nvGrpSpPr>
+      <p:grpSpPr>
+        <a:xfrm>
+          <a:off x="0" y="0"/>
+          <a:ext cx="0" cy="0"/>
+          <a:chOff x="0" y="0"/>
+          <a:chExt cx="0" cy="0"/>
+        </a:xfrm>
+      </p:grpSpPr>
+      <p:sp>
+        <p:nvSpPr>
+          <p:cNvPr id="4" name="Titre 3">
+            <a:extLst>
+              <a:ext uri="{FF2B5EF4-FFF2-40B4-BE49-F238E27FC236}">
+                <a16:creationId xmlns:a16="http://schemas.microsoft.com/office/drawing/2014/main" id="{7C12A1B3-30A1-44D3-964B-8F4B3150E160}"/>
+              </a:ext>
+            </a:extLst>
+          </p:cNvPr>
+          <p:cNvSpPr>
+            <a:spLocks noGrp="1"/>
+          </p:cNvSpPr>
+          <p:nvPr>
+            <p:ph type="title"/>
+          </p:nvPr>
+        </p:nvSpPr>
+        <p:spPr/>
+        <p:txBody>
+          <a:bodyPr/>
+          <a:lstStyle/>
+          <a:p>
+            <a:r>
+              <a:rPr lang="en-US"/>
+              <a:t>Classes et </a:t>
+            </a:r>
+            <a:r>
+              <a:rPr lang="en-US" err="1"/>
+              <a:t>objets</a:t>
+            </a:r>
+            <a:endParaRPr lang="fr-BE"/>
+          </a:p>
+        </p:txBody>
+      </p:sp>
+      <p:sp>
+        <p:nvSpPr>
+          <p:cNvPr id="5" name="Espace réservé du texte 4">
+            <a:extLst>
+              <a:ext uri="{FF2B5EF4-FFF2-40B4-BE49-F238E27FC236}">
+                <a16:creationId xmlns:a16="http://schemas.microsoft.com/office/drawing/2014/main" id="{5CB98627-E081-4135-900C-B01051FF44F0}"/>
+              </a:ext>
+            </a:extLst>
+          </p:cNvPr>
+          <p:cNvSpPr>
+            <a:spLocks noGrp="1"/>
+          </p:cNvSpPr>
+          <p:nvPr>
+            <p:ph type="body" idx="1"/>
+          </p:nvPr>
+        </p:nvSpPr>
+        <p:spPr/>
+        <p:txBody>
+          <a:bodyPr/>
+          <a:lstStyle/>
+          <a:p>
+            <a:endParaRPr lang="fr-BE"/>
+          </a:p>
+        </p:txBody>
+      </p:sp>
+    </p:spTree>
+    <p:extLst>
+      <p:ext uri="{BB962C8B-B14F-4D97-AF65-F5344CB8AC3E}">
+        <p14:creationId xmlns:p14="http://schemas.microsoft.com/office/powerpoint/2010/main" val="2278141950"/>
+      </p:ext>
+    </p:extLst>
+  </p:cSld>
+  <p:clrMapOvr>
+    <a:masterClrMapping/>
+  </p:clrMapOvr>
+</p:sld>
+</file>
+
+<file path=ppt/slides/slide35.xml><?xml version="1.0" encoding="utf-8"?>
+<p:sld xmlns:a="http://schemas.openxmlformats.org/drawingml/2006/main" xmlns:r="http://schemas.openxmlformats.org/officeDocument/2006/relationships" xmlns:p="http://schemas.openxmlformats.org/presentationml/2006/main">
+  <p:cSld>
+    <p:spTree>
+      <p:nvGrpSpPr>
+        <p:cNvPr id="1" name=""/>
+        <p:cNvGrpSpPr/>
+        <p:nvPr/>
+      </p:nvGrpSpPr>
+      <p:grpSpPr>
+        <a:xfrm>
+          <a:off x="0" y="0"/>
+          <a:ext cx="0" cy="0"/>
+          <a:chOff x="0" y="0"/>
+          <a:chExt cx="0" cy="0"/>
+        </a:xfrm>
+      </p:grpSpPr>
+      <p:sp>
+        <p:nvSpPr>
+          <p:cNvPr id="2" name="Titre 1">
+            <a:extLst>
+              <a:ext uri="{FF2B5EF4-FFF2-40B4-BE49-F238E27FC236}">
+                <a16:creationId xmlns:a16="http://schemas.microsoft.com/office/drawing/2014/main" id="{BEDBDA12-EB8E-428F-B7B1-D8B47CACE37A}"/>
+              </a:ext>
+            </a:extLst>
+          </p:cNvPr>
+          <p:cNvSpPr>
+            <a:spLocks noGrp="1"/>
+          </p:cNvSpPr>
+          <p:nvPr>
+            <p:ph type="title"/>
+          </p:nvPr>
+        </p:nvSpPr>
+        <p:spPr/>
+        <p:txBody>
+          <a:bodyPr/>
+          <a:lstStyle/>
+          <a:p>
+            <a:r>
+              <a:rPr lang="en-US"/>
+              <a:t>Conventions de </a:t>
+            </a:r>
+            <a:r>
+              <a:rPr lang="en-US" err="1"/>
+              <a:t>codage</a:t>
+            </a:r>
+            <a:endParaRPr lang="fr-BE"/>
+          </a:p>
+        </p:txBody>
+      </p:sp>
+      <p:sp>
+        <p:nvSpPr>
+          <p:cNvPr id="3" name="Espace réservé du texte 2">
+            <a:extLst>
+              <a:ext uri="{FF2B5EF4-FFF2-40B4-BE49-F238E27FC236}">
+                <a16:creationId xmlns:a16="http://schemas.microsoft.com/office/drawing/2014/main" id="{B3CA63D6-C4B6-4FAB-A811-FBBC5D7185B5}"/>
+              </a:ext>
+            </a:extLst>
+          </p:cNvPr>
+          <p:cNvSpPr>
+            <a:spLocks noGrp="1"/>
+          </p:cNvSpPr>
+          <p:nvPr>
+            <p:ph type="body" idx="1"/>
+          </p:nvPr>
+        </p:nvSpPr>
+        <p:spPr/>
+        <p:txBody>
+          <a:bodyPr/>
+          <a:lstStyle/>
+          <a:p>
+            <a:endParaRPr lang="fr-BE"/>
+          </a:p>
+        </p:txBody>
+      </p:sp>
+    </p:spTree>
+    <p:extLst>
+      <p:ext uri="{BB962C8B-B14F-4D97-AF65-F5344CB8AC3E}">
+        <p14:creationId xmlns:p14="http://schemas.microsoft.com/office/powerpoint/2010/main" val="3429561253"/>
       </p:ext>
     </p:extLst>
   </p:cSld>

--- a/slides.pptx
+++ b/slides.pptx
@@ -5,7 +5,7 @@
     <p:sldMasterId id="2147483767" r:id="rId1"/>
   </p:sldMasterIdLst>
   <p:notesMasterIdLst>
-    <p:notesMasterId r:id="rId37"/>
+    <p:notesMasterId r:id="rId42"/>
   </p:notesMasterIdLst>
   <p:sldIdLst>
     <p:sldId id="256" r:id="rId2"/>
@@ -42,7 +42,12 @@
     <p:sldId id="295" r:id="rId33"/>
     <p:sldId id="293" r:id="rId34"/>
     <p:sldId id="262" r:id="rId35"/>
-    <p:sldId id="267" r:id="rId36"/>
+    <p:sldId id="296" r:id="rId36"/>
+    <p:sldId id="297" r:id="rId37"/>
+    <p:sldId id="298" r:id="rId38"/>
+    <p:sldId id="267" r:id="rId39"/>
+    <p:sldId id="299" r:id="rId40"/>
+    <p:sldId id="300" r:id="rId41"/>
   </p:sldIdLst>
   <p:sldSz cx="12192000" cy="6858000"/>
   <p:notesSz cx="6858000" cy="9144000"/>
@@ -200,7 +205,12 @@
         <p14:section name="Orienté objet" id="{1156A34A-95D4-45F6-BE97-3E57B477A2EF}">
           <p14:sldIdLst>
             <p14:sldId id="262"/>
+            <p14:sldId id="296"/>
+            <p14:sldId id="297"/>
+            <p14:sldId id="298"/>
             <p14:sldId id="267"/>
+            <p14:sldId id="299"/>
+            <p14:sldId id="300"/>
           </p14:sldIdLst>
         </p14:section>
       </p14:sectionLst>
@@ -294,7 +304,7 @@
           <a:p>
             <a:fld id="{06BD50BE-C1D3-4556-8E05-1D2D98AA7606}" type="datetimeFigureOut">
               <a:rPr lang="fr-BE" smtClean="0"/>
-              <a:t>02-11-19</a:t>
+              <a:t>03-11-19</a:t>
             </a:fld>
             <a:endParaRPr lang="fr-BE"/>
           </a:p>
@@ -1408,6 +1418,376 @@
 </p:notes>
 </file>
 
+<file path=ppt/notesSlides/notesSlide6.xml><?xml version="1.0" encoding="utf-8"?>
+<p:notes xmlns:a="http://schemas.openxmlformats.org/drawingml/2006/main" xmlns:r="http://schemas.openxmlformats.org/officeDocument/2006/relationships" xmlns:p="http://schemas.openxmlformats.org/presentationml/2006/main">
+  <p:cSld>
+    <p:spTree>
+      <p:nvGrpSpPr>
+        <p:cNvPr id="1" name=""/>
+        <p:cNvGrpSpPr/>
+        <p:nvPr/>
+      </p:nvGrpSpPr>
+      <p:grpSpPr>
+        <a:xfrm>
+          <a:off x="0" y="0"/>
+          <a:ext cx="0" cy="0"/>
+          <a:chOff x="0" y="0"/>
+          <a:chExt cx="0" cy="0"/>
+        </a:xfrm>
+      </p:grpSpPr>
+      <p:sp>
+        <p:nvSpPr>
+          <p:cNvPr id="2" name="Espace réservé de l'image des diapositives 1"/>
+          <p:cNvSpPr>
+            <a:spLocks noGrp="1" noRot="1" noChangeAspect="1"/>
+          </p:cNvSpPr>
+          <p:nvPr>
+            <p:ph type="sldImg"/>
+          </p:nvPr>
+        </p:nvSpPr>
+        <p:spPr/>
+      </p:sp>
+      <p:sp>
+        <p:nvSpPr>
+          <p:cNvPr id="3" name="Espace réservé des notes 2"/>
+          <p:cNvSpPr>
+            <a:spLocks noGrp="1"/>
+          </p:cNvSpPr>
+          <p:nvPr>
+            <p:ph type="body" idx="1"/>
+          </p:nvPr>
+        </p:nvSpPr>
+        <p:spPr/>
+        <p:txBody>
+          <a:bodyPr/>
+          <a:lstStyle/>
+          <a:p>
+            <a:r>
+              <a:rPr lang="en-US" dirty="0" err="1"/>
+              <a:t>Héritage</a:t>
+            </a:r>
+            <a:r>
+              <a:rPr lang="en-US" dirty="0"/>
+              <a:t> multiple possible</a:t>
+            </a:r>
+            <a:endParaRPr lang="fr-BE" dirty="0"/>
+          </a:p>
+        </p:txBody>
+      </p:sp>
+      <p:sp>
+        <p:nvSpPr>
+          <p:cNvPr id="4" name="Espace réservé du numéro de diapositive 3"/>
+          <p:cNvSpPr>
+            <a:spLocks noGrp="1"/>
+          </p:cNvSpPr>
+          <p:nvPr>
+            <p:ph type="sldNum" sz="quarter" idx="5"/>
+          </p:nvPr>
+        </p:nvSpPr>
+        <p:spPr/>
+        <p:txBody>
+          <a:bodyPr/>
+          <a:lstStyle/>
+          <a:p>
+            <a:fld id="{D514CAC8-E575-4AA6-990F-2A2D5B2618F3}" type="slidenum">
+              <a:rPr lang="fr-BE" smtClean="0"/>
+              <a:t>37</a:t>
+            </a:fld>
+            <a:endParaRPr lang="fr-BE"/>
+          </a:p>
+        </p:txBody>
+      </p:sp>
+    </p:spTree>
+    <p:extLst>
+      <p:ext uri="{BB962C8B-B14F-4D97-AF65-F5344CB8AC3E}">
+        <p14:creationId xmlns:p14="http://schemas.microsoft.com/office/powerpoint/2010/main" val="3746537689"/>
+      </p:ext>
+    </p:extLst>
+  </p:cSld>
+  <p:clrMapOvr>
+    <a:masterClrMapping/>
+  </p:clrMapOvr>
+</p:notes>
+</file>
+
+<file path=ppt/notesSlides/notesSlide7.xml><?xml version="1.0" encoding="utf-8"?>
+<p:notes xmlns:a="http://schemas.openxmlformats.org/drawingml/2006/main" xmlns:r="http://schemas.openxmlformats.org/officeDocument/2006/relationships" xmlns:p="http://schemas.openxmlformats.org/presentationml/2006/main">
+  <p:cSld>
+    <p:spTree>
+      <p:nvGrpSpPr>
+        <p:cNvPr id="1" name=""/>
+        <p:cNvGrpSpPr/>
+        <p:nvPr/>
+      </p:nvGrpSpPr>
+      <p:grpSpPr>
+        <a:xfrm>
+          <a:off x="0" y="0"/>
+          <a:ext cx="0" cy="0"/>
+          <a:chOff x="0" y="0"/>
+          <a:chExt cx="0" cy="0"/>
+        </a:xfrm>
+      </p:grpSpPr>
+      <p:sp>
+        <p:nvSpPr>
+          <p:cNvPr id="2" name="Espace réservé de l'image des diapositives 1"/>
+          <p:cNvSpPr>
+            <a:spLocks noGrp="1" noRot="1" noChangeAspect="1"/>
+          </p:cNvSpPr>
+          <p:nvPr>
+            <p:ph type="sldImg"/>
+          </p:nvPr>
+        </p:nvSpPr>
+        <p:spPr/>
+      </p:sp>
+      <p:sp>
+        <p:nvSpPr>
+          <p:cNvPr id="3" name="Espace réservé des notes 2"/>
+          <p:cNvSpPr>
+            <a:spLocks noGrp="1"/>
+          </p:cNvSpPr>
+          <p:nvPr>
+            <p:ph type="body" idx="1"/>
+          </p:nvPr>
+        </p:nvSpPr>
+        <p:spPr/>
+        <p:txBody>
+          <a:bodyPr/>
+          <a:lstStyle/>
+          <a:p>
+            <a:r>
+              <a:rPr lang="en-US" dirty="0"/>
+              <a:t>Les conventions de coding </a:t>
+            </a:r>
+            <a:r>
+              <a:rPr lang="en-US" dirty="0" err="1"/>
+              <a:t>sont</a:t>
+            </a:r>
+            <a:r>
+              <a:rPr lang="en-US" dirty="0"/>
+              <a:t> plus </a:t>
+            </a:r>
+            <a:r>
+              <a:rPr lang="en-US" dirty="0" err="1"/>
+              <a:t>respectées</a:t>
+            </a:r>
+            <a:r>
+              <a:rPr lang="en-US" dirty="0"/>
+              <a:t> que dans </a:t>
+            </a:r>
+            <a:r>
+              <a:rPr lang="en-US" dirty="0" err="1"/>
+              <a:t>n'importe</a:t>
+            </a:r>
+            <a:r>
+              <a:rPr lang="en-US" dirty="0"/>
+              <a:t> quelle </a:t>
+            </a:r>
+            <a:r>
+              <a:rPr lang="en-US" dirty="0" err="1"/>
+              <a:t>autre</a:t>
+            </a:r>
+            <a:r>
+              <a:rPr lang="en-US" dirty="0"/>
+              <a:t> </a:t>
+            </a:r>
+            <a:r>
+              <a:rPr lang="en-US" dirty="0" err="1"/>
+              <a:t>communauté</a:t>
+            </a:r>
+            <a:r>
+              <a:rPr lang="en-US" dirty="0"/>
+              <a:t>.</a:t>
+            </a:r>
+          </a:p>
+          <a:p>
+            <a:r>
+              <a:rPr lang="en-US" dirty="0"/>
+              <a:t>La convention de </a:t>
+            </a:r>
+            <a:r>
+              <a:rPr lang="en-US" dirty="0" err="1"/>
+              <a:t>nommage</a:t>
+            </a:r>
+            <a:r>
+              <a:rPr lang="en-US" dirty="0"/>
+              <a:t> avec underscore </a:t>
+            </a:r>
+            <a:r>
+              <a:rPr lang="en-US" dirty="0" err="1"/>
+              <a:t>est</a:t>
+            </a:r>
+            <a:r>
+              <a:rPr lang="en-US" dirty="0"/>
+              <a:t> </a:t>
+            </a:r>
+            <a:r>
+              <a:rPr lang="en-US" dirty="0" err="1"/>
+              <a:t>uniquement</a:t>
+            </a:r>
+            <a:r>
+              <a:rPr lang="en-US" dirty="0"/>
+              <a:t> </a:t>
+            </a:r>
+            <a:r>
+              <a:rPr lang="en-US" dirty="0" err="1"/>
+              <a:t>une</a:t>
+            </a:r>
+            <a:r>
+              <a:rPr lang="en-US" dirty="0"/>
+              <a:t> convention !</a:t>
+            </a:r>
+          </a:p>
+          <a:p>
+            <a:r>
+              <a:rPr lang="en-US" dirty="0" err="1"/>
+              <a:t>L'interpréteur</a:t>
+            </a:r>
+            <a:r>
+              <a:rPr lang="en-US" dirty="0"/>
+              <a:t> Python ne </a:t>
+            </a:r>
+            <a:r>
+              <a:rPr lang="en-US" dirty="0" err="1"/>
+              <a:t>restreindra</a:t>
+            </a:r>
+            <a:r>
+              <a:rPr lang="en-US" dirty="0"/>
+              <a:t> pas </a:t>
+            </a:r>
+            <a:r>
+              <a:rPr lang="en-US" dirty="0" err="1"/>
+              <a:t>l'accès</a:t>
+            </a:r>
+            <a:r>
+              <a:rPr lang="en-US" dirty="0"/>
+              <a:t>.</a:t>
+            </a:r>
+          </a:p>
+          <a:p>
+            <a:r>
+              <a:rPr lang="en-US" dirty="0"/>
+              <a:t>Les </a:t>
+            </a:r>
+            <a:r>
+              <a:rPr lang="en-US" dirty="0" err="1"/>
+              <a:t>noms</a:t>
+            </a:r>
+            <a:r>
+              <a:rPr lang="en-US" dirty="0"/>
+              <a:t> qui </a:t>
+            </a:r>
+            <a:r>
+              <a:rPr lang="en-US" dirty="0" err="1"/>
+              <a:t>débutent</a:t>
+            </a:r>
+            <a:r>
+              <a:rPr lang="en-US" dirty="0"/>
+              <a:t> par 2 underscores </a:t>
+            </a:r>
+            <a:r>
+              <a:rPr lang="en-US" dirty="0" err="1"/>
+              <a:t>sont</a:t>
+            </a:r>
+            <a:r>
+              <a:rPr lang="en-US" dirty="0"/>
+              <a:t> </a:t>
+            </a:r>
+            <a:r>
+              <a:rPr lang="en-US" dirty="0" err="1"/>
+              <a:t>généralement</a:t>
+            </a:r>
+            <a:r>
+              <a:rPr lang="en-US" dirty="0"/>
+              <a:t> </a:t>
+            </a:r>
+            <a:r>
+              <a:rPr lang="en-US" dirty="0" err="1"/>
+              <a:t>réservés</a:t>
+            </a:r>
+            <a:r>
+              <a:rPr lang="en-US" dirty="0"/>
+              <a:t> à des </a:t>
+            </a:r>
+            <a:r>
+              <a:rPr lang="en-US" dirty="0" err="1"/>
+              <a:t>méthodes</a:t>
+            </a:r>
+            <a:r>
+              <a:rPr lang="en-US" dirty="0"/>
+              <a:t> </a:t>
+            </a:r>
+            <a:r>
+              <a:rPr lang="en-US" dirty="0" err="1"/>
+              <a:t>particulières</a:t>
+            </a:r>
+            <a:r>
+              <a:rPr lang="en-US" dirty="0"/>
+              <a:t> (</a:t>
+            </a:r>
+            <a:r>
+              <a:rPr lang="en-US" dirty="0" err="1"/>
+              <a:t>constructeur</a:t>
+            </a:r>
+            <a:r>
+              <a:rPr lang="en-US" dirty="0"/>
+              <a:t>, description </a:t>
+            </a:r>
+            <a:r>
+              <a:rPr lang="en-US" dirty="0" err="1"/>
+              <a:t>textuelle</a:t>
+            </a:r>
+            <a:r>
+              <a:rPr lang="en-US" dirty="0"/>
+              <a:t>, </a:t>
+            </a:r>
+            <a:r>
+              <a:rPr lang="en-US" dirty="0" err="1"/>
+              <a:t>itérateur</a:t>
+            </a:r>
+            <a:r>
+              <a:rPr lang="en-US" dirty="0"/>
+              <a:t>…)</a:t>
+            </a:r>
+            <a:endParaRPr lang="fr-BE" dirty="0"/>
+          </a:p>
+        </p:txBody>
+      </p:sp>
+      <p:sp>
+        <p:nvSpPr>
+          <p:cNvPr id="4" name="Espace réservé du numéro de diapositive 3"/>
+          <p:cNvSpPr>
+            <a:spLocks noGrp="1"/>
+          </p:cNvSpPr>
+          <p:nvPr>
+            <p:ph type="sldNum" sz="quarter" idx="5"/>
+          </p:nvPr>
+        </p:nvSpPr>
+        <p:spPr/>
+        <p:txBody>
+          <a:bodyPr/>
+          <a:lstStyle/>
+          <a:p>
+            <a:fld id="{D514CAC8-E575-4AA6-990F-2A2D5B2618F3}" type="slidenum">
+              <a:rPr lang="fr-BE" smtClean="0"/>
+              <a:t>39</a:t>
+            </a:fld>
+            <a:endParaRPr lang="fr-BE"/>
+          </a:p>
+        </p:txBody>
+      </p:sp>
+    </p:spTree>
+    <p:extLst>
+      <p:ext uri="{BB962C8B-B14F-4D97-AF65-F5344CB8AC3E}">
+        <p14:creationId xmlns:p14="http://schemas.microsoft.com/office/powerpoint/2010/main" val="3929750056"/>
+      </p:ext>
+    </p:extLst>
+  </p:cSld>
+  <p:clrMapOvr>
+    <a:masterClrMapping/>
+  </p:clrMapOvr>
+</p:notes>
+</file>
+
 <file path=ppt/slideLayouts/slideLayout1.xml><?xml version="1.0" encoding="utf-8"?>
 <p:sldLayout xmlns:a="http://schemas.openxmlformats.org/drawingml/2006/main" xmlns:r="http://schemas.openxmlformats.org/officeDocument/2006/relationships" xmlns:p="http://schemas.openxmlformats.org/presentationml/2006/main" showMasterSp="0" type="title" preserve="1">
   <p:cSld name="Diapositive de titre">
@@ -1635,7 +2015,7 @@
             <a:fld id="{87DE6118-2437-4B30-8E3C-4D2BE6020583}" type="datetimeFigureOut">
               <a:rPr lang="en-US" smtClean="0"/>
               <a:pPr/>
-              <a:t>11/2/2019</a:t>
+              <a:t>11/3/2019</a:t>
             </a:fld>
             <a:endParaRPr lang="en-US"/>
           </a:p>
@@ -1844,7 +2224,7 @@
           <a:p>
             <a:fld id="{87DE6118-2437-4B30-8E3C-4D2BE6020583}" type="datetimeFigureOut">
               <a:rPr lang="en-US" smtClean="0"/>
-              <a:t>11/2/2019</a:t>
+              <a:t>11/3/2019</a:t>
             </a:fld>
             <a:endParaRPr lang="en-US"/>
           </a:p>
@@ -2100,7 +2480,7 @@
           <a:p>
             <a:fld id="{87DE6118-2437-4B30-8E3C-4D2BE6020583}" type="datetimeFigureOut">
               <a:rPr lang="en-US" smtClean="0"/>
-              <a:t>11/2/2019</a:t>
+              <a:t>11/3/2019</a:t>
             </a:fld>
             <a:endParaRPr lang="en-US"/>
           </a:p>
@@ -2270,7 +2650,7 @@
           <a:p>
             <a:fld id="{87DE6118-2437-4B30-8E3C-4D2BE6020583}" type="datetimeFigureOut">
               <a:rPr lang="en-US" smtClean="0"/>
-              <a:t>11/2/2019</a:t>
+              <a:t>11/3/2019</a:t>
             </a:fld>
             <a:endParaRPr lang="en-US"/>
           </a:p>
@@ -2614,7 +2994,7 @@
             <a:fld id="{87DE6118-2437-4B30-8E3C-4D2BE6020583}" type="datetimeFigureOut">
               <a:rPr lang="en-US" smtClean="0"/>
               <a:pPr/>
-              <a:t>11/2/2019</a:t>
+              <a:t>11/3/2019</a:t>
             </a:fld>
             <a:endParaRPr lang="en-US"/>
           </a:p>
@@ -2890,7 +3270,7 @@
           <a:p>
             <a:fld id="{87DE6118-2437-4B30-8E3C-4D2BE6020583}" type="datetimeFigureOut">
               <a:rPr lang="en-US" smtClean="0"/>
-              <a:t>11/2/2019</a:t>
+              <a:t>11/3/2019</a:t>
             </a:fld>
             <a:endParaRPr lang="en-US"/>
           </a:p>
@@ -3269,7 +3649,7 @@
           <a:p>
             <a:fld id="{87DE6118-2437-4B30-8E3C-4D2BE6020583}" type="datetimeFigureOut">
               <a:rPr lang="en-US" smtClean="0"/>
-              <a:t>11/2/2019</a:t>
+              <a:t>11/3/2019</a:t>
             </a:fld>
             <a:endParaRPr lang="en-US"/>
           </a:p>
@@ -3387,7 +3767,7 @@
           <a:p>
             <a:fld id="{87DE6118-2437-4B30-8E3C-4D2BE6020583}" type="datetimeFigureOut">
               <a:rPr lang="en-US" smtClean="0"/>
-              <a:t>11/2/2019</a:t>
+              <a:t>11/3/2019</a:t>
             </a:fld>
             <a:endParaRPr lang="en-US"/>
           </a:p>
@@ -3558,7 +3938,7 @@
           <a:p>
             <a:fld id="{87DE6118-2437-4B30-8E3C-4D2BE6020583}" type="datetimeFigureOut">
               <a:rPr lang="en-US" smtClean="0"/>
-              <a:t>11/2/2019</a:t>
+              <a:t>11/3/2019</a:t>
             </a:fld>
             <a:endParaRPr lang="en-US"/>
           </a:p>
@@ -3913,7 +4293,7 @@
             <a:fld id="{87DE6118-2437-4B30-8E3C-4D2BE6020583}" type="datetimeFigureOut">
               <a:rPr lang="en-US" smtClean="0"/>
               <a:pPr/>
-              <a:t>11/2/2019</a:t>
+              <a:t>11/3/2019</a:t>
             </a:fld>
             <a:endParaRPr lang="en-US"/>
           </a:p>
@@ -4292,7 +4672,7 @@
             <a:fld id="{87DE6118-2437-4B30-8E3C-4D2BE6020583}" type="datetimeFigureOut">
               <a:rPr lang="en-US" smtClean="0"/>
               <a:pPr/>
-              <a:t>11/2/2019</a:t>
+              <a:t>11/3/2019</a:t>
             </a:fld>
             <a:endParaRPr lang="en-US"/>
           </a:p>
@@ -4581,7 +4961,7 @@
             <a:fld id="{87DE6118-2437-4B30-8E3C-4D2BE6020583}" type="datetimeFigureOut">
               <a:rPr lang="en-US" smtClean="0"/>
               <a:pPr/>
-              <a:t>11/2/2019</a:t>
+              <a:t>11/3/2019</a:t>
             </a:fld>
             <a:endParaRPr lang="en-US"/>
           </a:p>
@@ -9109,7 +9489,7 @@
         <p:spPr/>
         <p:txBody>
           <a:bodyPr>
-            <a:normAutofit fontScale="92500" lnSpcReduction="10000"/>
+            <a:normAutofit/>
           </a:bodyPr>
           <a:lstStyle/>
           <a:p>
@@ -9483,32 +9863,6 @@
                 <a:latin typeface="Consolas" panose="020B0609020204030204" pitchFamily="49" charset="0"/>
               </a:rPr>
               <a:t>[-1]</a:t>
-            </a:r>
-          </a:p>
-          <a:p>
-            <a:r>
-              <a:rPr lang="en-150" dirty="0" err="1">
-                <a:latin typeface="Consolas" panose="020B0609020204030204" pitchFamily="49" charset="0"/>
-              </a:rPr>
-              <a:t>my_string</a:t>
-            </a:r>
-            <a:r>
-              <a:rPr lang="en-150" dirty="0">
-                <a:latin typeface="Consolas" panose="020B0609020204030204" pitchFamily="49" charset="0"/>
-              </a:rPr>
-              <a:t>[6:11] = "</a:t>
-            </a:r>
-            <a:r>
-              <a:rPr lang="fr-BE" dirty="0">
-                <a:latin typeface="Consolas" panose="020B0609020204030204" pitchFamily="49" charset="0"/>
-              </a:rPr>
-              <a:t>m</a:t>
-            </a:r>
-            <a:r>
-              <a:rPr lang="en-150" dirty="0">
-                <a:latin typeface="Consolas" panose="020B0609020204030204" pitchFamily="49" charset="0"/>
-              </a:rPr>
-              <a:t>e"</a:t>
             </a:r>
           </a:p>
           <a:p>
@@ -9947,6 +10301,20 @@
           <a:lstStyle/>
           <a:p>
             <a:r>
+              <a:rPr lang="en-US" dirty="0" err="1">
+                <a:latin typeface="Consolas" panose="020B0609020204030204" pitchFamily="49" charset="0"/>
+              </a:rPr>
+              <a:t>my_list</a:t>
+            </a:r>
+            <a:r>
+              <a:rPr lang="en-US" dirty="0">
+                <a:latin typeface="Consolas" panose="020B0609020204030204" pitchFamily="49" charset="0"/>
+              </a:rPr>
+              <a:t> = [1, 2, 3, 4, 5]</a:t>
+            </a:r>
+          </a:p>
+          <a:p>
+            <a:r>
               <a:rPr lang="en-150" dirty="0" err="1">
                 <a:latin typeface="Consolas" panose="020B0609020204030204" pitchFamily="49" charset="0"/>
               </a:rPr>
@@ -9986,6 +10354,26 @@
               </a:rPr>
               <a:t>([4, 5, 6])</a:t>
             </a:r>
+            <a:endParaRPr lang="en-US" dirty="0">
+              <a:latin typeface="Consolas" panose="020B0609020204030204" pitchFamily="49" charset="0"/>
+            </a:endParaRPr>
+          </a:p>
+          <a:p>
+            <a:r>
+              <a:rPr lang="en-US" dirty="0" err="1">
+                <a:latin typeface="Consolas" panose="020B0609020204030204" pitchFamily="49" charset="0"/>
+              </a:rPr>
+              <a:t>my_list</a:t>
+            </a:r>
+            <a:r>
+              <a:rPr lang="en-US" dirty="0">
+                <a:latin typeface="Consolas" panose="020B0609020204030204" pitchFamily="49" charset="0"/>
+              </a:rPr>
+              <a:t>[2:3] = [3, 2, 1]</a:t>
+            </a:r>
+            <a:endParaRPr lang="en-150" dirty="0">
+              <a:latin typeface="Consolas" panose="020B0609020204030204" pitchFamily="49" charset="0"/>
+            </a:endParaRPr>
           </a:p>
         </p:txBody>
       </p:sp>
@@ -11716,6 +12104,790 @@
       </p:grpSpPr>
       <p:sp>
         <p:nvSpPr>
+          <p:cNvPr id="4" name="Titre 3">
+            <a:extLst>
+              <a:ext uri="{FF2B5EF4-FFF2-40B4-BE49-F238E27FC236}">
+                <a16:creationId xmlns:a16="http://schemas.microsoft.com/office/drawing/2014/main" id="{CE394D0E-F158-45E3-BBAF-81C1647BC151}"/>
+              </a:ext>
+            </a:extLst>
+          </p:cNvPr>
+          <p:cNvSpPr>
+            <a:spLocks noGrp="1"/>
+          </p:cNvSpPr>
+          <p:nvPr>
+            <p:ph type="title"/>
+          </p:nvPr>
+        </p:nvSpPr>
+        <p:spPr/>
+        <p:txBody>
+          <a:bodyPr/>
+          <a:lstStyle/>
+          <a:p>
+            <a:r>
+              <a:rPr lang="en-US" dirty="0" err="1"/>
+              <a:t>Typage</a:t>
+            </a:r>
+            <a:r>
+              <a:rPr lang="en-US" dirty="0"/>
+              <a:t> </a:t>
+            </a:r>
+            <a:r>
+              <a:rPr lang="en-US" dirty="0" err="1"/>
+              <a:t>dynamique</a:t>
+            </a:r>
+            <a:endParaRPr lang="fr-BE" dirty="0"/>
+          </a:p>
+        </p:txBody>
+      </p:sp>
+      <p:sp>
+        <p:nvSpPr>
+          <p:cNvPr id="5" name="Espace réservé du contenu 4">
+            <a:extLst>
+              <a:ext uri="{FF2B5EF4-FFF2-40B4-BE49-F238E27FC236}">
+                <a16:creationId xmlns:a16="http://schemas.microsoft.com/office/drawing/2014/main" id="{ABEF3108-3339-4130-A797-F253F8034B58}"/>
+              </a:ext>
+            </a:extLst>
+          </p:cNvPr>
+          <p:cNvSpPr>
+            <a:spLocks noGrp="1"/>
+          </p:cNvSpPr>
+          <p:nvPr>
+            <p:ph idx="1"/>
+          </p:nvPr>
+        </p:nvSpPr>
+        <p:spPr/>
+        <p:txBody>
+          <a:bodyPr/>
+          <a:lstStyle/>
+          <a:p>
+            <a:r>
+              <a:rPr lang="en-US" dirty="0">
+                <a:latin typeface="Consolas" panose="020B0609020204030204" pitchFamily="49" charset="0"/>
+              </a:rPr>
+              <a:t>class Point(object):</a:t>
+            </a:r>
+            <a:endParaRPr lang="fr-BE" dirty="0">
+              <a:latin typeface="Consolas" panose="020B0609020204030204" pitchFamily="49" charset="0"/>
+            </a:endParaRPr>
+          </a:p>
+          <a:p>
+            <a:r>
+              <a:rPr lang="fr-BE" dirty="0">
+                <a:latin typeface="Consolas" panose="020B0609020204030204" pitchFamily="49" charset="0"/>
+              </a:rPr>
+              <a:t>    """This </a:t>
+            </a:r>
+            <a:r>
+              <a:rPr lang="fr-BE" dirty="0" err="1">
+                <a:latin typeface="Consolas" panose="020B0609020204030204" pitchFamily="49" charset="0"/>
+              </a:rPr>
+              <a:t>is</a:t>
+            </a:r>
+            <a:r>
+              <a:rPr lang="fr-BE" dirty="0">
+                <a:latin typeface="Consolas" panose="020B0609020204030204" pitchFamily="49" charset="0"/>
+              </a:rPr>
+              <a:t> a point </a:t>
+            </a:r>
+            <a:r>
+              <a:rPr lang="fr-BE" dirty="0" err="1">
+                <a:latin typeface="Consolas" panose="020B0609020204030204" pitchFamily="49" charset="0"/>
+              </a:rPr>
+              <a:t>with</a:t>
+            </a:r>
+            <a:r>
+              <a:rPr lang="fr-BE" dirty="0">
+                <a:latin typeface="Consolas" panose="020B0609020204030204" pitchFamily="49" charset="0"/>
+              </a:rPr>
+              <a:t> a </a:t>
+            </a:r>
+            <a:r>
+              <a:rPr lang="fr-BE" dirty="0" err="1">
+                <a:latin typeface="Consolas" panose="020B0609020204030204" pitchFamily="49" charset="0"/>
+              </a:rPr>
+              <a:t>docstring</a:t>
+            </a:r>
+            <a:r>
+              <a:rPr lang="fr-BE" dirty="0">
+                <a:latin typeface="Consolas" panose="020B0609020204030204" pitchFamily="49" charset="0"/>
+              </a:rPr>
+              <a:t>."""</a:t>
+            </a:r>
+          </a:p>
+          <a:p>
+            <a:endParaRPr lang="fr-BE" dirty="0">
+              <a:latin typeface="Consolas" panose="020B0609020204030204" pitchFamily="49" charset="0"/>
+            </a:endParaRPr>
+          </a:p>
+          <a:p>
+            <a:endParaRPr lang="fr-BE" dirty="0">
+              <a:latin typeface="Consolas" panose="020B0609020204030204" pitchFamily="49" charset="0"/>
+            </a:endParaRPr>
+          </a:p>
+          <a:p>
+            <a:r>
+              <a:rPr lang="fr-BE" dirty="0">
+                <a:latin typeface="Consolas" panose="020B0609020204030204" pitchFamily="49" charset="0"/>
+              </a:rPr>
+              <a:t>p1 = Point()</a:t>
+            </a:r>
+          </a:p>
+          <a:p>
+            <a:r>
+              <a:rPr lang="fr-BE" dirty="0">
+                <a:latin typeface="Consolas" panose="020B0609020204030204" pitchFamily="49" charset="0"/>
+              </a:rPr>
+              <a:t>p1.x = 1</a:t>
+            </a:r>
+          </a:p>
+          <a:p>
+            <a:r>
+              <a:rPr lang="fr-BE" dirty="0">
+                <a:latin typeface="Consolas" panose="020B0609020204030204" pitchFamily="49" charset="0"/>
+              </a:rPr>
+              <a:t>p1.y = 2</a:t>
+            </a:r>
+          </a:p>
+          <a:p>
+            <a:r>
+              <a:rPr lang="fr-BE" dirty="0" err="1">
+                <a:latin typeface="Consolas" panose="020B0609020204030204" pitchFamily="49" charset="0"/>
+              </a:rPr>
+              <a:t>print</a:t>
+            </a:r>
+            <a:r>
+              <a:rPr lang="fr-BE" dirty="0">
+                <a:latin typeface="Consolas" panose="020B0609020204030204" pitchFamily="49" charset="0"/>
+              </a:rPr>
+              <a:t>(p1.x, p1.y)</a:t>
+            </a:r>
+            <a:endParaRPr lang="en-US" dirty="0">
+              <a:latin typeface="Consolas" panose="020B0609020204030204" pitchFamily="49" charset="0"/>
+            </a:endParaRPr>
+          </a:p>
+        </p:txBody>
+      </p:sp>
+    </p:spTree>
+    <p:extLst>
+      <p:ext uri="{BB962C8B-B14F-4D97-AF65-F5344CB8AC3E}">
+        <p14:creationId xmlns:p14="http://schemas.microsoft.com/office/powerpoint/2010/main" val="4080608704"/>
+      </p:ext>
+    </p:extLst>
+  </p:cSld>
+  <p:clrMapOvr>
+    <a:masterClrMapping/>
+  </p:clrMapOvr>
+</p:sld>
+</file>
+
+<file path=ppt/slides/slide36.xml><?xml version="1.0" encoding="utf-8"?>
+<p:sld xmlns:a="http://schemas.openxmlformats.org/drawingml/2006/main" xmlns:r="http://schemas.openxmlformats.org/officeDocument/2006/relationships" xmlns:p="http://schemas.openxmlformats.org/presentationml/2006/main">
+  <p:cSld>
+    <p:spTree>
+      <p:nvGrpSpPr>
+        <p:cNvPr id="1" name=""/>
+        <p:cNvGrpSpPr/>
+        <p:nvPr/>
+      </p:nvGrpSpPr>
+      <p:grpSpPr>
+        <a:xfrm>
+          <a:off x="0" y="0"/>
+          <a:ext cx="0" cy="0"/>
+          <a:chOff x="0" y="0"/>
+          <a:chExt cx="0" cy="0"/>
+        </a:xfrm>
+      </p:grpSpPr>
+      <p:sp>
+        <p:nvSpPr>
+          <p:cNvPr id="2" name="Titre 1">
+            <a:extLst>
+              <a:ext uri="{FF2B5EF4-FFF2-40B4-BE49-F238E27FC236}">
+                <a16:creationId xmlns:a16="http://schemas.microsoft.com/office/drawing/2014/main" id="{04A22DF7-7FCB-4C01-BC0B-AA5D6828C847}"/>
+              </a:ext>
+            </a:extLst>
+          </p:cNvPr>
+          <p:cNvSpPr>
+            <a:spLocks noGrp="1"/>
+          </p:cNvSpPr>
+          <p:nvPr>
+            <p:ph type="title"/>
+          </p:nvPr>
+        </p:nvSpPr>
+        <p:spPr/>
+        <p:txBody>
+          <a:bodyPr/>
+          <a:lstStyle/>
+          <a:p>
+            <a:r>
+              <a:rPr lang="en-US" dirty="0" err="1"/>
+              <a:t>Constructeur</a:t>
+            </a:r>
+            <a:r>
+              <a:rPr lang="en-US" dirty="0"/>
+              <a:t>, </a:t>
+            </a:r>
+            <a:r>
+              <a:rPr lang="en-US" dirty="0" err="1"/>
+              <a:t>attributs</a:t>
+            </a:r>
+            <a:r>
+              <a:rPr lang="en-US" dirty="0"/>
+              <a:t> et </a:t>
+            </a:r>
+            <a:r>
+              <a:rPr lang="en-US" dirty="0" err="1"/>
+              <a:t>méthodes</a:t>
+            </a:r>
+            <a:endParaRPr lang="fr-BE" dirty="0"/>
+          </a:p>
+        </p:txBody>
+      </p:sp>
+      <p:sp>
+        <p:nvSpPr>
+          <p:cNvPr id="3" name="Espace réservé du contenu 2">
+            <a:extLst>
+              <a:ext uri="{FF2B5EF4-FFF2-40B4-BE49-F238E27FC236}">
+                <a16:creationId xmlns:a16="http://schemas.microsoft.com/office/drawing/2014/main" id="{7A394577-91F6-4CA0-A12E-93D7D39FDB4A}"/>
+              </a:ext>
+            </a:extLst>
+          </p:cNvPr>
+          <p:cNvSpPr>
+            <a:spLocks noGrp="1"/>
+          </p:cNvSpPr>
+          <p:nvPr>
+            <p:ph idx="1"/>
+          </p:nvPr>
+        </p:nvSpPr>
+        <p:spPr/>
+        <p:txBody>
+          <a:bodyPr>
+            <a:normAutofit fontScale="85000" lnSpcReduction="20000"/>
+          </a:bodyPr>
+          <a:lstStyle/>
+          <a:p>
+            <a:r>
+              <a:rPr lang="fr-BE" dirty="0">
+                <a:latin typeface="Consolas" panose="020B0609020204030204" pitchFamily="49" charset="0"/>
+              </a:rPr>
+              <a:t>class </a:t>
+            </a:r>
+            <a:r>
+              <a:rPr lang="fr-BE" dirty="0" err="1">
+                <a:latin typeface="Consolas" panose="020B0609020204030204" pitchFamily="49" charset="0"/>
+              </a:rPr>
+              <a:t>HourMinute</a:t>
+            </a:r>
+            <a:r>
+              <a:rPr lang="fr-BE" dirty="0">
+                <a:latin typeface="Consolas" panose="020B0609020204030204" pitchFamily="49" charset="0"/>
+              </a:rPr>
+              <a:t>:</a:t>
+            </a:r>
+          </a:p>
+          <a:p>
+            <a:r>
+              <a:rPr lang="fr-BE" dirty="0">
+                <a:latin typeface="Consolas" panose="020B0609020204030204" pitchFamily="49" charset="0"/>
+              </a:rPr>
+              <a:t>    </a:t>
+            </a:r>
+            <a:r>
+              <a:rPr lang="fr-BE" dirty="0" err="1">
+                <a:latin typeface="Consolas" panose="020B0609020204030204" pitchFamily="49" charset="0"/>
+              </a:rPr>
+              <a:t>def</a:t>
+            </a:r>
+            <a:r>
+              <a:rPr lang="fr-BE" dirty="0">
+                <a:latin typeface="Consolas" panose="020B0609020204030204" pitchFamily="49" charset="0"/>
+              </a:rPr>
+              <a:t> __init__(self, </a:t>
+            </a:r>
+            <a:r>
+              <a:rPr lang="fr-BE" dirty="0" err="1">
+                <a:latin typeface="Consolas" panose="020B0609020204030204" pitchFamily="49" charset="0"/>
+              </a:rPr>
+              <a:t>hour</a:t>
+            </a:r>
+            <a:r>
+              <a:rPr lang="fr-BE" dirty="0">
+                <a:latin typeface="Consolas" panose="020B0609020204030204" pitchFamily="49" charset="0"/>
+              </a:rPr>
+              <a:t>=0, minute=0):</a:t>
+            </a:r>
+          </a:p>
+          <a:p>
+            <a:r>
+              <a:rPr lang="fr-BE" dirty="0">
+                <a:latin typeface="Consolas" panose="020B0609020204030204" pitchFamily="49" charset="0"/>
+              </a:rPr>
+              <a:t>        </a:t>
+            </a:r>
+            <a:r>
+              <a:rPr lang="fr-BE" dirty="0" err="1">
+                <a:latin typeface="Consolas" panose="020B0609020204030204" pitchFamily="49" charset="0"/>
+              </a:rPr>
+              <a:t>self.hour</a:t>
+            </a:r>
+            <a:r>
+              <a:rPr lang="fr-BE" dirty="0">
+                <a:latin typeface="Consolas" panose="020B0609020204030204" pitchFamily="49" charset="0"/>
+              </a:rPr>
+              <a:t> = </a:t>
+            </a:r>
+            <a:r>
+              <a:rPr lang="fr-BE" dirty="0" err="1">
+                <a:latin typeface="Consolas" panose="020B0609020204030204" pitchFamily="49" charset="0"/>
+              </a:rPr>
+              <a:t>hour</a:t>
+            </a:r>
+            <a:endParaRPr lang="fr-BE" dirty="0">
+              <a:latin typeface="Consolas" panose="020B0609020204030204" pitchFamily="49" charset="0"/>
+            </a:endParaRPr>
+          </a:p>
+          <a:p>
+            <a:r>
+              <a:rPr lang="fr-BE" dirty="0">
+                <a:latin typeface="Consolas" panose="020B0609020204030204" pitchFamily="49" charset="0"/>
+              </a:rPr>
+              <a:t>        </a:t>
+            </a:r>
+            <a:r>
+              <a:rPr lang="fr-BE" dirty="0" err="1">
+                <a:latin typeface="Consolas" panose="020B0609020204030204" pitchFamily="49" charset="0"/>
+              </a:rPr>
+              <a:t>self.minute</a:t>
+            </a:r>
+            <a:r>
+              <a:rPr lang="fr-BE" dirty="0">
+                <a:latin typeface="Consolas" panose="020B0609020204030204" pitchFamily="49" charset="0"/>
+              </a:rPr>
+              <a:t> = minute</a:t>
+            </a:r>
+          </a:p>
+          <a:p>
+            <a:endParaRPr lang="fr-BE" dirty="0">
+              <a:latin typeface="Consolas" panose="020B0609020204030204" pitchFamily="49" charset="0"/>
+            </a:endParaRPr>
+          </a:p>
+          <a:p>
+            <a:r>
+              <a:rPr lang="fr-BE" dirty="0">
+                <a:latin typeface="Consolas" panose="020B0609020204030204" pitchFamily="49" charset="0"/>
+              </a:rPr>
+              <a:t>    </a:t>
+            </a:r>
+            <a:r>
+              <a:rPr lang="fr-BE" dirty="0" err="1">
+                <a:latin typeface="Consolas" panose="020B0609020204030204" pitchFamily="49" charset="0"/>
+              </a:rPr>
+              <a:t>def</a:t>
+            </a:r>
+            <a:r>
+              <a:rPr lang="fr-BE" dirty="0">
+                <a:latin typeface="Consolas" panose="020B0609020204030204" pitchFamily="49" charset="0"/>
+              </a:rPr>
+              <a:t> display(self):</a:t>
+            </a:r>
+          </a:p>
+          <a:p>
+            <a:r>
+              <a:rPr lang="fr-BE" dirty="0">
+                <a:latin typeface="Consolas" panose="020B0609020204030204" pitchFamily="49" charset="0"/>
+              </a:rPr>
+              <a:t>        </a:t>
+            </a:r>
+            <a:r>
+              <a:rPr lang="fr-BE" dirty="0" err="1">
+                <a:latin typeface="Consolas" panose="020B0609020204030204" pitchFamily="49" charset="0"/>
+              </a:rPr>
+              <a:t>print</a:t>
+            </a:r>
+            <a:r>
+              <a:rPr lang="fr-BE" dirty="0">
+                <a:latin typeface="Consolas" panose="020B0609020204030204" pitchFamily="49" charset="0"/>
+              </a:rPr>
+              <a:t>(F"{self.hour:02}:{self.minute:02}")</a:t>
+            </a:r>
+          </a:p>
+          <a:p>
+            <a:endParaRPr lang="fr-BE" dirty="0">
+              <a:latin typeface="Consolas" panose="020B0609020204030204" pitchFamily="49" charset="0"/>
+            </a:endParaRPr>
+          </a:p>
+          <a:p>
+            <a:endParaRPr lang="fr-BE" dirty="0">
+              <a:latin typeface="Consolas" panose="020B0609020204030204" pitchFamily="49" charset="0"/>
+            </a:endParaRPr>
+          </a:p>
+          <a:p>
+            <a:r>
+              <a:rPr lang="fr-BE" dirty="0" err="1">
+                <a:latin typeface="Consolas" panose="020B0609020204030204" pitchFamily="49" charset="0"/>
+              </a:rPr>
+              <a:t>midnight</a:t>
+            </a:r>
+            <a:r>
+              <a:rPr lang="fr-BE" dirty="0">
+                <a:latin typeface="Consolas" panose="020B0609020204030204" pitchFamily="49" charset="0"/>
+              </a:rPr>
+              <a:t> = </a:t>
+            </a:r>
+            <a:r>
+              <a:rPr lang="fr-BE" dirty="0" err="1">
+                <a:latin typeface="Consolas" panose="020B0609020204030204" pitchFamily="49" charset="0"/>
+              </a:rPr>
+              <a:t>HourMinute</a:t>
+            </a:r>
+            <a:r>
+              <a:rPr lang="fr-BE" dirty="0">
+                <a:latin typeface="Consolas" panose="020B0609020204030204" pitchFamily="49" charset="0"/>
+              </a:rPr>
+              <a:t>(minute=30)</a:t>
+            </a:r>
+          </a:p>
+          <a:p>
+            <a:r>
+              <a:rPr lang="fr-BE" dirty="0" err="1">
+                <a:latin typeface="Consolas" panose="020B0609020204030204" pitchFamily="49" charset="0"/>
+              </a:rPr>
+              <a:t>midnight.display</a:t>
+            </a:r>
+            <a:r>
+              <a:rPr lang="fr-BE" dirty="0">
+                <a:latin typeface="Consolas" panose="020B0609020204030204" pitchFamily="49" charset="0"/>
+              </a:rPr>
+              <a:t>()</a:t>
+            </a:r>
+          </a:p>
+        </p:txBody>
+      </p:sp>
+    </p:spTree>
+    <p:extLst>
+      <p:ext uri="{BB962C8B-B14F-4D97-AF65-F5344CB8AC3E}">
+        <p14:creationId xmlns:p14="http://schemas.microsoft.com/office/powerpoint/2010/main" val="1083070278"/>
+      </p:ext>
+    </p:extLst>
+  </p:cSld>
+  <p:clrMapOvr>
+    <a:masterClrMapping/>
+  </p:clrMapOvr>
+</p:sld>
+</file>
+
+<file path=ppt/slides/slide37.xml><?xml version="1.0" encoding="utf-8"?>
+<p:sld xmlns:a="http://schemas.openxmlformats.org/drawingml/2006/main" xmlns:r="http://schemas.openxmlformats.org/officeDocument/2006/relationships" xmlns:p="http://schemas.openxmlformats.org/presentationml/2006/main">
+  <p:cSld>
+    <p:spTree>
+      <p:nvGrpSpPr>
+        <p:cNvPr id="1" name=""/>
+        <p:cNvGrpSpPr/>
+        <p:nvPr/>
+      </p:nvGrpSpPr>
+      <p:grpSpPr>
+        <a:xfrm>
+          <a:off x="0" y="0"/>
+          <a:ext cx="0" cy="0"/>
+          <a:chOff x="0" y="0"/>
+          <a:chExt cx="0" cy="0"/>
+        </a:xfrm>
+      </p:grpSpPr>
+      <p:sp>
+        <p:nvSpPr>
+          <p:cNvPr id="2" name="Titre 1">
+            <a:extLst>
+              <a:ext uri="{FF2B5EF4-FFF2-40B4-BE49-F238E27FC236}">
+                <a16:creationId xmlns:a16="http://schemas.microsoft.com/office/drawing/2014/main" id="{04A22DF7-7FCB-4C01-BC0B-AA5D6828C847}"/>
+              </a:ext>
+            </a:extLst>
+          </p:cNvPr>
+          <p:cNvSpPr>
+            <a:spLocks noGrp="1"/>
+          </p:cNvSpPr>
+          <p:nvPr>
+            <p:ph type="title"/>
+          </p:nvPr>
+        </p:nvSpPr>
+        <p:spPr/>
+        <p:txBody>
+          <a:bodyPr/>
+          <a:lstStyle/>
+          <a:p>
+            <a:r>
+              <a:rPr lang="en-US" dirty="0" err="1"/>
+              <a:t>Héritage</a:t>
+            </a:r>
+            <a:endParaRPr lang="fr-BE" dirty="0"/>
+          </a:p>
+        </p:txBody>
+      </p:sp>
+      <p:sp>
+        <p:nvSpPr>
+          <p:cNvPr id="3" name="Espace réservé du contenu 2">
+            <a:extLst>
+              <a:ext uri="{FF2B5EF4-FFF2-40B4-BE49-F238E27FC236}">
+                <a16:creationId xmlns:a16="http://schemas.microsoft.com/office/drawing/2014/main" id="{7A394577-91F6-4CA0-A12E-93D7D39FDB4A}"/>
+              </a:ext>
+            </a:extLst>
+          </p:cNvPr>
+          <p:cNvSpPr>
+            <a:spLocks noGrp="1"/>
+          </p:cNvSpPr>
+          <p:nvPr>
+            <p:ph idx="1"/>
+          </p:nvPr>
+        </p:nvSpPr>
+        <p:spPr/>
+        <p:txBody>
+          <a:bodyPr>
+            <a:normAutofit fontScale="85000" lnSpcReduction="20000"/>
+          </a:bodyPr>
+          <a:lstStyle/>
+          <a:p>
+            <a:r>
+              <a:rPr lang="fr-BE" dirty="0">
+                <a:latin typeface="Consolas" panose="020B0609020204030204" pitchFamily="49" charset="0"/>
+              </a:rPr>
+              <a:t>class </a:t>
+            </a:r>
+            <a:r>
+              <a:rPr lang="fr-BE" dirty="0" err="1">
+                <a:latin typeface="Consolas" panose="020B0609020204030204" pitchFamily="49" charset="0"/>
+              </a:rPr>
+              <a:t>HourMinuteSecond</a:t>
+            </a:r>
+            <a:r>
+              <a:rPr lang="fr-BE" dirty="0">
+                <a:latin typeface="Consolas" panose="020B0609020204030204" pitchFamily="49" charset="0"/>
+              </a:rPr>
+              <a:t>(</a:t>
+            </a:r>
+            <a:r>
+              <a:rPr lang="fr-BE" dirty="0" err="1">
+                <a:latin typeface="Consolas" panose="020B0609020204030204" pitchFamily="49" charset="0"/>
+              </a:rPr>
+              <a:t>HourMinute</a:t>
+            </a:r>
+            <a:r>
+              <a:rPr lang="fr-BE" dirty="0">
+                <a:latin typeface="Consolas" panose="020B0609020204030204" pitchFamily="49" charset="0"/>
+              </a:rPr>
+              <a:t>):</a:t>
+            </a:r>
+          </a:p>
+          <a:p>
+            <a:r>
+              <a:rPr lang="fr-BE" dirty="0">
+                <a:latin typeface="Consolas" panose="020B0609020204030204" pitchFamily="49" charset="0"/>
+              </a:rPr>
+              <a:t>    </a:t>
+            </a:r>
+            <a:r>
+              <a:rPr lang="fr-BE" dirty="0" err="1">
+                <a:latin typeface="Consolas" panose="020B0609020204030204" pitchFamily="49" charset="0"/>
+              </a:rPr>
+              <a:t>def</a:t>
+            </a:r>
+            <a:r>
+              <a:rPr lang="fr-BE" dirty="0">
+                <a:latin typeface="Consolas" panose="020B0609020204030204" pitchFamily="49" charset="0"/>
+              </a:rPr>
+              <a:t> __init__(self, </a:t>
+            </a:r>
+            <a:r>
+              <a:rPr lang="fr-BE" dirty="0" err="1">
+                <a:latin typeface="Consolas" panose="020B0609020204030204" pitchFamily="49" charset="0"/>
+              </a:rPr>
+              <a:t>hour</a:t>
+            </a:r>
+            <a:r>
+              <a:rPr lang="fr-BE" dirty="0">
+                <a:latin typeface="Consolas" panose="020B0609020204030204" pitchFamily="49" charset="0"/>
+              </a:rPr>
+              <a:t>=0, minute=0, second=0):</a:t>
+            </a:r>
+          </a:p>
+          <a:p>
+            <a:r>
+              <a:rPr lang="fr-BE" dirty="0">
+                <a:latin typeface="Consolas" panose="020B0609020204030204" pitchFamily="49" charset="0"/>
+              </a:rPr>
+              <a:t>        </a:t>
+            </a:r>
+            <a:r>
+              <a:rPr lang="fr-BE" dirty="0" err="1">
+                <a:latin typeface="Consolas" panose="020B0609020204030204" pitchFamily="49" charset="0"/>
+              </a:rPr>
+              <a:t>HourMinute</a:t>
+            </a:r>
+            <a:r>
+              <a:rPr lang="fr-BE" dirty="0">
+                <a:latin typeface="Consolas" panose="020B0609020204030204" pitchFamily="49" charset="0"/>
+              </a:rPr>
+              <a:t>.__init__(self, </a:t>
+            </a:r>
+            <a:r>
+              <a:rPr lang="fr-BE" dirty="0" err="1">
+                <a:latin typeface="Consolas" panose="020B0609020204030204" pitchFamily="49" charset="0"/>
+              </a:rPr>
+              <a:t>hour</a:t>
+            </a:r>
+            <a:r>
+              <a:rPr lang="fr-BE" dirty="0">
+                <a:latin typeface="Consolas" panose="020B0609020204030204" pitchFamily="49" charset="0"/>
+              </a:rPr>
+              <a:t>, minute)</a:t>
+            </a:r>
+          </a:p>
+          <a:p>
+            <a:r>
+              <a:rPr lang="fr-BE" dirty="0">
+                <a:latin typeface="Consolas" panose="020B0609020204030204" pitchFamily="49" charset="0"/>
+              </a:rPr>
+              <a:t>        </a:t>
+            </a:r>
+            <a:r>
+              <a:rPr lang="fr-BE" dirty="0" err="1">
+                <a:latin typeface="Consolas" panose="020B0609020204030204" pitchFamily="49" charset="0"/>
+              </a:rPr>
+              <a:t>self.second</a:t>
+            </a:r>
+            <a:r>
+              <a:rPr lang="fr-BE" dirty="0">
+                <a:latin typeface="Consolas" panose="020B0609020204030204" pitchFamily="49" charset="0"/>
+              </a:rPr>
+              <a:t> = second</a:t>
+            </a:r>
+          </a:p>
+          <a:p>
+            <a:endParaRPr lang="fr-BE" dirty="0">
+              <a:latin typeface="Consolas" panose="020B0609020204030204" pitchFamily="49" charset="0"/>
+            </a:endParaRPr>
+          </a:p>
+          <a:p>
+            <a:r>
+              <a:rPr lang="fr-BE" dirty="0">
+                <a:latin typeface="Consolas" panose="020B0609020204030204" pitchFamily="49" charset="0"/>
+              </a:rPr>
+              <a:t>    </a:t>
+            </a:r>
+            <a:r>
+              <a:rPr lang="fr-BE" dirty="0" err="1">
+                <a:latin typeface="Consolas" panose="020B0609020204030204" pitchFamily="49" charset="0"/>
+              </a:rPr>
+              <a:t>def</a:t>
+            </a:r>
+            <a:r>
+              <a:rPr lang="fr-BE" dirty="0">
+                <a:latin typeface="Consolas" panose="020B0609020204030204" pitchFamily="49" charset="0"/>
+              </a:rPr>
+              <a:t> display(self):</a:t>
+            </a:r>
+          </a:p>
+          <a:p>
+            <a:r>
+              <a:rPr lang="fr-BE" dirty="0">
+                <a:latin typeface="Consolas" panose="020B0609020204030204" pitchFamily="49" charset="0"/>
+              </a:rPr>
+              <a:t>        </a:t>
+            </a:r>
+            <a:r>
+              <a:rPr lang="fr-BE" dirty="0" err="1">
+                <a:latin typeface="Consolas" panose="020B0609020204030204" pitchFamily="49" charset="0"/>
+              </a:rPr>
+              <a:t>print</a:t>
+            </a:r>
+            <a:r>
+              <a:rPr lang="fr-BE" dirty="0">
+                <a:latin typeface="Consolas" panose="020B0609020204030204" pitchFamily="49" charset="0"/>
+              </a:rPr>
+              <a:t>(F"{self.hour:02}:{self.minute:02}:{self.second:02}")</a:t>
+            </a:r>
+          </a:p>
+          <a:p>
+            <a:endParaRPr lang="fr-BE" dirty="0">
+              <a:latin typeface="Consolas" panose="020B0609020204030204" pitchFamily="49" charset="0"/>
+            </a:endParaRPr>
+          </a:p>
+          <a:p>
+            <a:endParaRPr lang="fr-BE" dirty="0">
+              <a:latin typeface="Consolas" panose="020B0609020204030204" pitchFamily="49" charset="0"/>
+            </a:endParaRPr>
+          </a:p>
+          <a:p>
+            <a:r>
+              <a:rPr lang="fr-BE" dirty="0" err="1">
+                <a:latin typeface="Consolas" panose="020B0609020204030204" pitchFamily="49" charset="0"/>
+              </a:rPr>
+              <a:t>sometime</a:t>
+            </a:r>
+            <a:r>
+              <a:rPr lang="fr-BE" dirty="0">
+                <a:latin typeface="Consolas" panose="020B0609020204030204" pitchFamily="49" charset="0"/>
+              </a:rPr>
+              <a:t> = </a:t>
+            </a:r>
+            <a:r>
+              <a:rPr lang="fr-BE" dirty="0" err="1">
+                <a:latin typeface="Consolas" panose="020B0609020204030204" pitchFamily="49" charset="0"/>
+              </a:rPr>
+              <a:t>HourMinuteSecond</a:t>
+            </a:r>
+            <a:r>
+              <a:rPr lang="fr-BE" dirty="0">
+                <a:latin typeface="Consolas" panose="020B0609020204030204" pitchFamily="49" charset="0"/>
+              </a:rPr>
+              <a:t>(12, 3, 5)</a:t>
+            </a:r>
+          </a:p>
+          <a:p>
+            <a:r>
+              <a:rPr lang="fr-BE" dirty="0" err="1">
+                <a:latin typeface="Consolas" panose="020B0609020204030204" pitchFamily="49" charset="0"/>
+              </a:rPr>
+              <a:t>sometime.display</a:t>
+            </a:r>
+            <a:r>
+              <a:rPr lang="fr-BE" dirty="0">
+                <a:latin typeface="Consolas" panose="020B0609020204030204" pitchFamily="49" charset="0"/>
+              </a:rPr>
+              <a:t>()</a:t>
+            </a:r>
+          </a:p>
+        </p:txBody>
+      </p:sp>
+    </p:spTree>
+    <p:extLst>
+      <p:ext uri="{BB962C8B-B14F-4D97-AF65-F5344CB8AC3E}">
+        <p14:creationId xmlns:p14="http://schemas.microsoft.com/office/powerpoint/2010/main" val="548845539"/>
+      </p:ext>
+    </p:extLst>
+  </p:cSld>
+  <p:clrMapOvr>
+    <a:masterClrMapping/>
+  </p:clrMapOvr>
+</p:sld>
+</file>
+
+<file path=ppt/slides/slide38.xml><?xml version="1.0" encoding="utf-8"?>
+<p:sld xmlns:a="http://schemas.openxmlformats.org/drawingml/2006/main" xmlns:r="http://schemas.openxmlformats.org/officeDocument/2006/relationships" xmlns:p="http://schemas.openxmlformats.org/presentationml/2006/main">
+  <p:cSld>
+    <p:spTree>
+      <p:nvGrpSpPr>
+        <p:cNvPr id="1" name=""/>
+        <p:cNvGrpSpPr/>
+        <p:nvPr/>
+      </p:nvGrpSpPr>
+      <p:grpSpPr>
+        <a:xfrm>
+          <a:off x="0" y="0"/>
+          <a:ext cx="0" cy="0"/>
+          <a:chOff x="0" y="0"/>
+          <a:chExt cx="0" cy="0"/>
+        </a:xfrm>
+      </p:grpSpPr>
+      <p:sp>
+        <p:nvSpPr>
           <p:cNvPr id="2" name="Titre 1">
             <a:extLst>
               <a:ext uri="{FF2B5EF4-FFF2-40B4-BE49-F238E27FC236}">
@@ -11776,6 +12948,405 @@
     <p:extLst>
       <p:ext uri="{BB962C8B-B14F-4D97-AF65-F5344CB8AC3E}">
         <p14:creationId xmlns:p14="http://schemas.microsoft.com/office/powerpoint/2010/main" val="3429561253"/>
+      </p:ext>
+    </p:extLst>
+  </p:cSld>
+  <p:clrMapOvr>
+    <a:masterClrMapping/>
+  </p:clrMapOvr>
+</p:sld>
+</file>
+
+<file path=ppt/slides/slide39.xml><?xml version="1.0" encoding="utf-8"?>
+<p:sld xmlns:a="http://schemas.openxmlformats.org/drawingml/2006/main" xmlns:r="http://schemas.openxmlformats.org/officeDocument/2006/relationships" xmlns:p="http://schemas.openxmlformats.org/presentationml/2006/main">
+  <p:cSld>
+    <p:spTree>
+      <p:nvGrpSpPr>
+        <p:cNvPr id="1" name=""/>
+        <p:cNvGrpSpPr/>
+        <p:nvPr/>
+      </p:nvGrpSpPr>
+      <p:grpSpPr>
+        <a:xfrm>
+          <a:off x="0" y="0"/>
+          <a:ext cx="0" cy="0"/>
+          <a:chOff x="0" y="0"/>
+          <a:chExt cx="0" cy="0"/>
+        </a:xfrm>
+      </p:grpSpPr>
+      <p:sp>
+        <p:nvSpPr>
+          <p:cNvPr id="4" name="Titre 3">
+            <a:extLst>
+              <a:ext uri="{FF2B5EF4-FFF2-40B4-BE49-F238E27FC236}">
+                <a16:creationId xmlns:a16="http://schemas.microsoft.com/office/drawing/2014/main" id="{6F44898D-DE29-4D45-B8D0-C5232AAC47BB}"/>
+              </a:ext>
+            </a:extLst>
+          </p:cNvPr>
+          <p:cNvSpPr>
+            <a:spLocks noGrp="1"/>
+          </p:cNvSpPr>
+          <p:nvPr>
+            <p:ph type="title"/>
+          </p:nvPr>
+        </p:nvSpPr>
+        <p:spPr/>
+        <p:txBody>
+          <a:bodyPr/>
+          <a:lstStyle/>
+          <a:p>
+            <a:r>
+              <a:rPr lang="fr-BE"/>
+              <a:t>PEP-8</a:t>
+            </a:r>
+          </a:p>
+        </p:txBody>
+      </p:sp>
+      <p:graphicFrame>
+        <p:nvGraphicFramePr>
+          <p:cNvPr id="6" name="Tableau 6">
+            <a:extLst>
+              <a:ext uri="{FF2B5EF4-FFF2-40B4-BE49-F238E27FC236}">
+                <a16:creationId xmlns:a16="http://schemas.microsoft.com/office/drawing/2014/main" id="{83D9D2B2-4079-4787-B31B-AF91823921DF}"/>
+              </a:ext>
+            </a:extLst>
+          </p:cNvPr>
+          <p:cNvGraphicFramePr>
+            <a:graphicFrameLocks noGrp="1"/>
+          </p:cNvGraphicFramePr>
+          <p:nvPr>
+            <p:ph idx="1"/>
+            <p:extLst>
+              <p:ext uri="{D42A27DB-BD31-4B8C-83A1-F6EECF244321}">
+                <p14:modId xmlns:p14="http://schemas.microsoft.com/office/powerpoint/2010/main" val="1057544098"/>
+              </p:ext>
+            </p:extLst>
+          </p:nvPr>
+        </p:nvGraphicFramePr>
+        <p:xfrm>
+          <a:off x="1096963" y="1846263"/>
+          <a:ext cx="10058400" cy="3235960"/>
+        </p:xfrm>
+        <a:graphic>
+          <a:graphicData uri="http://schemas.openxmlformats.org/drawingml/2006/table">
+            <a:tbl>
+              <a:tblPr bandRow="1">
+                <a:tableStyleId>{5C22544A-7EE6-4342-B048-85BDC9FD1C3A}</a:tableStyleId>
+              </a:tblPr>
+              <a:tblGrid>
+                <a:gridCol w="5029200">
+                  <a:extLst>
+                    <a:ext uri="{9D8B030D-6E8A-4147-A177-3AD203B41FA5}">
+                      <a16:colId xmlns:a16="http://schemas.microsoft.com/office/drawing/2014/main" val="3918965648"/>
+                    </a:ext>
+                  </a:extLst>
+                </a:gridCol>
+                <a:gridCol w="5029200">
+                  <a:extLst>
+                    <a:ext uri="{9D8B030D-6E8A-4147-A177-3AD203B41FA5}">
+                      <a16:colId xmlns:a16="http://schemas.microsoft.com/office/drawing/2014/main" val="4066212585"/>
+                    </a:ext>
+                  </a:extLst>
+                </a:gridCol>
+              </a:tblGrid>
+              <a:tr h="370840">
+                <a:tc>
+                  <a:txBody>
+                    <a:bodyPr/>
+                    <a:lstStyle/>
+                    <a:p>
+                      <a:r>
+                        <a:rPr lang="fr-BE" noProof="0"/>
+                        <a:t>variables, fonctions, méthodes publiques</a:t>
+                      </a:r>
+                    </a:p>
+                  </a:txBody>
+                  <a:tcPr/>
+                </a:tc>
+                <a:tc>
+                  <a:txBody>
+                    <a:bodyPr/>
+                    <a:lstStyle/>
+                    <a:p>
+                      <a:r>
+                        <a:rPr lang="fr-BE" noProof="0"/>
+                        <a:t>my_var, my_function, my_method</a:t>
+                      </a:r>
+                    </a:p>
+                  </a:txBody>
+                  <a:tcPr/>
+                </a:tc>
+                <a:extLst>
+                  <a:ext uri="{0D108BD9-81ED-4DB2-BD59-A6C34878D82A}">
+                    <a16:rowId xmlns:a16="http://schemas.microsoft.com/office/drawing/2014/main" val="4156476703"/>
+                  </a:ext>
+                </a:extLst>
+              </a:tr>
+              <a:tr h="370840">
+                <a:tc>
+                  <a:txBody>
+                    <a:bodyPr/>
+                    <a:lstStyle/>
+                    <a:p>
+                      <a:pPr marL="0" marR="0" lvl="0" indent="0" algn="l" defTabSz="914400" rtl="0" eaLnBrk="1" fontAlgn="auto" latinLnBrk="0" hangingPunct="1">
+                        <a:lnSpc>
+                          <a:spcPct val="100000"/>
+                        </a:lnSpc>
+                        <a:spcBef>
+                          <a:spcPts val="0"/>
+                        </a:spcBef>
+                        <a:spcAft>
+                          <a:spcPts val="0"/>
+                        </a:spcAft>
+                        <a:buClrTx/>
+                        <a:buSzTx/>
+                        <a:buFontTx/>
+                        <a:buNone/>
+                        <a:tabLst/>
+                        <a:defRPr/>
+                      </a:pPr>
+                      <a:r>
+                        <a:rPr lang="fr-BE" noProof="0"/>
+                        <a:t>variables, fonctions, méthodes privées</a:t>
+                      </a:r>
+                    </a:p>
+                  </a:txBody>
+                  <a:tcPr/>
+                </a:tc>
+                <a:tc>
+                  <a:txBody>
+                    <a:bodyPr/>
+                    <a:lstStyle/>
+                    <a:p>
+                      <a:r>
+                        <a:rPr lang="fr-BE" noProof="0"/>
+                        <a:t>_my_private_var…</a:t>
+                      </a:r>
+                    </a:p>
+                  </a:txBody>
+                  <a:tcPr/>
+                </a:tc>
+                <a:extLst>
+                  <a:ext uri="{0D108BD9-81ED-4DB2-BD59-A6C34878D82A}">
+                    <a16:rowId xmlns:a16="http://schemas.microsoft.com/office/drawing/2014/main" val="2664992567"/>
+                  </a:ext>
+                </a:extLst>
+              </a:tr>
+              <a:tr h="370840">
+                <a:tc>
+                  <a:txBody>
+                    <a:bodyPr/>
+                    <a:lstStyle/>
+                    <a:p>
+                      <a:r>
+                        <a:rPr lang="fr-BE" noProof="0"/>
+                        <a:t>constantes</a:t>
+                      </a:r>
+                    </a:p>
+                  </a:txBody>
+                  <a:tcPr/>
+                </a:tc>
+                <a:tc>
+                  <a:txBody>
+                    <a:bodyPr/>
+                    <a:lstStyle/>
+                    <a:p>
+                      <a:r>
+                        <a:rPr lang="fr-BE" noProof="0"/>
+                        <a:t>MY_CONSTANT</a:t>
+                      </a:r>
+                    </a:p>
+                  </a:txBody>
+                  <a:tcPr/>
+                </a:tc>
+                <a:extLst>
+                  <a:ext uri="{0D108BD9-81ED-4DB2-BD59-A6C34878D82A}">
+                    <a16:rowId xmlns:a16="http://schemas.microsoft.com/office/drawing/2014/main" val="1919833533"/>
+                  </a:ext>
+                </a:extLst>
+              </a:tr>
+              <a:tr h="370840">
+                <a:tc>
+                  <a:txBody>
+                    <a:bodyPr/>
+                    <a:lstStyle/>
+                    <a:p>
+                      <a:r>
+                        <a:rPr lang="fr-BE" noProof="0"/>
+                        <a:t>classes</a:t>
+                      </a:r>
+                    </a:p>
+                  </a:txBody>
+                  <a:tcPr/>
+                </a:tc>
+                <a:tc>
+                  <a:txBody>
+                    <a:bodyPr/>
+                    <a:lstStyle/>
+                    <a:p>
+                      <a:r>
+                        <a:rPr lang="fr-BE" noProof="0"/>
+                        <a:t>MyClassWithVeryDescriptiveName</a:t>
+                      </a:r>
+                    </a:p>
+                  </a:txBody>
+                  <a:tcPr/>
+                </a:tc>
+                <a:extLst>
+                  <a:ext uri="{0D108BD9-81ED-4DB2-BD59-A6C34878D82A}">
+                    <a16:rowId xmlns:a16="http://schemas.microsoft.com/office/drawing/2014/main" val="443019880"/>
+                  </a:ext>
+                </a:extLst>
+              </a:tr>
+              <a:tr h="370840">
+                <a:tc>
+                  <a:txBody>
+                    <a:bodyPr/>
+                    <a:lstStyle/>
+                    <a:p>
+                      <a:r>
+                        <a:rPr lang="fr-BE" noProof="0"/>
+                        <a:t>modules</a:t>
+                      </a:r>
+                    </a:p>
+                  </a:txBody>
+                  <a:tcPr/>
+                </a:tc>
+                <a:tc>
+                  <a:txBody>
+                    <a:bodyPr/>
+                    <a:lstStyle/>
+                    <a:p>
+                      <a:r>
+                        <a:rPr lang="fr-BE" noProof="0"/>
+                        <a:t>my_module.py</a:t>
+                      </a:r>
+                    </a:p>
+                  </a:txBody>
+                  <a:tcPr/>
+                </a:tc>
+                <a:extLst>
+                  <a:ext uri="{0D108BD9-81ED-4DB2-BD59-A6C34878D82A}">
+                    <a16:rowId xmlns:a16="http://schemas.microsoft.com/office/drawing/2014/main" val="4275797405"/>
+                  </a:ext>
+                </a:extLst>
+              </a:tr>
+              <a:tr h="370840">
+                <a:tc>
+                  <a:txBody>
+                    <a:bodyPr/>
+                    <a:lstStyle/>
+                    <a:p>
+                      <a:r>
+                        <a:rPr lang="fr-BE" noProof="0"/>
+                        <a:t>packages</a:t>
+                      </a:r>
+                    </a:p>
+                  </a:txBody>
+                  <a:tcPr/>
+                </a:tc>
+                <a:tc>
+                  <a:txBody>
+                    <a:bodyPr/>
+                    <a:lstStyle/>
+                    <a:p>
+                      <a:r>
+                        <a:rPr lang="fr-BE" noProof="0"/>
+                        <a:t>mypackagename</a:t>
+                      </a:r>
+                    </a:p>
+                  </a:txBody>
+                  <a:tcPr/>
+                </a:tc>
+                <a:extLst>
+                  <a:ext uri="{0D108BD9-81ED-4DB2-BD59-A6C34878D82A}">
+                    <a16:rowId xmlns:a16="http://schemas.microsoft.com/office/drawing/2014/main" val="514459093"/>
+                  </a:ext>
+                </a:extLst>
+              </a:tr>
+              <a:tr h="370840">
+                <a:tc>
+                  <a:txBody>
+                    <a:bodyPr/>
+                    <a:lstStyle/>
+                    <a:p>
+                      <a:r>
+                        <a:rPr lang="fr-BE" noProof="0" dirty="0"/>
+                        <a:t>entre 2 définitions de membres d'une classe</a:t>
+                      </a:r>
+                    </a:p>
+                  </a:txBody>
+                  <a:tcPr/>
+                </a:tc>
+                <a:tc>
+                  <a:txBody>
+                    <a:bodyPr/>
+                    <a:lstStyle/>
+                    <a:p>
+                      <a:r>
+                        <a:rPr lang="fr-BE" noProof="0"/>
+                        <a:t>1 ligne vide</a:t>
+                      </a:r>
+                    </a:p>
+                  </a:txBody>
+                  <a:tcPr/>
+                </a:tc>
+                <a:extLst>
+                  <a:ext uri="{0D108BD9-81ED-4DB2-BD59-A6C34878D82A}">
+                    <a16:rowId xmlns:a16="http://schemas.microsoft.com/office/drawing/2014/main" val="3232283657"/>
+                  </a:ext>
+                </a:extLst>
+              </a:tr>
+              <a:tr h="370840">
+                <a:tc>
+                  <a:txBody>
+                    <a:bodyPr/>
+                    <a:lstStyle/>
+                    <a:p>
+                      <a:r>
+                        <a:rPr lang="fr-BE" noProof="0" dirty="0"/>
+                        <a:t>entre 2 définitions de classes ou de méthodes globales</a:t>
+                      </a:r>
+                    </a:p>
+                  </a:txBody>
+                  <a:tcPr/>
+                </a:tc>
+                <a:tc>
+                  <a:txBody>
+                    <a:bodyPr/>
+                    <a:lstStyle/>
+                    <a:p>
+                      <a:r>
+                        <a:rPr lang="en-US" noProof="0" dirty="0"/>
+                        <a:t>2 </a:t>
+                      </a:r>
+                      <a:r>
+                        <a:rPr lang="en-US" noProof="0" dirty="0" err="1"/>
+                        <a:t>lignes</a:t>
+                      </a:r>
+                      <a:r>
+                        <a:rPr lang="en-US" noProof="0" dirty="0"/>
+                        <a:t> vides</a:t>
+                      </a:r>
+                      <a:endParaRPr lang="fr-BE" noProof="0" dirty="0"/>
+                    </a:p>
+                  </a:txBody>
+                  <a:tcPr/>
+                </a:tc>
+                <a:extLst>
+                  <a:ext uri="{0D108BD9-81ED-4DB2-BD59-A6C34878D82A}">
+                    <a16:rowId xmlns:a16="http://schemas.microsoft.com/office/drawing/2014/main" val="3571015096"/>
+                  </a:ext>
+                </a:extLst>
+              </a:tr>
+            </a:tbl>
+          </a:graphicData>
+        </a:graphic>
+      </p:graphicFrame>
+    </p:spTree>
+    <p:extLst>
+      <p:ext uri="{BB962C8B-B14F-4D97-AF65-F5344CB8AC3E}">
+        <p14:creationId xmlns:p14="http://schemas.microsoft.com/office/powerpoint/2010/main" val="1378746912"/>
       </p:ext>
     </p:extLst>
   </p:cSld>
@@ -11972,6 +13543,98 @@
 </p:sld>
 </file>
 
+<file path=ppt/slides/slide40.xml><?xml version="1.0" encoding="utf-8"?>
+<p:sld xmlns:a="http://schemas.openxmlformats.org/drawingml/2006/main" xmlns:r="http://schemas.openxmlformats.org/officeDocument/2006/relationships" xmlns:p="http://schemas.openxmlformats.org/presentationml/2006/main">
+  <p:cSld>
+    <p:spTree>
+      <p:nvGrpSpPr>
+        <p:cNvPr id="1" name=""/>
+        <p:cNvGrpSpPr/>
+        <p:nvPr/>
+      </p:nvGrpSpPr>
+      <p:grpSpPr>
+        <a:xfrm>
+          <a:off x="0" y="0"/>
+          <a:ext cx="0" cy="0"/>
+          <a:chOff x="0" y="0"/>
+          <a:chExt cx="0" cy="0"/>
+        </a:xfrm>
+      </p:grpSpPr>
+      <p:sp>
+        <p:nvSpPr>
+          <p:cNvPr id="2" name="Titre 1">
+            <a:extLst>
+              <a:ext uri="{FF2B5EF4-FFF2-40B4-BE49-F238E27FC236}">
+                <a16:creationId xmlns:a16="http://schemas.microsoft.com/office/drawing/2014/main" id="{78D108E1-4418-43B9-9C4B-72B88F94C50E}"/>
+              </a:ext>
+            </a:extLst>
+          </p:cNvPr>
+          <p:cNvSpPr>
+            <a:spLocks noGrp="1"/>
+          </p:cNvSpPr>
+          <p:nvPr>
+            <p:ph type="title"/>
+          </p:nvPr>
+        </p:nvSpPr>
+        <p:spPr/>
+        <p:txBody>
+          <a:bodyPr/>
+          <a:lstStyle/>
+          <a:p>
+            <a:r>
+              <a:rPr lang="en-US" dirty="0" err="1"/>
+              <a:t>Exercice</a:t>
+            </a:r>
+            <a:r>
+              <a:rPr lang="en-US" dirty="0"/>
+              <a:t> 6</a:t>
+            </a:r>
+            <a:endParaRPr lang="fr-BE" dirty="0"/>
+          </a:p>
+        </p:txBody>
+      </p:sp>
+      <p:sp>
+        <p:nvSpPr>
+          <p:cNvPr id="3" name="Espace réservé du contenu 2">
+            <a:extLst>
+              <a:ext uri="{FF2B5EF4-FFF2-40B4-BE49-F238E27FC236}">
+                <a16:creationId xmlns:a16="http://schemas.microsoft.com/office/drawing/2014/main" id="{D6D2CD85-F0F2-45D7-83A7-B0AA9763809C}"/>
+              </a:ext>
+            </a:extLst>
+          </p:cNvPr>
+          <p:cNvSpPr>
+            <a:spLocks noGrp="1"/>
+          </p:cNvSpPr>
+          <p:nvPr>
+            <p:ph idx="1"/>
+          </p:nvPr>
+        </p:nvSpPr>
+        <p:spPr/>
+        <p:txBody>
+          <a:bodyPr/>
+          <a:lstStyle/>
+          <a:p>
+            <a:r>
+              <a:rPr lang="en-US" dirty="0"/>
+              <a:t>Classes</a:t>
+            </a:r>
+            <a:endParaRPr lang="fr-BE" dirty="0"/>
+          </a:p>
+        </p:txBody>
+      </p:sp>
+    </p:spTree>
+    <p:extLst>
+      <p:ext uri="{BB962C8B-B14F-4D97-AF65-F5344CB8AC3E}">
+        <p14:creationId xmlns:p14="http://schemas.microsoft.com/office/powerpoint/2010/main" val="2944961955"/>
+      </p:ext>
+    </p:extLst>
+  </p:cSld>
+  <p:clrMapOvr>
+    <a:masterClrMapping/>
+  </p:clrMapOvr>
+</p:sld>
+</file>
+
 <file path=ppt/slides/slide5.xml><?xml version="1.0" encoding="utf-8"?>
 <p:sld xmlns:a="http://schemas.openxmlformats.org/drawingml/2006/main" xmlns:r="http://schemas.openxmlformats.org/officeDocument/2006/relationships" xmlns:p="http://schemas.openxmlformats.org/presentationml/2006/main">
   <p:cSld>
@@ -12056,7 +13719,103 @@
               <a:rPr lang="en-US" dirty="0">
                 <a:latin typeface="Consolas" panose="020B0609020204030204" pitchFamily="49" charset="0"/>
               </a:rPr>
-              <a:t>name = input()</a:t>
+              <a:t>name = input(</a:t>
+            </a:r>
+            <a:r>
+              <a:rPr lang="en-150" dirty="0">
+                <a:latin typeface="Consolas" panose="020B0609020204030204" pitchFamily="49" charset="0"/>
+              </a:rPr>
+              <a:t>"</a:t>
+            </a:r>
+            <a:r>
+              <a:rPr lang="fr-BE" dirty="0">
+                <a:latin typeface="Consolas" panose="020B0609020204030204" pitchFamily="49" charset="0"/>
+              </a:rPr>
+              <a:t>W</a:t>
+            </a:r>
+            <a:r>
+              <a:rPr lang="en-150" dirty="0">
+                <a:latin typeface="Consolas" panose="020B0609020204030204" pitchFamily="49" charset="0"/>
+              </a:rPr>
+              <a:t>h</a:t>
+            </a:r>
+            <a:r>
+              <a:rPr lang="fr-BE" dirty="0">
+                <a:latin typeface="Consolas" panose="020B0609020204030204" pitchFamily="49" charset="0"/>
+              </a:rPr>
+              <a:t>a</a:t>
+            </a:r>
+            <a:r>
+              <a:rPr lang="en-150" dirty="0">
+                <a:latin typeface="Consolas" panose="020B0609020204030204" pitchFamily="49" charset="0"/>
+              </a:rPr>
+              <a:t>t </a:t>
+            </a:r>
+            <a:r>
+              <a:rPr lang="fr-BE" dirty="0">
+                <a:latin typeface="Consolas" panose="020B0609020204030204" pitchFamily="49" charset="0"/>
+              </a:rPr>
+              <a:t>i</a:t>
+            </a:r>
+            <a:r>
+              <a:rPr lang="en-150" dirty="0">
+                <a:latin typeface="Consolas" panose="020B0609020204030204" pitchFamily="49" charset="0"/>
+              </a:rPr>
+              <a:t>s </a:t>
+            </a:r>
+            <a:r>
+              <a:rPr lang="fr-BE" dirty="0">
+                <a:latin typeface="Consolas" panose="020B0609020204030204" pitchFamily="49" charset="0"/>
+              </a:rPr>
+              <a:t>y</a:t>
+            </a:r>
+            <a:r>
+              <a:rPr lang="en-150" dirty="0">
+                <a:latin typeface="Consolas" panose="020B0609020204030204" pitchFamily="49" charset="0"/>
+              </a:rPr>
+              <a:t>o</a:t>
+            </a:r>
+            <a:r>
+              <a:rPr lang="fr-BE" dirty="0">
+                <a:latin typeface="Consolas" panose="020B0609020204030204" pitchFamily="49" charset="0"/>
+              </a:rPr>
+              <a:t>u</a:t>
+            </a:r>
+            <a:r>
+              <a:rPr lang="en-150" dirty="0">
+                <a:latin typeface="Consolas" panose="020B0609020204030204" pitchFamily="49" charset="0"/>
+              </a:rPr>
+              <a:t>r </a:t>
+            </a:r>
+            <a:r>
+              <a:rPr lang="fr-BE" dirty="0">
+                <a:latin typeface="Consolas" panose="020B0609020204030204" pitchFamily="49" charset="0"/>
+              </a:rPr>
+              <a:t>n</a:t>
+            </a:r>
+            <a:r>
+              <a:rPr lang="en-150" dirty="0">
+                <a:latin typeface="Consolas" panose="020B0609020204030204" pitchFamily="49" charset="0"/>
+              </a:rPr>
+              <a:t>a</a:t>
+            </a:r>
+            <a:r>
+              <a:rPr lang="fr-BE" dirty="0">
+                <a:latin typeface="Consolas" panose="020B0609020204030204" pitchFamily="49" charset="0"/>
+              </a:rPr>
+              <a:t>m</a:t>
+            </a:r>
+            <a:r>
+              <a:rPr lang="en-150" dirty="0">
+                <a:latin typeface="Consolas" panose="020B0609020204030204" pitchFamily="49" charset="0"/>
+              </a:rPr>
+              <a:t>e?"</a:t>
+            </a:r>
+            <a:r>
+              <a:rPr lang="en-US" dirty="0">
+                <a:latin typeface="Consolas" panose="020B0609020204030204" pitchFamily="49" charset="0"/>
+              </a:rPr>
+              <a:t>)</a:t>
             </a:r>
           </a:p>
           <a:p>

--- a/slides.pptx
+++ b/slides.pptx
@@ -320,7 +320,7 @@
           <a:p>
             <a:fld id="{06BD50BE-C1D3-4556-8E05-1D2D98AA7606}" type="datetimeFigureOut">
               <a:rPr lang="fr-BE" smtClean="0"/>
-              <a:t>07-11-19</a:t>
+              <a:t>08-11-19</a:t>
             </a:fld>
             <a:endParaRPr lang="fr-BE"/>
           </a:p>
@@ -2115,7 +2115,7 @@
             <a:fld id="{87DE6118-2437-4B30-8E3C-4D2BE6020583}" type="datetimeFigureOut">
               <a:rPr lang="en-US" smtClean="0"/>
               <a:pPr/>
-              <a:t>11/7/2019</a:t>
+              <a:t>11/8/2019</a:t>
             </a:fld>
             <a:endParaRPr lang="en-US"/>
           </a:p>
@@ -2324,7 +2324,7 @@
           <a:p>
             <a:fld id="{87DE6118-2437-4B30-8E3C-4D2BE6020583}" type="datetimeFigureOut">
               <a:rPr lang="en-US" smtClean="0"/>
-              <a:t>11/7/2019</a:t>
+              <a:t>11/8/2019</a:t>
             </a:fld>
             <a:endParaRPr lang="en-US"/>
           </a:p>
@@ -2580,7 +2580,7 @@
           <a:p>
             <a:fld id="{87DE6118-2437-4B30-8E3C-4D2BE6020583}" type="datetimeFigureOut">
               <a:rPr lang="en-US" smtClean="0"/>
-              <a:t>11/7/2019</a:t>
+              <a:t>11/8/2019</a:t>
             </a:fld>
             <a:endParaRPr lang="en-US"/>
           </a:p>
@@ -2750,7 +2750,7 @@
           <a:p>
             <a:fld id="{87DE6118-2437-4B30-8E3C-4D2BE6020583}" type="datetimeFigureOut">
               <a:rPr lang="en-US" smtClean="0"/>
-              <a:t>11/7/2019</a:t>
+              <a:t>11/8/2019</a:t>
             </a:fld>
             <a:endParaRPr lang="en-US"/>
           </a:p>
@@ -3094,7 +3094,7 @@
             <a:fld id="{87DE6118-2437-4B30-8E3C-4D2BE6020583}" type="datetimeFigureOut">
               <a:rPr lang="en-US" smtClean="0"/>
               <a:pPr/>
-              <a:t>11/7/2019</a:t>
+              <a:t>11/8/2019</a:t>
             </a:fld>
             <a:endParaRPr lang="en-US"/>
           </a:p>
@@ -3370,7 +3370,7 @@
           <a:p>
             <a:fld id="{87DE6118-2437-4B30-8E3C-4D2BE6020583}" type="datetimeFigureOut">
               <a:rPr lang="en-US" smtClean="0"/>
-              <a:t>11/7/2019</a:t>
+              <a:t>11/8/2019</a:t>
             </a:fld>
             <a:endParaRPr lang="en-US"/>
           </a:p>
@@ -3749,7 +3749,7 @@
           <a:p>
             <a:fld id="{87DE6118-2437-4B30-8E3C-4D2BE6020583}" type="datetimeFigureOut">
               <a:rPr lang="en-US" smtClean="0"/>
-              <a:t>11/7/2019</a:t>
+              <a:t>11/8/2019</a:t>
             </a:fld>
             <a:endParaRPr lang="en-US"/>
           </a:p>
@@ -3867,7 +3867,7 @@
           <a:p>
             <a:fld id="{87DE6118-2437-4B30-8E3C-4D2BE6020583}" type="datetimeFigureOut">
               <a:rPr lang="en-US" smtClean="0"/>
-              <a:t>11/7/2019</a:t>
+              <a:t>11/8/2019</a:t>
             </a:fld>
             <a:endParaRPr lang="en-US"/>
           </a:p>
@@ -4038,7 +4038,7 @@
           <a:p>
             <a:fld id="{87DE6118-2437-4B30-8E3C-4D2BE6020583}" type="datetimeFigureOut">
               <a:rPr lang="en-US" smtClean="0"/>
-              <a:t>11/7/2019</a:t>
+              <a:t>11/8/2019</a:t>
             </a:fld>
             <a:endParaRPr lang="en-US"/>
           </a:p>
@@ -4393,7 +4393,7 @@
             <a:fld id="{87DE6118-2437-4B30-8E3C-4D2BE6020583}" type="datetimeFigureOut">
               <a:rPr lang="en-US" smtClean="0"/>
               <a:pPr/>
-              <a:t>11/7/2019</a:t>
+              <a:t>11/8/2019</a:t>
             </a:fld>
             <a:endParaRPr lang="en-US"/>
           </a:p>
@@ -4772,7 +4772,7 @@
             <a:fld id="{87DE6118-2437-4B30-8E3C-4D2BE6020583}" type="datetimeFigureOut">
               <a:rPr lang="en-US" smtClean="0"/>
               <a:pPr/>
-              <a:t>11/7/2019</a:t>
+              <a:t>11/8/2019</a:t>
             </a:fld>
             <a:endParaRPr lang="en-US"/>
           </a:p>
@@ -5061,7 +5061,7 @@
             <a:fld id="{87DE6118-2437-4B30-8E3C-4D2BE6020583}" type="datetimeFigureOut">
               <a:rPr lang="en-US" smtClean="0"/>
               <a:pPr/>
-              <a:t>11/7/2019</a:t>
+              <a:t>11/8/2019</a:t>
             </a:fld>
             <a:endParaRPr lang="en-US"/>
           </a:p>
@@ -5613,14 +5613,14 @@
           <a:lstStyle/>
           <a:p>
             <a:r>
-              <a:rPr lang="en-US"/>
+              <a:rPr lang="en-US" dirty="0"/>
               <a:t>Python pour </a:t>
             </a:r>
             <a:r>
-              <a:rPr lang="en-US" err="1"/>
-              <a:t>pogrammeurs</a:t>
-            </a:r>
-            <a:endParaRPr lang="fr-BE"/>
+              <a:rPr lang="en-US" dirty="0" err="1"/>
+              <a:t>programmeurs</a:t>
+            </a:r>
+            <a:endParaRPr lang="fr-BE" dirty="0"/>
           </a:p>
         </p:txBody>
       </p:sp>
